--- a/1. Lectures/Introducción a la Optimización aplicada a Sistemas de Energía Eléctrica/Dia 1/2. Modelamiento & Optimizaciónv2.pptx
+++ b/1. Lectures/Introducción a la Optimización aplicada a Sistemas de Energía Eléctrica/Dia 1/2. Modelamiento & Optimizaciónv2.pptx
@@ -5,10 +5,10 @@
     <p:sldMasterId id="2147483732" r:id="rId1"/>
   </p:sldMasterIdLst>
   <p:notesMasterIdLst>
-    <p:notesMasterId r:id="rId21"/>
+    <p:notesMasterId r:id="rId25"/>
   </p:notesMasterIdLst>
   <p:handoutMasterIdLst>
-    <p:handoutMasterId r:id="rId22"/>
+    <p:handoutMasterId r:id="rId26"/>
   </p:handoutMasterIdLst>
   <p:sldIdLst>
     <p:sldId id="256" r:id="rId2"/>
@@ -30,6 +30,10 @@
     <p:sldId id="408" r:id="rId18"/>
     <p:sldId id="409" r:id="rId19"/>
     <p:sldId id="411" r:id="rId20"/>
+    <p:sldId id="412" r:id="rId21"/>
+    <p:sldId id="413" r:id="rId22"/>
+    <p:sldId id="414" r:id="rId23"/>
+    <p:sldId id="415" r:id="rId24"/>
   </p:sldIdLst>
   <p:sldSz cx="9144000" cy="6858000" type="screen4x3"/>
   <p:notesSz cx="6858000" cy="9144000"/>
@@ -152,6 +156,10 @@
             <p14:sldId id="408"/>
             <p14:sldId id="409"/>
             <p14:sldId id="411"/>
+            <p14:sldId id="412"/>
+            <p14:sldId id="413"/>
+            <p14:sldId id="414"/>
+            <p14:sldId id="415"/>
           </p14:sldIdLst>
         </p14:section>
       </p14:sectionLst>
@@ -327,7 +335,7 @@
             <a:fld id="{27A565BD-2940-4473-877F-C1308FF5E531}" type="slidenum">
               <a:rPr lang="es-ES" smtClean="0"/>
               <a:pPr/>
-              <a:t>‹#›</a:t>
+              <a:t>‹Nº›</a:t>
             </a:fld>
             <a:endParaRPr lang="es-ES"/>
           </a:p>
@@ -590,7 +598,7 @@
             <a:fld id="{8AD6E850-6E96-4E89-86F1-2DE46BB95531}" type="slidenum">
               <a:rPr lang="es-ES" smtClean="0"/>
               <a:pPr/>
-              <a:t>‹#›</a:t>
+              <a:t>‹Nº›</a:t>
             </a:fld>
             <a:endParaRPr lang="es-ES"/>
           </a:p>
@@ -1012,7 +1020,7 @@
             <a:fld id="{64BD7E74-CBD2-4D88-9109-2EA8081AE675}" type="slidenum">
               <a:rPr lang="es-ES" smtClean="0"/>
               <a:pPr/>
-              <a:t>‹#›</a:t>
+              <a:t>‹Nº›</a:t>
             </a:fld>
             <a:endParaRPr lang="es-ES"/>
           </a:p>
@@ -1442,7 +1450,7 @@
             <a:fld id="{64BD7E74-CBD2-4D88-9109-2EA8081AE675}" type="slidenum">
               <a:rPr lang="es-ES" smtClean="0"/>
               <a:pPr/>
-              <a:t>‹#›</a:t>
+              <a:t>‹Nº›</a:t>
             </a:fld>
             <a:endParaRPr lang="es-ES"/>
           </a:p>
@@ -1633,7 +1641,7 @@
             <a:fld id="{64BD7E74-CBD2-4D88-9109-2EA8081AE675}" type="slidenum">
               <a:rPr lang="es-ES" smtClean="0"/>
               <a:pPr/>
-              <a:t>‹#›</a:t>
+              <a:t>‹Nº›</a:t>
             </a:fld>
             <a:endParaRPr lang="es-ES"/>
           </a:p>
@@ -1771,7 +1779,7 @@
             <a:fld id="{64BD7E74-CBD2-4D88-9109-2EA8081AE675}" type="slidenum">
               <a:rPr lang="es-ES" smtClean="0"/>
               <a:pPr/>
-              <a:t>‹#›</a:t>
+              <a:t>‹Nº›</a:t>
             </a:fld>
             <a:endParaRPr lang="es-ES"/>
           </a:p>
@@ -2292,7 +2300,7 @@
             <a:fld id="{64BD7E74-CBD2-4D88-9109-2EA8081AE675}" type="slidenum">
               <a:rPr lang="es-ES" smtClean="0"/>
               <a:pPr/>
-              <a:t>‹#›</a:t>
+              <a:t>‹Nº›</a:t>
             </a:fld>
             <a:endParaRPr lang="es-ES"/>
           </a:p>
@@ -2421,7 +2429,7 @@
             <a:fld id="{64BD7E74-CBD2-4D88-9109-2EA8081AE675}" type="slidenum">
               <a:rPr lang="es-ES" smtClean="0"/>
               <a:pPr/>
-              <a:t>‹#›</a:t>
+              <a:t>‹Nº›</a:t>
             </a:fld>
             <a:endParaRPr lang="es-ES"/>
           </a:p>
@@ -2799,7 +2807,7 @@
             <a:fld id="{64BD7E74-CBD2-4D88-9109-2EA8081AE675}" type="slidenum">
               <a:rPr lang="es-ES" smtClean="0"/>
               <a:pPr/>
-              <a:t>‹#›</a:t>
+              <a:t>‹Nº›</a:t>
             </a:fld>
             <a:endParaRPr lang="es-ES"/>
           </a:p>
@@ -3052,7 +3060,7 @@
             <a:fld id="{64BD7E74-CBD2-4D88-9109-2EA8081AE675}" type="slidenum">
               <a:rPr lang="es-ES" smtClean="0"/>
               <a:pPr/>
-              <a:t>‹#›</a:t>
+              <a:t>‹Nº›</a:t>
             </a:fld>
             <a:endParaRPr lang="es-ES"/>
           </a:p>
@@ -3188,7 +3196,7 @@
             <a:fld id="{64BD7E74-CBD2-4D88-9109-2EA8081AE675}" type="slidenum">
               <a:rPr lang="es-ES" smtClean="0"/>
               <a:pPr/>
-              <a:t>‹#›</a:t>
+              <a:t>‹Nº›</a:t>
             </a:fld>
             <a:endParaRPr lang="es-ES"/>
           </a:p>
@@ -3471,7 +3479,7 @@
             <a:fld id="{64BD7E74-CBD2-4D88-9109-2EA8081AE675}" type="slidenum">
               <a:rPr lang="es-ES" smtClean="0"/>
               <a:pPr/>
-              <a:t>‹#›</a:t>
+              <a:t>‹Nº›</a:t>
             </a:fld>
             <a:endParaRPr lang="es-ES"/>
           </a:p>
@@ -3720,7 +3728,7 @@
             <a:fld id="{64BD7E74-CBD2-4D88-9109-2EA8081AE675}" type="slidenum">
               <a:rPr lang="es-ES" smtClean="0"/>
               <a:pPr/>
-              <a:t>‹#›</a:t>
+              <a:t>‹Nº›</a:t>
             </a:fld>
             <a:endParaRPr lang="es-ES"/>
           </a:p>
@@ -4192,7 +4200,7 @@
             <a:fld id="{64BD7E74-CBD2-4D88-9109-2EA8081AE675}" type="slidenum">
               <a:rPr lang="es-ES" smtClean="0"/>
               <a:pPr/>
-              <a:t>‹#›</a:t>
+              <a:t>‹Nº›</a:t>
             </a:fld>
             <a:endParaRPr lang="es-ES" dirty="0"/>
           </a:p>
@@ -4858,6 +4866,20 @@
               <a:buNone/>
               <a:tabLst/>
             </a:pPr>
+            <a:r>
+              <a:rPr kumimoji="0" lang="es-PE" sz="1800" b="0" i="0" u="none" strike="noStrike" cap="none" normalizeH="0" baseline="0">
+                <a:ln>
+                  <a:noFill/>
+                </a:ln>
+                <a:solidFill>
+                  <a:schemeClr val="tx1"/>
+                </a:solidFill>
+                <a:effectLst/>
+                <a:latin typeface="Arial" pitchFamily="34" charset="0"/>
+                <a:cs typeface="Arial" pitchFamily="34" charset="0"/>
+              </a:rPr>
+              <a:t/>
+            </a:r>
             <a:br>
               <a:rPr kumimoji="0" lang="es-PE" sz="1800" b="0" i="0" u="none" strike="noStrike" cap="none" normalizeH="0" baseline="0">
                 <a:ln>
@@ -5751,7 +5773,7 @@
           <p:cNvPr id="4" name="Picture 3">
             <a:extLst>
               <a:ext uri="{FF2B5EF4-FFF2-40B4-BE49-F238E27FC236}">
-                <a16:creationId xmlns:a16="http://schemas.microsoft.com/office/drawing/2014/main" id="{704EA9A2-4697-4D61-8140-FA6B2C4F55DB}"/>
+                <a16:creationId xmlns:a16="http://schemas.microsoft.com/office/drawing/2014/main" xmlns="" id="{704EA9A2-4697-4D61-8140-FA6B2C4F55DB}"/>
               </a:ext>
             </a:extLst>
           </p:cNvPr>
@@ -5781,7 +5803,7 @@
           <p:cNvPr id="6" name="TextBox 5">
             <a:extLst>
               <a:ext uri="{FF2B5EF4-FFF2-40B4-BE49-F238E27FC236}">
-                <a16:creationId xmlns:a16="http://schemas.microsoft.com/office/drawing/2014/main" id="{07C250E3-42CC-4F1B-9953-BC98F9EC4CF3}"/>
+                <a16:creationId xmlns:a16="http://schemas.microsoft.com/office/drawing/2014/main" xmlns="" id="{07C250E3-42CC-4F1B-9953-BC98F9EC4CF3}"/>
               </a:ext>
             </a:extLst>
           </p:cNvPr>
@@ -5816,7 +5838,7 @@
           <p:cNvPr id="7" name="TextBox 6">
             <a:extLst>
               <a:ext uri="{FF2B5EF4-FFF2-40B4-BE49-F238E27FC236}">
-                <a16:creationId xmlns:a16="http://schemas.microsoft.com/office/drawing/2014/main" id="{4D2E9544-59C2-49CD-8553-D43AD621CEE4}"/>
+                <a16:creationId xmlns:a16="http://schemas.microsoft.com/office/drawing/2014/main" xmlns="" id="{4D2E9544-59C2-49CD-8553-D43AD621CEE4}"/>
               </a:ext>
             </a:extLst>
           </p:cNvPr>
@@ -5851,7 +5873,7 @@
           <p:cNvPr id="8" name="TextBox 7">
             <a:extLst>
               <a:ext uri="{FF2B5EF4-FFF2-40B4-BE49-F238E27FC236}">
-                <a16:creationId xmlns:a16="http://schemas.microsoft.com/office/drawing/2014/main" id="{A8B05684-2D1A-4D16-9461-349E1328453B}"/>
+                <a16:creationId xmlns:a16="http://schemas.microsoft.com/office/drawing/2014/main" xmlns="" id="{A8B05684-2D1A-4D16-9461-349E1328453B}"/>
               </a:ext>
             </a:extLst>
           </p:cNvPr>
@@ -5886,7 +5908,7 @@
           <p:cNvPr id="10" name="CuadroTexto 4">
             <a:extLst>
               <a:ext uri="{FF2B5EF4-FFF2-40B4-BE49-F238E27FC236}">
-                <a16:creationId xmlns:a16="http://schemas.microsoft.com/office/drawing/2014/main" id="{0EE2E59A-EFC5-4F7D-8B1B-CDE02E4D869C}"/>
+                <a16:creationId xmlns:a16="http://schemas.microsoft.com/office/drawing/2014/main" xmlns="" id="{0EE2E59A-EFC5-4F7D-8B1B-CDE02E4D869C}"/>
               </a:ext>
             </a:extLst>
           </p:cNvPr>
@@ -6035,7 +6057,7 @@
           <p:cNvPr id="6" name="TextBox 5">
             <a:extLst>
               <a:ext uri="{FF2B5EF4-FFF2-40B4-BE49-F238E27FC236}">
-                <a16:creationId xmlns:a16="http://schemas.microsoft.com/office/drawing/2014/main" id="{07C250E3-42CC-4F1B-9953-BC98F9EC4CF3}"/>
+                <a16:creationId xmlns:a16="http://schemas.microsoft.com/office/drawing/2014/main" xmlns="" id="{07C250E3-42CC-4F1B-9953-BC98F9EC4CF3}"/>
               </a:ext>
             </a:extLst>
           </p:cNvPr>
@@ -6070,7 +6092,7 @@
           <p:cNvPr id="7" name="TextBox 6">
             <a:extLst>
               <a:ext uri="{FF2B5EF4-FFF2-40B4-BE49-F238E27FC236}">
-                <a16:creationId xmlns:a16="http://schemas.microsoft.com/office/drawing/2014/main" id="{4D2E9544-59C2-49CD-8553-D43AD621CEE4}"/>
+                <a16:creationId xmlns:a16="http://schemas.microsoft.com/office/drawing/2014/main" xmlns="" id="{4D2E9544-59C2-49CD-8553-D43AD621CEE4}"/>
               </a:ext>
             </a:extLst>
           </p:cNvPr>
@@ -6105,7 +6127,7 @@
           <p:cNvPr id="8" name="TextBox 7">
             <a:extLst>
               <a:ext uri="{FF2B5EF4-FFF2-40B4-BE49-F238E27FC236}">
-                <a16:creationId xmlns:a16="http://schemas.microsoft.com/office/drawing/2014/main" id="{A8B05684-2D1A-4D16-9461-349E1328453B}"/>
+                <a16:creationId xmlns:a16="http://schemas.microsoft.com/office/drawing/2014/main" xmlns="" id="{A8B05684-2D1A-4D16-9461-349E1328453B}"/>
               </a:ext>
             </a:extLst>
           </p:cNvPr>
@@ -6140,7 +6162,7 @@
           <p:cNvPr id="10" name="CuadroTexto 4">
             <a:extLst>
               <a:ext uri="{FF2B5EF4-FFF2-40B4-BE49-F238E27FC236}">
-                <a16:creationId xmlns:a16="http://schemas.microsoft.com/office/drawing/2014/main" id="{0EE2E59A-EFC5-4F7D-8B1B-CDE02E4D869C}"/>
+                <a16:creationId xmlns:a16="http://schemas.microsoft.com/office/drawing/2014/main" xmlns="" id="{0EE2E59A-EFC5-4F7D-8B1B-CDE02E4D869C}"/>
               </a:ext>
             </a:extLst>
           </p:cNvPr>
@@ -6179,7 +6201,7 @@
           <p:cNvPr id="9" name="Picture 8">
             <a:extLst>
               <a:ext uri="{FF2B5EF4-FFF2-40B4-BE49-F238E27FC236}">
-                <a16:creationId xmlns:a16="http://schemas.microsoft.com/office/drawing/2014/main" id="{60302301-893E-4FD6-B8C5-8EA7A89AECD0}"/>
+                <a16:creationId xmlns:a16="http://schemas.microsoft.com/office/drawing/2014/main" xmlns="" id="{60302301-893E-4FD6-B8C5-8EA7A89AECD0}"/>
               </a:ext>
             </a:extLst>
           </p:cNvPr>
@@ -6209,7 +6231,7 @@
           <p:cNvPr id="11" name="TextBox 10">
             <a:extLst>
               <a:ext uri="{FF2B5EF4-FFF2-40B4-BE49-F238E27FC236}">
-                <a16:creationId xmlns:a16="http://schemas.microsoft.com/office/drawing/2014/main" id="{84877B43-4B67-4BCC-B591-1CA917FBF0F6}"/>
+                <a16:creationId xmlns:a16="http://schemas.microsoft.com/office/drawing/2014/main" xmlns="" id="{84877B43-4B67-4BCC-B591-1CA917FBF0F6}"/>
               </a:ext>
             </a:extLst>
           </p:cNvPr>
@@ -6354,7 +6376,7 @@
           <p:cNvPr id="6" name="TextBox 5">
             <a:extLst>
               <a:ext uri="{FF2B5EF4-FFF2-40B4-BE49-F238E27FC236}">
-                <a16:creationId xmlns:a16="http://schemas.microsoft.com/office/drawing/2014/main" id="{07C250E3-42CC-4F1B-9953-BC98F9EC4CF3}"/>
+                <a16:creationId xmlns:a16="http://schemas.microsoft.com/office/drawing/2014/main" xmlns="" id="{07C250E3-42CC-4F1B-9953-BC98F9EC4CF3}"/>
               </a:ext>
             </a:extLst>
           </p:cNvPr>
@@ -6389,7 +6411,7 @@
           <p:cNvPr id="10" name="CuadroTexto 4">
             <a:extLst>
               <a:ext uri="{FF2B5EF4-FFF2-40B4-BE49-F238E27FC236}">
-                <a16:creationId xmlns:a16="http://schemas.microsoft.com/office/drawing/2014/main" id="{0EE2E59A-EFC5-4F7D-8B1B-CDE02E4D869C}"/>
+                <a16:creationId xmlns:a16="http://schemas.microsoft.com/office/drawing/2014/main" xmlns="" id="{0EE2E59A-EFC5-4F7D-8B1B-CDE02E4D869C}"/>
               </a:ext>
             </a:extLst>
           </p:cNvPr>
@@ -6428,7 +6450,7 @@
           <p:cNvPr id="4" name="Picture 3">
             <a:extLst>
               <a:ext uri="{FF2B5EF4-FFF2-40B4-BE49-F238E27FC236}">
-                <a16:creationId xmlns:a16="http://schemas.microsoft.com/office/drawing/2014/main" id="{6E1342D5-6F5F-45B6-BA82-B307DEAE55CE}"/>
+                <a16:creationId xmlns:a16="http://schemas.microsoft.com/office/drawing/2014/main" xmlns="" id="{6E1342D5-6F5F-45B6-BA82-B307DEAE55CE}"/>
               </a:ext>
             </a:extLst>
           </p:cNvPr>
@@ -6568,7 +6590,7 @@
           <p:cNvPr id="6" name="TextBox 5">
             <a:extLst>
               <a:ext uri="{FF2B5EF4-FFF2-40B4-BE49-F238E27FC236}">
-                <a16:creationId xmlns:a16="http://schemas.microsoft.com/office/drawing/2014/main" id="{07C250E3-42CC-4F1B-9953-BC98F9EC4CF3}"/>
+                <a16:creationId xmlns:a16="http://schemas.microsoft.com/office/drawing/2014/main" xmlns="" id="{07C250E3-42CC-4F1B-9953-BC98F9EC4CF3}"/>
               </a:ext>
             </a:extLst>
           </p:cNvPr>
@@ -6607,7 +6629,7 @@
           <p:cNvPr id="10" name="CuadroTexto 4">
             <a:extLst>
               <a:ext uri="{FF2B5EF4-FFF2-40B4-BE49-F238E27FC236}">
-                <a16:creationId xmlns:a16="http://schemas.microsoft.com/office/drawing/2014/main" id="{0EE2E59A-EFC5-4F7D-8B1B-CDE02E4D869C}"/>
+                <a16:creationId xmlns:a16="http://schemas.microsoft.com/office/drawing/2014/main" xmlns="" id="{0EE2E59A-EFC5-4F7D-8B1B-CDE02E4D869C}"/>
               </a:ext>
             </a:extLst>
           </p:cNvPr>
@@ -6646,7 +6668,7 @@
           <p:cNvPr id="5" name="Picture 4">
             <a:extLst>
               <a:ext uri="{FF2B5EF4-FFF2-40B4-BE49-F238E27FC236}">
-                <a16:creationId xmlns:a16="http://schemas.microsoft.com/office/drawing/2014/main" id="{89DF8F4E-037E-4B3D-8F99-3F7972A3BFB0}"/>
+                <a16:creationId xmlns:a16="http://schemas.microsoft.com/office/drawing/2014/main" xmlns="" id="{89DF8F4E-037E-4B3D-8F99-3F7972A3BFB0}"/>
               </a:ext>
             </a:extLst>
           </p:cNvPr>
@@ -6786,7 +6808,7 @@
           <p:cNvPr id="6" name="TextBox 5">
             <a:extLst>
               <a:ext uri="{FF2B5EF4-FFF2-40B4-BE49-F238E27FC236}">
-                <a16:creationId xmlns:a16="http://schemas.microsoft.com/office/drawing/2014/main" id="{07C250E3-42CC-4F1B-9953-BC98F9EC4CF3}"/>
+                <a16:creationId xmlns:a16="http://schemas.microsoft.com/office/drawing/2014/main" xmlns="" id="{07C250E3-42CC-4F1B-9953-BC98F9EC4CF3}"/>
               </a:ext>
             </a:extLst>
           </p:cNvPr>
@@ -6821,7 +6843,7 @@
           <p:cNvPr id="10" name="CuadroTexto 4">
             <a:extLst>
               <a:ext uri="{FF2B5EF4-FFF2-40B4-BE49-F238E27FC236}">
-                <a16:creationId xmlns:a16="http://schemas.microsoft.com/office/drawing/2014/main" id="{0EE2E59A-EFC5-4F7D-8B1B-CDE02E4D869C}"/>
+                <a16:creationId xmlns:a16="http://schemas.microsoft.com/office/drawing/2014/main" xmlns="" id="{0EE2E59A-EFC5-4F7D-8B1B-CDE02E4D869C}"/>
               </a:ext>
             </a:extLst>
           </p:cNvPr>
@@ -6860,7 +6882,7 @@
           <p:cNvPr id="5" name="Picture 4">
             <a:extLst>
               <a:ext uri="{FF2B5EF4-FFF2-40B4-BE49-F238E27FC236}">
-                <a16:creationId xmlns:a16="http://schemas.microsoft.com/office/drawing/2014/main" id="{0D7D2E5B-69DE-4DF8-A502-9CB19F616629}"/>
+                <a16:creationId xmlns:a16="http://schemas.microsoft.com/office/drawing/2014/main" xmlns="" id="{0D7D2E5B-69DE-4DF8-A502-9CB19F616629}"/>
               </a:ext>
             </a:extLst>
           </p:cNvPr>
@@ -7000,7 +7022,7 @@
           <p:cNvPr id="6" name="TextBox 5">
             <a:extLst>
               <a:ext uri="{FF2B5EF4-FFF2-40B4-BE49-F238E27FC236}">
-                <a16:creationId xmlns:a16="http://schemas.microsoft.com/office/drawing/2014/main" id="{07C250E3-42CC-4F1B-9953-BC98F9EC4CF3}"/>
+                <a16:creationId xmlns:a16="http://schemas.microsoft.com/office/drawing/2014/main" xmlns="" id="{07C250E3-42CC-4F1B-9953-BC98F9EC4CF3}"/>
               </a:ext>
             </a:extLst>
           </p:cNvPr>
@@ -7035,7 +7057,7 @@
           <p:cNvPr id="10" name="CuadroTexto 4">
             <a:extLst>
               <a:ext uri="{FF2B5EF4-FFF2-40B4-BE49-F238E27FC236}">
-                <a16:creationId xmlns:a16="http://schemas.microsoft.com/office/drawing/2014/main" id="{0EE2E59A-EFC5-4F7D-8B1B-CDE02E4D869C}"/>
+                <a16:creationId xmlns:a16="http://schemas.microsoft.com/office/drawing/2014/main" xmlns="" id="{0EE2E59A-EFC5-4F7D-8B1B-CDE02E4D869C}"/>
               </a:ext>
             </a:extLst>
           </p:cNvPr>
@@ -7074,7 +7096,7 @@
           <p:cNvPr id="5" name="Picture 4">
             <a:extLst>
               <a:ext uri="{FF2B5EF4-FFF2-40B4-BE49-F238E27FC236}">
-                <a16:creationId xmlns:a16="http://schemas.microsoft.com/office/drawing/2014/main" id="{9CB33994-9355-4B6E-B67B-BBC36E3A39F2}"/>
+                <a16:creationId xmlns:a16="http://schemas.microsoft.com/office/drawing/2014/main" xmlns="" id="{9CB33994-9355-4B6E-B67B-BBC36E3A39F2}"/>
               </a:ext>
             </a:extLst>
           </p:cNvPr>
@@ -7104,7 +7126,7 @@
           <p:cNvPr id="8" name="TextBox 7">
             <a:extLst>
               <a:ext uri="{FF2B5EF4-FFF2-40B4-BE49-F238E27FC236}">
-                <a16:creationId xmlns:a16="http://schemas.microsoft.com/office/drawing/2014/main" id="{E5E78E8D-9A97-4BFA-840C-2C21D9AD90FD}"/>
+                <a16:creationId xmlns:a16="http://schemas.microsoft.com/office/drawing/2014/main" xmlns="" id="{E5E78E8D-9A97-4BFA-840C-2C21D9AD90FD}"/>
               </a:ext>
             </a:extLst>
           </p:cNvPr>
@@ -7139,7 +7161,7 @@
           <p:cNvPr id="9" name="TextBox 8">
             <a:extLst>
               <a:ext uri="{FF2B5EF4-FFF2-40B4-BE49-F238E27FC236}">
-                <a16:creationId xmlns:a16="http://schemas.microsoft.com/office/drawing/2014/main" id="{7C62D17B-39C2-4880-9835-263446DA2D3C}"/>
+                <a16:creationId xmlns:a16="http://schemas.microsoft.com/office/drawing/2014/main" xmlns="" id="{7C62D17B-39C2-4880-9835-263446DA2D3C}"/>
               </a:ext>
             </a:extLst>
           </p:cNvPr>
@@ -7284,7 +7306,7 @@
           <p:cNvPr id="10" name="CuadroTexto 4">
             <a:extLst>
               <a:ext uri="{FF2B5EF4-FFF2-40B4-BE49-F238E27FC236}">
-                <a16:creationId xmlns:a16="http://schemas.microsoft.com/office/drawing/2014/main" id="{0EE2E59A-EFC5-4F7D-8B1B-CDE02E4D869C}"/>
+                <a16:creationId xmlns:a16="http://schemas.microsoft.com/office/drawing/2014/main" xmlns="" id="{0EE2E59A-EFC5-4F7D-8B1B-CDE02E4D869C}"/>
               </a:ext>
             </a:extLst>
           </p:cNvPr>
@@ -7313,8 +7335,13 @@
             </a:pPr>
             <a:r>
               <a:rPr lang="es-MX" sz="2000" dirty="0"/>
-              <a:t>Programación lineal (LP)</a:t>
-            </a:r>
+              <a:t>Programación lineal (</a:t>
+            </a:r>
+            <a:r>
+              <a:rPr lang="es-MX" sz="2000" dirty="0" smtClean="0"/>
+              <a:t>LP) (PL)</a:t>
+            </a:r>
+            <a:endParaRPr lang="es-MX" sz="2000" dirty="0"/>
           </a:p>
           <a:p>
             <a:pPr marL="800100" lvl="1" indent="-342900">
@@ -7333,8 +7360,13 @@
             </a:pPr>
             <a:r>
               <a:rPr lang="es-MX" sz="2000" dirty="0"/>
-              <a:t>Programación cuadrática (QP)</a:t>
-            </a:r>
+              <a:t>Programación cuadrática (QP</a:t>
+            </a:r>
+            <a:r>
+              <a:rPr lang="es-MX" sz="2000" dirty="0" smtClean="0"/>
+              <a:t>) (PQ)</a:t>
+            </a:r>
+            <a:endParaRPr lang="es-MX" sz="2000" dirty="0"/>
           </a:p>
           <a:p>
             <a:pPr marL="800100" lvl="1" indent="-342900">
@@ -7353,8 +7385,13 @@
             </a:pPr>
             <a:r>
               <a:rPr lang="es-MX" sz="2000" dirty="0"/>
-              <a:t>Programación cuadrática con restricciones cuadráticas (QCQP)</a:t>
-            </a:r>
+              <a:t>Programación cuadrática con restricciones cuadráticas (QCQP</a:t>
+            </a:r>
+            <a:r>
+              <a:rPr lang="es-MX" sz="2000" dirty="0" smtClean="0"/>
+              <a:t>) (PQRQ)</a:t>
+            </a:r>
+            <a:endParaRPr lang="es-MX" sz="2000" dirty="0"/>
           </a:p>
           <a:p>
             <a:pPr marL="800100" lvl="1" indent="-342900">
@@ -7373,8 +7410,13 @@
             </a:pPr>
             <a:r>
               <a:rPr lang="es-MX" sz="2000" dirty="0"/>
-              <a:t>Programación cónica de segundo orden (SOCP)</a:t>
-            </a:r>
+              <a:t>Programación cónica de segundo orden (SOCP</a:t>
+            </a:r>
+            <a:r>
+              <a:rPr lang="es-MX" sz="2000" dirty="0" smtClean="0"/>
+              <a:t>)  (PCSO)</a:t>
+            </a:r>
+            <a:endParaRPr lang="es-MX" sz="2000" dirty="0"/>
           </a:p>
           <a:p>
             <a:pPr marL="800100" lvl="1" indent="-342900">
@@ -7517,7 +7559,7 @@
           <p:cNvPr id="10" name="CuadroTexto 4">
             <a:extLst>
               <a:ext uri="{FF2B5EF4-FFF2-40B4-BE49-F238E27FC236}">
-                <a16:creationId xmlns:a16="http://schemas.microsoft.com/office/drawing/2014/main" id="{0EE2E59A-EFC5-4F7D-8B1B-CDE02E4D869C}"/>
+                <a16:creationId xmlns:a16="http://schemas.microsoft.com/office/drawing/2014/main" xmlns="" id="{0EE2E59A-EFC5-4F7D-8B1B-CDE02E4D869C}"/>
               </a:ext>
             </a:extLst>
           </p:cNvPr>
@@ -7527,7 +7569,7 @@
         <p:spPr>
           <a:xfrm>
             <a:off x="602191" y="836712"/>
-            <a:ext cx="8002257" cy="5632311"/>
+            <a:ext cx="8002257" cy="3170099"/>
           </a:xfrm>
           <a:prstGeom prst="rect">
             <a:avLst/>
@@ -7554,8 +7596,13 @@
             </a:r>
             <a:r>
               <a:rPr lang="es-MX" sz="2000" dirty="0"/>
-              <a:t> (SDP)</a:t>
-            </a:r>
+              <a:t> (SDP</a:t>
+            </a:r>
+            <a:r>
+              <a:rPr lang="es-MX" sz="2000" dirty="0" smtClean="0"/>
+              <a:t>) (PSD)</a:t>
+            </a:r>
+            <a:endParaRPr lang="es-MX" sz="2000" dirty="0"/>
           </a:p>
           <a:p>
             <a:pPr marL="800100" lvl="1" indent="-342900">
@@ -7582,8 +7629,13 @@
             </a:pPr>
             <a:r>
               <a:rPr lang="es-MX" sz="2000" dirty="0"/>
-              <a:t>Programación no lineal (NLP)</a:t>
-            </a:r>
+              <a:t>Programación no lineal (NLP</a:t>
+            </a:r>
+            <a:r>
+              <a:rPr lang="es-MX" sz="2000" dirty="0" smtClean="0"/>
+              <a:t>) (PNL)</a:t>
+            </a:r>
+            <a:endParaRPr lang="es-MX" sz="2000" dirty="0"/>
           </a:p>
           <a:p>
             <a:pPr marL="800100" lvl="1" indent="-342900">
@@ -7592,48 +7644,17 @@
             </a:pPr>
             <a:r>
               <a:rPr lang="es-MX" sz="2000" dirty="0"/>
-              <a:t>Estudia el caso en que la función objetivo tiene términos cuadráticos, las variables son continuas y el conjunto de restricciones son lineales.</a:t>
-            </a:r>
-          </a:p>
-          <a:p>
-            <a:pPr marL="285750" indent="-285750">
-              <a:buFont typeface="Arial" panose="020B0604020202020204" pitchFamily="34" charset="0"/>
-              <a:buChar char="•"/>
-            </a:pPr>
-            <a:r>
-              <a:rPr lang="es-MX" sz="2000" dirty="0"/>
-              <a:t>Programación cuadrática con restricciones cuadráticas (QCQP)</a:t>
-            </a:r>
-          </a:p>
-          <a:p>
-            <a:pPr marL="800100" lvl="1" indent="-342900">
-              <a:buFont typeface="Perpetua" panose="02020502060401020303" pitchFamily="18" charset="0"/>
-              <a:buChar char="−"/>
-            </a:pPr>
-            <a:r>
-              <a:rPr lang="es-MX" sz="2000" dirty="0"/>
-              <a:t>Estudia el caso en que la función objetivo tiene términos cuadráticos, las variables son continuas y el conjunto de restricciones son lineales y cuadráticas.</a:t>
-            </a:r>
-          </a:p>
-          <a:p>
-            <a:pPr marL="285750" indent="-285750">
-              <a:buFont typeface="Arial" panose="020B0604020202020204" pitchFamily="34" charset="0"/>
-              <a:buChar char="•"/>
-            </a:pPr>
-            <a:r>
-              <a:rPr lang="es-MX" sz="2000" dirty="0"/>
-              <a:t>Programación cónica de segundo orden (SOCP)</a:t>
-            </a:r>
-          </a:p>
-          <a:p>
-            <a:pPr marL="800100" lvl="1" indent="-342900">
-              <a:buFont typeface="Perpetua" panose="02020502060401020303" pitchFamily="18" charset="0"/>
-              <a:buChar char="−"/>
-            </a:pPr>
-            <a:r>
-              <a:rPr lang="es-MX" sz="2000" dirty="0"/>
-              <a:t>Estudia el caso en que la función objetivo tiene términos lineales, las variables son continuas y el conjunto de restricciones son lineales y cónicas de segundo orden.</a:t>
-            </a:r>
+              <a:t>Estudia el caso en que la función objetivo </a:t>
+            </a:r>
+            <a:r>
+              <a:rPr lang="es-MX" sz="2000" dirty="0" smtClean="0"/>
+              <a:t>o las</a:t>
+            </a:r>
+            <a:r>
+              <a:rPr lang="es-MX" sz="2000" dirty="0" smtClean="0"/>
+              <a:t> restricciones, o ambos, contienen términos no lineales y las variables son continuas.</a:t>
+            </a:r>
+            <a:endParaRPr lang="es-MX" sz="2000" dirty="0"/>
           </a:p>
           <a:p>
             <a:pPr marL="285750" indent="-285750">
@@ -7846,28 +7867,28 @@
                 <a:gridCol w="2169609">
                   <a:extLst>
                     <a:ext uri="{9D8B030D-6E8A-4147-A177-3AD203B41FA5}">
-                      <a16:colId xmlns:a16="http://schemas.microsoft.com/office/drawing/2014/main" val="1387785101"/>
+                      <a16:colId xmlns:a16="http://schemas.microsoft.com/office/drawing/2014/main" xmlns="" val="1387785101"/>
                     </a:ext>
                   </a:extLst>
                 </a:gridCol>
                 <a:gridCol w="1463040">
                   <a:extLst>
                     <a:ext uri="{9D8B030D-6E8A-4147-A177-3AD203B41FA5}">
-                      <a16:colId xmlns:a16="http://schemas.microsoft.com/office/drawing/2014/main" val="862367707"/>
+                      <a16:colId xmlns:a16="http://schemas.microsoft.com/office/drawing/2014/main" xmlns="" val="862367707"/>
                     </a:ext>
                   </a:extLst>
                 </a:gridCol>
                 <a:gridCol w="1463040">
                   <a:extLst>
                     <a:ext uri="{9D8B030D-6E8A-4147-A177-3AD203B41FA5}">
-                      <a16:colId xmlns:a16="http://schemas.microsoft.com/office/drawing/2014/main" val="3989843849"/>
+                      <a16:colId xmlns:a16="http://schemas.microsoft.com/office/drawing/2014/main" xmlns="" val="3989843849"/>
                     </a:ext>
                   </a:extLst>
                 </a:gridCol>
                 <a:gridCol w="1463040">
                   <a:extLst>
                     <a:ext uri="{9D8B030D-6E8A-4147-A177-3AD203B41FA5}">
-                      <a16:colId xmlns:a16="http://schemas.microsoft.com/office/drawing/2014/main" val="3980836442"/>
+                      <a16:colId xmlns:a16="http://schemas.microsoft.com/office/drawing/2014/main" xmlns="" val="3980836442"/>
                     </a:ext>
                   </a:extLst>
                 </a:gridCol>
@@ -7932,7 +7953,7 @@
                 </a:tc>
                 <a:extLst>
                   <a:ext uri="{0D108BD9-81ED-4DB2-BD59-A6C34878D82A}">
-                    <a16:rowId xmlns:a16="http://schemas.microsoft.com/office/drawing/2014/main" val="385669016"/>
+                    <a16:rowId xmlns:a16="http://schemas.microsoft.com/office/drawing/2014/main" xmlns="" val="385669016"/>
                   </a:ext>
                 </a:extLst>
               </a:tr>
@@ -7999,7 +8020,7 @@
                 </a:tc>
                 <a:extLst>
                   <a:ext uri="{0D108BD9-81ED-4DB2-BD59-A6C34878D82A}">
-                    <a16:rowId xmlns:a16="http://schemas.microsoft.com/office/drawing/2014/main" val="1803704957"/>
+                    <a16:rowId xmlns:a16="http://schemas.microsoft.com/office/drawing/2014/main" xmlns="" val="1803704957"/>
                   </a:ext>
                 </a:extLst>
               </a:tr>
@@ -8066,7 +8087,7 @@
                 </a:tc>
                 <a:extLst>
                   <a:ext uri="{0D108BD9-81ED-4DB2-BD59-A6C34878D82A}">
-                    <a16:rowId xmlns:a16="http://schemas.microsoft.com/office/drawing/2014/main" val="3361610549"/>
+                    <a16:rowId xmlns:a16="http://schemas.microsoft.com/office/drawing/2014/main" xmlns="" val="3361610549"/>
                   </a:ext>
                 </a:extLst>
               </a:tr>
@@ -8122,6 +8143,2110 @@
     <p:extLst>
       <p:ext uri="{BB962C8B-B14F-4D97-AF65-F5344CB8AC3E}">
         <p14:creationId xmlns:p14="http://schemas.microsoft.com/office/powerpoint/2010/main" val="2405098526"/>
+      </p:ext>
+    </p:extLst>
+  </p:cSld>
+  <p:clrMapOvr>
+    <a:masterClrMapping/>
+  </p:clrMapOvr>
+  <p:transition spd="slow">
+    <p:fade/>
+  </p:transition>
+</p:sld>
+</file>
+
+<file path=ppt/slides/slide20.xml><?xml version="1.0" encoding="utf-8"?>
+<p:sld xmlns:a="http://schemas.openxmlformats.org/drawingml/2006/main" xmlns:r="http://schemas.openxmlformats.org/officeDocument/2006/relationships" xmlns:p="http://schemas.openxmlformats.org/presentationml/2006/main">
+  <p:cSld>
+    <p:spTree>
+      <p:nvGrpSpPr>
+        <p:cNvPr id="1" name=""/>
+        <p:cNvGrpSpPr/>
+        <p:nvPr/>
+      </p:nvGrpSpPr>
+      <p:grpSpPr>
+        <a:xfrm>
+          <a:off x="0" y="0"/>
+          <a:ext cx="0" cy="0"/>
+          <a:chOff x="0" y="0"/>
+          <a:chExt cx="0" cy="0"/>
+        </a:xfrm>
+      </p:grpSpPr>
+      <p:sp>
+        <p:nvSpPr>
+          <p:cNvPr id="2" name="Marcador de número de diapositiva 1"/>
+          <p:cNvSpPr>
+            <a:spLocks noGrp="1"/>
+          </p:cNvSpPr>
+          <p:nvPr>
+            <p:ph type="sldNum" sz="quarter" idx="12"/>
+          </p:nvPr>
+        </p:nvSpPr>
+        <p:spPr/>
+        <p:txBody>
+          <a:bodyPr/>
+          <a:lstStyle/>
+          <a:p>
+            <a:fld id="{64BD7E74-CBD2-4D88-9109-2EA8081AE675}" type="slidenum">
+              <a:rPr lang="es-ES" smtClean="0"/>
+              <a:pPr/>
+              <a:t>20</a:t>
+            </a:fld>
+            <a:endParaRPr lang="es-ES"/>
+          </a:p>
+        </p:txBody>
+      </p:sp>
+      <p:sp>
+        <p:nvSpPr>
+          <p:cNvPr id="3" name="4 Título"/>
+          <p:cNvSpPr txBox="1">
+            <a:spLocks/>
+          </p:cNvSpPr>
+          <p:nvPr/>
+        </p:nvSpPr>
+        <p:spPr>
+          <a:xfrm>
+            <a:off x="611560" y="188640"/>
+            <a:ext cx="8784976" cy="457120"/>
+          </a:xfrm>
+          <a:prstGeom prst="rect">
+            <a:avLst/>
+          </a:prstGeom>
+        </p:spPr>
+        <p:txBody>
+          <a:bodyPr bIns="91440" anchor="b" anchorCtr="0">
+            <a:noAutofit/>
+          </a:bodyPr>
+          <a:lstStyle>
+            <a:lvl1pPr>
+              <a:spcBef>
+                <a:spcPct val="0"/>
+              </a:spcBef>
+              <a:buNone/>
+              <a:defRPr kumimoji="0" sz="2400">
+                <a:ln w="0"/>
+                <a:solidFill>
+                  <a:schemeClr val="tx2"/>
+                </a:solidFill>
+                <a:effectLst>
+                  <a:outerShdw blurRad="38100" dist="19050" dir="2700000" algn="tl" rotWithShape="0">
+                    <a:schemeClr val="dk1">
+                      <a:alpha val="40000"/>
+                    </a:schemeClr>
+                  </a:outerShdw>
+                </a:effectLst>
+                <a:latin typeface="+mj-lt"/>
+                <a:ea typeface="+mj-ea"/>
+                <a:cs typeface="+mj-cs"/>
+              </a:defRPr>
+            </a:lvl1pPr>
+          </a:lstStyle>
+          <a:p>
+            <a:r>
+              <a:rPr lang="es-PE" altLang="en-US" dirty="0"/>
+              <a:t>Tipos de problemas de optimización</a:t>
+            </a:r>
+          </a:p>
+        </p:txBody>
+      </p:sp>
+      <p:pic>
+        <p:nvPicPr>
+          <p:cNvPr id="4" name="Imagen 3"/>
+          <p:cNvPicPr>
+            <a:picLocks noChangeAspect="1"/>
+          </p:cNvPicPr>
+          <p:nvPr/>
+        </p:nvPicPr>
+        <p:blipFill>
+          <a:blip r:embed="rId2"/>
+          <a:stretch>
+            <a:fillRect/>
+          </a:stretch>
+        </p:blipFill>
+        <p:spPr>
+          <a:xfrm>
+            <a:off x="862012" y="1233487"/>
+            <a:ext cx="7419975" cy="4391025"/>
+          </a:xfrm>
+          <a:prstGeom prst="rect">
+            <a:avLst/>
+          </a:prstGeom>
+        </p:spPr>
+      </p:pic>
+    </p:spTree>
+    <p:extLst>
+      <p:ext uri="{BB962C8B-B14F-4D97-AF65-F5344CB8AC3E}">
+        <p14:creationId xmlns:p14="http://schemas.microsoft.com/office/powerpoint/2010/main" val="1471694031"/>
+      </p:ext>
+    </p:extLst>
+  </p:cSld>
+  <p:clrMapOvr>
+    <a:masterClrMapping/>
+  </p:clrMapOvr>
+  <p:transition spd="slow">
+    <p:fade/>
+  </p:transition>
+</p:sld>
+</file>
+
+<file path=ppt/slides/slide21.xml><?xml version="1.0" encoding="utf-8"?>
+<p:sld xmlns:a="http://schemas.openxmlformats.org/drawingml/2006/main" xmlns:r="http://schemas.openxmlformats.org/officeDocument/2006/relationships" xmlns:p="http://schemas.openxmlformats.org/presentationml/2006/main">
+  <p:cSld>
+    <p:spTree>
+      <p:nvGrpSpPr>
+        <p:cNvPr id="1" name=""/>
+        <p:cNvGrpSpPr/>
+        <p:nvPr/>
+      </p:nvGrpSpPr>
+      <p:grpSpPr>
+        <a:xfrm>
+          <a:off x="0" y="0"/>
+          <a:ext cx="0" cy="0"/>
+          <a:chOff x="0" y="0"/>
+          <a:chExt cx="0" cy="0"/>
+        </a:xfrm>
+      </p:grpSpPr>
+      <p:sp>
+        <p:nvSpPr>
+          <p:cNvPr id="2" name="Marcador de número de diapositiva 1"/>
+          <p:cNvSpPr>
+            <a:spLocks noGrp="1"/>
+          </p:cNvSpPr>
+          <p:nvPr>
+            <p:ph type="sldNum" sz="quarter" idx="12"/>
+          </p:nvPr>
+        </p:nvSpPr>
+        <p:spPr/>
+        <p:txBody>
+          <a:bodyPr/>
+          <a:lstStyle/>
+          <a:p>
+            <a:fld id="{64BD7E74-CBD2-4D88-9109-2EA8081AE675}" type="slidenum">
+              <a:rPr lang="es-ES" smtClean="0"/>
+              <a:pPr/>
+              <a:t>21</a:t>
+            </a:fld>
+            <a:endParaRPr lang="es-ES"/>
+          </a:p>
+        </p:txBody>
+      </p:sp>
+      <p:sp>
+        <p:nvSpPr>
+          <p:cNvPr id="3" name="4 Título"/>
+          <p:cNvSpPr txBox="1">
+            <a:spLocks/>
+          </p:cNvSpPr>
+          <p:nvPr/>
+        </p:nvSpPr>
+        <p:spPr>
+          <a:xfrm>
+            <a:off x="611560" y="188640"/>
+            <a:ext cx="8784976" cy="457120"/>
+          </a:xfrm>
+          <a:prstGeom prst="rect">
+            <a:avLst/>
+          </a:prstGeom>
+        </p:spPr>
+        <p:txBody>
+          <a:bodyPr bIns="91440" anchor="b" anchorCtr="0">
+            <a:noAutofit/>
+          </a:bodyPr>
+          <a:lstStyle>
+            <a:lvl1pPr>
+              <a:spcBef>
+                <a:spcPct val="0"/>
+              </a:spcBef>
+              <a:buNone/>
+              <a:defRPr kumimoji="0" sz="2400">
+                <a:ln w="0"/>
+                <a:solidFill>
+                  <a:schemeClr val="tx2"/>
+                </a:solidFill>
+                <a:effectLst>
+                  <a:outerShdw blurRad="38100" dist="19050" dir="2700000" algn="tl" rotWithShape="0">
+                    <a:schemeClr val="dk1">
+                      <a:alpha val="40000"/>
+                    </a:schemeClr>
+                  </a:outerShdw>
+                </a:effectLst>
+                <a:latin typeface="+mj-lt"/>
+                <a:ea typeface="+mj-ea"/>
+                <a:cs typeface="+mj-cs"/>
+              </a:defRPr>
+            </a:lvl1pPr>
+          </a:lstStyle>
+          <a:p>
+            <a:r>
+              <a:rPr lang="es-PE" altLang="en-US" dirty="0" smtClean="0"/>
+              <a:t>Óptimo local vs óptimo local</a:t>
+            </a:r>
+            <a:endParaRPr lang="es-PE" altLang="en-US" dirty="0"/>
+          </a:p>
+        </p:txBody>
+      </p:sp>
+      <p:pic>
+        <p:nvPicPr>
+          <p:cNvPr id="5" name="Imagen 4"/>
+          <p:cNvPicPr>
+            <a:picLocks noChangeAspect="1"/>
+          </p:cNvPicPr>
+          <p:nvPr/>
+        </p:nvPicPr>
+        <p:blipFill rotWithShape="1">
+          <a:blip r:embed="rId2"/>
+          <a:srcRect/>
+          <a:stretch/>
+        </p:blipFill>
+        <p:spPr>
+          <a:xfrm>
+            <a:off x="438944" y="2420888"/>
+            <a:ext cx="8183591" cy="3528391"/>
+          </a:xfrm>
+          <a:prstGeom prst="rect">
+            <a:avLst/>
+          </a:prstGeom>
+        </p:spPr>
+      </p:pic>
+      <mc:AlternateContent xmlns:mc="http://schemas.openxmlformats.org/markup-compatibility/2006">
+        <mc:Choice xmlns:a14="http://schemas.microsoft.com/office/drawing/2010/main" Requires="a14">
+          <p:sp>
+            <p:nvSpPr>
+              <p:cNvPr id="6" name="CuadroTexto 4">
+                <a:extLst>
+                  <a:ext uri="{FF2B5EF4-FFF2-40B4-BE49-F238E27FC236}">
+                    <a16:creationId xmlns:a16="http://schemas.microsoft.com/office/drawing/2014/main" xmlns="" id="{0EE2E59A-EFC5-4F7D-8B1B-CDE02E4D869C}"/>
+                  </a:ext>
+                </a:extLst>
+              </p:cNvPr>
+              <p:cNvSpPr txBox="1"/>
+              <p:nvPr/>
+            </p:nvSpPr>
+            <p:spPr>
+              <a:xfrm>
+                <a:off x="602191" y="836712"/>
+                <a:ext cx="8002257" cy="2246769"/>
+              </a:xfrm>
+              <a:prstGeom prst="rect">
+                <a:avLst/>
+              </a:prstGeom>
+              <a:noFill/>
+            </p:spPr>
+            <p:txBody>
+              <a:bodyPr wrap="square" rtlCol="0">
+                <a:spAutoFit/>
+              </a:bodyPr>
+              <a:lstStyle/>
+              <a:p>
+                <a:pPr marL="285750" indent="-285750">
+                  <a:buFont typeface="Arial" panose="020B0604020202020204" pitchFamily="34" charset="0"/>
+                  <a:buChar char="•"/>
+                </a:pPr>
+                <a:r>
+                  <a:rPr lang="es-MX" sz="2000" dirty="0" smtClean="0"/>
+                  <a:t>Las solución x será un máximo local si </a:t>
+                </a:r>
+                <a14:m>
+                  <m:oMath xmlns:m="http://schemas.openxmlformats.org/officeDocument/2006/math">
+                    <m:r>
+                      <a:rPr lang="es-MX" sz="2000" i="1" dirty="0" smtClean="0">
+                        <a:latin typeface="Cambria Math" panose="02040503050406030204" pitchFamily="18" charset="0"/>
+                      </a:rPr>
+                      <m:t>𝑓</m:t>
+                    </m:r>
+                    <m:r>
+                      <a:rPr lang="es-MX" sz="2000" i="1" dirty="0" smtClean="0">
+                        <a:latin typeface="Cambria Math" panose="02040503050406030204" pitchFamily="18" charset="0"/>
+                      </a:rPr>
+                      <m:t>(</m:t>
+                    </m:r>
+                    <m:r>
+                      <a:rPr lang="es-MX" sz="2000" i="1" dirty="0" smtClean="0">
+                        <a:latin typeface="Cambria Math" panose="02040503050406030204" pitchFamily="18" charset="0"/>
+                      </a:rPr>
+                      <m:t>𝑥</m:t>
+                    </m:r>
+                    <m:r>
+                      <a:rPr lang="es-MX" sz="2000" i="1" dirty="0" smtClean="0">
+                        <a:latin typeface="Cambria Math" panose="02040503050406030204" pitchFamily="18" charset="0"/>
+                      </a:rPr>
+                      <m:t>)≥</m:t>
+                    </m:r>
+                    <m:r>
+                      <a:rPr lang="es-MX" sz="2000" i="1" dirty="0">
+                        <a:latin typeface="Cambria Math" panose="02040503050406030204" pitchFamily="18" charset="0"/>
+                      </a:rPr>
+                      <m:t>𝑓</m:t>
+                    </m:r>
+                    <m:r>
+                      <a:rPr lang="es-MX" sz="2000" i="1" dirty="0">
+                        <a:latin typeface="Cambria Math" panose="02040503050406030204" pitchFamily="18" charset="0"/>
+                      </a:rPr>
+                      <m:t>(</m:t>
+                    </m:r>
+                    <m:acc>
+                      <m:accPr>
+                        <m:chr m:val="̇"/>
+                        <m:ctrlPr>
+                          <a:rPr lang="es-MX" sz="2000" i="1" dirty="0" smtClean="0">
+                            <a:latin typeface="Cambria Math" panose="02040503050406030204" pitchFamily="18" charset="0"/>
+                          </a:rPr>
+                        </m:ctrlPr>
+                      </m:accPr>
+                      <m:e>
+                        <m:r>
+                          <a:rPr lang="es-PE" sz="2000" b="0" i="1" dirty="0" smtClean="0">
+                            <a:latin typeface="Cambria Math" panose="02040503050406030204" pitchFamily="18" charset="0"/>
+                          </a:rPr>
+                          <m:t>𝑥</m:t>
+                        </m:r>
+                      </m:e>
+                    </m:acc>
+                    <m:r>
+                      <a:rPr lang="es-MX" sz="2000" i="1" dirty="0">
+                        <a:latin typeface="Cambria Math" panose="02040503050406030204" pitchFamily="18" charset="0"/>
+                      </a:rPr>
+                      <m:t>)</m:t>
+                    </m:r>
+                  </m:oMath>
+                </a14:m>
+                <a:r>
+                  <a:rPr lang="es-MX" sz="2000" dirty="0" smtClean="0"/>
+                  <a:t>, para todo </a:t>
+                </a:r>
+                <a14:m>
+                  <m:oMath xmlns:m="http://schemas.openxmlformats.org/officeDocument/2006/math">
+                    <m:acc>
+                      <m:accPr>
+                        <m:chr m:val="̇"/>
+                        <m:ctrlPr>
+                          <a:rPr lang="es-PE" sz="2000" i="1" dirty="0" smtClean="0">
+                            <a:latin typeface="Cambria Math" panose="02040503050406030204" pitchFamily="18" charset="0"/>
+                          </a:rPr>
+                        </m:ctrlPr>
+                      </m:accPr>
+                      <m:e>
+                        <m:r>
+                          <a:rPr lang="es-PE" sz="2000" b="0" i="1" dirty="0" smtClean="0">
+                            <a:latin typeface="Cambria Math" panose="02040503050406030204" pitchFamily="18" charset="0"/>
+                          </a:rPr>
+                          <m:t>𝑥</m:t>
+                        </m:r>
+                      </m:e>
+                    </m:acc>
+                  </m:oMath>
+                </a14:m>
+                <a:r>
+                  <a:rPr lang="es-MX" sz="2000" dirty="0" smtClean="0"/>
+                  <a:t> alrededor a </a:t>
+                </a:r>
+                <a14:m>
+                  <m:oMath xmlns:m="http://schemas.openxmlformats.org/officeDocument/2006/math">
+                    <m:r>
+                      <a:rPr lang="es-PE" sz="2000" i="1" dirty="0">
+                        <a:latin typeface="Cambria Math" panose="02040503050406030204" pitchFamily="18" charset="0"/>
+                      </a:rPr>
+                      <m:t>𝑥</m:t>
+                    </m:r>
+                  </m:oMath>
+                </a14:m>
+                <a:r>
+                  <a:rPr lang="es-MX" sz="2000" dirty="0" smtClean="0"/>
+                  <a:t>.</a:t>
+                </a:r>
+              </a:p>
+              <a:p>
+                <a:pPr marL="285750" indent="-285750">
+                  <a:buFont typeface="Arial" panose="020B0604020202020204" pitchFamily="34" charset="0"/>
+                  <a:buChar char="•"/>
+                </a:pPr>
+                <a:r>
+                  <a:rPr lang="es-MX" sz="2000" dirty="0"/>
+                  <a:t>Las solución x será un </a:t>
+                </a:r>
+                <a:r>
+                  <a:rPr lang="es-MX" sz="2000" dirty="0" smtClean="0"/>
+                  <a:t>mínimo </a:t>
+                </a:r>
+                <a:r>
+                  <a:rPr lang="es-MX" sz="2000" dirty="0"/>
+                  <a:t>local si </a:t>
+                </a:r>
+                <a14:m>
+                  <m:oMath xmlns:m="http://schemas.openxmlformats.org/officeDocument/2006/math">
+                    <m:r>
+                      <a:rPr lang="es-MX" sz="2000" i="1" dirty="0">
+                        <a:latin typeface="Cambria Math" panose="02040503050406030204" pitchFamily="18" charset="0"/>
+                      </a:rPr>
+                      <m:t>𝑓</m:t>
+                    </m:r>
+                    <m:r>
+                      <a:rPr lang="es-MX" sz="2000" i="1" dirty="0">
+                        <a:latin typeface="Cambria Math" panose="02040503050406030204" pitchFamily="18" charset="0"/>
+                      </a:rPr>
+                      <m:t>(</m:t>
+                    </m:r>
+                    <m:r>
+                      <a:rPr lang="es-MX" sz="2000" i="1" dirty="0">
+                        <a:latin typeface="Cambria Math" panose="02040503050406030204" pitchFamily="18" charset="0"/>
+                      </a:rPr>
+                      <m:t>𝑥</m:t>
+                    </m:r>
+                    <m:r>
+                      <a:rPr lang="es-MX" sz="2000" i="1" dirty="0">
+                        <a:latin typeface="Cambria Math" panose="02040503050406030204" pitchFamily="18" charset="0"/>
+                      </a:rPr>
+                      <m:t>)≤</m:t>
+                    </m:r>
+                    <m:r>
+                      <a:rPr lang="es-MX" sz="2000" i="1" dirty="0">
+                        <a:latin typeface="Cambria Math" panose="02040503050406030204" pitchFamily="18" charset="0"/>
+                      </a:rPr>
+                      <m:t>𝑓</m:t>
+                    </m:r>
+                    <m:r>
+                      <a:rPr lang="es-MX" sz="2000" i="1" dirty="0">
+                        <a:latin typeface="Cambria Math" panose="02040503050406030204" pitchFamily="18" charset="0"/>
+                      </a:rPr>
+                      <m:t>(</m:t>
+                    </m:r>
+                    <m:acc>
+                      <m:accPr>
+                        <m:chr m:val="̇"/>
+                        <m:ctrlPr>
+                          <a:rPr lang="es-MX" sz="2000" i="1" dirty="0">
+                            <a:latin typeface="Cambria Math" panose="02040503050406030204" pitchFamily="18" charset="0"/>
+                          </a:rPr>
+                        </m:ctrlPr>
+                      </m:accPr>
+                      <m:e>
+                        <m:r>
+                          <a:rPr lang="es-PE" sz="2000" i="1" dirty="0">
+                            <a:latin typeface="Cambria Math" panose="02040503050406030204" pitchFamily="18" charset="0"/>
+                          </a:rPr>
+                          <m:t>𝑥</m:t>
+                        </m:r>
+                      </m:e>
+                    </m:acc>
+                    <m:r>
+                      <a:rPr lang="es-MX" sz="2000" i="1" dirty="0">
+                        <a:latin typeface="Cambria Math" panose="02040503050406030204" pitchFamily="18" charset="0"/>
+                      </a:rPr>
+                      <m:t>)</m:t>
+                    </m:r>
+                  </m:oMath>
+                </a14:m>
+                <a:r>
+                  <a:rPr lang="es-MX" sz="2000" dirty="0"/>
+                  <a:t>, para todo </a:t>
+                </a:r>
+                <a14:m>
+                  <m:oMath xmlns:m="http://schemas.openxmlformats.org/officeDocument/2006/math">
+                    <m:acc>
+                      <m:accPr>
+                        <m:chr m:val="̇"/>
+                        <m:ctrlPr>
+                          <a:rPr lang="es-PE" sz="2000" i="1" dirty="0">
+                            <a:latin typeface="Cambria Math" panose="02040503050406030204" pitchFamily="18" charset="0"/>
+                          </a:rPr>
+                        </m:ctrlPr>
+                      </m:accPr>
+                      <m:e>
+                        <m:r>
+                          <a:rPr lang="es-PE" sz="2000" i="1" dirty="0">
+                            <a:latin typeface="Cambria Math" panose="02040503050406030204" pitchFamily="18" charset="0"/>
+                          </a:rPr>
+                          <m:t>𝑥</m:t>
+                        </m:r>
+                      </m:e>
+                    </m:acc>
+                  </m:oMath>
+                </a14:m>
+                <a:r>
+                  <a:rPr lang="es-MX" sz="2000" dirty="0"/>
+                  <a:t> alrededor a </a:t>
+                </a:r>
+                <a14:m>
+                  <m:oMath xmlns:m="http://schemas.openxmlformats.org/officeDocument/2006/math">
+                    <m:r>
+                      <a:rPr lang="es-PE" sz="2000" i="1" dirty="0">
+                        <a:latin typeface="Cambria Math" panose="02040503050406030204" pitchFamily="18" charset="0"/>
+                      </a:rPr>
+                      <m:t>𝑥</m:t>
+                    </m:r>
+                  </m:oMath>
+                </a14:m>
+                <a:r>
+                  <a:rPr lang="es-MX" sz="2000" dirty="0" smtClean="0"/>
+                  <a:t>.</a:t>
+                </a:r>
+              </a:p>
+              <a:p>
+                <a:pPr marL="285750" indent="-285750">
+                  <a:buFont typeface="Arial" panose="020B0604020202020204" pitchFamily="34" charset="0"/>
+                  <a:buChar char="•"/>
+                </a:pPr>
+                <a:r>
+                  <a:rPr lang="es-MX" sz="2000" dirty="0"/>
+                  <a:t>Las solución x será un máximo </a:t>
+                </a:r>
+                <a:r>
+                  <a:rPr lang="es-MX" sz="2000" dirty="0" smtClean="0"/>
+                  <a:t>global </a:t>
+                </a:r>
+                <a:r>
+                  <a:rPr lang="es-MX" sz="2000" dirty="0"/>
+                  <a:t>si </a:t>
+                </a:r>
+                <a14:m>
+                  <m:oMath xmlns:m="http://schemas.openxmlformats.org/officeDocument/2006/math">
+                    <m:r>
+                      <a:rPr lang="es-MX" sz="2000" i="1" dirty="0">
+                        <a:latin typeface="Cambria Math" panose="02040503050406030204" pitchFamily="18" charset="0"/>
+                      </a:rPr>
+                      <m:t>𝑓</m:t>
+                    </m:r>
+                    <m:r>
+                      <a:rPr lang="es-MX" sz="2000" i="1" dirty="0">
+                        <a:latin typeface="Cambria Math" panose="02040503050406030204" pitchFamily="18" charset="0"/>
+                      </a:rPr>
+                      <m:t>(</m:t>
+                    </m:r>
+                    <m:r>
+                      <a:rPr lang="es-MX" sz="2000" i="1" dirty="0">
+                        <a:latin typeface="Cambria Math" panose="02040503050406030204" pitchFamily="18" charset="0"/>
+                      </a:rPr>
+                      <m:t>𝑥</m:t>
+                    </m:r>
+                    <m:r>
+                      <a:rPr lang="es-MX" sz="2000" i="1" dirty="0">
+                        <a:latin typeface="Cambria Math" panose="02040503050406030204" pitchFamily="18" charset="0"/>
+                      </a:rPr>
+                      <m:t>)≥</m:t>
+                    </m:r>
+                    <m:r>
+                      <a:rPr lang="es-MX" sz="2000" i="1" dirty="0">
+                        <a:latin typeface="Cambria Math" panose="02040503050406030204" pitchFamily="18" charset="0"/>
+                      </a:rPr>
+                      <m:t>𝑓</m:t>
+                    </m:r>
+                    <m:r>
+                      <a:rPr lang="es-MX" sz="2000" i="1" dirty="0">
+                        <a:latin typeface="Cambria Math" panose="02040503050406030204" pitchFamily="18" charset="0"/>
+                      </a:rPr>
+                      <m:t>(</m:t>
+                    </m:r>
+                    <m:acc>
+                      <m:accPr>
+                        <m:chr m:val="̇"/>
+                        <m:ctrlPr>
+                          <a:rPr lang="es-MX" sz="2000" i="1" dirty="0">
+                            <a:latin typeface="Cambria Math" panose="02040503050406030204" pitchFamily="18" charset="0"/>
+                          </a:rPr>
+                        </m:ctrlPr>
+                      </m:accPr>
+                      <m:e>
+                        <m:r>
+                          <a:rPr lang="es-PE" sz="2000" i="1" dirty="0">
+                            <a:latin typeface="Cambria Math" panose="02040503050406030204" pitchFamily="18" charset="0"/>
+                          </a:rPr>
+                          <m:t>𝑥</m:t>
+                        </m:r>
+                      </m:e>
+                    </m:acc>
+                    <m:r>
+                      <a:rPr lang="es-MX" sz="2000" i="1" dirty="0">
+                        <a:latin typeface="Cambria Math" panose="02040503050406030204" pitchFamily="18" charset="0"/>
+                      </a:rPr>
+                      <m:t>)</m:t>
+                    </m:r>
+                  </m:oMath>
+                </a14:m>
+                <a:r>
+                  <a:rPr lang="es-MX" sz="2000" dirty="0"/>
+                  <a:t>, para todo </a:t>
+                </a:r>
+                <a14:m>
+                  <m:oMath xmlns:m="http://schemas.openxmlformats.org/officeDocument/2006/math">
+                    <m:acc>
+                      <m:accPr>
+                        <m:chr m:val="̇"/>
+                        <m:ctrlPr>
+                          <a:rPr lang="es-PE" sz="2000" i="1" dirty="0">
+                            <a:latin typeface="Cambria Math" panose="02040503050406030204" pitchFamily="18" charset="0"/>
+                          </a:rPr>
+                        </m:ctrlPr>
+                      </m:accPr>
+                      <m:e>
+                        <m:r>
+                          <a:rPr lang="es-PE" sz="2000" i="1" dirty="0">
+                            <a:latin typeface="Cambria Math" panose="02040503050406030204" pitchFamily="18" charset="0"/>
+                          </a:rPr>
+                          <m:t>𝑥</m:t>
+                        </m:r>
+                      </m:e>
+                    </m:acc>
+                  </m:oMath>
+                </a14:m>
+                <a:r>
+                  <a:rPr lang="es-MX" sz="2000" dirty="0"/>
+                  <a:t> </a:t>
+                </a:r>
+                <a:r>
+                  <a:rPr lang="es-MX" sz="2000" dirty="0" smtClean="0"/>
+                  <a:t>de </a:t>
+                </a:r>
+                <a14:m>
+                  <m:oMath xmlns:m="http://schemas.openxmlformats.org/officeDocument/2006/math">
+                    <m:r>
+                      <a:rPr lang="es-PE" sz="2000" i="1" dirty="0">
+                        <a:latin typeface="Cambria Math" panose="02040503050406030204" pitchFamily="18" charset="0"/>
+                      </a:rPr>
+                      <m:t>𝑥</m:t>
+                    </m:r>
+                  </m:oMath>
+                </a14:m>
+                <a:r>
+                  <a:rPr lang="es-MX" sz="2000" dirty="0" smtClean="0"/>
+                  <a:t>.</a:t>
+                </a:r>
+              </a:p>
+              <a:p>
+                <a:pPr marL="285750" indent="-285750">
+                  <a:buFont typeface="Arial" panose="020B0604020202020204" pitchFamily="34" charset="0"/>
+                  <a:buChar char="•"/>
+                </a:pPr>
+                <a:r>
+                  <a:rPr lang="es-MX" sz="2000" dirty="0"/>
+                  <a:t>Las solución x será un </a:t>
+                </a:r>
+                <a:r>
+                  <a:rPr lang="es-MX" sz="2000" dirty="0" smtClean="0"/>
+                  <a:t>mínimo </a:t>
+                </a:r>
+                <a:r>
+                  <a:rPr lang="es-MX" sz="2000" dirty="0"/>
+                  <a:t>global </a:t>
+                </a:r>
+                <a:r>
+                  <a:rPr lang="es-MX" sz="2000" dirty="0"/>
+                  <a:t>si </a:t>
+                </a:r>
+                <a14:m>
+                  <m:oMath xmlns:m="http://schemas.openxmlformats.org/officeDocument/2006/math">
+                    <m:r>
+                      <a:rPr lang="es-MX" sz="2000" i="1" dirty="0">
+                        <a:latin typeface="Cambria Math" panose="02040503050406030204" pitchFamily="18" charset="0"/>
+                      </a:rPr>
+                      <m:t>𝑓</m:t>
+                    </m:r>
+                    <m:r>
+                      <a:rPr lang="es-MX" sz="2000" i="1" dirty="0">
+                        <a:latin typeface="Cambria Math" panose="02040503050406030204" pitchFamily="18" charset="0"/>
+                      </a:rPr>
+                      <m:t>(</m:t>
+                    </m:r>
+                    <m:r>
+                      <a:rPr lang="es-MX" sz="2000" i="1" dirty="0">
+                        <a:latin typeface="Cambria Math" panose="02040503050406030204" pitchFamily="18" charset="0"/>
+                      </a:rPr>
+                      <m:t>𝑥</m:t>
+                    </m:r>
+                    <m:r>
+                      <a:rPr lang="es-MX" sz="2000" i="1" dirty="0">
+                        <a:latin typeface="Cambria Math" panose="02040503050406030204" pitchFamily="18" charset="0"/>
+                      </a:rPr>
+                      <m:t>)≤</m:t>
+                    </m:r>
+                    <m:r>
+                      <a:rPr lang="es-MX" sz="2000" i="1" dirty="0">
+                        <a:latin typeface="Cambria Math" panose="02040503050406030204" pitchFamily="18" charset="0"/>
+                      </a:rPr>
+                      <m:t>𝑓</m:t>
+                    </m:r>
+                    <m:r>
+                      <a:rPr lang="es-MX" sz="2000" i="1" dirty="0">
+                        <a:latin typeface="Cambria Math" panose="02040503050406030204" pitchFamily="18" charset="0"/>
+                      </a:rPr>
+                      <m:t>(</m:t>
+                    </m:r>
+                    <m:acc>
+                      <m:accPr>
+                        <m:chr m:val="̇"/>
+                        <m:ctrlPr>
+                          <a:rPr lang="es-MX" sz="2000" i="1" dirty="0">
+                            <a:latin typeface="Cambria Math" panose="02040503050406030204" pitchFamily="18" charset="0"/>
+                          </a:rPr>
+                        </m:ctrlPr>
+                      </m:accPr>
+                      <m:e>
+                        <m:r>
+                          <a:rPr lang="es-PE" sz="2000" i="1" dirty="0">
+                            <a:latin typeface="Cambria Math" panose="02040503050406030204" pitchFamily="18" charset="0"/>
+                          </a:rPr>
+                          <m:t>𝑥</m:t>
+                        </m:r>
+                      </m:e>
+                    </m:acc>
+                    <m:r>
+                      <a:rPr lang="es-MX" sz="2000" i="1" dirty="0">
+                        <a:latin typeface="Cambria Math" panose="02040503050406030204" pitchFamily="18" charset="0"/>
+                      </a:rPr>
+                      <m:t>)</m:t>
+                    </m:r>
+                  </m:oMath>
+                </a14:m>
+                <a:r>
+                  <a:rPr lang="es-MX" sz="2000" dirty="0"/>
+                  <a:t>, para todo </a:t>
+                </a:r>
+                <a14:m>
+                  <m:oMath xmlns:m="http://schemas.openxmlformats.org/officeDocument/2006/math">
+                    <m:acc>
+                      <m:accPr>
+                        <m:chr m:val="̇"/>
+                        <m:ctrlPr>
+                          <a:rPr lang="es-PE" sz="2000" i="1" dirty="0">
+                            <a:latin typeface="Cambria Math" panose="02040503050406030204" pitchFamily="18" charset="0"/>
+                          </a:rPr>
+                        </m:ctrlPr>
+                      </m:accPr>
+                      <m:e>
+                        <m:r>
+                          <a:rPr lang="es-PE" sz="2000" i="1" dirty="0">
+                            <a:latin typeface="Cambria Math" panose="02040503050406030204" pitchFamily="18" charset="0"/>
+                          </a:rPr>
+                          <m:t>𝑥</m:t>
+                        </m:r>
+                      </m:e>
+                    </m:acc>
+                  </m:oMath>
+                </a14:m>
+                <a:r>
+                  <a:rPr lang="es-MX" sz="2000" dirty="0"/>
+                  <a:t> </a:t>
+                </a:r>
+                <a:r>
+                  <a:rPr lang="es-MX" sz="2000" dirty="0"/>
+                  <a:t>de </a:t>
+                </a:r>
+                <a14:m>
+                  <m:oMath xmlns:m="http://schemas.openxmlformats.org/officeDocument/2006/math">
+                    <m:r>
+                      <a:rPr lang="es-PE" sz="2000" i="1" dirty="0">
+                        <a:latin typeface="Cambria Math" panose="02040503050406030204" pitchFamily="18" charset="0"/>
+                      </a:rPr>
+                      <m:t>𝑥</m:t>
+                    </m:r>
+                  </m:oMath>
+                </a14:m>
+                <a:r>
+                  <a:rPr lang="es-MX" sz="2000" dirty="0"/>
+                  <a:t>.</a:t>
+                </a:r>
+              </a:p>
+              <a:p>
+                <a:pPr marL="285750" indent="-285750">
+                  <a:buFont typeface="Arial" panose="020B0604020202020204" pitchFamily="34" charset="0"/>
+                  <a:buChar char="•"/>
+                </a:pPr>
+                <a:endParaRPr lang="es-MX" sz="2000" dirty="0"/>
+              </a:p>
+              <a:p>
+                <a:pPr marL="285750" indent="-285750">
+                  <a:buFont typeface="Arial" panose="020B0604020202020204" pitchFamily="34" charset="0"/>
+                  <a:buChar char="•"/>
+                </a:pPr>
+                <a:endParaRPr lang="es-MX" sz="2000" dirty="0"/>
+              </a:p>
+              <a:p>
+                <a:pPr marL="285750" indent="-285750">
+                  <a:buFont typeface="Arial" panose="020B0604020202020204" pitchFamily="34" charset="0"/>
+                  <a:buChar char="•"/>
+                </a:pPr>
+                <a:endParaRPr lang="es-MX" sz="2000" dirty="0"/>
+              </a:p>
+            </p:txBody>
+          </p:sp>
+        </mc:Choice>
+        <mc:Fallback>
+          <p:sp>
+            <p:nvSpPr>
+              <p:cNvPr id="6" name="CuadroTexto 4">
+                <a:extLst>
+                  <a:ext uri="{FF2B5EF4-FFF2-40B4-BE49-F238E27FC236}">
+                    <a16:creationId xmlns:a16="http://schemas.microsoft.com/office/drawing/2014/main" xmlns="" id="{0EE2E59A-EFC5-4F7D-8B1B-CDE02E4D869C}"/>
+                  </a:ext>
+                </a:extLst>
+              </p:cNvPr>
+              <p:cNvSpPr txBox="1">
+                <a:spLocks noRot="1" noChangeAspect="1" noMove="1" noResize="1" noEditPoints="1" noAdjustHandles="1" noChangeArrowheads="1" noChangeShapeType="1" noTextEdit="1"/>
+              </p:cNvSpPr>
+              <p:nvPr/>
+            </p:nvSpPr>
+            <p:spPr>
+              <a:xfrm>
+                <a:off x="602191" y="836712"/>
+                <a:ext cx="8002257" cy="2246769"/>
+              </a:xfrm>
+              <a:prstGeom prst="rect">
+                <a:avLst/>
+              </a:prstGeom>
+              <a:blipFill rotWithShape="0">
+                <a:blip r:embed="rId3"/>
+                <a:stretch>
+                  <a:fillRect l="-686" t="-1355"/>
+                </a:stretch>
+              </a:blipFill>
+            </p:spPr>
+            <p:txBody>
+              <a:bodyPr/>
+              <a:lstStyle/>
+              <a:p>
+                <a:r>
+                  <a:rPr lang="es-PE">
+                    <a:noFill/>
+                  </a:rPr>
+                  <a:t> </a:t>
+                </a:r>
+              </a:p>
+            </p:txBody>
+          </p:sp>
+        </mc:Fallback>
+      </mc:AlternateContent>
+    </p:spTree>
+    <p:extLst>
+      <p:ext uri="{BB962C8B-B14F-4D97-AF65-F5344CB8AC3E}">
+        <p14:creationId xmlns:p14="http://schemas.microsoft.com/office/powerpoint/2010/main" val="103054465"/>
+      </p:ext>
+    </p:extLst>
+  </p:cSld>
+  <p:clrMapOvr>
+    <a:masterClrMapping/>
+  </p:clrMapOvr>
+  <p:transition spd="slow">
+    <p:fade/>
+  </p:transition>
+</p:sld>
+</file>
+
+<file path=ppt/slides/slide22.xml><?xml version="1.0" encoding="utf-8"?>
+<p:sld xmlns:a="http://schemas.openxmlformats.org/drawingml/2006/main" xmlns:r="http://schemas.openxmlformats.org/officeDocument/2006/relationships" xmlns:p="http://schemas.openxmlformats.org/presentationml/2006/main">
+  <p:cSld>
+    <p:spTree>
+      <p:nvGrpSpPr>
+        <p:cNvPr id="1" name=""/>
+        <p:cNvGrpSpPr/>
+        <p:nvPr/>
+      </p:nvGrpSpPr>
+      <p:grpSpPr>
+        <a:xfrm>
+          <a:off x="0" y="0"/>
+          <a:ext cx="0" cy="0"/>
+          <a:chOff x="0" y="0"/>
+          <a:chExt cx="0" cy="0"/>
+        </a:xfrm>
+      </p:grpSpPr>
+      <p:sp>
+        <p:nvSpPr>
+          <p:cNvPr id="2" name="Marcador de número de diapositiva 1"/>
+          <p:cNvSpPr>
+            <a:spLocks noGrp="1"/>
+          </p:cNvSpPr>
+          <p:nvPr>
+            <p:ph type="sldNum" sz="quarter" idx="12"/>
+          </p:nvPr>
+        </p:nvSpPr>
+        <p:spPr/>
+        <p:txBody>
+          <a:bodyPr/>
+          <a:lstStyle/>
+          <a:p>
+            <a:fld id="{64BD7E74-CBD2-4D88-9109-2EA8081AE675}" type="slidenum">
+              <a:rPr lang="es-ES" smtClean="0"/>
+              <a:pPr/>
+              <a:t>22</a:t>
+            </a:fld>
+            <a:endParaRPr lang="es-ES"/>
+          </a:p>
+        </p:txBody>
+      </p:sp>
+      <p:sp>
+        <p:nvSpPr>
+          <p:cNvPr id="3" name="4 Título"/>
+          <p:cNvSpPr txBox="1">
+            <a:spLocks/>
+          </p:cNvSpPr>
+          <p:nvPr/>
+        </p:nvSpPr>
+        <p:spPr>
+          <a:xfrm>
+            <a:off x="611560" y="188640"/>
+            <a:ext cx="8784976" cy="457120"/>
+          </a:xfrm>
+          <a:prstGeom prst="rect">
+            <a:avLst/>
+          </a:prstGeom>
+        </p:spPr>
+        <p:txBody>
+          <a:bodyPr bIns="91440" anchor="b" anchorCtr="0">
+            <a:noAutofit/>
+          </a:bodyPr>
+          <a:lstStyle>
+            <a:lvl1pPr>
+              <a:spcBef>
+                <a:spcPct val="0"/>
+              </a:spcBef>
+              <a:buNone/>
+              <a:defRPr kumimoji="0" sz="2400">
+                <a:ln w="0"/>
+                <a:solidFill>
+                  <a:schemeClr val="tx2"/>
+                </a:solidFill>
+                <a:effectLst>
+                  <a:outerShdw blurRad="38100" dist="19050" dir="2700000" algn="tl" rotWithShape="0">
+                    <a:schemeClr val="dk1">
+                      <a:alpha val="40000"/>
+                    </a:schemeClr>
+                  </a:outerShdw>
+                </a:effectLst>
+                <a:latin typeface="+mj-lt"/>
+                <a:ea typeface="+mj-ea"/>
+                <a:cs typeface="+mj-cs"/>
+              </a:defRPr>
+            </a:lvl1pPr>
+          </a:lstStyle>
+          <a:p>
+            <a:r>
+              <a:rPr lang="es-PE" altLang="en-US" dirty="0" smtClean="0"/>
+              <a:t>Funciones convexas y cóncavas</a:t>
+            </a:r>
+            <a:endParaRPr lang="es-PE" altLang="en-US" dirty="0"/>
+          </a:p>
+        </p:txBody>
+      </p:sp>
+      <mc:AlternateContent xmlns:mc="http://schemas.openxmlformats.org/markup-compatibility/2006">
+        <mc:Choice xmlns:a14="http://schemas.microsoft.com/office/drawing/2010/main" Requires="a14">
+          <p:sp>
+            <p:nvSpPr>
+              <p:cNvPr id="5" name="CuadroTexto 4">
+                <a:extLst>
+                  <a:ext uri="{FF2B5EF4-FFF2-40B4-BE49-F238E27FC236}">
+                    <a16:creationId xmlns:a16="http://schemas.microsoft.com/office/drawing/2014/main" xmlns="" id="{0EE2E59A-EFC5-4F7D-8B1B-CDE02E4D869C}"/>
+                  </a:ext>
+                </a:extLst>
+              </p:cNvPr>
+              <p:cNvSpPr txBox="1"/>
+              <p:nvPr/>
+            </p:nvSpPr>
+            <p:spPr>
+              <a:xfrm>
+                <a:off x="602191" y="836712"/>
+                <a:ext cx="8002257" cy="3170099"/>
+              </a:xfrm>
+              <a:prstGeom prst="rect">
+                <a:avLst/>
+              </a:prstGeom>
+              <a:noFill/>
+            </p:spPr>
+            <p:txBody>
+              <a:bodyPr wrap="square" rtlCol="0">
+                <a:spAutoFit/>
+              </a:bodyPr>
+              <a:lstStyle/>
+              <a:p>
+                <a:pPr marL="285750" indent="-285750">
+                  <a:buFont typeface="Arial" panose="020B0604020202020204" pitchFamily="34" charset="0"/>
+                  <a:buChar char="•"/>
+                </a:pPr>
+                <a:r>
+                  <a:rPr lang="es-PE" sz="2000" dirty="0" smtClean="0"/>
+                  <a:t>Una función </a:t>
+                </a:r>
+                <a14:m>
+                  <m:oMath xmlns:m="http://schemas.openxmlformats.org/officeDocument/2006/math">
+                    <m:r>
+                      <a:rPr lang="es-PE" sz="2000" b="0" i="1" smtClean="0">
+                        <a:latin typeface="Cambria Math" panose="02040503050406030204" pitchFamily="18" charset="0"/>
+                      </a:rPr>
+                      <m:t>𝑓</m:t>
+                    </m:r>
+                    <m:r>
+                      <a:rPr lang="es-PE" sz="2000" b="0" i="1" smtClean="0">
+                        <a:latin typeface="Cambria Math" panose="02040503050406030204" pitchFamily="18" charset="0"/>
+                      </a:rPr>
+                      <m:t>: </m:t>
+                    </m:r>
+                    <m:sSup>
+                      <m:sSupPr>
+                        <m:ctrlPr>
+                          <a:rPr lang="es-PE" sz="2000" b="0" i="1" smtClean="0">
+                            <a:latin typeface="Cambria Math" panose="02040503050406030204" pitchFamily="18" charset="0"/>
+                          </a:rPr>
+                        </m:ctrlPr>
+                      </m:sSupPr>
+                      <m:e>
+                        <m:r>
+                          <a:rPr lang="es-PE" sz="2000" b="0" i="1" smtClean="0">
+                            <a:latin typeface="Cambria Math" panose="02040503050406030204" pitchFamily="18" charset="0"/>
+                          </a:rPr>
+                          <m:t>𝑅</m:t>
+                        </m:r>
+                      </m:e>
+                      <m:sup>
+                        <m:r>
+                          <a:rPr lang="es-PE" sz="2000" b="0" i="1" smtClean="0">
+                            <a:latin typeface="Cambria Math" panose="02040503050406030204" pitchFamily="18" charset="0"/>
+                          </a:rPr>
+                          <m:t>𝑛</m:t>
+                        </m:r>
+                      </m:sup>
+                    </m:sSup>
+                    <m:r>
+                      <a:rPr lang="es-PE" sz="2000" b="0" i="1" smtClean="0">
+                        <a:latin typeface="Cambria Math" panose="02040503050406030204" pitchFamily="18" charset="0"/>
+                        <a:ea typeface="Cambria Math" panose="02040503050406030204" pitchFamily="18" charset="0"/>
+                      </a:rPr>
+                      <m:t>→</m:t>
+                    </m:r>
+                    <m:r>
+                      <a:rPr lang="es-PE" sz="2000" b="0" i="1" smtClean="0">
+                        <a:latin typeface="Cambria Math" panose="02040503050406030204" pitchFamily="18" charset="0"/>
+                        <a:ea typeface="Cambria Math" panose="02040503050406030204" pitchFamily="18" charset="0"/>
+                      </a:rPr>
+                      <m:t>𝑅</m:t>
+                    </m:r>
+                  </m:oMath>
+                </a14:m>
+                <a:r>
+                  <a:rPr lang="es-MX" sz="2000" dirty="0" smtClean="0"/>
+                  <a:t> es convexa si el dominio de </a:t>
+                </a:r>
+                <a14:m>
+                  <m:oMath xmlns:m="http://schemas.openxmlformats.org/officeDocument/2006/math">
+                    <m:r>
+                      <a:rPr lang="es-PE" sz="2000" i="1">
+                        <a:latin typeface="Cambria Math" panose="02040503050406030204" pitchFamily="18" charset="0"/>
+                      </a:rPr>
+                      <m:t>𝑓</m:t>
+                    </m:r>
+                  </m:oMath>
+                </a14:m>
+                <a:r>
+                  <a:rPr lang="es-MX" sz="2000" dirty="0" smtClean="0"/>
+                  <a:t> es un conjunto convexo y para todo </a:t>
+                </a:r>
+                <a14:m>
+                  <m:oMath xmlns:m="http://schemas.openxmlformats.org/officeDocument/2006/math">
+                    <m:r>
+                      <a:rPr lang="es-PE" sz="2000" b="0" i="1" smtClean="0">
+                        <a:latin typeface="Cambria Math" panose="02040503050406030204" pitchFamily="18" charset="0"/>
+                      </a:rPr>
+                      <m:t>𝑥</m:t>
+                    </m:r>
+                    <m:r>
+                      <a:rPr lang="es-PE" sz="2000" b="0" i="1" smtClean="0">
+                        <a:latin typeface="Cambria Math" panose="02040503050406030204" pitchFamily="18" charset="0"/>
+                      </a:rPr>
+                      <m:t>, </m:t>
+                    </m:r>
+                    <m:r>
+                      <a:rPr lang="es-PE" sz="2000" b="0" i="1" smtClean="0">
+                        <a:latin typeface="Cambria Math" panose="02040503050406030204" pitchFamily="18" charset="0"/>
+                      </a:rPr>
+                      <m:t>𝑦</m:t>
+                    </m:r>
+                    <m:r>
+                      <a:rPr lang="es-PE" sz="2000" b="0" i="1" smtClean="0">
+                        <a:latin typeface="Cambria Math" panose="02040503050406030204" pitchFamily="18" charset="0"/>
+                      </a:rPr>
+                      <m:t> ∈</m:t>
+                    </m:r>
+                    <m:r>
+                      <a:rPr lang="es-PE" sz="2000" b="0" i="1" smtClean="0">
+                        <a:latin typeface="Cambria Math" panose="02040503050406030204" pitchFamily="18" charset="0"/>
+                        <a:ea typeface="Cambria Math" panose="02040503050406030204" pitchFamily="18" charset="0"/>
+                      </a:rPr>
+                      <m:t>𝑑𝑜𝑚</m:t>
+                    </m:r>
+                    <m:r>
+                      <a:rPr lang="es-PE" sz="2000" b="0" i="1" smtClean="0">
+                        <a:latin typeface="Cambria Math" panose="02040503050406030204" pitchFamily="18" charset="0"/>
+                        <a:ea typeface="Cambria Math" panose="02040503050406030204" pitchFamily="18" charset="0"/>
+                      </a:rPr>
+                      <m:t> </m:t>
+                    </m:r>
+                    <m:r>
+                      <a:rPr lang="es-PE" sz="2000" b="0" i="1" smtClean="0">
+                        <a:latin typeface="Cambria Math" panose="02040503050406030204" pitchFamily="18" charset="0"/>
+                        <a:ea typeface="Cambria Math" panose="02040503050406030204" pitchFamily="18" charset="0"/>
+                      </a:rPr>
+                      <m:t>𝑓</m:t>
+                    </m:r>
+                  </m:oMath>
+                </a14:m>
+                <a:r>
+                  <a:rPr lang="es-MX" sz="2000" dirty="0" smtClean="0"/>
+                  <a:t>, y </a:t>
+                </a:r>
+                <a14:m>
+                  <m:oMath xmlns:m="http://schemas.openxmlformats.org/officeDocument/2006/math">
+                    <m:r>
+                      <a:rPr lang="es-MX" sz="2000" i="1" smtClean="0">
+                        <a:latin typeface="Cambria Math" panose="02040503050406030204" pitchFamily="18" charset="0"/>
+                        <a:ea typeface="Cambria Math" panose="02040503050406030204" pitchFamily="18" charset="0"/>
+                      </a:rPr>
+                      <m:t>𝜃</m:t>
+                    </m:r>
+                  </m:oMath>
+                </a14:m>
+                <a:r>
+                  <a:rPr lang="es-MX" sz="2000" dirty="0" smtClean="0"/>
+                  <a:t> con </a:t>
+                </a:r>
+                <a14:m>
+                  <m:oMath xmlns:m="http://schemas.openxmlformats.org/officeDocument/2006/math">
+                    <m:r>
+                      <a:rPr lang="es-PE" sz="2000" b="0" i="0" smtClean="0">
+                        <a:latin typeface="Cambria Math" panose="02040503050406030204" pitchFamily="18" charset="0"/>
+                        <a:ea typeface="Cambria Math" panose="02040503050406030204" pitchFamily="18" charset="0"/>
+                      </a:rPr>
+                      <m:t>0≤</m:t>
+                    </m:r>
+                    <m:r>
+                      <a:rPr lang="es-MX" sz="2000" i="1">
+                        <a:latin typeface="Cambria Math" panose="02040503050406030204" pitchFamily="18" charset="0"/>
+                        <a:ea typeface="Cambria Math" panose="02040503050406030204" pitchFamily="18" charset="0"/>
+                      </a:rPr>
+                      <m:t>𝜃</m:t>
+                    </m:r>
+                    <m:r>
+                      <a:rPr lang="es-PE" sz="2000" b="0" i="1" smtClean="0">
+                        <a:latin typeface="Cambria Math" panose="02040503050406030204" pitchFamily="18" charset="0"/>
+                        <a:ea typeface="Cambria Math" panose="02040503050406030204" pitchFamily="18" charset="0"/>
+                      </a:rPr>
+                      <m:t>≤1</m:t>
+                    </m:r>
+                  </m:oMath>
+                </a14:m>
+                <a:r>
+                  <a:rPr lang="es-MX" sz="2000" dirty="0" smtClean="0"/>
+                  <a:t> tendremos.</a:t>
+                </a:r>
+              </a:p>
+              <a:p>
+                <a14:m>
+                  <m:oMathPara xmlns:m="http://schemas.openxmlformats.org/officeDocument/2006/math">
+                    <m:oMathParaPr>
+                      <m:jc m:val="centerGroup"/>
+                    </m:oMathParaPr>
+                    <m:oMath xmlns:m="http://schemas.openxmlformats.org/officeDocument/2006/math">
+                      <m:r>
+                        <a:rPr lang="es-PE" sz="2000" b="0" i="1" smtClean="0">
+                          <a:latin typeface="Cambria Math" panose="02040503050406030204" pitchFamily="18" charset="0"/>
+                        </a:rPr>
+                        <m:t>𝑓</m:t>
+                      </m:r>
+                      <m:d>
+                        <m:dPr>
+                          <m:ctrlPr>
+                            <a:rPr lang="es-PE" sz="2000" b="0" i="1" smtClean="0">
+                              <a:latin typeface="Cambria Math" panose="02040503050406030204" pitchFamily="18" charset="0"/>
+                            </a:rPr>
+                          </m:ctrlPr>
+                        </m:dPr>
+                        <m:e>
+                          <m:r>
+                            <a:rPr lang="es-MX" sz="2000" i="1">
+                              <a:latin typeface="Cambria Math" panose="02040503050406030204" pitchFamily="18" charset="0"/>
+                              <a:ea typeface="Cambria Math" panose="02040503050406030204" pitchFamily="18" charset="0"/>
+                            </a:rPr>
+                            <m:t>𝜃</m:t>
+                          </m:r>
+                          <m:r>
+                            <a:rPr lang="es-PE" sz="2000" b="0" i="1" smtClean="0">
+                              <a:latin typeface="Cambria Math" panose="02040503050406030204" pitchFamily="18" charset="0"/>
+                              <a:ea typeface="Cambria Math" panose="02040503050406030204" pitchFamily="18" charset="0"/>
+                            </a:rPr>
+                            <m:t>𝑥</m:t>
+                          </m:r>
+                          <m:r>
+                            <a:rPr lang="es-PE" sz="2000" b="0" i="1" smtClean="0">
+                              <a:latin typeface="Cambria Math" panose="02040503050406030204" pitchFamily="18" charset="0"/>
+                              <a:ea typeface="Cambria Math" panose="02040503050406030204" pitchFamily="18" charset="0"/>
+                            </a:rPr>
+                            <m:t>+</m:t>
+                          </m:r>
+                          <m:d>
+                            <m:dPr>
+                              <m:ctrlPr>
+                                <a:rPr lang="es-PE" sz="2000" b="0" i="1" smtClean="0">
+                                  <a:latin typeface="Cambria Math" panose="02040503050406030204" pitchFamily="18" charset="0"/>
+                                  <a:ea typeface="Cambria Math" panose="02040503050406030204" pitchFamily="18" charset="0"/>
+                                </a:rPr>
+                              </m:ctrlPr>
+                            </m:dPr>
+                            <m:e>
+                              <m:r>
+                                <a:rPr lang="es-PE" sz="2000" b="0" i="1" smtClean="0">
+                                  <a:latin typeface="Cambria Math" panose="02040503050406030204" pitchFamily="18" charset="0"/>
+                                  <a:ea typeface="Cambria Math" panose="02040503050406030204" pitchFamily="18" charset="0"/>
+                                </a:rPr>
+                                <m:t>1−</m:t>
+                              </m:r>
+                              <m:r>
+                                <a:rPr lang="es-MX" sz="2000" i="1">
+                                  <a:latin typeface="Cambria Math" panose="02040503050406030204" pitchFamily="18" charset="0"/>
+                                  <a:ea typeface="Cambria Math" panose="02040503050406030204" pitchFamily="18" charset="0"/>
+                                </a:rPr>
+                                <m:t>𝜃</m:t>
+                              </m:r>
+                            </m:e>
+                          </m:d>
+                          <m:r>
+                            <a:rPr lang="es-PE" sz="2000" b="0" i="1" smtClean="0">
+                              <a:latin typeface="Cambria Math" panose="02040503050406030204" pitchFamily="18" charset="0"/>
+                              <a:ea typeface="Cambria Math" panose="02040503050406030204" pitchFamily="18" charset="0"/>
+                            </a:rPr>
+                            <m:t>𝑦</m:t>
+                          </m:r>
+                        </m:e>
+                      </m:d>
+                      <m:r>
+                        <a:rPr lang="es-PE" sz="2000" b="0" i="1" smtClean="0">
+                          <a:latin typeface="Cambria Math" panose="02040503050406030204" pitchFamily="18" charset="0"/>
+                        </a:rPr>
+                        <m:t>≤</m:t>
+                      </m:r>
+                      <m:r>
+                        <a:rPr lang="es-MX" sz="2000" i="1">
+                          <a:latin typeface="Cambria Math" panose="02040503050406030204" pitchFamily="18" charset="0"/>
+                          <a:ea typeface="Cambria Math" panose="02040503050406030204" pitchFamily="18" charset="0"/>
+                        </a:rPr>
+                        <m:t>𝜃</m:t>
+                      </m:r>
+                      <m:r>
+                        <a:rPr lang="es-PE" sz="2000" b="0" i="1" smtClean="0">
+                          <a:latin typeface="Cambria Math" panose="02040503050406030204" pitchFamily="18" charset="0"/>
+                          <a:ea typeface="Cambria Math" panose="02040503050406030204" pitchFamily="18" charset="0"/>
+                        </a:rPr>
+                        <m:t>𝑓</m:t>
+                      </m:r>
+                      <m:d>
+                        <m:dPr>
+                          <m:ctrlPr>
+                            <a:rPr lang="es-PE" sz="2000" b="0" i="1" smtClean="0">
+                              <a:latin typeface="Cambria Math" panose="02040503050406030204" pitchFamily="18" charset="0"/>
+                              <a:ea typeface="Cambria Math" panose="02040503050406030204" pitchFamily="18" charset="0"/>
+                            </a:rPr>
+                          </m:ctrlPr>
+                        </m:dPr>
+                        <m:e>
+                          <m:r>
+                            <a:rPr lang="es-PE" sz="2000" b="0" i="1" smtClean="0">
+                              <a:latin typeface="Cambria Math" panose="02040503050406030204" pitchFamily="18" charset="0"/>
+                              <a:ea typeface="Cambria Math" panose="02040503050406030204" pitchFamily="18" charset="0"/>
+                            </a:rPr>
+                            <m:t>𝑥</m:t>
+                          </m:r>
+                        </m:e>
+                      </m:d>
+                      <m:r>
+                        <a:rPr lang="es-PE" sz="2000" b="0" i="1" smtClean="0">
+                          <a:latin typeface="Cambria Math" panose="02040503050406030204" pitchFamily="18" charset="0"/>
+                          <a:ea typeface="Cambria Math" panose="02040503050406030204" pitchFamily="18" charset="0"/>
+                        </a:rPr>
+                        <m:t>+</m:t>
+                      </m:r>
+                      <m:d>
+                        <m:dPr>
+                          <m:ctrlPr>
+                            <a:rPr lang="es-PE" sz="2000" b="0" i="1" smtClean="0">
+                              <a:latin typeface="Cambria Math" panose="02040503050406030204" pitchFamily="18" charset="0"/>
+                              <a:ea typeface="Cambria Math" panose="02040503050406030204" pitchFamily="18" charset="0"/>
+                            </a:rPr>
+                          </m:ctrlPr>
+                        </m:dPr>
+                        <m:e>
+                          <m:r>
+                            <a:rPr lang="es-PE" sz="2000" b="0" i="1" smtClean="0">
+                              <a:latin typeface="Cambria Math" panose="02040503050406030204" pitchFamily="18" charset="0"/>
+                              <a:ea typeface="Cambria Math" panose="02040503050406030204" pitchFamily="18" charset="0"/>
+                            </a:rPr>
+                            <m:t>1+</m:t>
+                          </m:r>
+                          <m:r>
+                            <a:rPr lang="es-MX" sz="2000" i="1">
+                              <a:latin typeface="Cambria Math" panose="02040503050406030204" pitchFamily="18" charset="0"/>
+                              <a:ea typeface="Cambria Math" panose="02040503050406030204" pitchFamily="18" charset="0"/>
+                            </a:rPr>
+                            <m:t>𝜃</m:t>
+                          </m:r>
+                        </m:e>
+                      </m:d>
+                      <m:r>
+                        <a:rPr lang="es-PE" sz="2000" b="0" i="1" smtClean="0">
+                          <a:latin typeface="Cambria Math" panose="02040503050406030204" pitchFamily="18" charset="0"/>
+                          <a:ea typeface="Cambria Math" panose="02040503050406030204" pitchFamily="18" charset="0"/>
+                        </a:rPr>
+                        <m:t>𝑓</m:t>
+                      </m:r>
+                      <m:d>
+                        <m:dPr>
+                          <m:ctrlPr>
+                            <a:rPr lang="es-PE" sz="2000" b="0" i="1" smtClean="0">
+                              <a:latin typeface="Cambria Math" panose="02040503050406030204" pitchFamily="18" charset="0"/>
+                              <a:ea typeface="Cambria Math" panose="02040503050406030204" pitchFamily="18" charset="0"/>
+                            </a:rPr>
+                          </m:ctrlPr>
+                        </m:dPr>
+                        <m:e>
+                          <m:r>
+                            <a:rPr lang="es-PE" sz="2000" b="0" i="1" smtClean="0">
+                              <a:latin typeface="Cambria Math" panose="02040503050406030204" pitchFamily="18" charset="0"/>
+                              <a:ea typeface="Cambria Math" panose="02040503050406030204" pitchFamily="18" charset="0"/>
+                            </a:rPr>
+                            <m:t>𝑦</m:t>
+                          </m:r>
+                        </m:e>
+                      </m:d>
+                    </m:oMath>
+                  </m:oMathPara>
+                </a14:m>
+                <a:endParaRPr lang="es-PE" sz="2000" b="0" dirty="0" smtClean="0">
+                  <a:ea typeface="Cambria Math" panose="02040503050406030204" pitchFamily="18" charset="0"/>
+                </a:endParaRPr>
+              </a:p>
+              <a:p>
+                <a:pPr marL="285750" indent="-285750">
+                  <a:buFont typeface="Arial" panose="020B0604020202020204" pitchFamily="34" charset="0"/>
+                  <a:buChar char="•"/>
+                </a:pPr>
+                <a:r>
+                  <a:rPr lang="es-PE" sz="2000" dirty="0"/>
+                  <a:t>Una función </a:t>
+                </a:r>
+                <a14:m>
+                  <m:oMath xmlns:m="http://schemas.openxmlformats.org/officeDocument/2006/math">
+                    <m:r>
+                      <a:rPr lang="es-PE" sz="2000" i="1">
+                        <a:latin typeface="Cambria Math" panose="02040503050406030204" pitchFamily="18" charset="0"/>
+                      </a:rPr>
+                      <m:t>𝑓</m:t>
+                    </m:r>
+                    <m:r>
+                      <a:rPr lang="es-PE" sz="2000" i="1">
+                        <a:latin typeface="Cambria Math" panose="02040503050406030204" pitchFamily="18" charset="0"/>
+                      </a:rPr>
+                      <m:t>: </m:t>
+                    </m:r>
+                    <m:sSup>
+                      <m:sSupPr>
+                        <m:ctrlPr>
+                          <a:rPr lang="es-PE" sz="2000" i="1">
+                            <a:latin typeface="Cambria Math" panose="02040503050406030204" pitchFamily="18" charset="0"/>
+                          </a:rPr>
+                        </m:ctrlPr>
+                      </m:sSupPr>
+                      <m:e>
+                        <m:r>
+                          <a:rPr lang="es-PE" sz="2000" i="1">
+                            <a:latin typeface="Cambria Math" panose="02040503050406030204" pitchFamily="18" charset="0"/>
+                          </a:rPr>
+                          <m:t>𝑅</m:t>
+                        </m:r>
+                      </m:e>
+                      <m:sup>
+                        <m:r>
+                          <a:rPr lang="es-PE" sz="2000" i="1">
+                            <a:latin typeface="Cambria Math" panose="02040503050406030204" pitchFamily="18" charset="0"/>
+                          </a:rPr>
+                          <m:t>𝑛</m:t>
+                        </m:r>
+                      </m:sup>
+                    </m:sSup>
+                    <m:r>
+                      <a:rPr lang="es-PE" sz="2000" i="1">
+                        <a:latin typeface="Cambria Math" panose="02040503050406030204" pitchFamily="18" charset="0"/>
+                        <a:ea typeface="Cambria Math" panose="02040503050406030204" pitchFamily="18" charset="0"/>
+                      </a:rPr>
+                      <m:t>→</m:t>
+                    </m:r>
+                    <m:r>
+                      <a:rPr lang="es-PE" sz="2000" i="1">
+                        <a:latin typeface="Cambria Math" panose="02040503050406030204" pitchFamily="18" charset="0"/>
+                        <a:ea typeface="Cambria Math" panose="02040503050406030204" pitchFamily="18" charset="0"/>
+                      </a:rPr>
+                      <m:t>𝑅</m:t>
+                    </m:r>
+                  </m:oMath>
+                </a14:m>
+                <a:r>
+                  <a:rPr lang="es-MX" sz="2000" dirty="0"/>
+                  <a:t> es </a:t>
+                </a:r>
+                <a:r>
+                  <a:rPr lang="es-MX" sz="2000" dirty="0" err="1" smtClean="0"/>
+                  <a:t>concava</a:t>
+                </a:r>
+                <a:r>
+                  <a:rPr lang="es-MX" sz="2000" dirty="0" smtClean="0"/>
+                  <a:t> </a:t>
+                </a:r>
+                <a:r>
+                  <a:rPr lang="es-MX" sz="2000" dirty="0"/>
+                  <a:t>si el dominio de </a:t>
+                </a:r>
+                <a14:m>
+                  <m:oMath xmlns:m="http://schemas.openxmlformats.org/officeDocument/2006/math">
+                    <m:r>
+                      <a:rPr lang="es-PE" sz="2000" i="1">
+                        <a:latin typeface="Cambria Math" panose="02040503050406030204" pitchFamily="18" charset="0"/>
+                      </a:rPr>
+                      <m:t>𝑓</m:t>
+                    </m:r>
+                  </m:oMath>
+                </a14:m>
+                <a:r>
+                  <a:rPr lang="es-MX" sz="2000" dirty="0"/>
+                  <a:t> es un conjunto convexo y para todo </a:t>
+                </a:r>
+                <a14:m>
+                  <m:oMath xmlns:m="http://schemas.openxmlformats.org/officeDocument/2006/math">
+                    <m:r>
+                      <a:rPr lang="es-PE" sz="2000" i="1">
+                        <a:latin typeface="Cambria Math" panose="02040503050406030204" pitchFamily="18" charset="0"/>
+                      </a:rPr>
+                      <m:t>𝑥</m:t>
+                    </m:r>
+                    <m:r>
+                      <a:rPr lang="es-PE" sz="2000" i="1">
+                        <a:latin typeface="Cambria Math" panose="02040503050406030204" pitchFamily="18" charset="0"/>
+                      </a:rPr>
+                      <m:t>, </m:t>
+                    </m:r>
+                    <m:r>
+                      <a:rPr lang="es-PE" sz="2000" i="1">
+                        <a:latin typeface="Cambria Math" panose="02040503050406030204" pitchFamily="18" charset="0"/>
+                      </a:rPr>
+                      <m:t>𝑦</m:t>
+                    </m:r>
+                    <m:r>
+                      <a:rPr lang="es-PE" sz="2000" i="1">
+                        <a:latin typeface="Cambria Math" panose="02040503050406030204" pitchFamily="18" charset="0"/>
+                      </a:rPr>
+                      <m:t> ∈</m:t>
+                    </m:r>
+                    <m:r>
+                      <a:rPr lang="es-PE" sz="2000" i="1">
+                        <a:latin typeface="Cambria Math" panose="02040503050406030204" pitchFamily="18" charset="0"/>
+                        <a:ea typeface="Cambria Math" panose="02040503050406030204" pitchFamily="18" charset="0"/>
+                      </a:rPr>
+                      <m:t>𝑑𝑜𝑚</m:t>
+                    </m:r>
+                    <m:r>
+                      <a:rPr lang="es-PE" sz="2000" i="1">
+                        <a:latin typeface="Cambria Math" panose="02040503050406030204" pitchFamily="18" charset="0"/>
+                        <a:ea typeface="Cambria Math" panose="02040503050406030204" pitchFamily="18" charset="0"/>
+                      </a:rPr>
+                      <m:t> </m:t>
+                    </m:r>
+                    <m:r>
+                      <a:rPr lang="es-PE" sz="2000" i="1">
+                        <a:latin typeface="Cambria Math" panose="02040503050406030204" pitchFamily="18" charset="0"/>
+                        <a:ea typeface="Cambria Math" panose="02040503050406030204" pitchFamily="18" charset="0"/>
+                      </a:rPr>
+                      <m:t>𝑓</m:t>
+                    </m:r>
+                  </m:oMath>
+                </a14:m>
+                <a:r>
+                  <a:rPr lang="es-MX" sz="2000" dirty="0"/>
+                  <a:t>, y </a:t>
+                </a:r>
+                <a14:m>
+                  <m:oMath xmlns:m="http://schemas.openxmlformats.org/officeDocument/2006/math">
+                    <m:r>
+                      <a:rPr lang="es-MX" sz="2000" i="1">
+                        <a:latin typeface="Cambria Math" panose="02040503050406030204" pitchFamily="18" charset="0"/>
+                        <a:ea typeface="Cambria Math" panose="02040503050406030204" pitchFamily="18" charset="0"/>
+                      </a:rPr>
+                      <m:t>𝜃</m:t>
+                    </m:r>
+                  </m:oMath>
+                </a14:m>
+                <a:r>
+                  <a:rPr lang="es-MX" sz="2000" dirty="0"/>
+                  <a:t> con </a:t>
+                </a:r>
+                <a14:m>
+                  <m:oMath xmlns:m="http://schemas.openxmlformats.org/officeDocument/2006/math">
+                    <m:r>
+                      <a:rPr lang="es-PE" sz="2000">
+                        <a:latin typeface="Cambria Math" panose="02040503050406030204" pitchFamily="18" charset="0"/>
+                        <a:ea typeface="Cambria Math" panose="02040503050406030204" pitchFamily="18" charset="0"/>
+                      </a:rPr>
+                      <m:t>0≤</m:t>
+                    </m:r>
+                    <m:r>
+                      <a:rPr lang="es-MX" sz="2000" i="1">
+                        <a:latin typeface="Cambria Math" panose="02040503050406030204" pitchFamily="18" charset="0"/>
+                        <a:ea typeface="Cambria Math" panose="02040503050406030204" pitchFamily="18" charset="0"/>
+                      </a:rPr>
+                      <m:t>𝜃</m:t>
+                    </m:r>
+                    <m:r>
+                      <a:rPr lang="es-PE" sz="2000" i="1">
+                        <a:latin typeface="Cambria Math" panose="02040503050406030204" pitchFamily="18" charset="0"/>
+                        <a:ea typeface="Cambria Math" panose="02040503050406030204" pitchFamily="18" charset="0"/>
+                      </a:rPr>
+                      <m:t>≤1</m:t>
+                    </m:r>
+                  </m:oMath>
+                </a14:m>
+                <a:r>
+                  <a:rPr lang="es-MX" sz="2000" dirty="0"/>
+                  <a:t> tendremos.</a:t>
+                </a:r>
+              </a:p>
+              <a:p>
+                <a:pPr/>
+                <a14:m>
+                  <m:oMathPara xmlns:m="http://schemas.openxmlformats.org/officeDocument/2006/math">
+                    <m:oMathParaPr>
+                      <m:jc m:val="centerGroup"/>
+                    </m:oMathParaPr>
+                    <m:oMath xmlns:m="http://schemas.openxmlformats.org/officeDocument/2006/math">
+                      <m:r>
+                        <a:rPr lang="es-PE" sz="2000" i="1">
+                          <a:latin typeface="Cambria Math" panose="02040503050406030204" pitchFamily="18" charset="0"/>
+                        </a:rPr>
+                        <m:t>𝑓</m:t>
+                      </m:r>
+                      <m:d>
+                        <m:dPr>
+                          <m:ctrlPr>
+                            <a:rPr lang="es-PE" sz="2000" i="1">
+                              <a:latin typeface="Cambria Math" panose="02040503050406030204" pitchFamily="18" charset="0"/>
+                            </a:rPr>
+                          </m:ctrlPr>
+                        </m:dPr>
+                        <m:e>
+                          <m:r>
+                            <a:rPr lang="es-MX" sz="2000" i="1">
+                              <a:latin typeface="Cambria Math" panose="02040503050406030204" pitchFamily="18" charset="0"/>
+                              <a:ea typeface="Cambria Math" panose="02040503050406030204" pitchFamily="18" charset="0"/>
+                            </a:rPr>
+                            <m:t>𝜃</m:t>
+                          </m:r>
+                          <m:r>
+                            <a:rPr lang="es-PE" sz="2000" i="1">
+                              <a:latin typeface="Cambria Math" panose="02040503050406030204" pitchFamily="18" charset="0"/>
+                              <a:ea typeface="Cambria Math" panose="02040503050406030204" pitchFamily="18" charset="0"/>
+                            </a:rPr>
+                            <m:t>𝑥</m:t>
+                          </m:r>
+                          <m:r>
+                            <a:rPr lang="es-PE" sz="2000" i="1">
+                              <a:latin typeface="Cambria Math" panose="02040503050406030204" pitchFamily="18" charset="0"/>
+                              <a:ea typeface="Cambria Math" panose="02040503050406030204" pitchFamily="18" charset="0"/>
+                            </a:rPr>
+                            <m:t>+</m:t>
+                          </m:r>
+                          <m:d>
+                            <m:dPr>
+                              <m:ctrlPr>
+                                <a:rPr lang="es-PE" sz="2000" i="1">
+                                  <a:latin typeface="Cambria Math" panose="02040503050406030204" pitchFamily="18" charset="0"/>
+                                  <a:ea typeface="Cambria Math" panose="02040503050406030204" pitchFamily="18" charset="0"/>
+                                </a:rPr>
+                              </m:ctrlPr>
+                            </m:dPr>
+                            <m:e>
+                              <m:r>
+                                <a:rPr lang="es-PE" sz="2000" i="1">
+                                  <a:latin typeface="Cambria Math" panose="02040503050406030204" pitchFamily="18" charset="0"/>
+                                  <a:ea typeface="Cambria Math" panose="02040503050406030204" pitchFamily="18" charset="0"/>
+                                </a:rPr>
+                                <m:t>1−</m:t>
+                              </m:r>
+                              <m:r>
+                                <a:rPr lang="es-MX" sz="2000" i="1">
+                                  <a:latin typeface="Cambria Math" panose="02040503050406030204" pitchFamily="18" charset="0"/>
+                                  <a:ea typeface="Cambria Math" panose="02040503050406030204" pitchFamily="18" charset="0"/>
+                                </a:rPr>
+                                <m:t>𝜃</m:t>
+                              </m:r>
+                            </m:e>
+                          </m:d>
+                          <m:r>
+                            <a:rPr lang="es-PE" sz="2000" i="1">
+                              <a:latin typeface="Cambria Math" panose="02040503050406030204" pitchFamily="18" charset="0"/>
+                              <a:ea typeface="Cambria Math" panose="02040503050406030204" pitchFamily="18" charset="0"/>
+                            </a:rPr>
+                            <m:t>𝑦</m:t>
+                          </m:r>
+                        </m:e>
+                      </m:d>
+                      <m:r>
+                        <a:rPr lang="es-PE" sz="2000" b="0" i="1" smtClean="0">
+                          <a:latin typeface="Cambria Math" panose="02040503050406030204" pitchFamily="18" charset="0"/>
+                          <a:ea typeface="Cambria Math" panose="02040503050406030204" pitchFamily="18" charset="0"/>
+                        </a:rPr>
+                        <m:t>≥</m:t>
+                      </m:r>
+                      <m:r>
+                        <a:rPr lang="es-MX" sz="2000" i="1">
+                          <a:latin typeface="Cambria Math" panose="02040503050406030204" pitchFamily="18" charset="0"/>
+                          <a:ea typeface="Cambria Math" panose="02040503050406030204" pitchFamily="18" charset="0"/>
+                        </a:rPr>
+                        <m:t>𝜃</m:t>
+                      </m:r>
+                      <m:r>
+                        <a:rPr lang="es-PE" sz="2000" i="1">
+                          <a:latin typeface="Cambria Math" panose="02040503050406030204" pitchFamily="18" charset="0"/>
+                          <a:ea typeface="Cambria Math" panose="02040503050406030204" pitchFamily="18" charset="0"/>
+                        </a:rPr>
+                        <m:t>𝑓</m:t>
+                      </m:r>
+                      <m:d>
+                        <m:dPr>
+                          <m:ctrlPr>
+                            <a:rPr lang="es-PE" sz="2000" i="1">
+                              <a:latin typeface="Cambria Math" panose="02040503050406030204" pitchFamily="18" charset="0"/>
+                              <a:ea typeface="Cambria Math" panose="02040503050406030204" pitchFamily="18" charset="0"/>
+                            </a:rPr>
+                          </m:ctrlPr>
+                        </m:dPr>
+                        <m:e>
+                          <m:r>
+                            <a:rPr lang="es-PE" sz="2000" i="1">
+                              <a:latin typeface="Cambria Math" panose="02040503050406030204" pitchFamily="18" charset="0"/>
+                              <a:ea typeface="Cambria Math" panose="02040503050406030204" pitchFamily="18" charset="0"/>
+                            </a:rPr>
+                            <m:t>𝑥</m:t>
+                          </m:r>
+                        </m:e>
+                      </m:d>
+                      <m:r>
+                        <a:rPr lang="es-PE" sz="2000" i="1">
+                          <a:latin typeface="Cambria Math" panose="02040503050406030204" pitchFamily="18" charset="0"/>
+                          <a:ea typeface="Cambria Math" panose="02040503050406030204" pitchFamily="18" charset="0"/>
+                        </a:rPr>
+                        <m:t>+</m:t>
+                      </m:r>
+                      <m:d>
+                        <m:dPr>
+                          <m:ctrlPr>
+                            <a:rPr lang="es-PE" sz="2000" i="1">
+                              <a:latin typeface="Cambria Math" panose="02040503050406030204" pitchFamily="18" charset="0"/>
+                              <a:ea typeface="Cambria Math" panose="02040503050406030204" pitchFamily="18" charset="0"/>
+                            </a:rPr>
+                          </m:ctrlPr>
+                        </m:dPr>
+                        <m:e>
+                          <m:r>
+                            <a:rPr lang="es-PE" sz="2000" i="1">
+                              <a:latin typeface="Cambria Math" panose="02040503050406030204" pitchFamily="18" charset="0"/>
+                              <a:ea typeface="Cambria Math" panose="02040503050406030204" pitchFamily="18" charset="0"/>
+                            </a:rPr>
+                            <m:t>1+</m:t>
+                          </m:r>
+                          <m:r>
+                            <a:rPr lang="es-MX" sz="2000" i="1">
+                              <a:latin typeface="Cambria Math" panose="02040503050406030204" pitchFamily="18" charset="0"/>
+                              <a:ea typeface="Cambria Math" panose="02040503050406030204" pitchFamily="18" charset="0"/>
+                            </a:rPr>
+                            <m:t>𝜃</m:t>
+                          </m:r>
+                        </m:e>
+                      </m:d>
+                      <m:r>
+                        <a:rPr lang="es-PE" sz="2000" i="1">
+                          <a:latin typeface="Cambria Math" panose="02040503050406030204" pitchFamily="18" charset="0"/>
+                          <a:ea typeface="Cambria Math" panose="02040503050406030204" pitchFamily="18" charset="0"/>
+                        </a:rPr>
+                        <m:t>𝑓</m:t>
+                      </m:r>
+                      <m:d>
+                        <m:dPr>
+                          <m:ctrlPr>
+                            <a:rPr lang="es-PE" sz="2000" i="1">
+                              <a:latin typeface="Cambria Math" panose="02040503050406030204" pitchFamily="18" charset="0"/>
+                              <a:ea typeface="Cambria Math" panose="02040503050406030204" pitchFamily="18" charset="0"/>
+                            </a:rPr>
+                          </m:ctrlPr>
+                        </m:dPr>
+                        <m:e>
+                          <m:r>
+                            <a:rPr lang="es-PE" sz="2000" i="1">
+                              <a:latin typeface="Cambria Math" panose="02040503050406030204" pitchFamily="18" charset="0"/>
+                              <a:ea typeface="Cambria Math" panose="02040503050406030204" pitchFamily="18" charset="0"/>
+                            </a:rPr>
+                            <m:t>𝑦</m:t>
+                          </m:r>
+                        </m:e>
+                      </m:d>
+                    </m:oMath>
+                  </m:oMathPara>
+                </a14:m>
+                <a:endParaRPr lang="es-PE" sz="2000" b="0" dirty="0" smtClean="0">
+                  <a:ea typeface="Cambria Math" panose="02040503050406030204" pitchFamily="18" charset="0"/>
+                </a:endParaRPr>
+              </a:p>
+              <a:p>
+                <a:endParaRPr lang="es-MX" sz="2000" dirty="0"/>
+              </a:p>
+              <a:p>
+                <a:pPr marL="285750" indent="-285750">
+                  <a:buFont typeface="Arial" panose="020B0604020202020204" pitchFamily="34" charset="0"/>
+                  <a:buChar char="•"/>
+                </a:pPr>
+                <a:endParaRPr lang="es-MX" sz="2000" dirty="0"/>
+              </a:p>
+              <a:p>
+                <a:pPr marL="285750" indent="-285750">
+                  <a:buFont typeface="Arial" panose="020B0604020202020204" pitchFamily="34" charset="0"/>
+                  <a:buChar char="•"/>
+                </a:pPr>
+                <a:endParaRPr lang="es-MX" sz="2000" dirty="0"/>
+              </a:p>
+              <a:p>
+                <a:pPr marL="285750" indent="-285750">
+                  <a:buFont typeface="Arial" panose="020B0604020202020204" pitchFamily="34" charset="0"/>
+                  <a:buChar char="•"/>
+                </a:pPr>
+                <a:endParaRPr lang="es-MX" sz="2000" dirty="0"/>
+              </a:p>
+            </p:txBody>
+          </p:sp>
+        </mc:Choice>
+        <mc:Fallback>
+          <p:sp>
+            <p:nvSpPr>
+              <p:cNvPr id="5" name="CuadroTexto 4">
+                <a:extLst>
+                  <a:ext uri="{FF2B5EF4-FFF2-40B4-BE49-F238E27FC236}">
+                    <a16:creationId xmlns:a16="http://schemas.microsoft.com/office/drawing/2014/main" xmlns="" id="{0EE2E59A-EFC5-4F7D-8B1B-CDE02E4D869C}"/>
+                  </a:ext>
+                </a:extLst>
+              </p:cNvPr>
+              <p:cNvSpPr txBox="1">
+                <a:spLocks noRot="1" noChangeAspect="1" noMove="1" noResize="1" noEditPoints="1" noAdjustHandles="1" noChangeArrowheads="1" noChangeShapeType="1" noTextEdit="1"/>
+              </p:cNvSpPr>
+              <p:nvPr/>
+            </p:nvSpPr>
+            <p:spPr>
+              <a:xfrm>
+                <a:off x="602191" y="836712"/>
+                <a:ext cx="8002257" cy="3170099"/>
+              </a:xfrm>
+              <a:prstGeom prst="rect">
+                <a:avLst/>
+              </a:prstGeom>
+              <a:blipFill rotWithShape="0">
+                <a:blip r:embed="rId2"/>
+                <a:stretch>
+                  <a:fillRect l="-686" t="-962" r="-457"/>
+                </a:stretch>
+              </a:blipFill>
+            </p:spPr>
+            <p:txBody>
+              <a:bodyPr/>
+              <a:lstStyle/>
+              <a:p>
+                <a:r>
+                  <a:rPr lang="es-PE">
+                    <a:noFill/>
+                  </a:rPr>
+                  <a:t> </a:t>
+                </a:r>
+              </a:p>
+            </p:txBody>
+          </p:sp>
+        </mc:Fallback>
+      </mc:AlternateContent>
+      <p:pic>
+        <p:nvPicPr>
+          <p:cNvPr id="6" name="Imagen 5"/>
+          <p:cNvPicPr>
+            <a:picLocks noChangeAspect="1"/>
+          </p:cNvPicPr>
+          <p:nvPr/>
+        </p:nvPicPr>
+        <p:blipFill>
+          <a:blip r:embed="rId3"/>
+          <a:stretch>
+            <a:fillRect/>
+          </a:stretch>
+        </p:blipFill>
+        <p:spPr>
+          <a:xfrm>
+            <a:off x="827584" y="3140968"/>
+            <a:ext cx="7381733" cy="2539587"/>
+          </a:xfrm>
+          <a:prstGeom prst="rect">
+            <a:avLst/>
+          </a:prstGeom>
+        </p:spPr>
+      </p:pic>
+    </p:spTree>
+    <p:extLst>
+      <p:ext uri="{BB962C8B-B14F-4D97-AF65-F5344CB8AC3E}">
+        <p14:creationId xmlns:p14="http://schemas.microsoft.com/office/powerpoint/2010/main" val="1665145397"/>
+      </p:ext>
+    </p:extLst>
+  </p:cSld>
+  <p:clrMapOvr>
+    <a:masterClrMapping/>
+  </p:clrMapOvr>
+  <p:transition spd="slow">
+    <p:fade/>
+  </p:transition>
+</p:sld>
+</file>
+
+<file path=ppt/slides/slide23.xml><?xml version="1.0" encoding="utf-8"?>
+<p:sld xmlns:a="http://schemas.openxmlformats.org/drawingml/2006/main" xmlns:r="http://schemas.openxmlformats.org/officeDocument/2006/relationships" xmlns:p="http://schemas.openxmlformats.org/presentationml/2006/main">
+  <p:cSld>
+    <p:spTree>
+      <p:nvGrpSpPr>
+        <p:cNvPr id="1" name=""/>
+        <p:cNvGrpSpPr/>
+        <p:nvPr/>
+      </p:nvGrpSpPr>
+      <p:grpSpPr>
+        <a:xfrm>
+          <a:off x="0" y="0"/>
+          <a:ext cx="0" cy="0"/>
+          <a:chOff x="0" y="0"/>
+          <a:chExt cx="0" cy="0"/>
+        </a:xfrm>
+      </p:grpSpPr>
+      <p:sp>
+        <p:nvSpPr>
+          <p:cNvPr id="2" name="Marcador de número de diapositiva 1"/>
+          <p:cNvSpPr>
+            <a:spLocks noGrp="1"/>
+          </p:cNvSpPr>
+          <p:nvPr>
+            <p:ph type="sldNum" sz="quarter" idx="12"/>
+          </p:nvPr>
+        </p:nvSpPr>
+        <p:spPr/>
+        <p:txBody>
+          <a:bodyPr/>
+          <a:lstStyle/>
+          <a:p>
+            <a:fld id="{64BD7E74-CBD2-4D88-9109-2EA8081AE675}" type="slidenum">
+              <a:rPr lang="es-ES" smtClean="0"/>
+              <a:pPr/>
+              <a:t>23</a:t>
+            </a:fld>
+            <a:endParaRPr lang="es-ES"/>
+          </a:p>
+        </p:txBody>
+      </p:sp>
+      <p:sp>
+        <p:nvSpPr>
+          <p:cNvPr id="3" name="4 Título"/>
+          <p:cNvSpPr txBox="1">
+            <a:spLocks/>
+          </p:cNvSpPr>
+          <p:nvPr/>
+        </p:nvSpPr>
+        <p:spPr>
+          <a:xfrm>
+            <a:off x="611560" y="188640"/>
+            <a:ext cx="8784976" cy="457120"/>
+          </a:xfrm>
+          <a:prstGeom prst="rect">
+            <a:avLst/>
+          </a:prstGeom>
+        </p:spPr>
+        <p:txBody>
+          <a:bodyPr bIns="91440" anchor="b" anchorCtr="0">
+            <a:noAutofit/>
+          </a:bodyPr>
+          <a:lstStyle>
+            <a:lvl1pPr>
+              <a:spcBef>
+                <a:spcPct val="0"/>
+              </a:spcBef>
+              <a:buNone/>
+              <a:defRPr kumimoji="0" sz="2400">
+                <a:ln w="0"/>
+                <a:solidFill>
+                  <a:schemeClr val="tx2"/>
+                </a:solidFill>
+                <a:effectLst>
+                  <a:outerShdw blurRad="38100" dist="19050" dir="2700000" algn="tl" rotWithShape="0">
+                    <a:schemeClr val="dk1">
+                      <a:alpha val="40000"/>
+                    </a:schemeClr>
+                  </a:outerShdw>
+                </a:effectLst>
+                <a:latin typeface="+mj-lt"/>
+                <a:ea typeface="+mj-ea"/>
+                <a:cs typeface="+mj-cs"/>
+              </a:defRPr>
+            </a:lvl1pPr>
+          </a:lstStyle>
+          <a:p>
+            <a:r>
+              <a:rPr lang="es-PE" altLang="en-US" dirty="0" smtClean="0"/>
+              <a:t>Región convexa</a:t>
+            </a:r>
+            <a:endParaRPr lang="es-PE" altLang="en-US" dirty="0"/>
+          </a:p>
+        </p:txBody>
+      </p:sp>
+      <p:sp>
+        <p:nvSpPr>
+          <p:cNvPr id="10" name="CuadroTexto 4">
+            <a:extLst>
+              <a:ext uri="{FF2B5EF4-FFF2-40B4-BE49-F238E27FC236}">
+                <a16:creationId xmlns:a16="http://schemas.microsoft.com/office/drawing/2014/main" xmlns="" id="{0EE2E59A-EFC5-4F7D-8B1B-CDE02E4D869C}"/>
+              </a:ext>
+            </a:extLst>
+          </p:cNvPr>
+          <p:cNvSpPr txBox="1"/>
+          <p:nvPr/>
+        </p:nvSpPr>
+        <p:spPr>
+          <a:xfrm>
+            <a:off x="602191" y="836712"/>
+            <a:ext cx="8002257" cy="1631216"/>
+          </a:xfrm>
+          <a:prstGeom prst="rect">
+            <a:avLst/>
+          </a:prstGeom>
+          <a:noFill/>
+        </p:spPr>
+        <p:txBody>
+          <a:bodyPr wrap="square" rtlCol="0">
+            <a:spAutoFit/>
+          </a:bodyPr>
+          <a:lstStyle/>
+          <a:p>
+            <a:pPr marL="285750" indent="-285750">
+              <a:buFont typeface="Arial" panose="020B0604020202020204" pitchFamily="34" charset="0"/>
+              <a:buChar char="•"/>
+            </a:pPr>
+            <a:r>
+              <a:rPr lang="es-MX" sz="2000" dirty="0" smtClean="0"/>
+              <a:t>Una región es llamada región convexa si, y solamente si todo segmento de recta cuyas extremidades pertenecen a la región solo tienen puntos en la misma región.</a:t>
+            </a:r>
+          </a:p>
+          <a:p>
+            <a:pPr marL="285750" indent="-285750">
+              <a:buFont typeface="Arial" panose="020B0604020202020204" pitchFamily="34" charset="0"/>
+              <a:buChar char="•"/>
+            </a:pPr>
+            <a:endParaRPr lang="es-MX" sz="2000" dirty="0"/>
+          </a:p>
+          <a:p>
+            <a:pPr marL="285750" indent="-285750">
+              <a:buFont typeface="Arial" panose="020B0604020202020204" pitchFamily="34" charset="0"/>
+              <a:buChar char="•"/>
+            </a:pPr>
+            <a:endParaRPr lang="es-MX" sz="2000" dirty="0"/>
+          </a:p>
+          <a:p>
+            <a:pPr marL="285750" indent="-285750">
+              <a:buFont typeface="Arial" panose="020B0604020202020204" pitchFamily="34" charset="0"/>
+              <a:buChar char="•"/>
+            </a:pPr>
+            <a:endParaRPr lang="es-MX" sz="2000" dirty="0"/>
+          </a:p>
+        </p:txBody>
+      </p:sp>
+      <p:pic>
+        <p:nvPicPr>
+          <p:cNvPr id="4" name="Imagen 3"/>
+          <p:cNvPicPr>
+            <a:picLocks noChangeAspect="1"/>
+          </p:cNvPicPr>
+          <p:nvPr/>
+        </p:nvPicPr>
+        <p:blipFill rotWithShape="1">
+          <a:blip r:embed="rId2"/>
+          <a:srcRect t="6576"/>
+          <a:stretch/>
+        </p:blipFill>
+        <p:spPr>
+          <a:xfrm>
+            <a:off x="755576" y="1556807"/>
+            <a:ext cx="7403731" cy="2623638"/>
+          </a:xfrm>
+          <a:prstGeom prst="rect">
+            <a:avLst/>
+          </a:prstGeom>
+        </p:spPr>
+      </p:pic>
+      <p:sp>
+        <p:nvSpPr>
+          <p:cNvPr id="5" name="CuadroTexto 4"/>
+          <p:cNvSpPr txBox="1"/>
+          <p:nvPr/>
+        </p:nvSpPr>
+        <p:spPr>
+          <a:xfrm>
+            <a:off x="1691680" y="4193794"/>
+            <a:ext cx="1502527" cy="369332"/>
+          </a:xfrm>
+          <a:prstGeom prst="rect">
+            <a:avLst/>
+          </a:prstGeom>
+          <a:noFill/>
+        </p:spPr>
+        <p:txBody>
+          <a:bodyPr wrap="none" rtlCol="0">
+            <a:spAutoFit/>
+          </a:bodyPr>
+          <a:lstStyle/>
+          <a:p>
+            <a:r>
+              <a:rPr lang="es-PE" dirty="0" smtClean="0"/>
+              <a:t>Región convexa</a:t>
+            </a:r>
+            <a:endParaRPr lang="es-PE" dirty="0"/>
+          </a:p>
+        </p:txBody>
+      </p:sp>
+      <p:sp>
+        <p:nvSpPr>
+          <p:cNvPr id="7" name="CuadroTexto 6"/>
+          <p:cNvSpPr txBox="1"/>
+          <p:nvPr/>
+        </p:nvSpPr>
+        <p:spPr>
+          <a:xfrm>
+            <a:off x="5764418" y="4180445"/>
+            <a:ext cx="1765420" cy="369332"/>
+          </a:xfrm>
+          <a:prstGeom prst="rect">
+            <a:avLst/>
+          </a:prstGeom>
+          <a:noFill/>
+        </p:spPr>
+        <p:txBody>
+          <a:bodyPr wrap="none" rtlCol="0">
+            <a:spAutoFit/>
+          </a:bodyPr>
+          <a:lstStyle/>
+          <a:p>
+            <a:r>
+              <a:rPr lang="es-PE" dirty="0" smtClean="0"/>
+              <a:t>Región no convexa</a:t>
+            </a:r>
+            <a:endParaRPr lang="es-PE" dirty="0"/>
+          </a:p>
+        </p:txBody>
+      </p:sp>
+    </p:spTree>
+    <p:extLst>
+      <p:ext uri="{BB962C8B-B14F-4D97-AF65-F5344CB8AC3E}">
+        <p14:creationId xmlns:p14="http://schemas.microsoft.com/office/powerpoint/2010/main" val="1336679109"/>
       </p:ext>
     </p:extLst>
   </p:cSld>
@@ -8631,28 +10756,28 @@
                 <a:gridCol w="784434">
                   <a:extLst>
                     <a:ext uri="{9D8B030D-6E8A-4147-A177-3AD203B41FA5}">
-                      <a16:colId xmlns:a16="http://schemas.microsoft.com/office/drawing/2014/main" val="3601449784"/>
+                      <a16:colId xmlns:a16="http://schemas.microsoft.com/office/drawing/2014/main" xmlns="" val="3601449784"/>
                     </a:ext>
                   </a:extLst>
                 </a:gridCol>
                 <a:gridCol w="731520">
                   <a:extLst>
                     <a:ext uri="{9D8B030D-6E8A-4147-A177-3AD203B41FA5}">
-                      <a16:colId xmlns:a16="http://schemas.microsoft.com/office/drawing/2014/main" val="4258779209"/>
+                      <a16:colId xmlns:a16="http://schemas.microsoft.com/office/drawing/2014/main" xmlns="" val="4258779209"/>
                     </a:ext>
                   </a:extLst>
                 </a:gridCol>
                 <a:gridCol w="731520">
                   <a:extLst>
                     <a:ext uri="{9D8B030D-6E8A-4147-A177-3AD203B41FA5}">
-                      <a16:colId xmlns:a16="http://schemas.microsoft.com/office/drawing/2014/main" val="2704008432"/>
+                      <a16:colId xmlns:a16="http://schemas.microsoft.com/office/drawing/2014/main" xmlns="" val="2704008432"/>
                     </a:ext>
                   </a:extLst>
                 </a:gridCol>
                 <a:gridCol w="731520">
                   <a:extLst>
                     <a:ext uri="{9D8B030D-6E8A-4147-A177-3AD203B41FA5}">
-                      <a16:colId xmlns:a16="http://schemas.microsoft.com/office/drawing/2014/main" val="1588740185"/>
+                      <a16:colId xmlns:a16="http://schemas.microsoft.com/office/drawing/2014/main" xmlns="" val="1588740185"/>
                     </a:ext>
                   </a:extLst>
                 </a:gridCol>
@@ -8883,7 +11008,7 @@
                 </a:tc>
                 <a:extLst>
                   <a:ext uri="{0D108BD9-81ED-4DB2-BD59-A6C34878D82A}">
-                    <a16:rowId xmlns:a16="http://schemas.microsoft.com/office/drawing/2014/main" val="3553923322"/>
+                    <a16:rowId xmlns:a16="http://schemas.microsoft.com/office/drawing/2014/main" xmlns="" val="3553923322"/>
                   </a:ext>
                 </a:extLst>
               </a:tr>
@@ -9128,7 +11253,7 @@
                 </a:tc>
                 <a:extLst>
                   <a:ext uri="{0D108BD9-81ED-4DB2-BD59-A6C34878D82A}">
-                    <a16:rowId xmlns:a16="http://schemas.microsoft.com/office/drawing/2014/main" val="3661568281"/>
+                    <a16:rowId xmlns:a16="http://schemas.microsoft.com/office/drawing/2014/main" xmlns="" val="3661568281"/>
                   </a:ext>
                 </a:extLst>
               </a:tr>
@@ -9372,7 +11497,7 @@
                 </a:tc>
                 <a:extLst>
                   <a:ext uri="{0D108BD9-81ED-4DB2-BD59-A6C34878D82A}">
-                    <a16:rowId xmlns:a16="http://schemas.microsoft.com/office/drawing/2014/main" val="3100964172"/>
+                    <a16:rowId xmlns:a16="http://schemas.microsoft.com/office/drawing/2014/main" xmlns="" val="3100964172"/>
                   </a:ext>
                 </a:extLst>
               </a:tr>
@@ -9616,7 +11741,7 @@
                 </a:tc>
                 <a:extLst>
                   <a:ext uri="{0D108BD9-81ED-4DB2-BD59-A6C34878D82A}">
-                    <a16:rowId xmlns:a16="http://schemas.microsoft.com/office/drawing/2014/main" val="287528904"/>
+                    <a16:rowId xmlns:a16="http://schemas.microsoft.com/office/drawing/2014/main" xmlns="" val="287528904"/>
                   </a:ext>
                 </a:extLst>
               </a:tr>

--- a/1. Lectures/Introducción a la Optimización aplicada a Sistemas de Energía Eléctrica/Dia 1/2. Modelamiento & Optimizaciónv2.pptx
+++ b/1. Lectures/Introducción a la Optimización aplicada a Sistemas de Energía Eléctrica/Dia 1/2. Modelamiento & Optimizaciónv2.pptx
@@ -5,10 +5,10 @@
     <p:sldMasterId id="2147483732" r:id="rId1"/>
   </p:sldMasterIdLst>
   <p:notesMasterIdLst>
-    <p:notesMasterId r:id="rId25"/>
+    <p:notesMasterId r:id="rId32"/>
   </p:notesMasterIdLst>
   <p:handoutMasterIdLst>
-    <p:handoutMasterId r:id="rId26"/>
+    <p:handoutMasterId r:id="rId33"/>
   </p:handoutMasterIdLst>
   <p:sldIdLst>
     <p:sldId id="256" r:id="rId2"/>
@@ -17,23 +17,30 @@
     <p:sldId id="397" r:id="rId5"/>
     <p:sldId id="396" r:id="rId6"/>
     <p:sldId id="399" r:id="rId7"/>
-    <p:sldId id="395" r:id="rId8"/>
-    <p:sldId id="398" r:id="rId9"/>
-    <p:sldId id="400" r:id="rId10"/>
-    <p:sldId id="401" r:id="rId11"/>
-    <p:sldId id="402" r:id="rId12"/>
-    <p:sldId id="403" r:id="rId13"/>
-    <p:sldId id="405" r:id="rId14"/>
-    <p:sldId id="406" r:id="rId15"/>
-    <p:sldId id="410" r:id="rId16"/>
-    <p:sldId id="407" r:id="rId17"/>
-    <p:sldId id="408" r:id="rId18"/>
-    <p:sldId id="409" r:id="rId19"/>
-    <p:sldId id="411" r:id="rId20"/>
-    <p:sldId id="412" r:id="rId21"/>
-    <p:sldId id="413" r:id="rId22"/>
-    <p:sldId id="414" r:id="rId23"/>
-    <p:sldId id="415" r:id="rId24"/>
+    <p:sldId id="416" r:id="rId8"/>
+    <p:sldId id="395" r:id="rId9"/>
+    <p:sldId id="398" r:id="rId10"/>
+    <p:sldId id="400" r:id="rId11"/>
+    <p:sldId id="401" r:id="rId12"/>
+    <p:sldId id="402" r:id="rId13"/>
+    <p:sldId id="417" r:id="rId14"/>
+    <p:sldId id="418" r:id="rId15"/>
+    <p:sldId id="419" r:id="rId16"/>
+    <p:sldId id="404" r:id="rId17"/>
+    <p:sldId id="420" r:id="rId18"/>
+    <p:sldId id="421" r:id="rId19"/>
+    <p:sldId id="403" r:id="rId20"/>
+    <p:sldId id="405" r:id="rId21"/>
+    <p:sldId id="406" r:id="rId22"/>
+    <p:sldId id="410" r:id="rId23"/>
+    <p:sldId id="407" r:id="rId24"/>
+    <p:sldId id="408" r:id="rId25"/>
+    <p:sldId id="409" r:id="rId26"/>
+    <p:sldId id="411" r:id="rId27"/>
+    <p:sldId id="412" r:id="rId28"/>
+    <p:sldId id="413" r:id="rId29"/>
+    <p:sldId id="414" r:id="rId30"/>
+    <p:sldId id="415" r:id="rId31"/>
   </p:sldIdLst>
   <p:sldSz cx="9144000" cy="6858000" type="screen4x3"/>
   <p:notesSz cx="6858000" cy="9144000"/>
@@ -143,11 +150,18 @@
             <p14:sldId id="397"/>
             <p14:sldId id="396"/>
             <p14:sldId id="399"/>
+            <p14:sldId id="416"/>
             <p14:sldId id="395"/>
             <p14:sldId id="398"/>
             <p14:sldId id="400"/>
             <p14:sldId id="401"/>
             <p14:sldId id="402"/>
+            <p14:sldId id="417"/>
+            <p14:sldId id="418"/>
+            <p14:sldId id="419"/>
+            <p14:sldId id="404"/>
+            <p14:sldId id="420"/>
+            <p14:sldId id="421"/>
             <p14:sldId id="403"/>
             <p14:sldId id="405"/>
             <p14:sldId id="406"/>
@@ -268,7 +282,7 @@
             <a:fld id="{20597DA6-5F4F-42D3-8A01-E860A9714D40}" type="datetimeFigureOut">
               <a:rPr lang="es-ES" smtClean="0"/>
               <a:pPr/>
-              <a:t>12/03/2019</a:t>
+              <a:t>13/03/2019</a:t>
             </a:fld>
             <a:endParaRPr lang="es-ES"/>
           </a:p>
@@ -335,7 +349,7 @@
             <a:fld id="{27A565BD-2940-4473-877F-C1308FF5E531}" type="slidenum">
               <a:rPr lang="es-ES" smtClean="0"/>
               <a:pPr/>
-              <a:t>‹Nº›</a:t>
+              <a:t>‹#›</a:t>
             </a:fld>
             <a:endParaRPr lang="es-ES"/>
           </a:p>
@@ -439,7 +453,7 @@
             <a:fld id="{D23D6ABD-B407-4DBB-94E4-3909D8A64036}" type="datetimeFigureOut">
               <a:rPr lang="es-ES" smtClean="0"/>
               <a:pPr/>
-              <a:t>12/03/2019</a:t>
+              <a:t>13/03/2019</a:t>
             </a:fld>
             <a:endParaRPr lang="es-ES"/>
           </a:p>
@@ -598,7 +612,7 @@
             <a:fld id="{8AD6E850-6E96-4E89-86F1-2DE46BB95531}" type="slidenum">
               <a:rPr lang="es-ES" smtClean="0"/>
               <a:pPr/>
-              <a:t>‹Nº›</a:t>
+              <a:t>‹#›</a:t>
             </a:fld>
             <a:endParaRPr lang="es-ES"/>
           </a:p>
@@ -1020,7 +1034,7 @@
             <a:fld id="{64BD7E74-CBD2-4D88-9109-2EA8081AE675}" type="slidenum">
               <a:rPr lang="es-ES" smtClean="0"/>
               <a:pPr/>
-              <a:t>‹Nº›</a:t>
+              <a:t>‹#›</a:t>
             </a:fld>
             <a:endParaRPr lang="es-ES"/>
           </a:p>
@@ -1450,7 +1464,7 @@
             <a:fld id="{64BD7E74-CBD2-4D88-9109-2EA8081AE675}" type="slidenum">
               <a:rPr lang="es-ES" smtClean="0"/>
               <a:pPr/>
-              <a:t>‹Nº›</a:t>
+              <a:t>‹#›</a:t>
             </a:fld>
             <a:endParaRPr lang="es-ES"/>
           </a:p>
@@ -1641,7 +1655,7 @@
             <a:fld id="{64BD7E74-CBD2-4D88-9109-2EA8081AE675}" type="slidenum">
               <a:rPr lang="es-ES" smtClean="0"/>
               <a:pPr/>
-              <a:t>‹Nº›</a:t>
+              <a:t>‹#›</a:t>
             </a:fld>
             <a:endParaRPr lang="es-ES"/>
           </a:p>
@@ -1779,7 +1793,7 @@
             <a:fld id="{64BD7E74-CBD2-4D88-9109-2EA8081AE675}" type="slidenum">
               <a:rPr lang="es-ES" smtClean="0"/>
               <a:pPr/>
-              <a:t>‹Nº›</a:t>
+              <a:t>‹#›</a:t>
             </a:fld>
             <a:endParaRPr lang="es-ES"/>
           </a:p>
@@ -2300,7 +2314,7 @@
             <a:fld id="{64BD7E74-CBD2-4D88-9109-2EA8081AE675}" type="slidenum">
               <a:rPr lang="es-ES" smtClean="0"/>
               <a:pPr/>
-              <a:t>‹Nº›</a:t>
+              <a:t>‹#›</a:t>
             </a:fld>
             <a:endParaRPr lang="es-ES"/>
           </a:p>
@@ -2429,7 +2443,7 @@
             <a:fld id="{64BD7E74-CBD2-4D88-9109-2EA8081AE675}" type="slidenum">
               <a:rPr lang="es-ES" smtClean="0"/>
               <a:pPr/>
-              <a:t>‹Nº›</a:t>
+              <a:t>‹#›</a:t>
             </a:fld>
             <a:endParaRPr lang="es-ES"/>
           </a:p>
@@ -2807,7 +2821,7 @@
             <a:fld id="{64BD7E74-CBD2-4D88-9109-2EA8081AE675}" type="slidenum">
               <a:rPr lang="es-ES" smtClean="0"/>
               <a:pPr/>
-              <a:t>‹Nº›</a:t>
+              <a:t>‹#›</a:t>
             </a:fld>
             <a:endParaRPr lang="es-ES"/>
           </a:p>
@@ -3060,7 +3074,7 @@
             <a:fld id="{64BD7E74-CBD2-4D88-9109-2EA8081AE675}" type="slidenum">
               <a:rPr lang="es-ES" smtClean="0"/>
               <a:pPr/>
-              <a:t>‹Nº›</a:t>
+              <a:t>‹#›</a:t>
             </a:fld>
             <a:endParaRPr lang="es-ES"/>
           </a:p>
@@ -3196,7 +3210,7 @@
             <a:fld id="{64BD7E74-CBD2-4D88-9109-2EA8081AE675}" type="slidenum">
               <a:rPr lang="es-ES" smtClean="0"/>
               <a:pPr/>
-              <a:t>‹Nº›</a:t>
+              <a:t>‹#›</a:t>
             </a:fld>
             <a:endParaRPr lang="es-ES"/>
           </a:p>
@@ -3479,7 +3493,7 @@
             <a:fld id="{64BD7E74-CBD2-4D88-9109-2EA8081AE675}" type="slidenum">
               <a:rPr lang="es-ES" smtClean="0"/>
               <a:pPr/>
-              <a:t>‹Nº›</a:t>
+              <a:t>‹#›</a:t>
             </a:fld>
             <a:endParaRPr lang="es-ES"/>
           </a:p>
@@ -3728,7 +3742,7 @@
             <a:fld id="{64BD7E74-CBD2-4D88-9109-2EA8081AE675}" type="slidenum">
               <a:rPr lang="es-ES" smtClean="0"/>
               <a:pPr/>
-              <a:t>‹Nº›</a:t>
+              <a:t>‹#›</a:t>
             </a:fld>
             <a:endParaRPr lang="es-ES"/>
           </a:p>
@@ -4200,7 +4214,7 @@
             <a:fld id="{64BD7E74-CBD2-4D88-9109-2EA8081AE675}" type="slidenum">
               <a:rPr lang="es-ES" smtClean="0"/>
               <a:pPr/>
-              <a:t>‹Nº›</a:t>
+              <a:t>‹#›</a:t>
             </a:fld>
             <a:endParaRPr lang="es-ES" dirty="0"/>
           </a:p>
@@ -4866,20 +4880,6 @@
               <a:buNone/>
               <a:tabLst/>
             </a:pPr>
-            <a:r>
-              <a:rPr kumimoji="0" lang="es-PE" sz="1800" b="0" i="0" u="none" strike="noStrike" cap="none" normalizeH="0" baseline="0">
-                <a:ln>
-                  <a:noFill/>
-                </a:ln>
-                <a:solidFill>
-                  <a:schemeClr val="tx1"/>
-                </a:solidFill>
-                <a:effectLst/>
-                <a:latin typeface="Arial" pitchFamily="34" charset="0"/>
-                <a:cs typeface="Arial" pitchFamily="34" charset="0"/>
-              </a:rPr>
-              <a:t/>
-            </a:r>
             <a:br>
               <a:rPr kumimoji="0" lang="es-PE" sz="1800" b="0" i="0" u="none" strike="noStrike" cap="none" normalizeH="0" baseline="0">
                 <a:ln>
@@ -5377,7 +5377,7 @@
           <a:p>
             <a:r>
               <a:rPr lang="es-PE" altLang="en-US" dirty="0"/>
-              <a:t>Componentes de un problema de optimización</a:t>
+              <a:t>Optimización</a:t>
             </a:r>
           </a:p>
         </p:txBody>
@@ -5465,10 +5465,56 @@
           </a:p>
         </p:txBody>
       </p:sp>
+      <p:sp>
+        <p:nvSpPr>
+          <p:cNvPr id="6" name="Star: 5 Points 5">
+            <a:extLst>
+              <a:ext uri="{FF2B5EF4-FFF2-40B4-BE49-F238E27FC236}">
+                <a16:creationId xmlns:a16="http://schemas.microsoft.com/office/drawing/2014/main" id="{F7550011-C62B-4C6A-94A1-D17ADCFF3C2F}"/>
+              </a:ext>
+            </a:extLst>
+          </p:cNvPr>
+          <p:cNvSpPr/>
+          <p:nvPr/>
+        </p:nvSpPr>
+        <p:spPr>
+          <a:xfrm>
+            <a:off x="8028384" y="1772816"/>
+            <a:ext cx="1080120" cy="648072"/>
+          </a:xfrm>
+          <a:prstGeom prst="star5">
+            <a:avLst/>
+          </a:prstGeom>
+        </p:spPr>
+        <p:style>
+          <a:lnRef idx="2">
+            <a:schemeClr val="accent1">
+              <a:shade val="50000"/>
+            </a:schemeClr>
+          </a:lnRef>
+          <a:fillRef idx="1">
+            <a:schemeClr val="accent1"/>
+          </a:fillRef>
+          <a:effectRef idx="0">
+            <a:schemeClr val="accent1"/>
+          </a:effectRef>
+          <a:fontRef idx="minor">
+            <a:schemeClr val="lt1"/>
+          </a:fontRef>
+        </p:style>
+        <p:txBody>
+          <a:bodyPr rtlCol="0" anchor="ctr"/>
+          <a:lstStyle/>
+          <a:p>
+            <a:pPr algn="ctr"/>
+            <a:endParaRPr lang="es-PE"/>
+          </a:p>
+        </p:txBody>
+      </p:sp>
     </p:spTree>
     <p:extLst>
       <p:ext uri="{BB962C8B-B14F-4D97-AF65-F5344CB8AC3E}">
-        <p14:creationId xmlns:p14="http://schemas.microsoft.com/office/powerpoint/2010/main" val="3646703861"/>
+        <p14:creationId xmlns:p14="http://schemas.microsoft.com/office/powerpoint/2010/main" val="2555020935"/>
       </p:ext>
     </p:extLst>
   </p:cSld>
@@ -5570,7 +5616,7 @@
           <a:p>
             <a:r>
               <a:rPr lang="es-PE" altLang="en-US" dirty="0"/>
-              <a:t>Forma general de un problema de optimización</a:t>
+              <a:t>Componentes de un problema de optimización</a:t>
             </a:r>
           </a:p>
         </p:txBody>
@@ -5658,10 +5704,56 @@
           </a:p>
         </p:txBody>
       </p:sp>
+      <p:sp>
+        <p:nvSpPr>
+          <p:cNvPr id="6" name="Star: 5 Points 5">
+            <a:extLst>
+              <a:ext uri="{FF2B5EF4-FFF2-40B4-BE49-F238E27FC236}">
+                <a16:creationId xmlns:a16="http://schemas.microsoft.com/office/drawing/2014/main" id="{40D995E0-B0E2-4689-AFB0-538B62970FC2}"/>
+              </a:ext>
+            </a:extLst>
+          </p:cNvPr>
+          <p:cNvSpPr/>
+          <p:nvPr/>
+        </p:nvSpPr>
+        <p:spPr>
+          <a:xfrm>
+            <a:off x="8028384" y="1772816"/>
+            <a:ext cx="1080120" cy="648072"/>
+          </a:xfrm>
+          <a:prstGeom prst="star5">
+            <a:avLst/>
+          </a:prstGeom>
+        </p:spPr>
+        <p:style>
+          <a:lnRef idx="2">
+            <a:schemeClr val="accent1">
+              <a:shade val="50000"/>
+            </a:schemeClr>
+          </a:lnRef>
+          <a:fillRef idx="1">
+            <a:schemeClr val="accent1"/>
+          </a:fillRef>
+          <a:effectRef idx="0">
+            <a:schemeClr val="accent1"/>
+          </a:effectRef>
+          <a:fontRef idx="minor">
+            <a:schemeClr val="lt1"/>
+          </a:fontRef>
+        </p:style>
+        <p:txBody>
+          <a:bodyPr rtlCol="0" anchor="ctr"/>
+          <a:lstStyle/>
+          <a:p>
+            <a:pPr algn="ctr"/>
+            <a:endParaRPr lang="es-PE"/>
+          </a:p>
+        </p:txBody>
+      </p:sp>
     </p:spTree>
     <p:extLst>
       <p:ext uri="{BB962C8B-B14F-4D97-AF65-F5344CB8AC3E}">
-        <p14:creationId xmlns:p14="http://schemas.microsoft.com/office/powerpoint/2010/main" val="139083124"/>
+        <p14:creationId xmlns:p14="http://schemas.microsoft.com/office/powerpoint/2010/main" val="3646703861"/>
       </p:ext>
     </p:extLst>
   </p:cSld>
@@ -5763,162 +5855,21 @@
           <a:p>
             <a:r>
               <a:rPr lang="es-PE" altLang="en-US" dirty="0"/>
-              <a:t>Tipos de problemas de optimización</a:t>
-            </a:r>
-          </a:p>
-        </p:txBody>
-      </p:sp>
-      <p:pic>
-        <p:nvPicPr>
-          <p:cNvPr id="4" name="Picture 3">
-            <a:extLst>
-              <a:ext uri="{FF2B5EF4-FFF2-40B4-BE49-F238E27FC236}">
-                <a16:creationId xmlns:a16="http://schemas.microsoft.com/office/drawing/2014/main" xmlns="" id="{704EA9A2-4697-4D61-8140-FA6B2C4F55DB}"/>
-              </a:ext>
-            </a:extLst>
-          </p:cNvPr>
-          <p:cNvPicPr>
-            <a:picLocks noChangeAspect="1"/>
-          </p:cNvPicPr>
-          <p:nvPr/>
-        </p:nvPicPr>
-        <p:blipFill>
-          <a:blip r:embed="rId2"/>
-          <a:stretch>
-            <a:fillRect/>
-          </a:stretch>
-        </p:blipFill>
-        <p:spPr>
-          <a:xfrm>
-            <a:off x="144016" y="1945991"/>
-            <a:ext cx="8892480" cy="3643249"/>
-          </a:xfrm>
-          <a:prstGeom prst="rect">
-            <a:avLst/>
-          </a:prstGeom>
-        </p:spPr>
-      </p:pic>
-      <p:sp>
-        <p:nvSpPr>
-          <p:cNvPr id="6" name="TextBox 5">
-            <a:extLst>
-              <a:ext uri="{FF2B5EF4-FFF2-40B4-BE49-F238E27FC236}">
-                <a16:creationId xmlns:a16="http://schemas.microsoft.com/office/drawing/2014/main" xmlns="" id="{07C250E3-42CC-4F1B-9953-BC98F9EC4CF3}"/>
-              </a:ext>
-            </a:extLst>
-          </p:cNvPr>
+              <a:t>Forma general de un problema de optimización</a:t>
+            </a:r>
+          </a:p>
+        </p:txBody>
+      </p:sp>
+      <p:sp>
+        <p:nvSpPr>
+          <p:cNvPr id="5" name="CuadroTexto 4"/>
           <p:cNvSpPr txBox="1"/>
           <p:nvPr/>
         </p:nvSpPr>
         <p:spPr>
           <a:xfrm>
-            <a:off x="1259632" y="1576659"/>
-            <a:ext cx="692818" cy="369332"/>
-          </a:xfrm>
-          <a:prstGeom prst="rect">
-            <a:avLst/>
-          </a:prstGeom>
-          <a:noFill/>
-        </p:spPr>
-        <p:txBody>
-          <a:bodyPr wrap="none" rtlCol="0">
-            <a:spAutoFit/>
-          </a:bodyPr>
-          <a:lstStyle/>
-          <a:p>
-            <a:r>
-              <a:rPr lang="es-PE" dirty="0"/>
-              <a:t>Lineal</a:t>
-            </a:r>
-          </a:p>
-        </p:txBody>
-      </p:sp>
-      <p:sp>
-        <p:nvSpPr>
-          <p:cNvPr id="7" name="TextBox 6">
-            <a:extLst>
-              <a:ext uri="{FF2B5EF4-FFF2-40B4-BE49-F238E27FC236}">
-                <a16:creationId xmlns:a16="http://schemas.microsoft.com/office/drawing/2014/main" xmlns="" id="{4D2E9544-59C2-49CD-8553-D43AD621CEE4}"/>
-              </a:ext>
-            </a:extLst>
-          </p:cNvPr>
-          <p:cNvSpPr txBox="1"/>
-          <p:nvPr/>
-        </p:nvSpPr>
-        <p:spPr>
-          <a:xfrm>
-            <a:off x="4139952" y="1576659"/>
-            <a:ext cx="1103187" cy="369332"/>
-          </a:xfrm>
-          <a:prstGeom prst="rect">
-            <a:avLst/>
-          </a:prstGeom>
-          <a:noFill/>
-        </p:spPr>
-        <p:txBody>
-          <a:bodyPr wrap="none" rtlCol="0">
-            <a:spAutoFit/>
-          </a:bodyPr>
-          <a:lstStyle/>
-          <a:p>
-            <a:r>
-              <a:rPr lang="es-PE" dirty="0"/>
-              <a:t>Cuadrático</a:t>
-            </a:r>
-          </a:p>
-        </p:txBody>
-      </p:sp>
-      <p:sp>
-        <p:nvSpPr>
-          <p:cNvPr id="8" name="TextBox 7">
-            <a:extLst>
-              <a:ext uri="{FF2B5EF4-FFF2-40B4-BE49-F238E27FC236}">
-                <a16:creationId xmlns:a16="http://schemas.microsoft.com/office/drawing/2014/main" xmlns="" id="{A8B05684-2D1A-4D16-9461-349E1328453B}"/>
-              </a:ext>
-            </a:extLst>
-          </p:cNvPr>
-          <p:cNvSpPr txBox="1"/>
-          <p:nvPr/>
-        </p:nvSpPr>
-        <p:spPr>
-          <a:xfrm>
-            <a:off x="7020272" y="1576659"/>
-            <a:ext cx="944489" cy="369332"/>
-          </a:xfrm>
-          <a:prstGeom prst="rect">
-            <a:avLst/>
-          </a:prstGeom>
-          <a:noFill/>
-        </p:spPr>
-        <p:txBody>
-          <a:bodyPr wrap="none" rtlCol="0">
-            <a:spAutoFit/>
-          </a:bodyPr>
-          <a:lstStyle/>
-          <a:p>
-            <a:r>
-              <a:rPr lang="es-PE" dirty="0"/>
-              <a:t>No lineal</a:t>
-            </a:r>
-          </a:p>
-        </p:txBody>
-      </p:sp>
-      <p:sp>
-        <p:nvSpPr>
-          <p:cNvPr id="10" name="CuadroTexto 4">
-            <a:extLst>
-              <a:ext uri="{FF2B5EF4-FFF2-40B4-BE49-F238E27FC236}">
-                <a16:creationId xmlns:a16="http://schemas.microsoft.com/office/drawing/2014/main" xmlns="" id="{0EE2E59A-EFC5-4F7D-8B1B-CDE02E4D869C}"/>
-              </a:ext>
-            </a:extLst>
-          </p:cNvPr>
-          <p:cNvSpPr txBox="1"/>
-          <p:nvPr/>
-        </p:nvSpPr>
-        <p:spPr>
-          <a:xfrm>
             <a:off x="602191" y="836712"/>
-            <a:ext cx="8002257" cy="400110"/>
+            <a:ext cx="8002257" cy="2246769"/>
           </a:xfrm>
           <a:prstGeom prst="rect">
             <a:avLst/>
@@ -5937,15 +5888,111 @@
             </a:pPr>
             <a:r>
               <a:rPr lang="es-MX" sz="2000" dirty="0"/>
-              <a:t>La función objetivo puede ser: </a:t>
-            </a:r>
+              <a:t>Definición: Proceso de abstracción de la realidad hacia formas matemáticas para representar partes de ella.</a:t>
+            </a:r>
+          </a:p>
+          <a:p>
+            <a:pPr marL="285750" indent="-285750">
+              <a:buFont typeface="Arial" panose="020B0604020202020204" pitchFamily="34" charset="0"/>
+              <a:buChar char="•"/>
+            </a:pPr>
+            <a:r>
+              <a:rPr lang="es-MX" sz="2000" dirty="0"/>
+              <a:t>Entonces: </a:t>
+            </a:r>
+          </a:p>
+          <a:p>
+            <a:pPr marL="742950" lvl="1" indent="-285750">
+              <a:buFont typeface="Arial" panose="020B0604020202020204" pitchFamily="34" charset="0"/>
+              <a:buChar char="•"/>
+            </a:pPr>
+            <a:r>
+              <a:rPr lang="es-MX" sz="2000" dirty="0"/>
+              <a:t>Representación simplificada de una realidad</a:t>
+            </a:r>
+          </a:p>
+          <a:p>
+            <a:pPr marL="742950" lvl="1" indent="-285750">
+              <a:buFont typeface="Arial" panose="020B0604020202020204" pitchFamily="34" charset="0"/>
+              <a:buChar char="•"/>
+            </a:pPr>
+            <a:r>
+              <a:rPr lang="es-MX" sz="2000" dirty="0"/>
+              <a:t>Herramienta ayuda para la toma de decisiones</a:t>
+            </a:r>
+          </a:p>
+          <a:p>
+            <a:pPr marL="285750" indent="-285750">
+              <a:buFont typeface="Arial" panose="020B0604020202020204" pitchFamily="34" charset="0"/>
+              <a:buChar char="•"/>
+            </a:pPr>
+            <a:r>
+              <a:rPr lang="es-MX" sz="2000" dirty="0"/>
+              <a:t>Modelador: desarrollo del modelo.</a:t>
+            </a:r>
+          </a:p>
+          <a:p>
+            <a:pPr marL="285750" indent="-285750">
+              <a:buFont typeface="Arial" panose="020B0604020202020204" pitchFamily="34" charset="0"/>
+              <a:buChar char="•"/>
+            </a:pPr>
+            <a:r>
+              <a:rPr lang="es-MX" sz="2000" dirty="0"/>
+              <a:t>Experto: conocimiento de la realidad del problema</a:t>
+            </a:r>
+          </a:p>
+        </p:txBody>
+      </p:sp>
+      <p:sp>
+        <p:nvSpPr>
+          <p:cNvPr id="4" name="Star: 5 Points 3">
+            <a:extLst>
+              <a:ext uri="{FF2B5EF4-FFF2-40B4-BE49-F238E27FC236}">
+                <a16:creationId xmlns:a16="http://schemas.microsoft.com/office/drawing/2014/main" id="{59E1F19F-6FF0-435C-925E-E0E8A110D23D}"/>
+              </a:ext>
+            </a:extLst>
+          </p:cNvPr>
+          <p:cNvSpPr/>
+          <p:nvPr/>
+        </p:nvSpPr>
+        <p:spPr>
+          <a:xfrm>
+            <a:off x="8028384" y="1772816"/>
+            <a:ext cx="1080120" cy="648072"/>
+          </a:xfrm>
+          <a:prstGeom prst="star5">
+            <a:avLst/>
+          </a:prstGeom>
+        </p:spPr>
+        <p:style>
+          <a:lnRef idx="2">
+            <a:schemeClr val="accent1">
+              <a:shade val="50000"/>
+            </a:schemeClr>
+          </a:lnRef>
+          <a:fillRef idx="1">
+            <a:schemeClr val="accent1"/>
+          </a:fillRef>
+          <a:effectRef idx="0">
+            <a:schemeClr val="accent1"/>
+          </a:effectRef>
+          <a:fontRef idx="minor">
+            <a:schemeClr val="lt1"/>
+          </a:fontRef>
+        </p:style>
+        <p:txBody>
+          <a:bodyPr rtlCol="0" anchor="ctr"/>
+          <a:lstStyle/>
+          <a:p>
+            <a:pPr algn="ctr"/>
+            <a:endParaRPr lang="es-PE"/>
           </a:p>
         </p:txBody>
       </p:sp>
     </p:spTree>
     <p:extLst>
       <p:ext uri="{BB962C8B-B14F-4D97-AF65-F5344CB8AC3E}">
-        <p14:creationId xmlns:p14="http://schemas.microsoft.com/office/powerpoint/2010/main" val="2867154815"/>
+        <p14:creationId xmlns:p14="http://schemas.microsoft.com/office/powerpoint/2010/main" val="139083124"/>
       </p:ext>
     </p:extLst>
   </p:cSld>
@@ -6047,132 +6094,21 @@
           <a:p>
             <a:r>
               <a:rPr lang="es-PE" altLang="en-US" dirty="0"/>
-              <a:t>Tipos de problemas de optimización</a:t>
-            </a:r>
-          </a:p>
-        </p:txBody>
-      </p:sp>
-      <p:sp>
-        <p:nvSpPr>
-          <p:cNvPr id="6" name="TextBox 5">
-            <a:extLst>
-              <a:ext uri="{FF2B5EF4-FFF2-40B4-BE49-F238E27FC236}">
-                <a16:creationId xmlns:a16="http://schemas.microsoft.com/office/drawing/2014/main" xmlns="" id="{07C250E3-42CC-4F1B-9953-BC98F9EC4CF3}"/>
-              </a:ext>
-            </a:extLst>
-          </p:cNvPr>
+              <a:t>Definición del Modelo</a:t>
+            </a:r>
+          </a:p>
+        </p:txBody>
+      </p:sp>
+      <p:sp>
+        <p:nvSpPr>
+          <p:cNvPr id="5" name="CuadroTexto 4"/>
           <p:cNvSpPr txBox="1"/>
           <p:nvPr/>
         </p:nvSpPr>
         <p:spPr>
           <a:xfrm>
-            <a:off x="2915816" y="1192410"/>
-            <a:ext cx="857927" cy="369332"/>
-          </a:xfrm>
-          <a:prstGeom prst="rect">
-            <a:avLst/>
-          </a:prstGeom>
-          <a:noFill/>
-        </p:spPr>
-        <p:txBody>
-          <a:bodyPr wrap="none" rtlCol="0">
-            <a:spAutoFit/>
-          </a:bodyPr>
-          <a:lstStyle/>
-          <a:p>
-            <a:r>
-              <a:rPr lang="es-PE" dirty="0"/>
-              <a:t>Lineales</a:t>
-            </a:r>
-          </a:p>
-        </p:txBody>
-      </p:sp>
-      <p:sp>
-        <p:nvSpPr>
-          <p:cNvPr id="7" name="TextBox 6">
-            <a:extLst>
-              <a:ext uri="{FF2B5EF4-FFF2-40B4-BE49-F238E27FC236}">
-                <a16:creationId xmlns:a16="http://schemas.microsoft.com/office/drawing/2014/main" xmlns="" id="{4D2E9544-59C2-49CD-8553-D43AD621CEE4}"/>
-              </a:ext>
-            </a:extLst>
-          </p:cNvPr>
-          <p:cNvSpPr txBox="1"/>
-          <p:nvPr/>
-        </p:nvSpPr>
-        <p:spPr>
-          <a:xfrm>
-            <a:off x="3981737" y="1426736"/>
-            <a:ext cx="1388522" cy="369332"/>
-          </a:xfrm>
-          <a:prstGeom prst="rect">
-            <a:avLst/>
-          </a:prstGeom>
-          <a:noFill/>
-        </p:spPr>
-        <p:txBody>
-          <a:bodyPr wrap="none" rtlCol="0">
-            <a:spAutoFit/>
-          </a:bodyPr>
-          <a:lstStyle/>
-          <a:p>
-            <a:r>
-              <a:rPr lang="es-PE" dirty="0"/>
-              <a:t>Forma general</a:t>
-            </a:r>
-          </a:p>
-        </p:txBody>
-      </p:sp>
-      <p:sp>
-        <p:nvSpPr>
-          <p:cNvPr id="8" name="TextBox 7">
-            <a:extLst>
-              <a:ext uri="{FF2B5EF4-FFF2-40B4-BE49-F238E27FC236}">
-                <a16:creationId xmlns:a16="http://schemas.microsoft.com/office/drawing/2014/main" xmlns="" id="{A8B05684-2D1A-4D16-9461-349E1328453B}"/>
-              </a:ext>
-            </a:extLst>
-          </p:cNvPr>
-          <p:cNvSpPr txBox="1"/>
-          <p:nvPr/>
-        </p:nvSpPr>
-        <p:spPr>
-          <a:xfrm>
-            <a:off x="6660232" y="1235772"/>
-            <a:ext cx="1154483" cy="369332"/>
-          </a:xfrm>
-          <a:prstGeom prst="rect">
-            <a:avLst/>
-          </a:prstGeom>
-          <a:noFill/>
-        </p:spPr>
-        <p:txBody>
-          <a:bodyPr wrap="none" rtlCol="0">
-            <a:spAutoFit/>
-          </a:bodyPr>
-          <a:lstStyle/>
-          <a:p>
-            <a:r>
-              <a:rPr lang="es-PE" dirty="0"/>
-              <a:t>Cuadráticas</a:t>
-            </a:r>
-          </a:p>
-        </p:txBody>
-      </p:sp>
-      <p:sp>
-        <p:nvSpPr>
-          <p:cNvPr id="10" name="CuadroTexto 4">
-            <a:extLst>
-              <a:ext uri="{FF2B5EF4-FFF2-40B4-BE49-F238E27FC236}">
-                <a16:creationId xmlns:a16="http://schemas.microsoft.com/office/drawing/2014/main" xmlns="" id="{0EE2E59A-EFC5-4F7D-8B1B-CDE02E4D869C}"/>
-              </a:ext>
-            </a:extLst>
-          </p:cNvPr>
-          <p:cNvSpPr txBox="1"/>
-          <p:nvPr/>
-        </p:nvSpPr>
-        <p:spPr>
-          <a:xfrm>
-            <a:off x="602191" y="836712"/>
-            <a:ext cx="8002257" cy="400110"/>
+            <a:off x="600771" y="876776"/>
+            <a:ext cx="8002257" cy="4893647"/>
           </a:xfrm>
           <a:prstGeom prst="rect">
             <a:avLst/>
@@ -6185,78 +6121,131 @@
           </a:bodyPr>
           <a:lstStyle/>
           <a:p>
-            <a:pPr marL="285750" indent="-285750">
+            <a:pPr marL="285750" indent="-285750" algn="just">
               <a:buFont typeface="Arial" panose="020B0604020202020204" pitchFamily="34" charset="0"/>
               <a:buChar char="•"/>
             </a:pPr>
             <a:r>
-              <a:rPr lang="es-MX" sz="2000" dirty="0"/>
-              <a:t>Las restricciones pueden ser: </a:t>
-            </a:r>
-          </a:p>
-        </p:txBody>
-      </p:sp>
-      <p:pic>
-        <p:nvPicPr>
-          <p:cNvPr id="9" name="Picture 8">
-            <a:extLst>
-              <a:ext uri="{FF2B5EF4-FFF2-40B4-BE49-F238E27FC236}">
-                <a16:creationId xmlns:a16="http://schemas.microsoft.com/office/drawing/2014/main" xmlns="" id="{60302301-893E-4FD6-B8C5-8EA7A89AECD0}"/>
-              </a:ext>
-            </a:extLst>
-          </p:cNvPr>
-          <p:cNvPicPr>
-            <a:picLocks noChangeAspect="1"/>
-          </p:cNvPicPr>
-          <p:nvPr/>
-        </p:nvPicPr>
-        <p:blipFill>
-          <a:blip r:embed="rId2"/>
-          <a:stretch>
-            <a:fillRect/>
-          </a:stretch>
-        </p:blipFill>
-        <p:spPr>
-          <a:xfrm>
-            <a:off x="476727" y="1783472"/>
-            <a:ext cx="8253184" cy="4005849"/>
-          </a:xfrm>
-          <a:prstGeom prst="rect">
-            <a:avLst/>
-          </a:prstGeom>
-        </p:spPr>
-      </p:pic>
-      <p:sp>
-        <p:nvSpPr>
-          <p:cNvPr id="11" name="TextBox 10">
-            <a:extLst>
-              <a:ext uri="{FF2B5EF4-FFF2-40B4-BE49-F238E27FC236}">
-                <a16:creationId xmlns:a16="http://schemas.microsoft.com/office/drawing/2014/main" xmlns="" id="{84877B43-4B67-4BCC-B591-1CA917FBF0F6}"/>
-              </a:ext>
-            </a:extLst>
-          </p:cNvPr>
-          <p:cNvSpPr txBox="1"/>
-          <p:nvPr/>
-        </p:nvSpPr>
-        <p:spPr>
-          <a:xfrm>
-            <a:off x="1431543" y="1426736"/>
-            <a:ext cx="880369" cy="369332"/>
-          </a:xfrm>
-          <a:prstGeom prst="rect">
-            <a:avLst/>
-          </a:prstGeom>
-          <a:noFill/>
-        </p:spPr>
-        <p:txBody>
-          <a:bodyPr wrap="none" rtlCol="0">
-            <a:spAutoFit/>
-          </a:bodyPr>
-          <a:lstStyle/>
-          <a:p>
-            <a:r>
-              <a:rPr lang="es-PE" dirty="0"/>
-              <a:t>Acotado</a:t>
+              <a:rPr lang="es-PE" sz="2400" dirty="0"/>
+              <a:t>Definición de:</a:t>
+            </a:r>
+          </a:p>
+          <a:p>
+            <a:pPr marL="742950" lvl="1" indent="-285750" algn="just">
+              <a:buFont typeface="Arial" panose="020B0604020202020204" pitchFamily="34" charset="0"/>
+              <a:buChar char="•"/>
+            </a:pPr>
+            <a:r>
+              <a:rPr lang="es-PE" sz="2400" dirty="0"/>
+              <a:t>Función objetivo</a:t>
+            </a:r>
+          </a:p>
+          <a:p>
+            <a:pPr marL="742950" lvl="1" indent="-285750" algn="just">
+              <a:buFont typeface="Arial" panose="020B0604020202020204" pitchFamily="34" charset="0"/>
+              <a:buChar char="•"/>
+            </a:pPr>
+            <a:r>
+              <a:rPr lang="es-PE" sz="2400" dirty="0"/>
+              <a:t>Variables</a:t>
+            </a:r>
+          </a:p>
+          <a:p>
+            <a:pPr marL="742950" lvl="1" indent="-285750" algn="just">
+              <a:buFont typeface="Arial" panose="020B0604020202020204" pitchFamily="34" charset="0"/>
+              <a:buChar char="•"/>
+            </a:pPr>
+            <a:r>
+              <a:rPr lang="es-PE" sz="2400" dirty="0"/>
+              <a:t>Restricciones</a:t>
+            </a:r>
+          </a:p>
+          <a:p>
+            <a:pPr marL="742950" lvl="1" indent="-285750" algn="just">
+              <a:buFont typeface="Arial" panose="020B0604020202020204" pitchFamily="34" charset="0"/>
+              <a:buChar char="•"/>
+            </a:pPr>
+            <a:r>
+              <a:rPr lang="es-PE" sz="2400" dirty="0"/>
+              <a:t>Parámetros</a:t>
+            </a:r>
+          </a:p>
+          <a:p>
+            <a:pPr marL="285750" indent="-285750" algn="just">
+              <a:buFont typeface="Arial" panose="020B0604020202020204" pitchFamily="34" charset="0"/>
+              <a:buChar char="•"/>
+            </a:pPr>
+            <a:r>
+              <a:rPr lang="es-PE" sz="2400" dirty="0"/>
+              <a:t>Es importante tener en cuenta la </a:t>
+            </a:r>
+            <a:r>
+              <a:rPr lang="es-PE" sz="2400" b="1" dirty="0"/>
+              <a:t>delimitación del problema</a:t>
+            </a:r>
+            <a:r>
+              <a:rPr lang="es-PE" sz="2400" dirty="0"/>
+              <a:t> en orden de mantener la complejidad del problema</a:t>
+            </a:r>
+          </a:p>
+          <a:p>
+            <a:pPr marL="285750" indent="-285750" algn="just">
+              <a:buFont typeface="Arial" panose="020B0604020202020204" pitchFamily="34" charset="0"/>
+              <a:buChar char="•"/>
+            </a:pPr>
+            <a:r>
+              <a:rPr lang="es-PE" sz="2400" dirty="0"/>
+              <a:t>Identificación del tipo de problema de optimización:</a:t>
+            </a:r>
+          </a:p>
+          <a:p>
+            <a:pPr marL="742950" lvl="1" indent="-285750" algn="just">
+              <a:buFont typeface="Arial" panose="020B0604020202020204" pitchFamily="34" charset="0"/>
+              <a:buChar char="•"/>
+            </a:pPr>
+            <a:r>
+              <a:rPr lang="es-PE" sz="2400" dirty="0"/>
+              <a:t>Programación lineal</a:t>
+            </a:r>
+          </a:p>
+          <a:p>
+            <a:pPr marL="742950" lvl="1" indent="-285750" algn="just">
+              <a:buFont typeface="Arial" panose="020B0604020202020204" pitchFamily="34" charset="0"/>
+              <a:buChar char="•"/>
+            </a:pPr>
+            <a:r>
+              <a:rPr lang="es-PE" sz="2400" dirty="0"/>
+              <a:t>Programación no lineal</a:t>
+            </a:r>
+          </a:p>
+          <a:p>
+            <a:pPr marL="742950" lvl="1" indent="-285750" algn="just">
+              <a:buFont typeface="Arial" panose="020B0604020202020204" pitchFamily="34" charset="0"/>
+              <a:buChar char="•"/>
+            </a:pPr>
+            <a:r>
+              <a:rPr lang="es-PE" sz="2400" dirty="0"/>
+              <a:t>Programación cuadrática con restricciones cuadráticas</a:t>
+            </a:r>
+          </a:p>
+          <a:p>
+            <a:pPr marL="742950" lvl="1" indent="-285750" algn="just">
+              <a:buFont typeface="Arial" panose="020B0604020202020204" pitchFamily="34" charset="0"/>
+              <a:buChar char="•"/>
+            </a:pPr>
+            <a:r>
+              <a:rPr lang="es-PE" sz="2400" dirty="0"/>
+              <a:t>Programación cónica de segundo orden</a:t>
+            </a:r>
+          </a:p>
+          <a:p>
+            <a:pPr marL="742950" lvl="1" indent="-285750" algn="just">
+              <a:buFont typeface="Arial" panose="020B0604020202020204" pitchFamily="34" charset="0"/>
+              <a:buChar char="•"/>
+            </a:pPr>
+            <a:r>
+              <a:rPr lang="es-PE" sz="2400" dirty="0"/>
+              <a:t>Programación semidefinida</a:t>
             </a:r>
           </a:p>
         </p:txBody>
@@ -6264,7 +6253,7 @@
     </p:spTree>
     <p:extLst>
       <p:ext uri="{BB962C8B-B14F-4D97-AF65-F5344CB8AC3E}">
-        <p14:creationId xmlns:p14="http://schemas.microsoft.com/office/powerpoint/2010/main" val="2465984394"/>
+        <p14:creationId xmlns:p14="http://schemas.microsoft.com/office/powerpoint/2010/main" val="3917937643"/>
       </p:ext>
     </p:extLst>
   </p:cSld>
@@ -6366,62 +6355,21 @@
           <a:p>
             <a:r>
               <a:rPr lang="es-PE" altLang="en-US" dirty="0"/>
-              <a:t>Tipos de problemas de optimización</a:t>
-            </a:r>
-          </a:p>
-        </p:txBody>
-      </p:sp>
-      <p:sp>
-        <p:nvSpPr>
-          <p:cNvPr id="6" name="TextBox 5">
-            <a:extLst>
-              <a:ext uri="{FF2B5EF4-FFF2-40B4-BE49-F238E27FC236}">
-                <a16:creationId xmlns:a16="http://schemas.microsoft.com/office/drawing/2014/main" xmlns="" id="{07C250E3-42CC-4F1B-9953-BC98F9EC4CF3}"/>
-              </a:ext>
-            </a:extLst>
-          </p:cNvPr>
+              <a:t>Implementación del Modelo</a:t>
+            </a:r>
+          </a:p>
+        </p:txBody>
+      </p:sp>
+      <p:sp>
+        <p:nvSpPr>
+          <p:cNvPr id="5" name="CuadroTexto 4"/>
           <p:cNvSpPr txBox="1"/>
           <p:nvPr/>
         </p:nvSpPr>
         <p:spPr>
           <a:xfrm>
-            <a:off x="3303697" y="1192410"/>
-            <a:ext cx="2364750" cy="369332"/>
-          </a:xfrm>
-          <a:prstGeom prst="rect">
-            <a:avLst/>
-          </a:prstGeom>
-          <a:noFill/>
-        </p:spPr>
-        <p:txBody>
-          <a:bodyPr wrap="none" rtlCol="0">
-            <a:spAutoFit/>
-          </a:bodyPr>
-          <a:lstStyle/>
-          <a:p>
-            <a:r>
-              <a:rPr lang="es-PE" dirty="0"/>
-              <a:t>Cónicas de segundo orden</a:t>
-            </a:r>
-          </a:p>
-        </p:txBody>
-      </p:sp>
-      <p:sp>
-        <p:nvSpPr>
-          <p:cNvPr id="10" name="CuadroTexto 4">
-            <a:extLst>
-              <a:ext uri="{FF2B5EF4-FFF2-40B4-BE49-F238E27FC236}">
-                <a16:creationId xmlns:a16="http://schemas.microsoft.com/office/drawing/2014/main" xmlns="" id="{0EE2E59A-EFC5-4F7D-8B1B-CDE02E4D869C}"/>
-              </a:ext>
-            </a:extLst>
-          </p:cNvPr>
-          <p:cNvSpPr txBox="1"/>
-          <p:nvPr/>
-        </p:nvSpPr>
-        <p:spPr>
-          <a:xfrm>
-            <a:off x="602191" y="836712"/>
-            <a:ext cx="8002257" cy="400110"/>
+            <a:off x="600771" y="876776"/>
+            <a:ext cx="8002257" cy="2677656"/>
           </a:xfrm>
           <a:prstGeom prst="rect">
             <a:avLst/>
@@ -6434,51 +6382,1025 @@
           </a:bodyPr>
           <a:lstStyle/>
           <a:p>
-            <a:pPr marL="285750" indent="-285750">
+            <a:pPr marL="285750" indent="-285750" algn="just">
               <a:buFont typeface="Arial" panose="020B0604020202020204" pitchFamily="34" charset="0"/>
               <a:buChar char="•"/>
             </a:pPr>
             <a:r>
-              <a:rPr lang="es-MX" sz="2000" dirty="0"/>
-              <a:t>Las restricciones pueden ser: </a:t>
-            </a:r>
-          </a:p>
-        </p:txBody>
-      </p:sp>
-      <p:pic>
-        <p:nvPicPr>
-          <p:cNvPr id="4" name="Picture 3">
-            <a:extLst>
-              <a:ext uri="{FF2B5EF4-FFF2-40B4-BE49-F238E27FC236}">
-                <a16:creationId xmlns:a16="http://schemas.microsoft.com/office/drawing/2014/main" xmlns="" id="{6E1342D5-6F5F-45B6-BA82-B307DEAE55CE}"/>
-              </a:ext>
-            </a:extLst>
-          </p:cNvPr>
-          <p:cNvPicPr>
-            <a:picLocks noChangeAspect="1"/>
-          </p:cNvPicPr>
-          <p:nvPr/>
-        </p:nvPicPr>
-        <p:blipFill>
-          <a:blip r:embed="rId2"/>
-          <a:stretch>
-            <a:fillRect/>
-          </a:stretch>
-        </p:blipFill>
-        <p:spPr>
-          <a:xfrm>
-            <a:off x="899592" y="1507286"/>
-            <a:ext cx="7344816" cy="4514002"/>
-          </a:xfrm>
-          <a:prstGeom prst="rect">
-            <a:avLst/>
-          </a:prstGeom>
-        </p:spPr>
-      </p:pic>
+              <a:rPr lang="es-PE" sz="2400" dirty="0"/>
+              <a:t>El espíritu del modelo es la </a:t>
+            </a:r>
+            <a:r>
+              <a:rPr lang="es-PE" sz="2400" b="1" dirty="0"/>
+              <a:t>precisión</a:t>
+            </a:r>
+            <a:r>
+              <a:rPr lang="es-PE" sz="2400" dirty="0"/>
+              <a:t> y </a:t>
+            </a:r>
+            <a:r>
+              <a:rPr lang="es-PE" sz="2400" b="1" dirty="0"/>
+              <a:t>elegancia</a:t>
+            </a:r>
+          </a:p>
+          <a:p>
+            <a:pPr marL="285750" indent="-285750" algn="just">
+              <a:buFont typeface="Arial" panose="020B0604020202020204" pitchFamily="34" charset="0"/>
+              <a:buChar char="•"/>
+            </a:pPr>
+            <a:r>
+              <a:rPr lang="es-PE" sz="2400" dirty="0"/>
+              <a:t>Análisis de la estructura del modelo</a:t>
+            </a:r>
+          </a:p>
+          <a:p>
+            <a:pPr marL="742950" lvl="1" indent="-285750" algn="just">
+              <a:buFont typeface="Arial" panose="020B0604020202020204" pitchFamily="34" charset="0"/>
+              <a:buChar char="•"/>
+            </a:pPr>
+            <a:r>
+              <a:rPr lang="es-PE" sz="2400" dirty="0"/>
+              <a:t>La implementación se debe adecuar a las expectativas, necesidades y recursos del cliente (por ejemplo, tiempo real, a gran escala, </a:t>
+            </a:r>
+            <a:r>
+              <a:rPr lang="es-PE" sz="2400" dirty="0" err="1"/>
+              <a:t>etc</a:t>
+            </a:r>
+            <a:r>
+              <a:rPr lang="es-PE" sz="2400" dirty="0"/>
+              <a:t>)</a:t>
+            </a:r>
+          </a:p>
+          <a:p>
+            <a:pPr marL="285750" indent="-285750" algn="just">
+              <a:buFont typeface="Arial" panose="020B0604020202020204" pitchFamily="34" charset="0"/>
+              <a:buChar char="•"/>
+            </a:pPr>
+            <a:r>
+              <a:rPr lang="es-PE" sz="2400" dirty="0"/>
+              <a:t>Por ejemplo, un problema de programación lineal se puede clasificar según su tamaño:</a:t>
+            </a:r>
+          </a:p>
+        </p:txBody>
+      </p:sp>
+      <p:graphicFrame>
+        <p:nvGraphicFramePr>
+          <p:cNvPr id="4" name="Tabla 3"/>
+          <p:cNvGraphicFramePr>
+            <a:graphicFrameLocks noGrp="1"/>
+          </p:cNvGraphicFramePr>
+          <p:nvPr>
+            <p:extLst/>
+          </p:nvPr>
+        </p:nvGraphicFramePr>
+        <p:xfrm>
+          <a:off x="1835696" y="3785448"/>
+          <a:ext cx="5907024" cy="1854200"/>
+        </p:xfrm>
+        <a:graphic>
+          <a:graphicData uri="http://schemas.openxmlformats.org/drawingml/2006/table">
+            <a:tbl>
+              <a:tblPr firstRow="1" bandRow="1">
+                <a:tableStyleId>{5940675A-B579-460E-94D1-54222C63F5DA}</a:tableStyleId>
+              </a:tblPr>
+              <a:tblGrid>
+                <a:gridCol w="2737402">
+                  <a:extLst>
+                    <a:ext uri="{9D8B030D-6E8A-4147-A177-3AD203B41FA5}">
+                      <a16:colId xmlns:a16="http://schemas.microsoft.com/office/drawing/2014/main" val="1351932006"/>
+                    </a:ext>
+                  </a:extLst>
+                </a:gridCol>
+                <a:gridCol w="1656848">
+                  <a:extLst>
+                    <a:ext uri="{9D8B030D-6E8A-4147-A177-3AD203B41FA5}">
+                      <a16:colId xmlns:a16="http://schemas.microsoft.com/office/drawing/2014/main" val="2951592562"/>
+                    </a:ext>
+                  </a:extLst>
+                </a:gridCol>
+                <a:gridCol w="1512774">
+                  <a:extLst>
+                    <a:ext uri="{9D8B030D-6E8A-4147-A177-3AD203B41FA5}">
+                      <a16:colId xmlns:a16="http://schemas.microsoft.com/office/drawing/2014/main" val="1807607267"/>
+                    </a:ext>
+                  </a:extLst>
+                </a:gridCol>
+              </a:tblGrid>
+              <a:tr h="370840">
+                <a:tc>
+                  <a:txBody>
+                    <a:bodyPr/>
+                    <a:lstStyle/>
+                    <a:p>
+                      <a:endParaRPr lang="es-PE" dirty="0"/>
+                    </a:p>
+                  </a:txBody>
+                  <a:tcPr>
+                    <a:lnL w="12700" cmpd="sng">
+                      <a:noFill/>
+                    </a:lnL>
+                    <a:lnR w="12700" cap="flat" cmpd="sng" algn="ctr">
+                      <a:solidFill>
+                        <a:schemeClr val="tx1"/>
+                      </a:solidFill>
+                      <a:prstDash val="solid"/>
+                      <a:round/>
+                      <a:headEnd type="none" w="med" len="med"/>
+                      <a:tailEnd type="none" w="med" len="med"/>
+                    </a:lnR>
+                    <a:lnT w="12700" cmpd="sng">
+                      <a:noFill/>
+                    </a:lnT>
+                    <a:lnB w="12700" cap="flat" cmpd="sng" algn="ctr">
+                      <a:solidFill>
+                        <a:schemeClr val="tx1"/>
+                      </a:solidFill>
+                      <a:prstDash val="solid"/>
+                      <a:round/>
+                      <a:headEnd type="none" w="med" len="med"/>
+                      <a:tailEnd type="none" w="med" len="med"/>
+                    </a:lnB>
+                    <a:lnTlToBr w="12700" cmpd="sng">
+                      <a:noFill/>
+                      <a:prstDash val="solid"/>
+                    </a:lnTlToBr>
+                    <a:lnBlToTr w="12700" cmpd="sng">
+                      <a:noFill/>
+                      <a:prstDash val="solid"/>
+                    </a:lnBlToTr>
+                  </a:tcPr>
+                </a:tc>
+                <a:tc>
+                  <a:txBody>
+                    <a:bodyPr/>
+                    <a:lstStyle/>
+                    <a:p>
+                      <a:r>
+                        <a:rPr lang="es-PE" b="1" dirty="0"/>
+                        <a:t>Restricciones</a:t>
+                      </a:r>
+                    </a:p>
+                  </a:txBody>
+                  <a:tcPr>
+                    <a:lnL w="12700" cap="flat" cmpd="sng" algn="ctr">
+                      <a:solidFill>
+                        <a:schemeClr val="tx1"/>
+                      </a:solidFill>
+                      <a:prstDash val="solid"/>
+                      <a:round/>
+                      <a:headEnd type="none" w="med" len="med"/>
+                      <a:tailEnd type="none" w="med" len="med"/>
+                    </a:lnL>
+                    <a:lnR w="12700" cap="flat" cmpd="sng" algn="ctr">
+                      <a:solidFill>
+                        <a:schemeClr val="tx1"/>
+                      </a:solidFill>
+                      <a:prstDash val="solid"/>
+                      <a:round/>
+                      <a:headEnd type="none" w="med" len="med"/>
+                      <a:tailEnd type="none" w="med" len="med"/>
+                    </a:lnR>
+                    <a:lnT w="12700" cap="flat" cmpd="sng" algn="ctr">
+                      <a:solidFill>
+                        <a:schemeClr val="tx1"/>
+                      </a:solidFill>
+                      <a:prstDash val="solid"/>
+                      <a:round/>
+                      <a:headEnd type="none" w="med" len="med"/>
+                      <a:tailEnd type="none" w="med" len="med"/>
+                    </a:lnT>
+                    <a:lnB w="12700" cap="flat" cmpd="sng" algn="ctr">
+                      <a:solidFill>
+                        <a:schemeClr val="tx1"/>
+                      </a:solidFill>
+                      <a:prstDash val="solid"/>
+                      <a:round/>
+                      <a:headEnd type="none" w="med" len="med"/>
+                      <a:tailEnd type="none" w="med" len="med"/>
+                    </a:lnB>
+                    <a:lnTlToBr w="12700" cmpd="sng">
+                      <a:noFill/>
+                      <a:prstDash val="solid"/>
+                    </a:lnTlToBr>
+                    <a:lnBlToTr w="12700" cmpd="sng">
+                      <a:noFill/>
+                      <a:prstDash val="solid"/>
+                    </a:lnBlToTr>
+                  </a:tcPr>
+                </a:tc>
+                <a:tc>
+                  <a:txBody>
+                    <a:bodyPr/>
+                    <a:lstStyle/>
+                    <a:p>
+                      <a:r>
+                        <a:rPr lang="es-PE" b="1" dirty="0"/>
+                        <a:t>Variables</a:t>
+                      </a:r>
+                    </a:p>
+                  </a:txBody>
+                  <a:tcPr>
+                    <a:lnL w="12700" cap="flat" cmpd="sng" algn="ctr">
+                      <a:solidFill>
+                        <a:schemeClr val="tx1"/>
+                      </a:solidFill>
+                      <a:prstDash val="solid"/>
+                      <a:round/>
+                      <a:headEnd type="none" w="med" len="med"/>
+                      <a:tailEnd type="none" w="med" len="med"/>
+                    </a:lnL>
+                    <a:lnR w="12700" cap="flat" cmpd="sng" algn="ctr">
+                      <a:solidFill>
+                        <a:schemeClr val="tx1"/>
+                      </a:solidFill>
+                      <a:prstDash val="solid"/>
+                      <a:round/>
+                      <a:headEnd type="none" w="med" len="med"/>
+                      <a:tailEnd type="none" w="med" len="med"/>
+                    </a:lnR>
+                    <a:lnT w="12700" cap="flat" cmpd="sng" algn="ctr">
+                      <a:solidFill>
+                        <a:schemeClr val="tx1"/>
+                      </a:solidFill>
+                      <a:prstDash val="solid"/>
+                      <a:round/>
+                      <a:headEnd type="none" w="med" len="med"/>
+                      <a:tailEnd type="none" w="med" len="med"/>
+                    </a:lnT>
+                    <a:lnB w="12700" cap="flat" cmpd="sng" algn="ctr">
+                      <a:solidFill>
+                        <a:schemeClr val="tx1"/>
+                      </a:solidFill>
+                      <a:prstDash val="solid"/>
+                      <a:round/>
+                      <a:headEnd type="none" w="med" len="med"/>
+                      <a:tailEnd type="none" w="med" len="med"/>
+                    </a:lnB>
+                    <a:lnTlToBr w="12700" cmpd="sng">
+                      <a:noFill/>
+                      <a:prstDash val="solid"/>
+                    </a:lnTlToBr>
+                    <a:lnBlToTr w="12700" cmpd="sng">
+                      <a:noFill/>
+                      <a:prstDash val="solid"/>
+                    </a:lnBlToTr>
+                  </a:tcPr>
+                </a:tc>
+                <a:extLst>
+                  <a:ext uri="{0D108BD9-81ED-4DB2-BD59-A6C34878D82A}">
+                    <a16:rowId xmlns:a16="http://schemas.microsoft.com/office/drawing/2014/main" val="3526294016"/>
+                  </a:ext>
+                </a:extLst>
+              </a:tr>
+              <a:tr h="370840">
+                <a:tc>
+                  <a:txBody>
+                    <a:bodyPr/>
+                    <a:lstStyle/>
+                    <a:p>
+                      <a:r>
+                        <a:rPr lang="es-PE" b="1" dirty="0"/>
+                        <a:t>Ejemplo demostrativo</a:t>
+                      </a:r>
+                    </a:p>
+                  </a:txBody>
+                  <a:tcPr>
+                    <a:lnL w="12700" cap="flat" cmpd="sng" algn="ctr">
+                      <a:solidFill>
+                        <a:schemeClr val="tx1"/>
+                      </a:solidFill>
+                      <a:prstDash val="solid"/>
+                      <a:round/>
+                      <a:headEnd type="none" w="med" len="med"/>
+                      <a:tailEnd type="none" w="med" len="med"/>
+                    </a:lnL>
+                    <a:lnR w="12700" cap="flat" cmpd="sng" algn="ctr">
+                      <a:solidFill>
+                        <a:schemeClr val="tx1"/>
+                      </a:solidFill>
+                      <a:prstDash val="solid"/>
+                      <a:round/>
+                      <a:headEnd type="none" w="med" len="med"/>
+                      <a:tailEnd type="none" w="med" len="med"/>
+                    </a:lnR>
+                    <a:lnT w="12700" cap="flat" cmpd="sng" algn="ctr">
+                      <a:solidFill>
+                        <a:schemeClr val="tx1"/>
+                      </a:solidFill>
+                      <a:prstDash val="solid"/>
+                      <a:round/>
+                      <a:headEnd type="none" w="med" len="med"/>
+                      <a:tailEnd type="none" w="med" len="med"/>
+                    </a:lnT>
+                    <a:lnB w="12700" cap="flat" cmpd="sng" algn="ctr">
+                      <a:solidFill>
+                        <a:schemeClr val="tx1"/>
+                      </a:solidFill>
+                      <a:prstDash val="solid"/>
+                      <a:round/>
+                      <a:headEnd type="none" w="med" len="med"/>
+                      <a:tailEnd type="none" w="med" len="med"/>
+                    </a:lnB>
+                    <a:lnTlToBr w="12700" cmpd="sng">
+                      <a:noFill/>
+                      <a:prstDash val="solid"/>
+                    </a:lnTlToBr>
+                    <a:lnBlToTr w="12700" cmpd="sng">
+                      <a:noFill/>
+                      <a:prstDash val="solid"/>
+                    </a:lnBlToTr>
+                  </a:tcPr>
+                </a:tc>
+                <a:tc>
+                  <a:txBody>
+                    <a:bodyPr/>
+                    <a:lstStyle/>
+                    <a:p>
+                      <a:r>
+                        <a:rPr lang="es-PE" dirty="0"/>
+                        <a:t>100</a:t>
+                      </a:r>
+                    </a:p>
+                  </a:txBody>
+                  <a:tcPr>
+                    <a:lnL w="12700" cap="flat" cmpd="sng" algn="ctr">
+                      <a:solidFill>
+                        <a:schemeClr val="tx1"/>
+                      </a:solidFill>
+                      <a:prstDash val="solid"/>
+                      <a:round/>
+                      <a:headEnd type="none" w="med" len="med"/>
+                      <a:tailEnd type="none" w="med" len="med"/>
+                    </a:lnL>
+                    <a:lnR w="12700" cap="flat" cmpd="sng" algn="ctr">
+                      <a:solidFill>
+                        <a:schemeClr val="tx1"/>
+                      </a:solidFill>
+                      <a:prstDash val="solid"/>
+                      <a:round/>
+                      <a:headEnd type="none" w="med" len="med"/>
+                      <a:tailEnd type="none" w="med" len="med"/>
+                    </a:lnR>
+                    <a:lnT w="12700" cap="flat" cmpd="sng" algn="ctr">
+                      <a:solidFill>
+                        <a:schemeClr val="tx1"/>
+                      </a:solidFill>
+                      <a:prstDash val="solid"/>
+                      <a:round/>
+                      <a:headEnd type="none" w="med" len="med"/>
+                      <a:tailEnd type="none" w="med" len="med"/>
+                    </a:lnT>
+                    <a:lnB w="12700" cap="flat" cmpd="sng" algn="ctr">
+                      <a:solidFill>
+                        <a:schemeClr val="tx1"/>
+                      </a:solidFill>
+                      <a:prstDash val="solid"/>
+                      <a:round/>
+                      <a:headEnd type="none" w="med" len="med"/>
+                      <a:tailEnd type="none" w="med" len="med"/>
+                    </a:lnB>
+                    <a:lnTlToBr w="12700" cmpd="sng">
+                      <a:noFill/>
+                      <a:prstDash val="solid"/>
+                    </a:lnTlToBr>
+                    <a:lnBlToTr w="12700" cmpd="sng">
+                      <a:noFill/>
+                      <a:prstDash val="solid"/>
+                    </a:lnBlToTr>
+                  </a:tcPr>
+                </a:tc>
+                <a:tc>
+                  <a:txBody>
+                    <a:bodyPr/>
+                    <a:lstStyle/>
+                    <a:p>
+                      <a:r>
+                        <a:rPr lang="es-PE" dirty="0"/>
+                        <a:t>100</a:t>
+                      </a:r>
+                    </a:p>
+                  </a:txBody>
+                  <a:tcPr>
+                    <a:lnL w="12700" cap="flat" cmpd="sng" algn="ctr">
+                      <a:solidFill>
+                        <a:schemeClr val="tx1"/>
+                      </a:solidFill>
+                      <a:prstDash val="solid"/>
+                      <a:round/>
+                      <a:headEnd type="none" w="med" len="med"/>
+                      <a:tailEnd type="none" w="med" len="med"/>
+                    </a:lnL>
+                    <a:lnR w="12700" cap="flat" cmpd="sng" algn="ctr">
+                      <a:solidFill>
+                        <a:schemeClr val="tx1"/>
+                      </a:solidFill>
+                      <a:prstDash val="solid"/>
+                      <a:round/>
+                      <a:headEnd type="none" w="med" len="med"/>
+                      <a:tailEnd type="none" w="med" len="med"/>
+                    </a:lnR>
+                    <a:lnT w="12700" cap="flat" cmpd="sng" algn="ctr">
+                      <a:solidFill>
+                        <a:schemeClr val="tx1"/>
+                      </a:solidFill>
+                      <a:prstDash val="solid"/>
+                      <a:round/>
+                      <a:headEnd type="none" w="med" len="med"/>
+                      <a:tailEnd type="none" w="med" len="med"/>
+                    </a:lnT>
+                    <a:lnB w="12700" cap="flat" cmpd="sng" algn="ctr">
+                      <a:solidFill>
+                        <a:schemeClr val="tx1"/>
+                      </a:solidFill>
+                      <a:prstDash val="solid"/>
+                      <a:round/>
+                      <a:headEnd type="none" w="med" len="med"/>
+                      <a:tailEnd type="none" w="med" len="med"/>
+                    </a:lnB>
+                    <a:lnTlToBr w="12700" cmpd="sng">
+                      <a:noFill/>
+                      <a:prstDash val="solid"/>
+                    </a:lnTlToBr>
+                    <a:lnBlToTr w="12700" cmpd="sng">
+                      <a:noFill/>
+                      <a:prstDash val="solid"/>
+                    </a:lnBlToTr>
+                  </a:tcPr>
+                </a:tc>
+                <a:extLst>
+                  <a:ext uri="{0D108BD9-81ED-4DB2-BD59-A6C34878D82A}">
+                    <a16:rowId xmlns:a16="http://schemas.microsoft.com/office/drawing/2014/main" val="4285415278"/>
+                  </a:ext>
+                </a:extLst>
+              </a:tr>
+              <a:tr h="370840">
+                <a:tc>
+                  <a:txBody>
+                    <a:bodyPr/>
+                    <a:lstStyle/>
+                    <a:p>
+                      <a:r>
+                        <a:rPr lang="es-PE" b="1" dirty="0"/>
+                        <a:t>Tamaño</a:t>
+                      </a:r>
+                      <a:r>
+                        <a:rPr lang="es-PE" b="1" baseline="0" dirty="0"/>
+                        <a:t> medio</a:t>
+                      </a:r>
+                      <a:endParaRPr lang="es-PE" b="1" dirty="0"/>
+                    </a:p>
+                  </a:txBody>
+                  <a:tcPr>
+                    <a:lnL w="12700" cap="flat" cmpd="sng" algn="ctr">
+                      <a:solidFill>
+                        <a:schemeClr val="tx1"/>
+                      </a:solidFill>
+                      <a:prstDash val="solid"/>
+                      <a:round/>
+                      <a:headEnd type="none" w="med" len="med"/>
+                      <a:tailEnd type="none" w="med" len="med"/>
+                    </a:lnL>
+                    <a:lnR w="12700" cap="flat" cmpd="sng" algn="ctr">
+                      <a:solidFill>
+                        <a:schemeClr val="tx1"/>
+                      </a:solidFill>
+                      <a:prstDash val="solid"/>
+                      <a:round/>
+                      <a:headEnd type="none" w="med" len="med"/>
+                      <a:tailEnd type="none" w="med" len="med"/>
+                    </a:lnR>
+                    <a:lnT w="12700" cap="flat" cmpd="sng" algn="ctr">
+                      <a:solidFill>
+                        <a:schemeClr val="tx1"/>
+                      </a:solidFill>
+                      <a:prstDash val="solid"/>
+                      <a:round/>
+                      <a:headEnd type="none" w="med" len="med"/>
+                      <a:tailEnd type="none" w="med" len="med"/>
+                    </a:lnT>
+                    <a:lnB w="12700" cap="flat" cmpd="sng" algn="ctr">
+                      <a:solidFill>
+                        <a:schemeClr val="tx1"/>
+                      </a:solidFill>
+                      <a:prstDash val="solid"/>
+                      <a:round/>
+                      <a:headEnd type="none" w="med" len="med"/>
+                      <a:tailEnd type="none" w="med" len="med"/>
+                    </a:lnB>
+                    <a:lnTlToBr w="12700" cmpd="sng">
+                      <a:noFill/>
+                      <a:prstDash val="solid"/>
+                    </a:lnTlToBr>
+                    <a:lnBlToTr w="12700" cmpd="sng">
+                      <a:noFill/>
+                      <a:prstDash val="solid"/>
+                    </a:lnBlToTr>
+                  </a:tcPr>
+                </a:tc>
+                <a:tc>
+                  <a:txBody>
+                    <a:bodyPr/>
+                    <a:lstStyle/>
+                    <a:p>
+                      <a:r>
+                        <a:rPr lang="es-PE" dirty="0"/>
+                        <a:t>10000</a:t>
+                      </a:r>
+                    </a:p>
+                  </a:txBody>
+                  <a:tcPr>
+                    <a:lnL w="12700" cap="flat" cmpd="sng" algn="ctr">
+                      <a:solidFill>
+                        <a:schemeClr val="tx1"/>
+                      </a:solidFill>
+                      <a:prstDash val="solid"/>
+                      <a:round/>
+                      <a:headEnd type="none" w="med" len="med"/>
+                      <a:tailEnd type="none" w="med" len="med"/>
+                    </a:lnL>
+                    <a:lnR w="12700" cap="flat" cmpd="sng" algn="ctr">
+                      <a:solidFill>
+                        <a:schemeClr val="tx1"/>
+                      </a:solidFill>
+                      <a:prstDash val="solid"/>
+                      <a:round/>
+                      <a:headEnd type="none" w="med" len="med"/>
+                      <a:tailEnd type="none" w="med" len="med"/>
+                    </a:lnR>
+                    <a:lnT w="12700" cap="flat" cmpd="sng" algn="ctr">
+                      <a:solidFill>
+                        <a:schemeClr val="tx1"/>
+                      </a:solidFill>
+                      <a:prstDash val="solid"/>
+                      <a:round/>
+                      <a:headEnd type="none" w="med" len="med"/>
+                      <a:tailEnd type="none" w="med" len="med"/>
+                    </a:lnT>
+                    <a:lnB w="12700" cap="flat" cmpd="sng" algn="ctr">
+                      <a:solidFill>
+                        <a:schemeClr val="tx1"/>
+                      </a:solidFill>
+                      <a:prstDash val="solid"/>
+                      <a:round/>
+                      <a:headEnd type="none" w="med" len="med"/>
+                      <a:tailEnd type="none" w="med" len="med"/>
+                    </a:lnB>
+                    <a:lnTlToBr w="12700" cmpd="sng">
+                      <a:noFill/>
+                      <a:prstDash val="solid"/>
+                    </a:lnTlToBr>
+                    <a:lnBlToTr w="12700" cmpd="sng">
+                      <a:noFill/>
+                      <a:prstDash val="solid"/>
+                    </a:lnBlToTr>
+                  </a:tcPr>
+                </a:tc>
+                <a:tc>
+                  <a:txBody>
+                    <a:bodyPr/>
+                    <a:lstStyle/>
+                    <a:p>
+                      <a:r>
+                        <a:rPr lang="es-PE" dirty="0"/>
+                        <a:t>10000</a:t>
+                      </a:r>
+                    </a:p>
+                  </a:txBody>
+                  <a:tcPr>
+                    <a:lnL w="12700" cap="flat" cmpd="sng" algn="ctr">
+                      <a:solidFill>
+                        <a:schemeClr val="tx1"/>
+                      </a:solidFill>
+                      <a:prstDash val="solid"/>
+                      <a:round/>
+                      <a:headEnd type="none" w="med" len="med"/>
+                      <a:tailEnd type="none" w="med" len="med"/>
+                    </a:lnL>
+                    <a:lnR w="12700" cap="flat" cmpd="sng" algn="ctr">
+                      <a:solidFill>
+                        <a:schemeClr val="tx1"/>
+                      </a:solidFill>
+                      <a:prstDash val="solid"/>
+                      <a:round/>
+                      <a:headEnd type="none" w="med" len="med"/>
+                      <a:tailEnd type="none" w="med" len="med"/>
+                    </a:lnR>
+                    <a:lnT w="12700" cap="flat" cmpd="sng" algn="ctr">
+                      <a:solidFill>
+                        <a:schemeClr val="tx1"/>
+                      </a:solidFill>
+                      <a:prstDash val="solid"/>
+                      <a:round/>
+                      <a:headEnd type="none" w="med" len="med"/>
+                      <a:tailEnd type="none" w="med" len="med"/>
+                    </a:lnT>
+                    <a:lnB w="12700" cap="flat" cmpd="sng" algn="ctr">
+                      <a:solidFill>
+                        <a:schemeClr val="tx1"/>
+                      </a:solidFill>
+                      <a:prstDash val="solid"/>
+                      <a:round/>
+                      <a:headEnd type="none" w="med" len="med"/>
+                      <a:tailEnd type="none" w="med" len="med"/>
+                    </a:lnB>
+                    <a:lnTlToBr w="12700" cmpd="sng">
+                      <a:noFill/>
+                      <a:prstDash val="solid"/>
+                    </a:lnTlToBr>
+                    <a:lnBlToTr w="12700" cmpd="sng">
+                      <a:noFill/>
+                      <a:prstDash val="solid"/>
+                    </a:lnBlToTr>
+                  </a:tcPr>
+                </a:tc>
+                <a:extLst>
+                  <a:ext uri="{0D108BD9-81ED-4DB2-BD59-A6C34878D82A}">
+                    <a16:rowId xmlns:a16="http://schemas.microsoft.com/office/drawing/2014/main" val="1426751040"/>
+                  </a:ext>
+                </a:extLst>
+              </a:tr>
+              <a:tr h="370840">
+                <a:tc>
+                  <a:txBody>
+                    <a:bodyPr/>
+                    <a:lstStyle/>
+                    <a:p>
+                      <a:r>
+                        <a:rPr lang="es-PE" b="1" dirty="0"/>
+                        <a:t>Tamaño</a:t>
+                      </a:r>
+                      <a:r>
+                        <a:rPr lang="es-PE" b="1" baseline="0" dirty="0"/>
+                        <a:t> grande</a:t>
+                      </a:r>
+                      <a:endParaRPr lang="es-PE" b="1" dirty="0"/>
+                    </a:p>
+                  </a:txBody>
+                  <a:tcPr>
+                    <a:lnL w="12700" cap="flat" cmpd="sng" algn="ctr">
+                      <a:solidFill>
+                        <a:schemeClr val="tx1"/>
+                      </a:solidFill>
+                      <a:prstDash val="solid"/>
+                      <a:round/>
+                      <a:headEnd type="none" w="med" len="med"/>
+                      <a:tailEnd type="none" w="med" len="med"/>
+                    </a:lnL>
+                    <a:lnR w="12700" cap="flat" cmpd="sng" algn="ctr">
+                      <a:solidFill>
+                        <a:schemeClr val="tx1"/>
+                      </a:solidFill>
+                      <a:prstDash val="solid"/>
+                      <a:round/>
+                      <a:headEnd type="none" w="med" len="med"/>
+                      <a:tailEnd type="none" w="med" len="med"/>
+                    </a:lnR>
+                    <a:lnT w="12700" cap="flat" cmpd="sng" algn="ctr">
+                      <a:solidFill>
+                        <a:schemeClr val="tx1"/>
+                      </a:solidFill>
+                      <a:prstDash val="solid"/>
+                      <a:round/>
+                      <a:headEnd type="none" w="med" len="med"/>
+                      <a:tailEnd type="none" w="med" len="med"/>
+                    </a:lnT>
+                    <a:lnB w="12700" cap="flat" cmpd="sng" algn="ctr">
+                      <a:solidFill>
+                        <a:schemeClr val="tx1"/>
+                      </a:solidFill>
+                      <a:prstDash val="solid"/>
+                      <a:round/>
+                      <a:headEnd type="none" w="med" len="med"/>
+                      <a:tailEnd type="none" w="med" len="med"/>
+                    </a:lnB>
+                    <a:lnTlToBr w="12700" cmpd="sng">
+                      <a:noFill/>
+                      <a:prstDash val="solid"/>
+                    </a:lnTlToBr>
+                    <a:lnBlToTr w="12700" cmpd="sng">
+                      <a:noFill/>
+                      <a:prstDash val="solid"/>
+                    </a:lnBlToTr>
+                  </a:tcPr>
+                </a:tc>
+                <a:tc>
+                  <a:txBody>
+                    <a:bodyPr/>
+                    <a:lstStyle/>
+                    <a:p>
+                      <a:r>
+                        <a:rPr lang="es-PE" dirty="0"/>
+                        <a:t>500000</a:t>
+                      </a:r>
+                    </a:p>
+                  </a:txBody>
+                  <a:tcPr>
+                    <a:lnL w="12700" cap="flat" cmpd="sng" algn="ctr">
+                      <a:solidFill>
+                        <a:schemeClr val="tx1"/>
+                      </a:solidFill>
+                      <a:prstDash val="solid"/>
+                      <a:round/>
+                      <a:headEnd type="none" w="med" len="med"/>
+                      <a:tailEnd type="none" w="med" len="med"/>
+                    </a:lnL>
+                    <a:lnR w="12700" cap="flat" cmpd="sng" algn="ctr">
+                      <a:solidFill>
+                        <a:schemeClr val="tx1"/>
+                      </a:solidFill>
+                      <a:prstDash val="solid"/>
+                      <a:round/>
+                      <a:headEnd type="none" w="med" len="med"/>
+                      <a:tailEnd type="none" w="med" len="med"/>
+                    </a:lnR>
+                    <a:lnT w="12700" cap="flat" cmpd="sng" algn="ctr">
+                      <a:solidFill>
+                        <a:schemeClr val="tx1"/>
+                      </a:solidFill>
+                      <a:prstDash val="solid"/>
+                      <a:round/>
+                      <a:headEnd type="none" w="med" len="med"/>
+                      <a:tailEnd type="none" w="med" len="med"/>
+                    </a:lnT>
+                    <a:lnB w="12700" cap="flat" cmpd="sng" algn="ctr">
+                      <a:solidFill>
+                        <a:schemeClr val="tx1"/>
+                      </a:solidFill>
+                      <a:prstDash val="solid"/>
+                      <a:round/>
+                      <a:headEnd type="none" w="med" len="med"/>
+                      <a:tailEnd type="none" w="med" len="med"/>
+                    </a:lnB>
+                    <a:lnTlToBr w="12700" cmpd="sng">
+                      <a:noFill/>
+                      <a:prstDash val="solid"/>
+                    </a:lnTlToBr>
+                    <a:lnBlToTr w="12700" cmpd="sng">
+                      <a:noFill/>
+                      <a:prstDash val="solid"/>
+                    </a:lnBlToTr>
+                  </a:tcPr>
+                </a:tc>
+                <a:tc>
+                  <a:txBody>
+                    <a:bodyPr/>
+                    <a:lstStyle/>
+                    <a:p>
+                      <a:r>
+                        <a:rPr lang="es-PE" dirty="0"/>
+                        <a:t>500000</a:t>
+                      </a:r>
+                    </a:p>
+                  </a:txBody>
+                  <a:tcPr>
+                    <a:lnL w="12700" cap="flat" cmpd="sng" algn="ctr">
+                      <a:solidFill>
+                        <a:schemeClr val="tx1"/>
+                      </a:solidFill>
+                      <a:prstDash val="solid"/>
+                      <a:round/>
+                      <a:headEnd type="none" w="med" len="med"/>
+                      <a:tailEnd type="none" w="med" len="med"/>
+                    </a:lnL>
+                    <a:lnR w="12700" cap="flat" cmpd="sng" algn="ctr">
+                      <a:solidFill>
+                        <a:schemeClr val="tx1"/>
+                      </a:solidFill>
+                      <a:prstDash val="solid"/>
+                      <a:round/>
+                      <a:headEnd type="none" w="med" len="med"/>
+                      <a:tailEnd type="none" w="med" len="med"/>
+                    </a:lnR>
+                    <a:lnT w="12700" cap="flat" cmpd="sng" algn="ctr">
+                      <a:solidFill>
+                        <a:schemeClr val="tx1"/>
+                      </a:solidFill>
+                      <a:prstDash val="solid"/>
+                      <a:round/>
+                      <a:headEnd type="none" w="med" len="med"/>
+                      <a:tailEnd type="none" w="med" len="med"/>
+                    </a:lnT>
+                    <a:lnB w="12700" cap="flat" cmpd="sng" algn="ctr">
+                      <a:solidFill>
+                        <a:schemeClr val="tx1"/>
+                      </a:solidFill>
+                      <a:prstDash val="solid"/>
+                      <a:round/>
+                      <a:headEnd type="none" w="med" len="med"/>
+                      <a:tailEnd type="none" w="med" len="med"/>
+                    </a:lnB>
+                    <a:lnTlToBr w="12700" cmpd="sng">
+                      <a:noFill/>
+                      <a:prstDash val="solid"/>
+                    </a:lnTlToBr>
+                    <a:lnBlToTr w="12700" cmpd="sng">
+                      <a:noFill/>
+                      <a:prstDash val="solid"/>
+                    </a:lnBlToTr>
+                  </a:tcPr>
+                </a:tc>
+                <a:extLst>
+                  <a:ext uri="{0D108BD9-81ED-4DB2-BD59-A6C34878D82A}">
+                    <a16:rowId xmlns:a16="http://schemas.microsoft.com/office/drawing/2014/main" val="2635974578"/>
+                  </a:ext>
+                </a:extLst>
+              </a:tr>
+              <a:tr h="370840">
+                <a:tc>
+                  <a:txBody>
+                    <a:bodyPr/>
+                    <a:lstStyle/>
+                    <a:p>
+                      <a:r>
+                        <a:rPr lang="es-PE" b="1" dirty="0"/>
+                        <a:t>Tamaño</a:t>
+                      </a:r>
+                      <a:r>
+                        <a:rPr lang="es-PE" b="1" baseline="0" dirty="0"/>
+                        <a:t> a gran escala</a:t>
+                      </a:r>
+                      <a:endParaRPr lang="es-PE" b="1" dirty="0"/>
+                    </a:p>
+                  </a:txBody>
+                  <a:tcPr>
+                    <a:lnL w="12700" cap="flat" cmpd="sng" algn="ctr">
+                      <a:solidFill>
+                        <a:schemeClr val="tx1"/>
+                      </a:solidFill>
+                      <a:prstDash val="solid"/>
+                      <a:round/>
+                      <a:headEnd type="none" w="med" len="med"/>
+                      <a:tailEnd type="none" w="med" len="med"/>
+                    </a:lnL>
+                    <a:lnR w="12700" cap="flat" cmpd="sng" algn="ctr">
+                      <a:solidFill>
+                        <a:schemeClr val="tx1"/>
+                      </a:solidFill>
+                      <a:prstDash val="solid"/>
+                      <a:round/>
+                      <a:headEnd type="none" w="med" len="med"/>
+                      <a:tailEnd type="none" w="med" len="med"/>
+                    </a:lnR>
+                    <a:lnT w="12700" cap="flat" cmpd="sng" algn="ctr">
+                      <a:solidFill>
+                        <a:schemeClr val="tx1"/>
+                      </a:solidFill>
+                      <a:prstDash val="solid"/>
+                      <a:round/>
+                      <a:headEnd type="none" w="med" len="med"/>
+                      <a:tailEnd type="none" w="med" len="med"/>
+                    </a:lnT>
+                    <a:lnB w="12700" cap="flat" cmpd="sng" algn="ctr">
+                      <a:solidFill>
+                        <a:schemeClr val="tx1"/>
+                      </a:solidFill>
+                      <a:prstDash val="solid"/>
+                      <a:round/>
+                      <a:headEnd type="none" w="med" len="med"/>
+                      <a:tailEnd type="none" w="med" len="med"/>
+                    </a:lnB>
+                    <a:lnTlToBr w="12700" cmpd="sng">
+                      <a:noFill/>
+                      <a:prstDash val="solid"/>
+                    </a:lnTlToBr>
+                    <a:lnBlToTr w="12700" cmpd="sng">
+                      <a:noFill/>
+                      <a:prstDash val="solid"/>
+                    </a:lnBlToTr>
+                  </a:tcPr>
+                </a:tc>
+                <a:tc>
+                  <a:txBody>
+                    <a:bodyPr/>
+                    <a:lstStyle/>
+                    <a:p>
+                      <a:r>
+                        <a:rPr lang="en-US" dirty="0"/>
+                        <a:t>&gt;500000</a:t>
+                      </a:r>
+                      <a:endParaRPr lang="es-PE" dirty="0"/>
+                    </a:p>
+                  </a:txBody>
+                  <a:tcPr>
+                    <a:lnL w="12700" cap="flat" cmpd="sng" algn="ctr">
+                      <a:solidFill>
+                        <a:schemeClr val="tx1"/>
+                      </a:solidFill>
+                      <a:prstDash val="solid"/>
+                      <a:round/>
+                      <a:headEnd type="none" w="med" len="med"/>
+                      <a:tailEnd type="none" w="med" len="med"/>
+                    </a:lnL>
+                    <a:lnR w="12700" cap="flat" cmpd="sng" algn="ctr">
+                      <a:solidFill>
+                        <a:schemeClr val="tx1"/>
+                      </a:solidFill>
+                      <a:prstDash val="solid"/>
+                      <a:round/>
+                      <a:headEnd type="none" w="med" len="med"/>
+                      <a:tailEnd type="none" w="med" len="med"/>
+                    </a:lnR>
+                    <a:lnT w="12700" cap="flat" cmpd="sng" algn="ctr">
+                      <a:solidFill>
+                        <a:schemeClr val="tx1"/>
+                      </a:solidFill>
+                      <a:prstDash val="solid"/>
+                      <a:round/>
+                      <a:headEnd type="none" w="med" len="med"/>
+                      <a:tailEnd type="none" w="med" len="med"/>
+                    </a:lnT>
+                    <a:lnB w="12700" cap="flat" cmpd="sng" algn="ctr">
+                      <a:solidFill>
+                        <a:schemeClr val="tx1"/>
+                      </a:solidFill>
+                      <a:prstDash val="solid"/>
+                      <a:round/>
+                      <a:headEnd type="none" w="med" len="med"/>
+                      <a:tailEnd type="none" w="med" len="med"/>
+                    </a:lnB>
+                    <a:lnTlToBr w="12700" cmpd="sng">
+                      <a:noFill/>
+                      <a:prstDash val="solid"/>
+                    </a:lnTlToBr>
+                    <a:lnBlToTr w="12700" cmpd="sng">
+                      <a:noFill/>
+                      <a:prstDash val="solid"/>
+                    </a:lnBlToTr>
+                  </a:tcPr>
+                </a:tc>
+                <a:tc>
+                  <a:txBody>
+                    <a:bodyPr/>
+                    <a:lstStyle/>
+                    <a:p>
+                      <a:r>
+                        <a:rPr lang="en-US" dirty="0"/>
+                        <a:t>&gt;500000</a:t>
+                      </a:r>
+                      <a:endParaRPr lang="es-PE" dirty="0"/>
+                    </a:p>
+                  </a:txBody>
+                  <a:tcPr>
+                    <a:lnL w="12700" cap="flat" cmpd="sng" algn="ctr">
+                      <a:solidFill>
+                        <a:schemeClr val="tx1"/>
+                      </a:solidFill>
+                      <a:prstDash val="solid"/>
+                      <a:round/>
+                      <a:headEnd type="none" w="med" len="med"/>
+                      <a:tailEnd type="none" w="med" len="med"/>
+                    </a:lnL>
+                    <a:lnR w="12700" cap="flat" cmpd="sng" algn="ctr">
+                      <a:solidFill>
+                        <a:schemeClr val="tx1"/>
+                      </a:solidFill>
+                      <a:prstDash val="solid"/>
+                      <a:round/>
+                      <a:headEnd type="none" w="med" len="med"/>
+                      <a:tailEnd type="none" w="med" len="med"/>
+                    </a:lnR>
+                    <a:lnT w="12700" cap="flat" cmpd="sng" algn="ctr">
+                      <a:solidFill>
+                        <a:schemeClr val="tx1"/>
+                      </a:solidFill>
+                      <a:prstDash val="solid"/>
+                      <a:round/>
+                      <a:headEnd type="none" w="med" len="med"/>
+                      <a:tailEnd type="none" w="med" len="med"/>
+                    </a:lnT>
+                    <a:lnB w="12700" cap="flat" cmpd="sng" algn="ctr">
+                      <a:solidFill>
+                        <a:schemeClr val="tx1"/>
+                      </a:solidFill>
+                      <a:prstDash val="solid"/>
+                      <a:round/>
+                      <a:headEnd type="none" w="med" len="med"/>
+                      <a:tailEnd type="none" w="med" len="med"/>
+                    </a:lnB>
+                    <a:lnTlToBr w="12700" cmpd="sng">
+                      <a:noFill/>
+                      <a:prstDash val="solid"/>
+                    </a:lnTlToBr>
+                    <a:lnBlToTr w="12700" cmpd="sng">
+                      <a:noFill/>
+                      <a:prstDash val="solid"/>
+                    </a:lnBlToTr>
+                  </a:tcPr>
+                </a:tc>
+                <a:extLst>
+                  <a:ext uri="{0D108BD9-81ED-4DB2-BD59-A6C34878D82A}">
+                    <a16:rowId xmlns:a16="http://schemas.microsoft.com/office/drawing/2014/main" val="245337205"/>
+                  </a:ext>
+                </a:extLst>
+              </a:tr>
+            </a:tbl>
+          </a:graphicData>
+        </a:graphic>
+      </p:graphicFrame>
     </p:spTree>
     <p:extLst>
       <p:ext uri="{BB962C8B-B14F-4D97-AF65-F5344CB8AC3E}">
-        <p14:creationId xmlns:p14="http://schemas.microsoft.com/office/powerpoint/2010/main" val="2056740315"/>
+        <p14:creationId xmlns:p14="http://schemas.microsoft.com/office/powerpoint/2010/main" val="3749362066"/>
       </p:ext>
     </p:extLst>
   </p:cSld>
@@ -6580,66 +7502,21 @@
           <a:p>
             <a:r>
               <a:rPr lang="es-PE" altLang="en-US" dirty="0"/>
-              <a:t>Tipos de problemas de optimización</a:t>
-            </a:r>
-          </a:p>
-        </p:txBody>
-      </p:sp>
-      <p:sp>
-        <p:nvSpPr>
-          <p:cNvPr id="6" name="TextBox 5">
-            <a:extLst>
-              <a:ext uri="{FF2B5EF4-FFF2-40B4-BE49-F238E27FC236}">
-                <a16:creationId xmlns:a16="http://schemas.microsoft.com/office/drawing/2014/main" xmlns="" id="{07C250E3-42CC-4F1B-9953-BC98F9EC4CF3}"/>
-              </a:ext>
-            </a:extLst>
-          </p:cNvPr>
+              <a:t>Solución</a:t>
+            </a:r>
+          </a:p>
+        </p:txBody>
+      </p:sp>
+      <p:sp>
+        <p:nvSpPr>
+          <p:cNvPr id="5" name="CuadroTexto 4"/>
           <p:cNvSpPr txBox="1"/>
           <p:nvPr/>
         </p:nvSpPr>
         <p:spPr>
           <a:xfrm>
-            <a:off x="3303697" y="1192410"/>
-            <a:ext cx="2083968" cy="369332"/>
-          </a:xfrm>
-          <a:prstGeom prst="rect">
-            <a:avLst/>
-          </a:prstGeom>
-          <a:noFill/>
-        </p:spPr>
-        <p:txBody>
-          <a:bodyPr wrap="none" rtlCol="0">
-            <a:spAutoFit/>
-          </a:bodyPr>
-          <a:lstStyle/>
-          <a:p>
-            <a:r>
-              <a:rPr lang="es-PE" dirty="0" err="1"/>
-              <a:t>Semidefinidas</a:t>
-            </a:r>
-            <a:r>
-              <a:rPr lang="es-PE" dirty="0"/>
-              <a:t> positivas</a:t>
-            </a:r>
-          </a:p>
-        </p:txBody>
-      </p:sp>
-      <p:sp>
-        <p:nvSpPr>
-          <p:cNvPr id="10" name="CuadroTexto 4">
-            <a:extLst>
-              <a:ext uri="{FF2B5EF4-FFF2-40B4-BE49-F238E27FC236}">
-                <a16:creationId xmlns:a16="http://schemas.microsoft.com/office/drawing/2014/main" xmlns="" id="{0EE2E59A-EFC5-4F7D-8B1B-CDE02E4D869C}"/>
-              </a:ext>
-            </a:extLst>
-          </p:cNvPr>
-          <p:cNvSpPr txBox="1"/>
-          <p:nvPr/>
-        </p:nvSpPr>
-        <p:spPr>
-          <a:xfrm>
-            <a:off x="602191" y="836712"/>
-            <a:ext cx="8002257" cy="400110"/>
+            <a:off x="600771" y="876776"/>
+            <a:ext cx="8002257" cy="4154984"/>
           </a:xfrm>
           <a:prstGeom prst="rect">
             <a:avLst/>
@@ -6652,51 +7529,90 @@
           </a:bodyPr>
           <a:lstStyle/>
           <a:p>
-            <a:pPr marL="285750" indent="-285750">
+            <a:pPr marL="285750" indent="-285750" algn="just">
               <a:buFont typeface="Arial" panose="020B0604020202020204" pitchFamily="34" charset="0"/>
               <a:buChar char="•"/>
             </a:pPr>
             <a:r>
-              <a:rPr lang="es-MX" sz="2000" dirty="0"/>
-              <a:t>Las restricciones pueden ser: </a:t>
-            </a:r>
-          </a:p>
-        </p:txBody>
-      </p:sp>
-      <p:pic>
-        <p:nvPicPr>
-          <p:cNvPr id="5" name="Picture 4">
-            <a:extLst>
-              <a:ext uri="{FF2B5EF4-FFF2-40B4-BE49-F238E27FC236}">
-                <a16:creationId xmlns:a16="http://schemas.microsoft.com/office/drawing/2014/main" xmlns="" id="{89DF8F4E-037E-4B3D-8F99-3F7972A3BFB0}"/>
-              </a:ext>
-            </a:extLst>
-          </p:cNvPr>
-          <p:cNvPicPr>
-            <a:picLocks noChangeAspect="1"/>
-          </p:cNvPicPr>
-          <p:nvPr/>
-        </p:nvPicPr>
-        <p:blipFill>
-          <a:blip r:embed="rId2"/>
-          <a:stretch>
-            <a:fillRect/>
-          </a:stretch>
-        </p:blipFill>
-        <p:spPr>
-          <a:xfrm>
-            <a:off x="331273" y="1592520"/>
-            <a:ext cx="8273175" cy="4284752"/>
-          </a:xfrm>
-          <a:prstGeom prst="rect">
-            <a:avLst/>
-          </a:prstGeom>
-        </p:spPr>
-      </p:pic>
+              <a:rPr lang="es-PE" sz="2400" dirty="0"/>
+              <a:t>Se necesita de un método de solución, el cual se traduce en un algoritmo</a:t>
+            </a:r>
+          </a:p>
+          <a:p>
+            <a:pPr marL="285750" indent="-285750" algn="just">
+              <a:buFont typeface="Arial" panose="020B0604020202020204" pitchFamily="34" charset="0"/>
+              <a:buChar char="•"/>
+            </a:pPr>
+            <a:r>
+              <a:rPr lang="es-PE" sz="2400" dirty="0"/>
+              <a:t>Existen diferentes métodos de solución (por ejemplo, para programación lineal normalmente se emplea el método simplex o método de puntos interiores)</a:t>
+            </a:r>
+          </a:p>
+          <a:p>
+            <a:pPr marL="285750" indent="-285750" algn="just">
+              <a:buFont typeface="Arial" panose="020B0604020202020204" pitchFamily="34" charset="0"/>
+              <a:buChar char="•"/>
+            </a:pPr>
+            <a:r>
+              <a:rPr lang="es-PE" sz="2400" dirty="0"/>
+              <a:t>Existen </a:t>
+            </a:r>
+            <a:r>
+              <a:rPr lang="es-PE" sz="2400" b="1" dirty="0"/>
+              <a:t>diferentes versiones</a:t>
+            </a:r>
+            <a:r>
+              <a:rPr lang="es-PE" sz="2400" dirty="0"/>
+              <a:t> de un mismo método de solución o del algoritmo desarrollado que puede incluir heurística y/o meta-heurística, como ejemplo.</a:t>
+            </a:r>
+          </a:p>
+          <a:p>
+            <a:pPr marL="285750" indent="-285750" algn="just">
+              <a:buFont typeface="Arial" panose="020B0604020202020204" pitchFamily="34" charset="0"/>
+              <a:buChar char="•"/>
+            </a:pPr>
+            <a:endParaRPr lang="es-PE" sz="2400" dirty="0"/>
+          </a:p>
+          <a:p>
+            <a:pPr marL="285750" indent="-285750" algn="just">
+              <a:buFont typeface="Arial" panose="020B0604020202020204" pitchFamily="34" charset="0"/>
+              <a:buChar char="•"/>
+            </a:pPr>
+            <a:r>
+              <a:rPr lang="es-PE" sz="2400" dirty="0"/>
+              <a:t>Se puede obtener una </a:t>
+            </a:r>
+            <a:r>
+              <a:rPr lang="es-PE" sz="2400" b="1" dirty="0"/>
+              <a:t>solución óptima</a:t>
+            </a:r>
+            <a:r>
+              <a:rPr lang="es-PE" sz="2400" dirty="0"/>
+              <a:t>, </a:t>
+            </a:r>
+            <a:r>
+              <a:rPr lang="es-PE" sz="2400" b="1" dirty="0"/>
+              <a:t>cuasi-óptima</a:t>
+            </a:r>
+            <a:r>
+              <a:rPr lang="es-PE" sz="2400" dirty="0"/>
+              <a:t> o por lo menos, </a:t>
+            </a:r>
+            <a:r>
+              <a:rPr lang="es-PE" sz="2400" b="1" dirty="0"/>
+              <a:t>factible</a:t>
+            </a:r>
+            <a:r>
+              <a:rPr lang="es-PE" sz="2400" dirty="0"/>
+              <a:t> para el problema de optimización planteado.</a:t>
+            </a:r>
+          </a:p>
+        </p:txBody>
+      </p:sp>
     </p:spTree>
     <p:extLst>
       <p:ext uri="{BB962C8B-B14F-4D97-AF65-F5344CB8AC3E}">
-        <p14:creationId xmlns:p14="http://schemas.microsoft.com/office/powerpoint/2010/main" val="3127477577"/>
+        <p14:creationId xmlns:p14="http://schemas.microsoft.com/office/powerpoint/2010/main" val="2873913601"/>
       </p:ext>
     </p:extLst>
   </p:cSld>
@@ -6798,62 +7714,21 @@
           <a:p>
             <a:r>
               <a:rPr lang="es-PE" altLang="en-US" dirty="0"/>
-              <a:t>Tipos de problemas de optimización</a:t>
-            </a:r>
-          </a:p>
-        </p:txBody>
-      </p:sp>
-      <p:sp>
-        <p:nvSpPr>
-          <p:cNvPr id="6" name="TextBox 5">
-            <a:extLst>
-              <a:ext uri="{FF2B5EF4-FFF2-40B4-BE49-F238E27FC236}">
-                <a16:creationId xmlns:a16="http://schemas.microsoft.com/office/drawing/2014/main" xmlns="" id="{07C250E3-42CC-4F1B-9953-BC98F9EC4CF3}"/>
-              </a:ext>
-            </a:extLst>
-          </p:cNvPr>
+              <a:t>Validación de la solución</a:t>
+            </a:r>
+          </a:p>
+        </p:txBody>
+      </p:sp>
+      <p:sp>
+        <p:nvSpPr>
+          <p:cNvPr id="5" name="CuadroTexto 4"/>
           <p:cNvSpPr txBox="1"/>
           <p:nvPr/>
         </p:nvSpPr>
         <p:spPr>
           <a:xfrm>
-            <a:off x="4048519" y="1192410"/>
-            <a:ext cx="1109599" cy="369332"/>
-          </a:xfrm>
-          <a:prstGeom prst="rect">
-            <a:avLst/>
-          </a:prstGeom>
-          <a:noFill/>
-        </p:spPr>
-        <p:txBody>
-          <a:bodyPr wrap="none" rtlCol="0">
-            <a:spAutoFit/>
-          </a:bodyPr>
-          <a:lstStyle/>
-          <a:p>
-            <a:r>
-              <a:rPr lang="es-PE" dirty="0"/>
-              <a:t>No lineales</a:t>
-            </a:r>
-          </a:p>
-        </p:txBody>
-      </p:sp>
-      <p:sp>
-        <p:nvSpPr>
-          <p:cNvPr id="10" name="CuadroTexto 4">
-            <a:extLst>
-              <a:ext uri="{FF2B5EF4-FFF2-40B4-BE49-F238E27FC236}">
-                <a16:creationId xmlns:a16="http://schemas.microsoft.com/office/drawing/2014/main" xmlns="" id="{0EE2E59A-EFC5-4F7D-8B1B-CDE02E4D869C}"/>
-              </a:ext>
-            </a:extLst>
-          </p:cNvPr>
-          <p:cNvSpPr txBox="1"/>
-          <p:nvPr/>
-        </p:nvSpPr>
-        <p:spPr>
-          <a:xfrm>
-            <a:off x="602191" y="836712"/>
-            <a:ext cx="8002257" cy="400110"/>
+            <a:off x="600771" y="876776"/>
+            <a:ext cx="8002257" cy="6370975"/>
           </a:xfrm>
           <a:prstGeom prst="rect">
             <a:avLst/>
@@ -6866,51 +7741,137 @@
           </a:bodyPr>
           <a:lstStyle/>
           <a:p>
-            <a:pPr marL="285750" indent="-285750">
+            <a:pPr marL="285750" indent="-285750" algn="just">
               <a:buFont typeface="Arial" panose="020B0604020202020204" pitchFamily="34" charset="0"/>
               <a:buChar char="•"/>
             </a:pPr>
             <a:r>
-              <a:rPr lang="es-MX" sz="2000" dirty="0"/>
-              <a:t>Las restricciones pueden ser: </a:t>
-            </a:r>
-          </a:p>
-        </p:txBody>
-      </p:sp>
-      <p:pic>
-        <p:nvPicPr>
-          <p:cNvPr id="5" name="Picture 4">
-            <a:extLst>
-              <a:ext uri="{FF2B5EF4-FFF2-40B4-BE49-F238E27FC236}">
-                <a16:creationId xmlns:a16="http://schemas.microsoft.com/office/drawing/2014/main" xmlns="" id="{0D7D2E5B-69DE-4DF8-A502-9CB19F616629}"/>
-              </a:ext>
-            </a:extLst>
-          </p:cNvPr>
-          <p:cNvPicPr>
-            <a:picLocks noChangeAspect="1"/>
-          </p:cNvPicPr>
-          <p:nvPr/>
-        </p:nvPicPr>
-        <p:blipFill>
-          <a:blip r:embed="rId2"/>
-          <a:stretch>
-            <a:fillRect/>
-          </a:stretch>
-        </p:blipFill>
-        <p:spPr>
-          <a:xfrm>
-            <a:off x="1000336" y="1670761"/>
-            <a:ext cx="7143328" cy="4285997"/>
-          </a:xfrm>
-          <a:prstGeom prst="rect">
-            <a:avLst/>
-          </a:prstGeom>
-        </p:spPr>
-      </p:pic>
+              <a:rPr lang="es-PE" sz="2400" dirty="0"/>
+              <a:t>Primero, verificar la </a:t>
+            </a:r>
+            <a:r>
+              <a:rPr lang="es-PE" sz="2400" b="1" dirty="0"/>
+              <a:t>codificación</a:t>
+            </a:r>
+            <a:r>
+              <a:rPr lang="es-PE" sz="2400" dirty="0"/>
+              <a:t> del modelo matemático. Eliminar errores en la codificación.</a:t>
+            </a:r>
+          </a:p>
+          <a:p>
+            <a:pPr marL="285750" indent="-285750" algn="just">
+              <a:buFont typeface="Arial" panose="020B0604020202020204" pitchFamily="34" charset="0"/>
+              <a:buChar char="•"/>
+            </a:pPr>
+            <a:r>
+              <a:rPr lang="es-PE" sz="2400" dirty="0"/>
+              <a:t>Comprobar las </a:t>
+            </a:r>
+            <a:r>
+              <a:rPr lang="es-PE" sz="2400" b="1" dirty="0"/>
+              <a:t>linealizaciones</a:t>
+            </a:r>
+            <a:r>
+              <a:rPr lang="es-PE" sz="2400" dirty="0"/>
+              <a:t>, </a:t>
+            </a:r>
+            <a:r>
+              <a:rPr lang="es-PE" sz="2400" b="1" dirty="0"/>
+              <a:t>aproximaciones</a:t>
+            </a:r>
+            <a:r>
+              <a:rPr lang="es-PE" sz="2400" dirty="0"/>
+              <a:t> o </a:t>
+            </a:r>
+            <a:r>
+              <a:rPr lang="es-PE" sz="2400" b="1" dirty="0"/>
+              <a:t>simplificaciones</a:t>
+            </a:r>
+            <a:r>
+              <a:rPr lang="es-PE" sz="2400" dirty="0"/>
+              <a:t> adoptadas mediante la representación de los resultados (comparación de la solución obtenida con una solución real conocida).</a:t>
+            </a:r>
+          </a:p>
+          <a:p>
+            <a:pPr marL="285750" indent="-285750" algn="just">
+              <a:buFont typeface="Arial" panose="020B0604020202020204" pitchFamily="34" charset="0"/>
+              <a:buChar char="•"/>
+            </a:pPr>
+            <a:r>
+              <a:rPr lang="es-PE" sz="2400" dirty="0"/>
+              <a:t>Análisis de sensibilidad de los </a:t>
+            </a:r>
+            <a:r>
+              <a:rPr lang="es-PE" sz="2400" b="1" dirty="0"/>
+              <a:t>datos de entrada </a:t>
+            </a:r>
+            <a:r>
+              <a:rPr lang="es-PE" sz="2400" dirty="0"/>
+              <a:t>(parámetros)</a:t>
+            </a:r>
+          </a:p>
+          <a:p>
+            <a:pPr marL="285750" indent="-285750" algn="just">
+              <a:buFont typeface="Arial" panose="020B0604020202020204" pitchFamily="34" charset="0"/>
+              <a:buChar char="•"/>
+            </a:pPr>
+            <a:r>
+              <a:rPr lang="es-PE" sz="2400" dirty="0"/>
+              <a:t>Modificar el modelo con nuevas necesidades</a:t>
+            </a:r>
+          </a:p>
+          <a:p>
+            <a:pPr marL="285750" indent="-285750" algn="just">
+              <a:buFont typeface="Arial" panose="020B0604020202020204" pitchFamily="34" charset="0"/>
+              <a:buChar char="•"/>
+            </a:pPr>
+            <a:endParaRPr lang="es-PE" sz="2400" dirty="0"/>
+          </a:p>
+          <a:p>
+            <a:pPr marL="285750" indent="-285750" algn="just">
+              <a:buFont typeface="Arial" panose="020B0604020202020204" pitchFamily="34" charset="0"/>
+              <a:buChar char="•"/>
+            </a:pPr>
+            <a:r>
+              <a:rPr lang="es-PE" sz="2400" dirty="0"/>
+              <a:t>Identificación de otras soluciones y determinar la </a:t>
+            </a:r>
+            <a:r>
+              <a:rPr lang="es-PE" sz="2400" b="1" dirty="0"/>
+              <a:t>robustez</a:t>
+            </a:r>
+            <a:r>
+              <a:rPr lang="es-PE" sz="2400" dirty="0"/>
+              <a:t> de la solución a través de sensibilidades. (como ejemplo, se puede adoptar salida de líneas si es un problema de planificación de la expansión de la transmisión de energía eléctrica o de salida de operación de algún generador de energía eléctrica)</a:t>
+            </a:r>
+          </a:p>
+          <a:p>
+            <a:pPr marL="285750" indent="-285750" algn="just">
+              <a:buFont typeface="Arial" panose="020B0604020202020204" pitchFamily="34" charset="0"/>
+              <a:buChar char="•"/>
+            </a:pPr>
+            <a:endParaRPr lang="es-PE" sz="2400" dirty="0"/>
+          </a:p>
+          <a:p>
+            <a:pPr marL="285750" indent="-285750" algn="just">
+              <a:buFont typeface="Arial" panose="020B0604020202020204" pitchFamily="34" charset="0"/>
+              <a:buChar char="•"/>
+            </a:pPr>
+            <a:endParaRPr lang="es-PE" sz="2400" dirty="0"/>
+          </a:p>
+          <a:p>
+            <a:pPr marL="285750" indent="-285750" algn="just">
+              <a:buFont typeface="Arial" panose="020B0604020202020204" pitchFamily="34" charset="0"/>
+              <a:buChar char="•"/>
+            </a:pPr>
+            <a:endParaRPr lang="es-PE" sz="2400" dirty="0"/>
+          </a:p>
+        </p:txBody>
+      </p:sp>
     </p:spTree>
     <p:extLst>
       <p:ext uri="{BB962C8B-B14F-4D97-AF65-F5344CB8AC3E}">
-        <p14:creationId xmlns:p14="http://schemas.microsoft.com/office/powerpoint/2010/main" val="1126776748"/>
+        <p14:creationId xmlns:p14="http://schemas.microsoft.com/office/powerpoint/2010/main" val="3339238756"/>
       </p:ext>
     </p:extLst>
   </p:cSld>
@@ -7012,62 +7973,21 @@
           <a:p>
             <a:r>
               <a:rPr lang="es-PE" altLang="en-US" dirty="0"/>
-              <a:t>Tipos de problemas de optimización</a:t>
-            </a:r>
-          </a:p>
-        </p:txBody>
-      </p:sp>
-      <p:sp>
-        <p:nvSpPr>
-          <p:cNvPr id="6" name="TextBox 5">
-            <a:extLst>
-              <a:ext uri="{FF2B5EF4-FFF2-40B4-BE49-F238E27FC236}">
-                <a16:creationId xmlns:a16="http://schemas.microsoft.com/office/drawing/2014/main" xmlns="" id="{07C250E3-42CC-4F1B-9953-BC98F9EC4CF3}"/>
-              </a:ext>
-            </a:extLst>
-          </p:cNvPr>
+              <a:t>Standard</a:t>
+            </a:r>
+          </a:p>
+        </p:txBody>
+      </p:sp>
+      <p:sp>
+        <p:nvSpPr>
+          <p:cNvPr id="5" name="CuadroTexto 4"/>
           <p:cNvSpPr txBox="1"/>
           <p:nvPr/>
         </p:nvSpPr>
         <p:spPr>
           <a:xfrm>
-            <a:off x="2195736" y="1192410"/>
-            <a:ext cx="1027845" cy="369332"/>
-          </a:xfrm>
-          <a:prstGeom prst="rect">
-            <a:avLst/>
-          </a:prstGeom>
-          <a:noFill/>
-        </p:spPr>
-        <p:txBody>
-          <a:bodyPr wrap="none" rtlCol="0">
-            <a:spAutoFit/>
-          </a:bodyPr>
-          <a:lstStyle/>
-          <a:p>
-            <a:r>
-              <a:rPr lang="es-PE" dirty="0"/>
-              <a:t>Continuas</a:t>
-            </a:r>
-          </a:p>
-        </p:txBody>
-      </p:sp>
-      <p:sp>
-        <p:nvSpPr>
-          <p:cNvPr id="10" name="CuadroTexto 4">
-            <a:extLst>
-              <a:ext uri="{FF2B5EF4-FFF2-40B4-BE49-F238E27FC236}">
-                <a16:creationId xmlns:a16="http://schemas.microsoft.com/office/drawing/2014/main" xmlns="" id="{0EE2E59A-EFC5-4F7D-8B1B-CDE02E4D869C}"/>
-              </a:ext>
-            </a:extLst>
-          </p:cNvPr>
-          <p:cNvSpPr txBox="1"/>
-          <p:nvPr/>
-        </p:nvSpPr>
-        <p:spPr>
-          <a:xfrm>
-            <a:off x="602191" y="836712"/>
-            <a:ext cx="8002257" cy="400110"/>
+            <a:off x="600771" y="876776"/>
+            <a:ext cx="8002257" cy="4154984"/>
           </a:xfrm>
           <a:prstGeom prst="rect">
             <a:avLst/>
@@ -7080,121 +8000,119 @@
           </a:bodyPr>
           <a:lstStyle/>
           <a:p>
-            <a:pPr marL="285750" indent="-285750">
+            <a:pPr marL="285750" indent="-285750" algn="just">
               <a:buFont typeface="Arial" panose="020B0604020202020204" pitchFamily="34" charset="0"/>
               <a:buChar char="•"/>
             </a:pPr>
             <a:r>
-              <a:rPr lang="es-MX" sz="2000" dirty="0"/>
-              <a:t>Las variables pueden ser: </a:t>
-            </a:r>
-          </a:p>
-        </p:txBody>
-      </p:sp>
-      <p:pic>
-        <p:nvPicPr>
-          <p:cNvPr id="5" name="Picture 4">
-            <a:extLst>
-              <a:ext uri="{FF2B5EF4-FFF2-40B4-BE49-F238E27FC236}">
-                <a16:creationId xmlns:a16="http://schemas.microsoft.com/office/drawing/2014/main" xmlns="" id="{9CB33994-9355-4B6E-B67B-BBC36E3A39F2}"/>
-              </a:ext>
-            </a:extLst>
-          </p:cNvPr>
-          <p:cNvPicPr>
-            <a:picLocks noChangeAspect="1"/>
-          </p:cNvPicPr>
-          <p:nvPr/>
-        </p:nvPicPr>
-        <p:blipFill>
-          <a:blip r:embed="rId2"/>
-          <a:stretch>
-            <a:fillRect/>
-          </a:stretch>
-        </p:blipFill>
-        <p:spPr>
-          <a:xfrm>
-            <a:off x="1259632" y="1844824"/>
-            <a:ext cx="6374284" cy="4058594"/>
-          </a:xfrm>
-          <a:prstGeom prst="rect">
-            <a:avLst/>
-          </a:prstGeom>
-        </p:spPr>
-      </p:pic>
-      <p:sp>
-        <p:nvSpPr>
-          <p:cNvPr id="8" name="TextBox 7">
-            <a:extLst>
-              <a:ext uri="{FF2B5EF4-FFF2-40B4-BE49-F238E27FC236}">
-                <a16:creationId xmlns:a16="http://schemas.microsoft.com/office/drawing/2014/main" xmlns="" id="{E5E78E8D-9A97-4BFA-840C-2C21D9AD90FD}"/>
-              </a:ext>
-            </a:extLst>
-          </p:cNvPr>
-          <p:cNvSpPr txBox="1"/>
-          <p:nvPr/>
-        </p:nvSpPr>
-        <p:spPr>
-          <a:xfrm>
-            <a:off x="5580112" y="1192410"/>
-            <a:ext cx="947054" cy="369332"/>
-          </a:xfrm>
-          <a:prstGeom prst="rect">
-            <a:avLst/>
-          </a:prstGeom>
-          <a:noFill/>
-        </p:spPr>
-        <p:txBody>
-          <a:bodyPr wrap="none" rtlCol="0">
-            <a:spAutoFit/>
-          </a:bodyPr>
-          <a:lstStyle/>
-          <a:p>
-            <a:r>
-              <a:rPr lang="es-PE" dirty="0"/>
-              <a:t>Discretas</a:t>
-            </a:r>
-          </a:p>
-        </p:txBody>
-      </p:sp>
-      <p:sp>
-        <p:nvSpPr>
-          <p:cNvPr id="9" name="TextBox 8">
-            <a:extLst>
-              <a:ext uri="{FF2B5EF4-FFF2-40B4-BE49-F238E27FC236}">
-                <a16:creationId xmlns:a16="http://schemas.microsoft.com/office/drawing/2014/main" xmlns="" id="{7C62D17B-39C2-4880-9835-263446DA2D3C}"/>
-              </a:ext>
-            </a:extLst>
-          </p:cNvPr>
-          <p:cNvSpPr txBox="1"/>
-          <p:nvPr/>
-        </p:nvSpPr>
-        <p:spPr>
-          <a:xfrm>
-            <a:off x="5173611" y="1426736"/>
-            <a:ext cx="1774653" cy="369332"/>
-          </a:xfrm>
-          <a:prstGeom prst="rect">
-            <a:avLst/>
-          </a:prstGeom>
-          <a:noFill/>
-        </p:spPr>
-        <p:txBody>
-          <a:bodyPr wrap="none" rtlCol="0">
-            <a:spAutoFit/>
-          </a:bodyPr>
-          <a:lstStyle/>
-          <a:p>
-            <a:r>
-              <a:rPr lang="es-PE" dirty="0"/>
-              <a:t>(binarias o enteras)</a:t>
-            </a:r>
+              <a:rPr lang="es-PE" sz="2400" dirty="0"/>
+              <a:t>Etapa cumbre, donde un modelo alcanza el </a:t>
+            </a:r>
+            <a:r>
+              <a:rPr lang="es-PE" sz="2400" b="1" dirty="0"/>
+              <a:t>éxito</a:t>
+            </a:r>
+            <a:r>
+              <a:rPr lang="es-PE" sz="2400" dirty="0"/>
+              <a:t>.</a:t>
+            </a:r>
+          </a:p>
+          <a:p>
+            <a:pPr marL="285750" indent="-285750" algn="just">
+              <a:buFont typeface="Arial" panose="020B0604020202020204" pitchFamily="34" charset="0"/>
+              <a:buChar char="•"/>
+            </a:pPr>
+            <a:endParaRPr lang="es-PE" sz="2400" dirty="0"/>
+          </a:p>
+          <a:p>
+            <a:pPr marL="285750" indent="-285750" algn="just">
+              <a:buFont typeface="Arial" panose="020B0604020202020204" pitchFamily="34" charset="0"/>
+              <a:buChar char="•"/>
+            </a:pPr>
+            <a:r>
+              <a:rPr lang="es-PE" sz="2400" dirty="0"/>
+              <a:t>En esta etapa se realiza la documentación sobre el modelo de forma </a:t>
+            </a:r>
+            <a:r>
+              <a:rPr lang="es-PE" sz="2400" b="1" dirty="0"/>
+              <a:t>clara</a:t>
+            </a:r>
+            <a:r>
+              <a:rPr lang="es-PE" sz="2400" dirty="0"/>
+              <a:t>, </a:t>
+            </a:r>
+            <a:r>
+              <a:rPr lang="es-PE" sz="2400" b="1" dirty="0"/>
+              <a:t>precisa</a:t>
+            </a:r>
+            <a:r>
+              <a:rPr lang="es-PE" sz="2400" dirty="0"/>
+              <a:t> y </a:t>
+            </a:r>
+            <a:r>
+              <a:rPr lang="es-PE" sz="2400" b="1" dirty="0"/>
+              <a:t>completa</a:t>
+            </a:r>
+            <a:r>
+              <a:rPr lang="es-PE" sz="2400" dirty="0"/>
+              <a:t>.</a:t>
+            </a:r>
+          </a:p>
+          <a:p>
+            <a:pPr marL="285750" indent="-285750" algn="just">
+              <a:buFont typeface="Arial" panose="020B0604020202020204" pitchFamily="34" charset="0"/>
+              <a:buChar char="•"/>
+            </a:pPr>
+            <a:r>
+              <a:rPr lang="es-PE" sz="2400" dirty="0"/>
+              <a:t>Puede incluir un </a:t>
+            </a:r>
+            <a:r>
+              <a:rPr lang="es-PE" sz="2400" b="1" dirty="0"/>
+              <a:t>manual de usuario</a:t>
+            </a:r>
+            <a:r>
+              <a:rPr lang="es-PE" sz="2400" dirty="0"/>
+              <a:t> con especificaciones técnicas funcionales, parte del fundamento matemático e informático.</a:t>
+            </a:r>
+          </a:p>
+          <a:p>
+            <a:pPr marL="285750" indent="-285750" algn="just">
+              <a:buFont typeface="Arial" panose="020B0604020202020204" pitchFamily="34" charset="0"/>
+              <a:buChar char="•"/>
+            </a:pPr>
+            <a:endParaRPr lang="es-PE" sz="2400" dirty="0"/>
+          </a:p>
+          <a:p>
+            <a:pPr marL="285750" indent="-285750" algn="just">
+              <a:buFont typeface="Arial" panose="020B0604020202020204" pitchFamily="34" charset="0"/>
+              <a:buChar char="•"/>
+            </a:pPr>
+            <a:r>
+              <a:rPr lang="es-PE" sz="2400" dirty="0"/>
+              <a:t>Esto sirve, para posible capacitaciones, curso o entrenamientos a usuarios del respectivo modelo.</a:t>
+            </a:r>
+          </a:p>
+          <a:p>
+            <a:pPr marL="285750" indent="-285750" algn="just">
+              <a:buFont typeface="Arial" panose="020B0604020202020204" pitchFamily="34" charset="0"/>
+              <a:buChar char="•"/>
+            </a:pPr>
+            <a:endParaRPr lang="es-PE" sz="2400" dirty="0"/>
+          </a:p>
+          <a:p>
+            <a:pPr marL="285750" indent="-285750" algn="just">
+              <a:buFont typeface="Arial" panose="020B0604020202020204" pitchFamily="34" charset="0"/>
+              <a:buChar char="•"/>
+            </a:pPr>
+            <a:endParaRPr lang="es-PE" sz="2400" dirty="0"/>
           </a:p>
         </p:txBody>
       </p:sp>
     </p:spTree>
     <p:extLst>
       <p:ext uri="{BB962C8B-B14F-4D97-AF65-F5344CB8AC3E}">
-        <p14:creationId xmlns:p14="http://schemas.microsoft.com/office/powerpoint/2010/main" val="1298106768"/>
+        <p14:creationId xmlns:p14="http://schemas.microsoft.com/office/powerpoint/2010/main" val="1180031279"/>
       </p:ext>
     </p:extLst>
   </p:cSld>
@@ -7296,158 +8214,42 @@
           <a:p>
             <a:r>
               <a:rPr lang="es-PE" altLang="en-US" dirty="0"/>
-              <a:t>Tipos de problemas de optimización</a:t>
-            </a:r>
-          </a:p>
-        </p:txBody>
-      </p:sp>
-      <p:sp>
-        <p:nvSpPr>
-          <p:cNvPr id="10" name="CuadroTexto 4">
+              <a:t>Optimización???</a:t>
+            </a:r>
+          </a:p>
+        </p:txBody>
+      </p:sp>
+      <p:pic>
+        <p:nvPicPr>
+          <p:cNvPr id="6" name="Imagen 5"/>
+          <p:cNvPicPr/>
+          <p:nvPr/>
+        </p:nvPicPr>
+        <p:blipFill rotWithShape="1">
+          <a:blip r:embed="rId2" cstate="print">
             <a:extLst>
-              <a:ext uri="{FF2B5EF4-FFF2-40B4-BE49-F238E27FC236}">
-                <a16:creationId xmlns:a16="http://schemas.microsoft.com/office/drawing/2014/main" xmlns="" id="{0EE2E59A-EFC5-4F7D-8B1B-CDE02E4D869C}"/>
+              <a:ext uri="{28A0092B-C50C-407E-A947-70E740481C1C}">
+                <a14:useLocalDpi xmlns:a14="http://schemas.microsoft.com/office/drawing/2010/main" val="0"/>
               </a:ext>
             </a:extLst>
-          </p:cNvPr>
-          <p:cNvSpPr txBox="1"/>
-          <p:nvPr/>
-        </p:nvSpPr>
-        <p:spPr>
-          <a:xfrm>
-            <a:off x="602191" y="836712"/>
-            <a:ext cx="8002257" cy="5016758"/>
+          </a:blip>
+          <a:srcRect r="64701"/>
+          <a:stretch/>
+        </p:blipFill>
+        <p:spPr>
+          <a:xfrm>
+            <a:off x="3203848" y="1916832"/>
+            <a:ext cx="2592288" cy="2376264"/>
           </a:xfrm>
           <a:prstGeom prst="rect">
             <a:avLst/>
           </a:prstGeom>
-          <a:noFill/>
-        </p:spPr>
-        <p:txBody>
-          <a:bodyPr wrap="square" rtlCol="0">
-            <a:spAutoFit/>
-          </a:bodyPr>
-          <a:lstStyle/>
-          <a:p>
-            <a:pPr marL="285750" indent="-285750">
-              <a:buFont typeface="Arial" panose="020B0604020202020204" pitchFamily="34" charset="0"/>
-              <a:buChar char="•"/>
-            </a:pPr>
-            <a:r>
-              <a:rPr lang="es-MX" sz="2000" dirty="0"/>
-              <a:t>Programación lineal (</a:t>
-            </a:r>
-            <a:r>
-              <a:rPr lang="es-MX" sz="2000" dirty="0" smtClean="0"/>
-              <a:t>LP) (PL)</a:t>
-            </a:r>
-            <a:endParaRPr lang="es-MX" sz="2000" dirty="0"/>
-          </a:p>
-          <a:p>
-            <a:pPr marL="800100" lvl="1" indent="-342900">
-              <a:buFont typeface="Perpetua" panose="02020502060401020303" pitchFamily="18" charset="0"/>
-              <a:buChar char="−"/>
-            </a:pPr>
-            <a:r>
-              <a:rPr lang="es-MX" sz="2000" dirty="0"/>
-              <a:t>Estudia el caso donde la función objetivo es lineal, las variables son continuas y el conjunto de restricciones son lineales</a:t>
-            </a:r>
-          </a:p>
-          <a:p>
-            <a:pPr marL="285750" indent="-285750">
-              <a:buFont typeface="Arial" panose="020B0604020202020204" pitchFamily="34" charset="0"/>
-              <a:buChar char="•"/>
-            </a:pPr>
-            <a:r>
-              <a:rPr lang="es-MX" sz="2000" dirty="0"/>
-              <a:t>Programación cuadrática (QP</a:t>
-            </a:r>
-            <a:r>
-              <a:rPr lang="es-MX" sz="2000" dirty="0" smtClean="0"/>
-              <a:t>) (PQ)</a:t>
-            </a:r>
-            <a:endParaRPr lang="es-MX" sz="2000" dirty="0"/>
-          </a:p>
-          <a:p>
-            <a:pPr marL="800100" lvl="1" indent="-342900">
-              <a:buFont typeface="Perpetua" panose="02020502060401020303" pitchFamily="18" charset="0"/>
-              <a:buChar char="−"/>
-            </a:pPr>
-            <a:r>
-              <a:rPr lang="es-MX" sz="2000" dirty="0"/>
-              <a:t>Estudia el caso en que la función objetivo tiene términos cuadráticos, las variables son continuas y el conjunto de restricciones son lineales.</a:t>
-            </a:r>
-          </a:p>
-          <a:p>
-            <a:pPr marL="285750" indent="-285750">
-              <a:buFont typeface="Arial" panose="020B0604020202020204" pitchFamily="34" charset="0"/>
-              <a:buChar char="•"/>
-            </a:pPr>
-            <a:r>
-              <a:rPr lang="es-MX" sz="2000" dirty="0"/>
-              <a:t>Programación cuadrática con restricciones cuadráticas (QCQP</a:t>
-            </a:r>
-            <a:r>
-              <a:rPr lang="es-MX" sz="2000" dirty="0" smtClean="0"/>
-              <a:t>) (PQRQ)</a:t>
-            </a:r>
-            <a:endParaRPr lang="es-MX" sz="2000" dirty="0"/>
-          </a:p>
-          <a:p>
-            <a:pPr marL="800100" lvl="1" indent="-342900">
-              <a:buFont typeface="Perpetua" panose="02020502060401020303" pitchFamily="18" charset="0"/>
-              <a:buChar char="−"/>
-            </a:pPr>
-            <a:r>
-              <a:rPr lang="es-MX" sz="2000" dirty="0"/>
-              <a:t>Estudia el caso en que la función objetivo tiene términos cuadráticos, las variables son continuas y el conjunto de restricciones son lineales y cuadráticas.</a:t>
-            </a:r>
-          </a:p>
-          <a:p>
-            <a:pPr marL="285750" indent="-285750">
-              <a:buFont typeface="Arial" panose="020B0604020202020204" pitchFamily="34" charset="0"/>
-              <a:buChar char="•"/>
-            </a:pPr>
-            <a:r>
-              <a:rPr lang="es-MX" sz="2000" dirty="0"/>
-              <a:t>Programación cónica de segundo orden (SOCP</a:t>
-            </a:r>
-            <a:r>
-              <a:rPr lang="es-MX" sz="2000" dirty="0" smtClean="0"/>
-              <a:t>)  (PCSO)</a:t>
-            </a:r>
-            <a:endParaRPr lang="es-MX" sz="2000" dirty="0"/>
-          </a:p>
-          <a:p>
-            <a:pPr marL="800100" lvl="1" indent="-342900">
-              <a:buFont typeface="Perpetua" panose="02020502060401020303" pitchFamily="18" charset="0"/>
-              <a:buChar char="−"/>
-            </a:pPr>
-            <a:r>
-              <a:rPr lang="es-MX" sz="2000" dirty="0"/>
-              <a:t>Estudia el caso en que la función objetivo tiene términos lineales, las variables son continuas y el conjunto de restricciones son lineales y cónicas de segundo orden.</a:t>
-            </a:r>
-          </a:p>
-          <a:p>
-            <a:pPr marL="285750" indent="-285750">
-              <a:buFont typeface="Arial" panose="020B0604020202020204" pitchFamily="34" charset="0"/>
-              <a:buChar char="•"/>
-            </a:pPr>
-            <a:endParaRPr lang="es-MX" sz="2000" dirty="0"/>
-          </a:p>
-          <a:p>
-            <a:pPr marL="285750" indent="-285750">
-              <a:buFont typeface="Arial" panose="020B0604020202020204" pitchFamily="34" charset="0"/>
-              <a:buChar char="•"/>
-            </a:pPr>
-            <a:endParaRPr lang="es-MX" sz="2000" dirty="0"/>
-          </a:p>
-        </p:txBody>
-      </p:sp>
+        </p:spPr>
+      </p:pic>
     </p:spTree>
     <p:extLst>
       <p:ext uri="{BB962C8B-B14F-4D97-AF65-F5344CB8AC3E}">
-        <p14:creationId xmlns:p14="http://schemas.microsoft.com/office/powerpoint/2010/main" val="1540215111"/>
+        <p14:creationId xmlns:p14="http://schemas.microsoft.com/office/powerpoint/2010/main" val="1969310829"/>
       </p:ext>
     </p:extLst>
   </p:cSld>
@@ -7554,12 +8356,42 @@
           </a:p>
         </p:txBody>
       </p:sp>
-      <p:sp>
-        <p:nvSpPr>
-          <p:cNvPr id="10" name="CuadroTexto 4">
+      <p:pic>
+        <p:nvPicPr>
+          <p:cNvPr id="4" name="Picture 3">
             <a:extLst>
               <a:ext uri="{FF2B5EF4-FFF2-40B4-BE49-F238E27FC236}">
-                <a16:creationId xmlns:a16="http://schemas.microsoft.com/office/drawing/2014/main" xmlns="" id="{0EE2E59A-EFC5-4F7D-8B1B-CDE02E4D869C}"/>
+                <a16:creationId xmlns:a16="http://schemas.microsoft.com/office/drawing/2014/main" id="{704EA9A2-4697-4D61-8140-FA6B2C4F55DB}"/>
+              </a:ext>
+            </a:extLst>
+          </p:cNvPr>
+          <p:cNvPicPr>
+            <a:picLocks noChangeAspect="1"/>
+          </p:cNvPicPr>
+          <p:nvPr/>
+        </p:nvPicPr>
+        <p:blipFill>
+          <a:blip r:embed="rId2"/>
+          <a:stretch>
+            <a:fillRect/>
+          </a:stretch>
+        </p:blipFill>
+        <p:spPr>
+          <a:xfrm>
+            <a:off x="144016" y="1945991"/>
+            <a:ext cx="8892480" cy="3643249"/>
+          </a:xfrm>
+          <a:prstGeom prst="rect">
+            <a:avLst/>
+          </a:prstGeom>
+        </p:spPr>
+      </p:pic>
+      <p:sp>
+        <p:nvSpPr>
+          <p:cNvPr id="6" name="TextBox 5">
+            <a:extLst>
+              <a:ext uri="{FF2B5EF4-FFF2-40B4-BE49-F238E27FC236}">
+                <a16:creationId xmlns:a16="http://schemas.microsoft.com/office/drawing/2014/main" id="{07C250E3-42CC-4F1B-9953-BC98F9EC4CF3}"/>
               </a:ext>
             </a:extLst>
           </p:cNvPr>
@@ -7568,8 +8400,113 @@
         </p:nvSpPr>
         <p:spPr>
           <a:xfrm>
+            <a:off x="1259632" y="1576659"/>
+            <a:ext cx="692818" cy="369332"/>
+          </a:xfrm>
+          <a:prstGeom prst="rect">
+            <a:avLst/>
+          </a:prstGeom>
+          <a:noFill/>
+        </p:spPr>
+        <p:txBody>
+          <a:bodyPr wrap="none" rtlCol="0">
+            <a:spAutoFit/>
+          </a:bodyPr>
+          <a:lstStyle/>
+          <a:p>
+            <a:r>
+              <a:rPr lang="es-PE" dirty="0"/>
+              <a:t>Lineal</a:t>
+            </a:r>
+          </a:p>
+        </p:txBody>
+      </p:sp>
+      <p:sp>
+        <p:nvSpPr>
+          <p:cNvPr id="7" name="TextBox 6">
+            <a:extLst>
+              <a:ext uri="{FF2B5EF4-FFF2-40B4-BE49-F238E27FC236}">
+                <a16:creationId xmlns:a16="http://schemas.microsoft.com/office/drawing/2014/main" id="{4D2E9544-59C2-49CD-8553-D43AD621CEE4}"/>
+              </a:ext>
+            </a:extLst>
+          </p:cNvPr>
+          <p:cNvSpPr txBox="1"/>
+          <p:nvPr/>
+        </p:nvSpPr>
+        <p:spPr>
+          <a:xfrm>
+            <a:off x="4139952" y="1576659"/>
+            <a:ext cx="1103187" cy="369332"/>
+          </a:xfrm>
+          <a:prstGeom prst="rect">
+            <a:avLst/>
+          </a:prstGeom>
+          <a:noFill/>
+        </p:spPr>
+        <p:txBody>
+          <a:bodyPr wrap="none" rtlCol="0">
+            <a:spAutoFit/>
+          </a:bodyPr>
+          <a:lstStyle/>
+          <a:p>
+            <a:r>
+              <a:rPr lang="es-PE" dirty="0"/>
+              <a:t>Cuadrático</a:t>
+            </a:r>
+          </a:p>
+        </p:txBody>
+      </p:sp>
+      <p:sp>
+        <p:nvSpPr>
+          <p:cNvPr id="8" name="TextBox 7">
+            <a:extLst>
+              <a:ext uri="{FF2B5EF4-FFF2-40B4-BE49-F238E27FC236}">
+                <a16:creationId xmlns:a16="http://schemas.microsoft.com/office/drawing/2014/main" id="{A8B05684-2D1A-4D16-9461-349E1328453B}"/>
+              </a:ext>
+            </a:extLst>
+          </p:cNvPr>
+          <p:cNvSpPr txBox="1"/>
+          <p:nvPr/>
+        </p:nvSpPr>
+        <p:spPr>
+          <a:xfrm>
+            <a:off x="7020272" y="1576659"/>
+            <a:ext cx="944489" cy="369332"/>
+          </a:xfrm>
+          <a:prstGeom prst="rect">
+            <a:avLst/>
+          </a:prstGeom>
+          <a:noFill/>
+        </p:spPr>
+        <p:txBody>
+          <a:bodyPr wrap="none" rtlCol="0">
+            <a:spAutoFit/>
+          </a:bodyPr>
+          <a:lstStyle/>
+          <a:p>
+            <a:r>
+              <a:rPr lang="es-PE" dirty="0"/>
+              <a:t>No lineal</a:t>
+            </a:r>
+          </a:p>
+        </p:txBody>
+      </p:sp>
+      <p:sp>
+        <p:nvSpPr>
+          <p:cNvPr id="10" name="CuadroTexto 4">
+            <a:extLst>
+              <a:ext uri="{FF2B5EF4-FFF2-40B4-BE49-F238E27FC236}">
+                <a16:creationId xmlns:a16="http://schemas.microsoft.com/office/drawing/2014/main" id="{0EE2E59A-EFC5-4F7D-8B1B-CDE02E4D869C}"/>
+              </a:ext>
+            </a:extLst>
+          </p:cNvPr>
+          <p:cNvSpPr txBox="1"/>
+          <p:nvPr/>
+        </p:nvSpPr>
+        <p:spPr>
+          <a:xfrm>
             <a:off x="602191" y="836712"/>
-            <a:ext cx="8002257" cy="3170099"/>
+            <a:ext cx="8002257" cy="400110"/>
           </a:xfrm>
           <a:prstGeom prst="rect">
             <a:avLst/>
@@ -7588,94 +8525,15 @@
             </a:pPr>
             <a:r>
               <a:rPr lang="es-MX" sz="2000" dirty="0"/>
-              <a:t>Programación </a:t>
-            </a:r>
-            <a:r>
-              <a:rPr lang="es-MX" sz="2000" dirty="0" err="1"/>
-              <a:t>semidefinida</a:t>
-            </a:r>
-            <a:r>
-              <a:rPr lang="es-MX" sz="2000" dirty="0"/>
-              <a:t> (SDP</a:t>
-            </a:r>
-            <a:r>
-              <a:rPr lang="es-MX" sz="2000" dirty="0" smtClean="0"/>
-              <a:t>) (PSD)</a:t>
-            </a:r>
-            <a:endParaRPr lang="es-MX" sz="2000" dirty="0"/>
-          </a:p>
-          <a:p>
-            <a:pPr marL="800100" lvl="1" indent="-342900">
-              <a:buFont typeface="Perpetua" panose="02020502060401020303" pitchFamily="18" charset="0"/>
-              <a:buChar char="−"/>
-            </a:pPr>
-            <a:r>
-              <a:rPr lang="es-MX" sz="2000" dirty="0"/>
-              <a:t>Estudia el caso donde la función objetivo es una función lineal de una matriz simétrica X, la cual es optimizada sujeto a un conjunto de restricciones lineales de los elementos de la matriz X. La restricción adicional es que la solución tiene que ser </a:t>
-            </a:r>
-            <a:r>
-              <a:rPr lang="es-MX" sz="2000" dirty="0" err="1"/>
-              <a:t>semidefinida</a:t>
-            </a:r>
-            <a:r>
-              <a:rPr lang="es-MX" sz="2000" dirty="0"/>
-              <a:t> positiva</a:t>
-            </a:r>
-          </a:p>
-          <a:p>
-            <a:pPr marL="285750" indent="-285750">
-              <a:buFont typeface="Arial" panose="020B0604020202020204" pitchFamily="34" charset="0"/>
-              <a:buChar char="•"/>
-            </a:pPr>
-            <a:r>
-              <a:rPr lang="es-MX" sz="2000" dirty="0"/>
-              <a:t>Programación no lineal (NLP</a:t>
-            </a:r>
-            <a:r>
-              <a:rPr lang="es-MX" sz="2000" dirty="0" smtClean="0"/>
-              <a:t>) (PNL)</a:t>
-            </a:r>
-            <a:endParaRPr lang="es-MX" sz="2000" dirty="0"/>
-          </a:p>
-          <a:p>
-            <a:pPr marL="800100" lvl="1" indent="-342900">
-              <a:buFont typeface="Perpetua" panose="02020502060401020303" pitchFamily="18" charset="0"/>
-              <a:buChar char="−"/>
-            </a:pPr>
-            <a:r>
-              <a:rPr lang="es-MX" sz="2000" dirty="0"/>
-              <a:t>Estudia el caso en que la función objetivo </a:t>
-            </a:r>
-            <a:r>
-              <a:rPr lang="es-MX" sz="2000" dirty="0" smtClean="0"/>
-              <a:t>o las</a:t>
-            </a:r>
-            <a:r>
-              <a:rPr lang="es-MX" sz="2000" dirty="0" smtClean="0"/>
-              <a:t> restricciones, o ambos, contienen términos no lineales y las variables son continuas.</a:t>
-            </a:r>
-            <a:endParaRPr lang="es-MX" sz="2000" dirty="0"/>
-          </a:p>
-          <a:p>
-            <a:pPr marL="285750" indent="-285750">
-              <a:buFont typeface="Arial" panose="020B0604020202020204" pitchFamily="34" charset="0"/>
-              <a:buChar char="•"/>
-            </a:pPr>
-            <a:endParaRPr lang="es-MX" sz="2000" dirty="0"/>
-          </a:p>
-          <a:p>
-            <a:pPr marL="285750" indent="-285750">
-              <a:buFont typeface="Arial" panose="020B0604020202020204" pitchFamily="34" charset="0"/>
-              <a:buChar char="•"/>
-            </a:pPr>
-            <a:endParaRPr lang="es-MX" sz="2000" dirty="0"/>
+              <a:t>La función objetivo puede ser: </a:t>
+            </a:r>
           </a:p>
         </p:txBody>
       </p:sp>
     </p:spTree>
     <p:extLst>
       <p:ext uri="{BB962C8B-B14F-4D97-AF65-F5344CB8AC3E}">
-        <p14:creationId xmlns:p14="http://schemas.microsoft.com/office/powerpoint/2010/main" val="162563666"/>
+        <p14:creationId xmlns:p14="http://schemas.microsoft.com/office/powerpoint/2010/main" val="2867154815"/>
       </p:ext>
     </p:extLst>
   </p:cSld>
@@ -7867,28 +8725,28 @@
                 <a:gridCol w="2169609">
                   <a:extLst>
                     <a:ext uri="{9D8B030D-6E8A-4147-A177-3AD203B41FA5}">
-                      <a16:colId xmlns:a16="http://schemas.microsoft.com/office/drawing/2014/main" xmlns="" val="1387785101"/>
+                      <a16:colId xmlns:a16="http://schemas.microsoft.com/office/drawing/2014/main" val="1387785101"/>
                     </a:ext>
                   </a:extLst>
                 </a:gridCol>
                 <a:gridCol w="1463040">
                   <a:extLst>
                     <a:ext uri="{9D8B030D-6E8A-4147-A177-3AD203B41FA5}">
-                      <a16:colId xmlns:a16="http://schemas.microsoft.com/office/drawing/2014/main" xmlns="" val="862367707"/>
+                      <a16:colId xmlns:a16="http://schemas.microsoft.com/office/drawing/2014/main" val="862367707"/>
                     </a:ext>
                   </a:extLst>
                 </a:gridCol>
                 <a:gridCol w="1463040">
                   <a:extLst>
                     <a:ext uri="{9D8B030D-6E8A-4147-A177-3AD203B41FA5}">
-                      <a16:colId xmlns:a16="http://schemas.microsoft.com/office/drawing/2014/main" xmlns="" val="3989843849"/>
+                      <a16:colId xmlns:a16="http://schemas.microsoft.com/office/drawing/2014/main" val="3989843849"/>
                     </a:ext>
                   </a:extLst>
                 </a:gridCol>
                 <a:gridCol w="1463040">
                   <a:extLst>
                     <a:ext uri="{9D8B030D-6E8A-4147-A177-3AD203B41FA5}">
-                      <a16:colId xmlns:a16="http://schemas.microsoft.com/office/drawing/2014/main" xmlns="" val="3980836442"/>
+                      <a16:colId xmlns:a16="http://schemas.microsoft.com/office/drawing/2014/main" val="3980836442"/>
                     </a:ext>
                   </a:extLst>
                 </a:gridCol>
@@ -7953,7 +8811,7 @@
                 </a:tc>
                 <a:extLst>
                   <a:ext uri="{0D108BD9-81ED-4DB2-BD59-A6C34878D82A}">
-                    <a16:rowId xmlns:a16="http://schemas.microsoft.com/office/drawing/2014/main" xmlns="" val="385669016"/>
+                    <a16:rowId xmlns:a16="http://schemas.microsoft.com/office/drawing/2014/main" val="385669016"/>
                   </a:ext>
                 </a:extLst>
               </a:tr>
@@ -8020,7 +8878,7 @@
                 </a:tc>
                 <a:extLst>
                   <a:ext uri="{0D108BD9-81ED-4DB2-BD59-A6C34878D82A}">
-                    <a16:rowId xmlns:a16="http://schemas.microsoft.com/office/drawing/2014/main" xmlns="" val="1803704957"/>
+                    <a16:rowId xmlns:a16="http://schemas.microsoft.com/office/drawing/2014/main" val="1803704957"/>
                   </a:ext>
                 </a:extLst>
               </a:tr>
@@ -8087,7 +8945,7 @@
                 </a:tc>
                 <a:extLst>
                   <a:ext uri="{0D108BD9-81ED-4DB2-BD59-A6C34878D82A}">
-                    <a16:rowId xmlns:a16="http://schemas.microsoft.com/office/drawing/2014/main" xmlns="" val="3361610549"/>
+                    <a16:rowId xmlns:a16="http://schemas.microsoft.com/office/drawing/2014/main" val="3361610549"/>
                   </a:ext>
                 </a:extLst>
               </a:tr>
@@ -8249,9 +9107,159 @@
           </a:p>
         </p:txBody>
       </p:sp>
+      <p:sp>
+        <p:nvSpPr>
+          <p:cNvPr id="6" name="TextBox 5">
+            <a:extLst>
+              <a:ext uri="{FF2B5EF4-FFF2-40B4-BE49-F238E27FC236}">
+                <a16:creationId xmlns:a16="http://schemas.microsoft.com/office/drawing/2014/main" id="{07C250E3-42CC-4F1B-9953-BC98F9EC4CF3}"/>
+              </a:ext>
+            </a:extLst>
+          </p:cNvPr>
+          <p:cNvSpPr txBox="1"/>
+          <p:nvPr/>
+        </p:nvSpPr>
+        <p:spPr>
+          <a:xfrm>
+            <a:off x="2915816" y="1192410"/>
+            <a:ext cx="857927" cy="369332"/>
+          </a:xfrm>
+          <a:prstGeom prst="rect">
+            <a:avLst/>
+          </a:prstGeom>
+          <a:noFill/>
+        </p:spPr>
+        <p:txBody>
+          <a:bodyPr wrap="none" rtlCol="0">
+            <a:spAutoFit/>
+          </a:bodyPr>
+          <a:lstStyle/>
+          <a:p>
+            <a:r>
+              <a:rPr lang="es-PE" dirty="0"/>
+              <a:t>Lineales</a:t>
+            </a:r>
+          </a:p>
+        </p:txBody>
+      </p:sp>
+      <p:sp>
+        <p:nvSpPr>
+          <p:cNvPr id="7" name="TextBox 6">
+            <a:extLst>
+              <a:ext uri="{FF2B5EF4-FFF2-40B4-BE49-F238E27FC236}">
+                <a16:creationId xmlns:a16="http://schemas.microsoft.com/office/drawing/2014/main" id="{4D2E9544-59C2-49CD-8553-D43AD621CEE4}"/>
+              </a:ext>
+            </a:extLst>
+          </p:cNvPr>
+          <p:cNvSpPr txBox="1"/>
+          <p:nvPr/>
+        </p:nvSpPr>
+        <p:spPr>
+          <a:xfrm>
+            <a:off x="3981737" y="1426736"/>
+            <a:ext cx="1388522" cy="369332"/>
+          </a:xfrm>
+          <a:prstGeom prst="rect">
+            <a:avLst/>
+          </a:prstGeom>
+          <a:noFill/>
+        </p:spPr>
+        <p:txBody>
+          <a:bodyPr wrap="none" rtlCol="0">
+            <a:spAutoFit/>
+          </a:bodyPr>
+          <a:lstStyle/>
+          <a:p>
+            <a:r>
+              <a:rPr lang="es-PE" dirty="0"/>
+              <a:t>Forma general</a:t>
+            </a:r>
+          </a:p>
+        </p:txBody>
+      </p:sp>
+      <p:sp>
+        <p:nvSpPr>
+          <p:cNvPr id="8" name="TextBox 7">
+            <a:extLst>
+              <a:ext uri="{FF2B5EF4-FFF2-40B4-BE49-F238E27FC236}">
+                <a16:creationId xmlns:a16="http://schemas.microsoft.com/office/drawing/2014/main" id="{A8B05684-2D1A-4D16-9461-349E1328453B}"/>
+              </a:ext>
+            </a:extLst>
+          </p:cNvPr>
+          <p:cNvSpPr txBox="1"/>
+          <p:nvPr/>
+        </p:nvSpPr>
+        <p:spPr>
+          <a:xfrm>
+            <a:off x="6660232" y="1235772"/>
+            <a:ext cx="1154483" cy="369332"/>
+          </a:xfrm>
+          <a:prstGeom prst="rect">
+            <a:avLst/>
+          </a:prstGeom>
+          <a:noFill/>
+        </p:spPr>
+        <p:txBody>
+          <a:bodyPr wrap="none" rtlCol="0">
+            <a:spAutoFit/>
+          </a:bodyPr>
+          <a:lstStyle/>
+          <a:p>
+            <a:r>
+              <a:rPr lang="es-PE" dirty="0"/>
+              <a:t>Cuadráticas</a:t>
+            </a:r>
+          </a:p>
+        </p:txBody>
+      </p:sp>
+      <p:sp>
+        <p:nvSpPr>
+          <p:cNvPr id="10" name="CuadroTexto 4">
+            <a:extLst>
+              <a:ext uri="{FF2B5EF4-FFF2-40B4-BE49-F238E27FC236}">
+                <a16:creationId xmlns:a16="http://schemas.microsoft.com/office/drawing/2014/main" id="{0EE2E59A-EFC5-4F7D-8B1B-CDE02E4D869C}"/>
+              </a:ext>
+            </a:extLst>
+          </p:cNvPr>
+          <p:cNvSpPr txBox="1"/>
+          <p:nvPr/>
+        </p:nvSpPr>
+        <p:spPr>
+          <a:xfrm>
+            <a:off x="602191" y="836712"/>
+            <a:ext cx="8002257" cy="400110"/>
+          </a:xfrm>
+          <a:prstGeom prst="rect">
+            <a:avLst/>
+          </a:prstGeom>
+          <a:noFill/>
+        </p:spPr>
+        <p:txBody>
+          <a:bodyPr wrap="square" rtlCol="0">
+            <a:spAutoFit/>
+          </a:bodyPr>
+          <a:lstStyle/>
+          <a:p>
+            <a:pPr marL="285750" indent="-285750">
+              <a:buFont typeface="Arial" panose="020B0604020202020204" pitchFamily="34" charset="0"/>
+              <a:buChar char="•"/>
+            </a:pPr>
+            <a:r>
+              <a:rPr lang="es-MX" sz="2000" dirty="0"/>
+              <a:t>Las restricciones pueden ser: </a:t>
+            </a:r>
+          </a:p>
+        </p:txBody>
+      </p:sp>
       <p:pic>
         <p:nvPicPr>
-          <p:cNvPr id="4" name="Imagen 3"/>
+          <p:cNvPr id="9" name="Picture 8">
+            <a:extLst>
+              <a:ext uri="{FF2B5EF4-FFF2-40B4-BE49-F238E27FC236}">
+                <a16:creationId xmlns:a16="http://schemas.microsoft.com/office/drawing/2014/main" id="{60302301-893E-4FD6-B8C5-8EA7A89AECD0}"/>
+              </a:ext>
+            </a:extLst>
+          </p:cNvPr>
           <p:cNvPicPr>
             <a:picLocks noChangeAspect="1"/>
           </p:cNvPicPr>
@@ -8265,18 +9273,53 @@
         </p:blipFill>
         <p:spPr>
           <a:xfrm>
-            <a:off x="862012" y="1233487"/>
-            <a:ext cx="7419975" cy="4391025"/>
+            <a:off x="476727" y="1783472"/>
+            <a:ext cx="8253184" cy="4005849"/>
           </a:xfrm>
           <a:prstGeom prst="rect">
             <a:avLst/>
           </a:prstGeom>
         </p:spPr>
       </p:pic>
+      <p:sp>
+        <p:nvSpPr>
+          <p:cNvPr id="11" name="TextBox 10">
+            <a:extLst>
+              <a:ext uri="{FF2B5EF4-FFF2-40B4-BE49-F238E27FC236}">
+                <a16:creationId xmlns:a16="http://schemas.microsoft.com/office/drawing/2014/main" id="{84877B43-4B67-4BCC-B591-1CA917FBF0F6}"/>
+              </a:ext>
+            </a:extLst>
+          </p:cNvPr>
+          <p:cNvSpPr txBox="1"/>
+          <p:nvPr/>
+        </p:nvSpPr>
+        <p:spPr>
+          <a:xfrm>
+            <a:off x="1431543" y="1426736"/>
+            <a:ext cx="880369" cy="369332"/>
+          </a:xfrm>
+          <a:prstGeom prst="rect">
+            <a:avLst/>
+          </a:prstGeom>
+          <a:noFill/>
+        </p:spPr>
+        <p:txBody>
+          <a:bodyPr wrap="none" rtlCol="0">
+            <a:spAutoFit/>
+          </a:bodyPr>
+          <a:lstStyle/>
+          <a:p>
+            <a:r>
+              <a:rPr lang="es-PE" dirty="0"/>
+              <a:t>Acotado</a:t>
+            </a:r>
+          </a:p>
+        </p:txBody>
+      </p:sp>
     </p:spTree>
     <p:extLst>
       <p:ext uri="{BB962C8B-B14F-4D97-AF65-F5344CB8AC3E}">
-        <p14:creationId xmlns:p14="http://schemas.microsoft.com/office/powerpoint/2010/main" val="1471694031"/>
+        <p14:creationId xmlns:p14="http://schemas.microsoft.com/office/powerpoint/2010/main" val="2465984394"/>
       </p:ext>
     </p:extLst>
   </p:cSld>
@@ -8377,10 +9420,1515 @@
           </a:lstStyle>
           <a:p>
             <a:r>
-              <a:rPr lang="es-PE" altLang="en-US" dirty="0" smtClean="0"/>
+              <a:rPr lang="es-PE" altLang="en-US" dirty="0"/>
+              <a:t>Tipos de problemas de optimización</a:t>
+            </a:r>
+          </a:p>
+        </p:txBody>
+      </p:sp>
+      <p:sp>
+        <p:nvSpPr>
+          <p:cNvPr id="6" name="TextBox 5">
+            <a:extLst>
+              <a:ext uri="{FF2B5EF4-FFF2-40B4-BE49-F238E27FC236}">
+                <a16:creationId xmlns:a16="http://schemas.microsoft.com/office/drawing/2014/main" id="{07C250E3-42CC-4F1B-9953-BC98F9EC4CF3}"/>
+              </a:ext>
+            </a:extLst>
+          </p:cNvPr>
+          <p:cNvSpPr txBox="1"/>
+          <p:nvPr/>
+        </p:nvSpPr>
+        <p:spPr>
+          <a:xfrm>
+            <a:off x="3303697" y="1192410"/>
+            <a:ext cx="2364750" cy="369332"/>
+          </a:xfrm>
+          <a:prstGeom prst="rect">
+            <a:avLst/>
+          </a:prstGeom>
+          <a:noFill/>
+        </p:spPr>
+        <p:txBody>
+          <a:bodyPr wrap="none" rtlCol="0">
+            <a:spAutoFit/>
+          </a:bodyPr>
+          <a:lstStyle/>
+          <a:p>
+            <a:r>
+              <a:rPr lang="es-PE" dirty="0"/>
+              <a:t>Cónicas de segundo orden</a:t>
+            </a:r>
+          </a:p>
+        </p:txBody>
+      </p:sp>
+      <p:sp>
+        <p:nvSpPr>
+          <p:cNvPr id="10" name="CuadroTexto 4">
+            <a:extLst>
+              <a:ext uri="{FF2B5EF4-FFF2-40B4-BE49-F238E27FC236}">
+                <a16:creationId xmlns:a16="http://schemas.microsoft.com/office/drawing/2014/main" id="{0EE2E59A-EFC5-4F7D-8B1B-CDE02E4D869C}"/>
+              </a:ext>
+            </a:extLst>
+          </p:cNvPr>
+          <p:cNvSpPr txBox="1"/>
+          <p:nvPr/>
+        </p:nvSpPr>
+        <p:spPr>
+          <a:xfrm>
+            <a:off x="602191" y="836712"/>
+            <a:ext cx="8002257" cy="400110"/>
+          </a:xfrm>
+          <a:prstGeom prst="rect">
+            <a:avLst/>
+          </a:prstGeom>
+          <a:noFill/>
+        </p:spPr>
+        <p:txBody>
+          <a:bodyPr wrap="square" rtlCol="0">
+            <a:spAutoFit/>
+          </a:bodyPr>
+          <a:lstStyle/>
+          <a:p>
+            <a:pPr marL="285750" indent="-285750">
+              <a:buFont typeface="Arial" panose="020B0604020202020204" pitchFamily="34" charset="0"/>
+              <a:buChar char="•"/>
+            </a:pPr>
+            <a:r>
+              <a:rPr lang="es-MX" sz="2000" dirty="0"/>
+              <a:t>Las restricciones pueden ser: </a:t>
+            </a:r>
+          </a:p>
+        </p:txBody>
+      </p:sp>
+      <p:pic>
+        <p:nvPicPr>
+          <p:cNvPr id="4" name="Picture 3">
+            <a:extLst>
+              <a:ext uri="{FF2B5EF4-FFF2-40B4-BE49-F238E27FC236}">
+                <a16:creationId xmlns:a16="http://schemas.microsoft.com/office/drawing/2014/main" id="{6E1342D5-6F5F-45B6-BA82-B307DEAE55CE}"/>
+              </a:ext>
+            </a:extLst>
+          </p:cNvPr>
+          <p:cNvPicPr>
+            <a:picLocks noChangeAspect="1"/>
+          </p:cNvPicPr>
+          <p:nvPr/>
+        </p:nvPicPr>
+        <p:blipFill>
+          <a:blip r:embed="rId2"/>
+          <a:stretch>
+            <a:fillRect/>
+          </a:stretch>
+        </p:blipFill>
+        <p:spPr>
+          <a:xfrm>
+            <a:off x="899592" y="1507286"/>
+            <a:ext cx="7344816" cy="4514002"/>
+          </a:xfrm>
+          <a:prstGeom prst="rect">
+            <a:avLst/>
+          </a:prstGeom>
+        </p:spPr>
+      </p:pic>
+    </p:spTree>
+    <p:extLst>
+      <p:ext uri="{BB962C8B-B14F-4D97-AF65-F5344CB8AC3E}">
+        <p14:creationId xmlns:p14="http://schemas.microsoft.com/office/powerpoint/2010/main" val="2056740315"/>
+      </p:ext>
+    </p:extLst>
+  </p:cSld>
+  <p:clrMapOvr>
+    <a:masterClrMapping/>
+  </p:clrMapOvr>
+  <p:transition spd="slow">
+    <p:fade/>
+  </p:transition>
+</p:sld>
+</file>
+
+<file path=ppt/slides/slide22.xml><?xml version="1.0" encoding="utf-8"?>
+<p:sld xmlns:a="http://schemas.openxmlformats.org/drawingml/2006/main" xmlns:r="http://schemas.openxmlformats.org/officeDocument/2006/relationships" xmlns:p="http://schemas.openxmlformats.org/presentationml/2006/main">
+  <p:cSld>
+    <p:spTree>
+      <p:nvGrpSpPr>
+        <p:cNvPr id="1" name=""/>
+        <p:cNvGrpSpPr/>
+        <p:nvPr/>
+      </p:nvGrpSpPr>
+      <p:grpSpPr>
+        <a:xfrm>
+          <a:off x="0" y="0"/>
+          <a:ext cx="0" cy="0"/>
+          <a:chOff x="0" y="0"/>
+          <a:chExt cx="0" cy="0"/>
+        </a:xfrm>
+      </p:grpSpPr>
+      <p:sp>
+        <p:nvSpPr>
+          <p:cNvPr id="2" name="Marcador de número de diapositiva 1"/>
+          <p:cNvSpPr>
+            <a:spLocks noGrp="1"/>
+          </p:cNvSpPr>
+          <p:nvPr>
+            <p:ph type="sldNum" sz="quarter" idx="12"/>
+          </p:nvPr>
+        </p:nvSpPr>
+        <p:spPr/>
+        <p:txBody>
+          <a:bodyPr/>
+          <a:lstStyle/>
+          <a:p>
+            <a:fld id="{64BD7E74-CBD2-4D88-9109-2EA8081AE675}" type="slidenum">
+              <a:rPr lang="es-ES" smtClean="0"/>
+              <a:pPr/>
+              <a:t>22</a:t>
+            </a:fld>
+            <a:endParaRPr lang="es-ES"/>
+          </a:p>
+        </p:txBody>
+      </p:sp>
+      <p:sp>
+        <p:nvSpPr>
+          <p:cNvPr id="3" name="4 Título"/>
+          <p:cNvSpPr txBox="1">
+            <a:spLocks/>
+          </p:cNvSpPr>
+          <p:nvPr/>
+        </p:nvSpPr>
+        <p:spPr>
+          <a:xfrm>
+            <a:off x="611560" y="188640"/>
+            <a:ext cx="8784976" cy="457120"/>
+          </a:xfrm>
+          <a:prstGeom prst="rect">
+            <a:avLst/>
+          </a:prstGeom>
+        </p:spPr>
+        <p:txBody>
+          <a:bodyPr bIns="91440" anchor="b" anchorCtr="0">
+            <a:noAutofit/>
+          </a:bodyPr>
+          <a:lstStyle>
+            <a:lvl1pPr>
+              <a:spcBef>
+                <a:spcPct val="0"/>
+              </a:spcBef>
+              <a:buNone/>
+              <a:defRPr kumimoji="0" sz="2400">
+                <a:ln w="0"/>
+                <a:solidFill>
+                  <a:schemeClr val="tx2"/>
+                </a:solidFill>
+                <a:effectLst>
+                  <a:outerShdw blurRad="38100" dist="19050" dir="2700000" algn="tl" rotWithShape="0">
+                    <a:schemeClr val="dk1">
+                      <a:alpha val="40000"/>
+                    </a:schemeClr>
+                  </a:outerShdw>
+                </a:effectLst>
+                <a:latin typeface="+mj-lt"/>
+                <a:ea typeface="+mj-ea"/>
+                <a:cs typeface="+mj-cs"/>
+              </a:defRPr>
+            </a:lvl1pPr>
+          </a:lstStyle>
+          <a:p>
+            <a:r>
+              <a:rPr lang="es-PE" altLang="en-US" dirty="0"/>
+              <a:t>Tipos de problemas de optimización</a:t>
+            </a:r>
+          </a:p>
+        </p:txBody>
+      </p:sp>
+      <p:sp>
+        <p:nvSpPr>
+          <p:cNvPr id="6" name="TextBox 5">
+            <a:extLst>
+              <a:ext uri="{FF2B5EF4-FFF2-40B4-BE49-F238E27FC236}">
+                <a16:creationId xmlns:a16="http://schemas.microsoft.com/office/drawing/2014/main" id="{07C250E3-42CC-4F1B-9953-BC98F9EC4CF3}"/>
+              </a:ext>
+            </a:extLst>
+          </p:cNvPr>
+          <p:cNvSpPr txBox="1"/>
+          <p:nvPr/>
+        </p:nvSpPr>
+        <p:spPr>
+          <a:xfrm>
+            <a:off x="3303697" y="1192410"/>
+            <a:ext cx="2083968" cy="369332"/>
+          </a:xfrm>
+          <a:prstGeom prst="rect">
+            <a:avLst/>
+          </a:prstGeom>
+          <a:noFill/>
+        </p:spPr>
+        <p:txBody>
+          <a:bodyPr wrap="none" rtlCol="0">
+            <a:spAutoFit/>
+          </a:bodyPr>
+          <a:lstStyle/>
+          <a:p>
+            <a:r>
+              <a:rPr lang="es-PE" dirty="0" err="1"/>
+              <a:t>Semidefinidas</a:t>
+            </a:r>
+            <a:r>
+              <a:rPr lang="es-PE" dirty="0"/>
+              <a:t> positivas</a:t>
+            </a:r>
+          </a:p>
+        </p:txBody>
+      </p:sp>
+      <p:sp>
+        <p:nvSpPr>
+          <p:cNvPr id="10" name="CuadroTexto 4">
+            <a:extLst>
+              <a:ext uri="{FF2B5EF4-FFF2-40B4-BE49-F238E27FC236}">
+                <a16:creationId xmlns:a16="http://schemas.microsoft.com/office/drawing/2014/main" id="{0EE2E59A-EFC5-4F7D-8B1B-CDE02E4D869C}"/>
+              </a:ext>
+            </a:extLst>
+          </p:cNvPr>
+          <p:cNvSpPr txBox="1"/>
+          <p:nvPr/>
+        </p:nvSpPr>
+        <p:spPr>
+          <a:xfrm>
+            <a:off x="602191" y="836712"/>
+            <a:ext cx="8002257" cy="400110"/>
+          </a:xfrm>
+          <a:prstGeom prst="rect">
+            <a:avLst/>
+          </a:prstGeom>
+          <a:noFill/>
+        </p:spPr>
+        <p:txBody>
+          <a:bodyPr wrap="square" rtlCol="0">
+            <a:spAutoFit/>
+          </a:bodyPr>
+          <a:lstStyle/>
+          <a:p>
+            <a:pPr marL="285750" indent="-285750">
+              <a:buFont typeface="Arial" panose="020B0604020202020204" pitchFamily="34" charset="0"/>
+              <a:buChar char="•"/>
+            </a:pPr>
+            <a:r>
+              <a:rPr lang="es-MX" sz="2000" dirty="0"/>
+              <a:t>Las restricciones pueden ser: </a:t>
+            </a:r>
+          </a:p>
+        </p:txBody>
+      </p:sp>
+      <p:pic>
+        <p:nvPicPr>
+          <p:cNvPr id="5" name="Picture 4">
+            <a:extLst>
+              <a:ext uri="{FF2B5EF4-FFF2-40B4-BE49-F238E27FC236}">
+                <a16:creationId xmlns:a16="http://schemas.microsoft.com/office/drawing/2014/main" id="{89DF8F4E-037E-4B3D-8F99-3F7972A3BFB0}"/>
+              </a:ext>
+            </a:extLst>
+          </p:cNvPr>
+          <p:cNvPicPr>
+            <a:picLocks noChangeAspect="1"/>
+          </p:cNvPicPr>
+          <p:nvPr/>
+        </p:nvPicPr>
+        <p:blipFill>
+          <a:blip r:embed="rId2"/>
+          <a:stretch>
+            <a:fillRect/>
+          </a:stretch>
+        </p:blipFill>
+        <p:spPr>
+          <a:xfrm>
+            <a:off x="331273" y="1592520"/>
+            <a:ext cx="8273175" cy="4284752"/>
+          </a:xfrm>
+          <a:prstGeom prst="rect">
+            <a:avLst/>
+          </a:prstGeom>
+        </p:spPr>
+      </p:pic>
+    </p:spTree>
+    <p:extLst>
+      <p:ext uri="{BB962C8B-B14F-4D97-AF65-F5344CB8AC3E}">
+        <p14:creationId xmlns:p14="http://schemas.microsoft.com/office/powerpoint/2010/main" val="3127477577"/>
+      </p:ext>
+    </p:extLst>
+  </p:cSld>
+  <p:clrMapOvr>
+    <a:masterClrMapping/>
+  </p:clrMapOvr>
+  <p:transition spd="slow">
+    <p:fade/>
+  </p:transition>
+</p:sld>
+</file>
+
+<file path=ppt/slides/slide23.xml><?xml version="1.0" encoding="utf-8"?>
+<p:sld xmlns:a="http://schemas.openxmlformats.org/drawingml/2006/main" xmlns:r="http://schemas.openxmlformats.org/officeDocument/2006/relationships" xmlns:p="http://schemas.openxmlformats.org/presentationml/2006/main">
+  <p:cSld>
+    <p:spTree>
+      <p:nvGrpSpPr>
+        <p:cNvPr id="1" name=""/>
+        <p:cNvGrpSpPr/>
+        <p:nvPr/>
+      </p:nvGrpSpPr>
+      <p:grpSpPr>
+        <a:xfrm>
+          <a:off x="0" y="0"/>
+          <a:ext cx="0" cy="0"/>
+          <a:chOff x="0" y="0"/>
+          <a:chExt cx="0" cy="0"/>
+        </a:xfrm>
+      </p:grpSpPr>
+      <p:sp>
+        <p:nvSpPr>
+          <p:cNvPr id="2" name="Marcador de número de diapositiva 1"/>
+          <p:cNvSpPr>
+            <a:spLocks noGrp="1"/>
+          </p:cNvSpPr>
+          <p:nvPr>
+            <p:ph type="sldNum" sz="quarter" idx="12"/>
+          </p:nvPr>
+        </p:nvSpPr>
+        <p:spPr/>
+        <p:txBody>
+          <a:bodyPr/>
+          <a:lstStyle/>
+          <a:p>
+            <a:fld id="{64BD7E74-CBD2-4D88-9109-2EA8081AE675}" type="slidenum">
+              <a:rPr lang="es-ES" smtClean="0"/>
+              <a:pPr/>
+              <a:t>23</a:t>
+            </a:fld>
+            <a:endParaRPr lang="es-ES"/>
+          </a:p>
+        </p:txBody>
+      </p:sp>
+      <p:sp>
+        <p:nvSpPr>
+          <p:cNvPr id="3" name="4 Título"/>
+          <p:cNvSpPr txBox="1">
+            <a:spLocks/>
+          </p:cNvSpPr>
+          <p:nvPr/>
+        </p:nvSpPr>
+        <p:spPr>
+          <a:xfrm>
+            <a:off x="611560" y="188640"/>
+            <a:ext cx="8784976" cy="457120"/>
+          </a:xfrm>
+          <a:prstGeom prst="rect">
+            <a:avLst/>
+          </a:prstGeom>
+        </p:spPr>
+        <p:txBody>
+          <a:bodyPr bIns="91440" anchor="b" anchorCtr="0">
+            <a:noAutofit/>
+          </a:bodyPr>
+          <a:lstStyle>
+            <a:lvl1pPr>
+              <a:spcBef>
+                <a:spcPct val="0"/>
+              </a:spcBef>
+              <a:buNone/>
+              <a:defRPr kumimoji="0" sz="2400">
+                <a:ln w="0"/>
+                <a:solidFill>
+                  <a:schemeClr val="tx2"/>
+                </a:solidFill>
+                <a:effectLst>
+                  <a:outerShdw blurRad="38100" dist="19050" dir="2700000" algn="tl" rotWithShape="0">
+                    <a:schemeClr val="dk1">
+                      <a:alpha val="40000"/>
+                    </a:schemeClr>
+                  </a:outerShdw>
+                </a:effectLst>
+                <a:latin typeface="+mj-lt"/>
+                <a:ea typeface="+mj-ea"/>
+                <a:cs typeface="+mj-cs"/>
+              </a:defRPr>
+            </a:lvl1pPr>
+          </a:lstStyle>
+          <a:p>
+            <a:r>
+              <a:rPr lang="es-PE" altLang="en-US" dirty="0"/>
+              <a:t>Tipos de problemas de optimización</a:t>
+            </a:r>
+          </a:p>
+        </p:txBody>
+      </p:sp>
+      <p:sp>
+        <p:nvSpPr>
+          <p:cNvPr id="6" name="TextBox 5">
+            <a:extLst>
+              <a:ext uri="{FF2B5EF4-FFF2-40B4-BE49-F238E27FC236}">
+                <a16:creationId xmlns:a16="http://schemas.microsoft.com/office/drawing/2014/main" id="{07C250E3-42CC-4F1B-9953-BC98F9EC4CF3}"/>
+              </a:ext>
+            </a:extLst>
+          </p:cNvPr>
+          <p:cNvSpPr txBox="1"/>
+          <p:nvPr/>
+        </p:nvSpPr>
+        <p:spPr>
+          <a:xfrm>
+            <a:off x="4048519" y="1192410"/>
+            <a:ext cx="1109599" cy="369332"/>
+          </a:xfrm>
+          <a:prstGeom prst="rect">
+            <a:avLst/>
+          </a:prstGeom>
+          <a:noFill/>
+        </p:spPr>
+        <p:txBody>
+          <a:bodyPr wrap="none" rtlCol="0">
+            <a:spAutoFit/>
+          </a:bodyPr>
+          <a:lstStyle/>
+          <a:p>
+            <a:r>
+              <a:rPr lang="es-PE" dirty="0"/>
+              <a:t>No lineales</a:t>
+            </a:r>
+          </a:p>
+        </p:txBody>
+      </p:sp>
+      <p:sp>
+        <p:nvSpPr>
+          <p:cNvPr id="10" name="CuadroTexto 4">
+            <a:extLst>
+              <a:ext uri="{FF2B5EF4-FFF2-40B4-BE49-F238E27FC236}">
+                <a16:creationId xmlns:a16="http://schemas.microsoft.com/office/drawing/2014/main" id="{0EE2E59A-EFC5-4F7D-8B1B-CDE02E4D869C}"/>
+              </a:ext>
+            </a:extLst>
+          </p:cNvPr>
+          <p:cNvSpPr txBox="1"/>
+          <p:nvPr/>
+        </p:nvSpPr>
+        <p:spPr>
+          <a:xfrm>
+            <a:off x="602191" y="836712"/>
+            <a:ext cx="8002257" cy="400110"/>
+          </a:xfrm>
+          <a:prstGeom prst="rect">
+            <a:avLst/>
+          </a:prstGeom>
+          <a:noFill/>
+        </p:spPr>
+        <p:txBody>
+          <a:bodyPr wrap="square" rtlCol="0">
+            <a:spAutoFit/>
+          </a:bodyPr>
+          <a:lstStyle/>
+          <a:p>
+            <a:pPr marL="285750" indent="-285750">
+              <a:buFont typeface="Arial" panose="020B0604020202020204" pitchFamily="34" charset="0"/>
+              <a:buChar char="•"/>
+            </a:pPr>
+            <a:r>
+              <a:rPr lang="es-MX" sz="2000" dirty="0"/>
+              <a:t>Las restricciones pueden ser: </a:t>
+            </a:r>
+          </a:p>
+        </p:txBody>
+      </p:sp>
+      <p:pic>
+        <p:nvPicPr>
+          <p:cNvPr id="5" name="Picture 4">
+            <a:extLst>
+              <a:ext uri="{FF2B5EF4-FFF2-40B4-BE49-F238E27FC236}">
+                <a16:creationId xmlns:a16="http://schemas.microsoft.com/office/drawing/2014/main" id="{0D7D2E5B-69DE-4DF8-A502-9CB19F616629}"/>
+              </a:ext>
+            </a:extLst>
+          </p:cNvPr>
+          <p:cNvPicPr>
+            <a:picLocks noChangeAspect="1"/>
+          </p:cNvPicPr>
+          <p:nvPr/>
+        </p:nvPicPr>
+        <p:blipFill>
+          <a:blip r:embed="rId2"/>
+          <a:stretch>
+            <a:fillRect/>
+          </a:stretch>
+        </p:blipFill>
+        <p:spPr>
+          <a:xfrm>
+            <a:off x="1000336" y="1670761"/>
+            <a:ext cx="7143328" cy="4285997"/>
+          </a:xfrm>
+          <a:prstGeom prst="rect">
+            <a:avLst/>
+          </a:prstGeom>
+        </p:spPr>
+      </p:pic>
+    </p:spTree>
+    <p:extLst>
+      <p:ext uri="{BB962C8B-B14F-4D97-AF65-F5344CB8AC3E}">
+        <p14:creationId xmlns:p14="http://schemas.microsoft.com/office/powerpoint/2010/main" val="1126776748"/>
+      </p:ext>
+    </p:extLst>
+  </p:cSld>
+  <p:clrMapOvr>
+    <a:masterClrMapping/>
+  </p:clrMapOvr>
+  <p:transition spd="slow">
+    <p:fade/>
+  </p:transition>
+</p:sld>
+</file>
+
+<file path=ppt/slides/slide24.xml><?xml version="1.0" encoding="utf-8"?>
+<p:sld xmlns:a="http://schemas.openxmlformats.org/drawingml/2006/main" xmlns:r="http://schemas.openxmlformats.org/officeDocument/2006/relationships" xmlns:p="http://schemas.openxmlformats.org/presentationml/2006/main">
+  <p:cSld>
+    <p:spTree>
+      <p:nvGrpSpPr>
+        <p:cNvPr id="1" name=""/>
+        <p:cNvGrpSpPr/>
+        <p:nvPr/>
+      </p:nvGrpSpPr>
+      <p:grpSpPr>
+        <a:xfrm>
+          <a:off x="0" y="0"/>
+          <a:ext cx="0" cy="0"/>
+          <a:chOff x="0" y="0"/>
+          <a:chExt cx="0" cy="0"/>
+        </a:xfrm>
+      </p:grpSpPr>
+      <p:sp>
+        <p:nvSpPr>
+          <p:cNvPr id="2" name="Marcador de número de diapositiva 1"/>
+          <p:cNvSpPr>
+            <a:spLocks noGrp="1"/>
+          </p:cNvSpPr>
+          <p:nvPr>
+            <p:ph type="sldNum" sz="quarter" idx="12"/>
+          </p:nvPr>
+        </p:nvSpPr>
+        <p:spPr/>
+        <p:txBody>
+          <a:bodyPr/>
+          <a:lstStyle/>
+          <a:p>
+            <a:fld id="{64BD7E74-CBD2-4D88-9109-2EA8081AE675}" type="slidenum">
+              <a:rPr lang="es-ES" smtClean="0"/>
+              <a:pPr/>
+              <a:t>24</a:t>
+            </a:fld>
+            <a:endParaRPr lang="es-ES"/>
+          </a:p>
+        </p:txBody>
+      </p:sp>
+      <p:sp>
+        <p:nvSpPr>
+          <p:cNvPr id="3" name="4 Título"/>
+          <p:cNvSpPr txBox="1">
+            <a:spLocks/>
+          </p:cNvSpPr>
+          <p:nvPr/>
+        </p:nvSpPr>
+        <p:spPr>
+          <a:xfrm>
+            <a:off x="611560" y="188640"/>
+            <a:ext cx="8784976" cy="457120"/>
+          </a:xfrm>
+          <a:prstGeom prst="rect">
+            <a:avLst/>
+          </a:prstGeom>
+        </p:spPr>
+        <p:txBody>
+          <a:bodyPr bIns="91440" anchor="b" anchorCtr="0">
+            <a:noAutofit/>
+          </a:bodyPr>
+          <a:lstStyle>
+            <a:lvl1pPr>
+              <a:spcBef>
+                <a:spcPct val="0"/>
+              </a:spcBef>
+              <a:buNone/>
+              <a:defRPr kumimoji="0" sz="2400">
+                <a:ln w="0"/>
+                <a:solidFill>
+                  <a:schemeClr val="tx2"/>
+                </a:solidFill>
+                <a:effectLst>
+                  <a:outerShdw blurRad="38100" dist="19050" dir="2700000" algn="tl" rotWithShape="0">
+                    <a:schemeClr val="dk1">
+                      <a:alpha val="40000"/>
+                    </a:schemeClr>
+                  </a:outerShdw>
+                </a:effectLst>
+                <a:latin typeface="+mj-lt"/>
+                <a:ea typeface="+mj-ea"/>
+                <a:cs typeface="+mj-cs"/>
+              </a:defRPr>
+            </a:lvl1pPr>
+          </a:lstStyle>
+          <a:p>
+            <a:r>
+              <a:rPr lang="es-PE" altLang="en-US" dirty="0"/>
+              <a:t>Tipos de problemas de optimización</a:t>
+            </a:r>
+          </a:p>
+        </p:txBody>
+      </p:sp>
+      <p:sp>
+        <p:nvSpPr>
+          <p:cNvPr id="6" name="TextBox 5">
+            <a:extLst>
+              <a:ext uri="{FF2B5EF4-FFF2-40B4-BE49-F238E27FC236}">
+                <a16:creationId xmlns:a16="http://schemas.microsoft.com/office/drawing/2014/main" id="{07C250E3-42CC-4F1B-9953-BC98F9EC4CF3}"/>
+              </a:ext>
+            </a:extLst>
+          </p:cNvPr>
+          <p:cNvSpPr txBox="1"/>
+          <p:nvPr/>
+        </p:nvSpPr>
+        <p:spPr>
+          <a:xfrm>
+            <a:off x="2195736" y="1192410"/>
+            <a:ext cx="1027845" cy="369332"/>
+          </a:xfrm>
+          <a:prstGeom prst="rect">
+            <a:avLst/>
+          </a:prstGeom>
+          <a:noFill/>
+        </p:spPr>
+        <p:txBody>
+          <a:bodyPr wrap="none" rtlCol="0">
+            <a:spAutoFit/>
+          </a:bodyPr>
+          <a:lstStyle/>
+          <a:p>
+            <a:r>
+              <a:rPr lang="es-PE" dirty="0"/>
+              <a:t>Continuas</a:t>
+            </a:r>
+          </a:p>
+        </p:txBody>
+      </p:sp>
+      <p:sp>
+        <p:nvSpPr>
+          <p:cNvPr id="10" name="CuadroTexto 4">
+            <a:extLst>
+              <a:ext uri="{FF2B5EF4-FFF2-40B4-BE49-F238E27FC236}">
+                <a16:creationId xmlns:a16="http://schemas.microsoft.com/office/drawing/2014/main" id="{0EE2E59A-EFC5-4F7D-8B1B-CDE02E4D869C}"/>
+              </a:ext>
+            </a:extLst>
+          </p:cNvPr>
+          <p:cNvSpPr txBox="1"/>
+          <p:nvPr/>
+        </p:nvSpPr>
+        <p:spPr>
+          <a:xfrm>
+            <a:off x="602191" y="836712"/>
+            <a:ext cx="8002257" cy="400110"/>
+          </a:xfrm>
+          <a:prstGeom prst="rect">
+            <a:avLst/>
+          </a:prstGeom>
+          <a:noFill/>
+        </p:spPr>
+        <p:txBody>
+          <a:bodyPr wrap="square" rtlCol="0">
+            <a:spAutoFit/>
+          </a:bodyPr>
+          <a:lstStyle/>
+          <a:p>
+            <a:pPr marL="285750" indent="-285750">
+              <a:buFont typeface="Arial" panose="020B0604020202020204" pitchFamily="34" charset="0"/>
+              <a:buChar char="•"/>
+            </a:pPr>
+            <a:r>
+              <a:rPr lang="es-MX" sz="2000" dirty="0"/>
+              <a:t>Las variables pueden ser: </a:t>
+            </a:r>
+          </a:p>
+        </p:txBody>
+      </p:sp>
+      <p:pic>
+        <p:nvPicPr>
+          <p:cNvPr id="5" name="Picture 4">
+            <a:extLst>
+              <a:ext uri="{FF2B5EF4-FFF2-40B4-BE49-F238E27FC236}">
+                <a16:creationId xmlns:a16="http://schemas.microsoft.com/office/drawing/2014/main" id="{9CB33994-9355-4B6E-B67B-BBC36E3A39F2}"/>
+              </a:ext>
+            </a:extLst>
+          </p:cNvPr>
+          <p:cNvPicPr>
+            <a:picLocks noChangeAspect="1"/>
+          </p:cNvPicPr>
+          <p:nvPr/>
+        </p:nvPicPr>
+        <p:blipFill>
+          <a:blip r:embed="rId2"/>
+          <a:stretch>
+            <a:fillRect/>
+          </a:stretch>
+        </p:blipFill>
+        <p:spPr>
+          <a:xfrm>
+            <a:off x="1259632" y="1844824"/>
+            <a:ext cx="6374284" cy="4058594"/>
+          </a:xfrm>
+          <a:prstGeom prst="rect">
+            <a:avLst/>
+          </a:prstGeom>
+        </p:spPr>
+      </p:pic>
+      <p:sp>
+        <p:nvSpPr>
+          <p:cNvPr id="8" name="TextBox 7">
+            <a:extLst>
+              <a:ext uri="{FF2B5EF4-FFF2-40B4-BE49-F238E27FC236}">
+                <a16:creationId xmlns:a16="http://schemas.microsoft.com/office/drawing/2014/main" id="{E5E78E8D-9A97-4BFA-840C-2C21D9AD90FD}"/>
+              </a:ext>
+            </a:extLst>
+          </p:cNvPr>
+          <p:cNvSpPr txBox="1"/>
+          <p:nvPr/>
+        </p:nvSpPr>
+        <p:spPr>
+          <a:xfrm>
+            <a:off x="5580112" y="1192410"/>
+            <a:ext cx="947054" cy="369332"/>
+          </a:xfrm>
+          <a:prstGeom prst="rect">
+            <a:avLst/>
+          </a:prstGeom>
+          <a:noFill/>
+        </p:spPr>
+        <p:txBody>
+          <a:bodyPr wrap="none" rtlCol="0">
+            <a:spAutoFit/>
+          </a:bodyPr>
+          <a:lstStyle/>
+          <a:p>
+            <a:r>
+              <a:rPr lang="es-PE" dirty="0"/>
+              <a:t>Discretas</a:t>
+            </a:r>
+          </a:p>
+        </p:txBody>
+      </p:sp>
+      <p:sp>
+        <p:nvSpPr>
+          <p:cNvPr id="9" name="TextBox 8">
+            <a:extLst>
+              <a:ext uri="{FF2B5EF4-FFF2-40B4-BE49-F238E27FC236}">
+                <a16:creationId xmlns:a16="http://schemas.microsoft.com/office/drawing/2014/main" id="{7C62D17B-39C2-4880-9835-263446DA2D3C}"/>
+              </a:ext>
+            </a:extLst>
+          </p:cNvPr>
+          <p:cNvSpPr txBox="1"/>
+          <p:nvPr/>
+        </p:nvSpPr>
+        <p:spPr>
+          <a:xfrm>
+            <a:off x="5173611" y="1426736"/>
+            <a:ext cx="1774653" cy="369332"/>
+          </a:xfrm>
+          <a:prstGeom prst="rect">
+            <a:avLst/>
+          </a:prstGeom>
+          <a:noFill/>
+        </p:spPr>
+        <p:txBody>
+          <a:bodyPr wrap="none" rtlCol="0">
+            <a:spAutoFit/>
+          </a:bodyPr>
+          <a:lstStyle/>
+          <a:p>
+            <a:r>
+              <a:rPr lang="es-PE" dirty="0"/>
+              <a:t>(binarias o enteras)</a:t>
+            </a:r>
+          </a:p>
+        </p:txBody>
+      </p:sp>
+    </p:spTree>
+    <p:extLst>
+      <p:ext uri="{BB962C8B-B14F-4D97-AF65-F5344CB8AC3E}">
+        <p14:creationId xmlns:p14="http://schemas.microsoft.com/office/powerpoint/2010/main" val="1298106768"/>
+      </p:ext>
+    </p:extLst>
+  </p:cSld>
+  <p:clrMapOvr>
+    <a:masterClrMapping/>
+  </p:clrMapOvr>
+  <p:transition spd="slow">
+    <p:fade/>
+  </p:transition>
+</p:sld>
+</file>
+
+<file path=ppt/slides/slide25.xml><?xml version="1.0" encoding="utf-8"?>
+<p:sld xmlns:a="http://schemas.openxmlformats.org/drawingml/2006/main" xmlns:r="http://schemas.openxmlformats.org/officeDocument/2006/relationships" xmlns:p="http://schemas.openxmlformats.org/presentationml/2006/main">
+  <p:cSld>
+    <p:spTree>
+      <p:nvGrpSpPr>
+        <p:cNvPr id="1" name=""/>
+        <p:cNvGrpSpPr/>
+        <p:nvPr/>
+      </p:nvGrpSpPr>
+      <p:grpSpPr>
+        <a:xfrm>
+          <a:off x="0" y="0"/>
+          <a:ext cx="0" cy="0"/>
+          <a:chOff x="0" y="0"/>
+          <a:chExt cx="0" cy="0"/>
+        </a:xfrm>
+      </p:grpSpPr>
+      <p:sp>
+        <p:nvSpPr>
+          <p:cNvPr id="2" name="Marcador de número de diapositiva 1"/>
+          <p:cNvSpPr>
+            <a:spLocks noGrp="1"/>
+          </p:cNvSpPr>
+          <p:nvPr>
+            <p:ph type="sldNum" sz="quarter" idx="12"/>
+          </p:nvPr>
+        </p:nvSpPr>
+        <p:spPr/>
+        <p:txBody>
+          <a:bodyPr/>
+          <a:lstStyle/>
+          <a:p>
+            <a:fld id="{64BD7E74-CBD2-4D88-9109-2EA8081AE675}" type="slidenum">
+              <a:rPr lang="es-ES" smtClean="0"/>
+              <a:pPr/>
+              <a:t>25</a:t>
+            </a:fld>
+            <a:endParaRPr lang="es-ES"/>
+          </a:p>
+        </p:txBody>
+      </p:sp>
+      <p:sp>
+        <p:nvSpPr>
+          <p:cNvPr id="3" name="4 Título"/>
+          <p:cNvSpPr txBox="1">
+            <a:spLocks/>
+          </p:cNvSpPr>
+          <p:nvPr/>
+        </p:nvSpPr>
+        <p:spPr>
+          <a:xfrm>
+            <a:off x="611560" y="188640"/>
+            <a:ext cx="8784976" cy="457120"/>
+          </a:xfrm>
+          <a:prstGeom prst="rect">
+            <a:avLst/>
+          </a:prstGeom>
+        </p:spPr>
+        <p:txBody>
+          <a:bodyPr bIns="91440" anchor="b" anchorCtr="0">
+            <a:noAutofit/>
+          </a:bodyPr>
+          <a:lstStyle>
+            <a:lvl1pPr>
+              <a:spcBef>
+                <a:spcPct val="0"/>
+              </a:spcBef>
+              <a:buNone/>
+              <a:defRPr kumimoji="0" sz="2400">
+                <a:ln w="0"/>
+                <a:solidFill>
+                  <a:schemeClr val="tx2"/>
+                </a:solidFill>
+                <a:effectLst>
+                  <a:outerShdw blurRad="38100" dist="19050" dir="2700000" algn="tl" rotWithShape="0">
+                    <a:schemeClr val="dk1">
+                      <a:alpha val="40000"/>
+                    </a:schemeClr>
+                  </a:outerShdw>
+                </a:effectLst>
+                <a:latin typeface="+mj-lt"/>
+                <a:ea typeface="+mj-ea"/>
+                <a:cs typeface="+mj-cs"/>
+              </a:defRPr>
+            </a:lvl1pPr>
+          </a:lstStyle>
+          <a:p>
+            <a:r>
+              <a:rPr lang="es-PE" altLang="en-US" dirty="0"/>
+              <a:t>Tipos de problemas de optimización</a:t>
+            </a:r>
+          </a:p>
+        </p:txBody>
+      </p:sp>
+      <p:sp>
+        <p:nvSpPr>
+          <p:cNvPr id="10" name="CuadroTexto 4">
+            <a:extLst>
+              <a:ext uri="{FF2B5EF4-FFF2-40B4-BE49-F238E27FC236}">
+                <a16:creationId xmlns:a16="http://schemas.microsoft.com/office/drawing/2014/main" id="{0EE2E59A-EFC5-4F7D-8B1B-CDE02E4D869C}"/>
+              </a:ext>
+            </a:extLst>
+          </p:cNvPr>
+          <p:cNvSpPr txBox="1"/>
+          <p:nvPr/>
+        </p:nvSpPr>
+        <p:spPr>
+          <a:xfrm>
+            <a:off x="602191" y="836712"/>
+            <a:ext cx="8002257" cy="5016758"/>
+          </a:xfrm>
+          <a:prstGeom prst="rect">
+            <a:avLst/>
+          </a:prstGeom>
+          <a:noFill/>
+        </p:spPr>
+        <p:txBody>
+          <a:bodyPr wrap="square" rtlCol="0">
+            <a:spAutoFit/>
+          </a:bodyPr>
+          <a:lstStyle/>
+          <a:p>
+            <a:pPr marL="285750" indent="-285750">
+              <a:buFont typeface="Arial" panose="020B0604020202020204" pitchFamily="34" charset="0"/>
+              <a:buChar char="•"/>
+            </a:pPr>
+            <a:r>
+              <a:rPr lang="es-MX" sz="2000" dirty="0"/>
+              <a:t>Programación lineal (LP) (PL)</a:t>
+            </a:r>
+          </a:p>
+          <a:p>
+            <a:pPr marL="800100" lvl="1" indent="-342900">
+              <a:buFont typeface="Perpetua" panose="02020502060401020303" pitchFamily="18" charset="0"/>
+              <a:buChar char="−"/>
+            </a:pPr>
+            <a:r>
+              <a:rPr lang="es-MX" sz="2000" dirty="0"/>
+              <a:t>Estudia el caso donde la función objetivo es lineal, las variables son continuas y el conjunto de restricciones son lineales</a:t>
+            </a:r>
+          </a:p>
+          <a:p>
+            <a:pPr marL="285750" indent="-285750">
+              <a:buFont typeface="Arial" panose="020B0604020202020204" pitchFamily="34" charset="0"/>
+              <a:buChar char="•"/>
+            </a:pPr>
+            <a:r>
+              <a:rPr lang="es-MX" sz="2000" dirty="0"/>
+              <a:t>Programación cuadrática (QP) (PQ)</a:t>
+            </a:r>
+          </a:p>
+          <a:p>
+            <a:pPr marL="800100" lvl="1" indent="-342900">
+              <a:buFont typeface="Perpetua" panose="02020502060401020303" pitchFamily="18" charset="0"/>
+              <a:buChar char="−"/>
+            </a:pPr>
+            <a:r>
+              <a:rPr lang="es-MX" sz="2000" dirty="0"/>
+              <a:t>Estudia el caso en que la función objetivo tiene términos cuadráticos, las variables son continuas y el conjunto de restricciones son lineales.</a:t>
+            </a:r>
+          </a:p>
+          <a:p>
+            <a:pPr marL="285750" indent="-285750">
+              <a:buFont typeface="Arial" panose="020B0604020202020204" pitchFamily="34" charset="0"/>
+              <a:buChar char="•"/>
+            </a:pPr>
+            <a:r>
+              <a:rPr lang="es-MX" sz="2000" dirty="0"/>
+              <a:t>Programación cuadrática con restricciones cuadráticas (QCQP) (PQRQ)</a:t>
+            </a:r>
+          </a:p>
+          <a:p>
+            <a:pPr marL="800100" lvl="1" indent="-342900">
+              <a:buFont typeface="Perpetua" panose="02020502060401020303" pitchFamily="18" charset="0"/>
+              <a:buChar char="−"/>
+            </a:pPr>
+            <a:r>
+              <a:rPr lang="es-MX" sz="2000" dirty="0"/>
+              <a:t>Estudia el caso en que la función objetivo tiene términos cuadráticos, las variables son continuas y el conjunto de restricciones son lineales y cuadráticas.</a:t>
+            </a:r>
+          </a:p>
+          <a:p>
+            <a:pPr marL="285750" indent="-285750">
+              <a:buFont typeface="Arial" panose="020B0604020202020204" pitchFamily="34" charset="0"/>
+              <a:buChar char="•"/>
+            </a:pPr>
+            <a:r>
+              <a:rPr lang="es-MX" sz="2000" dirty="0"/>
+              <a:t>Programación cónica de segundo orden (SOCP)  (PCSO)</a:t>
+            </a:r>
+          </a:p>
+          <a:p>
+            <a:pPr marL="800100" lvl="1" indent="-342900">
+              <a:buFont typeface="Perpetua" panose="02020502060401020303" pitchFamily="18" charset="0"/>
+              <a:buChar char="−"/>
+            </a:pPr>
+            <a:r>
+              <a:rPr lang="es-MX" sz="2000" dirty="0"/>
+              <a:t>Estudia el caso en que la función objetivo tiene términos lineales, las variables son continuas y el conjunto de restricciones son lineales y cónicas de segundo orden.</a:t>
+            </a:r>
+          </a:p>
+          <a:p>
+            <a:pPr marL="285750" indent="-285750">
+              <a:buFont typeface="Arial" panose="020B0604020202020204" pitchFamily="34" charset="0"/>
+              <a:buChar char="•"/>
+            </a:pPr>
+            <a:endParaRPr lang="es-MX" sz="2000" dirty="0"/>
+          </a:p>
+          <a:p>
+            <a:pPr marL="285750" indent="-285750">
+              <a:buFont typeface="Arial" panose="020B0604020202020204" pitchFamily="34" charset="0"/>
+              <a:buChar char="•"/>
+            </a:pPr>
+            <a:endParaRPr lang="es-MX" sz="2000" dirty="0"/>
+          </a:p>
+        </p:txBody>
+      </p:sp>
+    </p:spTree>
+    <p:extLst>
+      <p:ext uri="{BB962C8B-B14F-4D97-AF65-F5344CB8AC3E}">
+        <p14:creationId xmlns:p14="http://schemas.microsoft.com/office/powerpoint/2010/main" val="1540215111"/>
+      </p:ext>
+    </p:extLst>
+  </p:cSld>
+  <p:clrMapOvr>
+    <a:masterClrMapping/>
+  </p:clrMapOvr>
+  <p:transition spd="slow">
+    <p:fade/>
+  </p:transition>
+</p:sld>
+</file>
+
+<file path=ppt/slides/slide26.xml><?xml version="1.0" encoding="utf-8"?>
+<p:sld xmlns:a="http://schemas.openxmlformats.org/drawingml/2006/main" xmlns:r="http://schemas.openxmlformats.org/officeDocument/2006/relationships" xmlns:p="http://schemas.openxmlformats.org/presentationml/2006/main">
+  <p:cSld>
+    <p:spTree>
+      <p:nvGrpSpPr>
+        <p:cNvPr id="1" name=""/>
+        <p:cNvGrpSpPr/>
+        <p:nvPr/>
+      </p:nvGrpSpPr>
+      <p:grpSpPr>
+        <a:xfrm>
+          <a:off x="0" y="0"/>
+          <a:ext cx="0" cy="0"/>
+          <a:chOff x="0" y="0"/>
+          <a:chExt cx="0" cy="0"/>
+        </a:xfrm>
+      </p:grpSpPr>
+      <p:sp>
+        <p:nvSpPr>
+          <p:cNvPr id="2" name="Marcador de número de diapositiva 1"/>
+          <p:cNvSpPr>
+            <a:spLocks noGrp="1"/>
+          </p:cNvSpPr>
+          <p:nvPr>
+            <p:ph type="sldNum" sz="quarter" idx="12"/>
+          </p:nvPr>
+        </p:nvSpPr>
+        <p:spPr/>
+        <p:txBody>
+          <a:bodyPr/>
+          <a:lstStyle/>
+          <a:p>
+            <a:fld id="{64BD7E74-CBD2-4D88-9109-2EA8081AE675}" type="slidenum">
+              <a:rPr lang="es-ES" smtClean="0"/>
+              <a:pPr/>
+              <a:t>26</a:t>
+            </a:fld>
+            <a:endParaRPr lang="es-ES"/>
+          </a:p>
+        </p:txBody>
+      </p:sp>
+      <p:sp>
+        <p:nvSpPr>
+          <p:cNvPr id="3" name="4 Título"/>
+          <p:cNvSpPr txBox="1">
+            <a:spLocks/>
+          </p:cNvSpPr>
+          <p:nvPr/>
+        </p:nvSpPr>
+        <p:spPr>
+          <a:xfrm>
+            <a:off x="611560" y="188640"/>
+            <a:ext cx="8784976" cy="457120"/>
+          </a:xfrm>
+          <a:prstGeom prst="rect">
+            <a:avLst/>
+          </a:prstGeom>
+        </p:spPr>
+        <p:txBody>
+          <a:bodyPr bIns="91440" anchor="b" anchorCtr="0">
+            <a:noAutofit/>
+          </a:bodyPr>
+          <a:lstStyle>
+            <a:lvl1pPr>
+              <a:spcBef>
+                <a:spcPct val="0"/>
+              </a:spcBef>
+              <a:buNone/>
+              <a:defRPr kumimoji="0" sz="2400">
+                <a:ln w="0"/>
+                <a:solidFill>
+                  <a:schemeClr val="tx2"/>
+                </a:solidFill>
+                <a:effectLst>
+                  <a:outerShdw blurRad="38100" dist="19050" dir="2700000" algn="tl" rotWithShape="0">
+                    <a:schemeClr val="dk1">
+                      <a:alpha val="40000"/>
+                    </a:schemeClr>
+                  </a:outerShdw>
+                </a:effectLst>
+                <a:latin typeface="+mj-lt"/>
+                <a:ea typeface="+mj-ea"/>
+                <a:cs typeface="+mj-cs"/>
+              </a:defRPr>
+            </a:lvl1pPr>
+          </a:lstStyle>
+          <a:p>
+            <a:r>
+              <a:rPr lang="es-PE" altLang="en-US" dirty="0"/>
+              <a:t>Tipos de problemas de optimización</a:t>
+            </a:r>
+          </a:p>
+        </p:txBody>
+      </p:sp>
+      <p:sp>
+        <p:nvSpPr>
+          <p:cNvPr id="10" name="CuadroTexto 4">
+            <a:extLst>
+              <a:ext uri="{FF2B5EF4-FFF2-40B4-BE49-F238E27FC236}">
+                <a16:creationId xmlns:a16="http://schemas.microsoft.com/office/drawing/2014/main" id="{0EE2E59A-EFC5-4F7D-8B1B-CDE02E4D869C}"/>
+              </a:ext>
+            </a:extLst>
+          </p:cNvPr>
+          <p:cNvSpPr txBox="1"/>
+          <p:nvPr/>
+        </p:nvSpPr>
+        <p:spPr>
+          <a:xfrm>
+            <a:off x="602191" y="836712"/>
+            <a:ext cx="8002257" cy="3170099"/>
+          </a:xfrm>
+          <a:prstGeom prst="rect">
+            <a:avLst/>
+          </a:prstGeom>
+          <a:noFill/>
+        </p:spPr>
+        <p:txBody>
+          <a:bodyPr wrap="square" rtlCol="0">
+            <a:spAutoFit/>
+          </a:bodyPr>
+          <a:lstStyle/>
+          <a:p>
+            <a:pPr marL="285750" indent="-285750">
+              <a:buFont typeface="Arial" panose="020B0604020202020204" pitchFamily="34" charset="0"/>
+              <a:buChar char="•"/>
+            </a:pPr>
+            <a:r>
+              <a:rPr lang="es-MX" sz="2000" dirty="0"/>
+              <a:t>Programación </a:t>
+            </a:r>
+            <a:r>
+              <a:rPr lang="es-MX" sz="2000" dirty="0" err="1"/>
+              <a:t>semidefinida</a:t>
+            </a:r>
+            <a:r>
+              <a:rPr lang="es-MX" sz="2000" dirty="0"/>
+              <a:t> (SDP) (PSD)</a:t>
+            </a:r>
+          </a:p>
+          <a:p>
+            <a:pPr marL="800100" lvl="1" indent="-342900">
+              <a:buFont typeface="Perpetua" panose="02020502060401020303" pitchFamily="18" charset="0"/>
+              <a:buChar char="−"/>
+            </a:pPr>
+            <a:r>
+              <a:rPr lang="es-MX" sz="2000" dirty="0"/>
+              <a:t>Estudia el caso donde la función objetivo es una función lineal de una matriz simétrica X, la cual es optimizada sujeto a un conjunto de restricciones lineales de los elementos de la matriz X. La restricción adicional es que la solución tiene que ser </a:t>
+            </a:r>
+            <a:r>
+              <a:rPr lang="es-MX" sz="2000" dirty="0" err="1"/>
+              <a:t>semidefinida</a:t>
+            </a:r>
+            <a:r>
+              <a:rPr lang="es-MX" sz="2000" dirty="0"/>
+              <a:t> positiva</a:t>
+            </a:r>
+          </a:p>
+          <a:p>
+            <a:pPr marL="285750" indent="-285750">
+              <a:buFont typeface="Arial" panose="020B0604020202020204" pitchFamily="34" charset="0"/>
+              <a:buChar char="•"/>
+            </a:pPr>
+            <a:r>
+              <a:rPr lang="es-MX" sz="2000" dirty="0"/>
+              <a:t>Programación no lineal (NLP) (PNL)</a:t>
+            </a:r>
+          </a:p>
+          <a:p>
+            <a:pPr marL="800100" lvl="1" indent="-342900">
+              <a:buFont typeface="Perpetua" panose="02020502060401020303" pitchFamily="18" charset="0"/>
+              <a:buChar char="−"/>
+            </a:pPr>
+            <a:r>
+              <a:rPr lang="es-MX" sz="2000" dirty="0"/>
+              <a:t>Estudia el caso en que la función objetivo o las restricciones, o ambos, contienen términos no lineales y las variables son continuas.</a:t>
+            </a:r>
+          </a:p>
+          <a:p>
+            <a:pPr marL="285750" indent="-285750">
+              <a:buFont typeface="Arial" panose="020B0604020202020204" pitchFamily="34" charset="0"/>
+              <a:buChar char="•"/>
+            </a:pPr>
+            <a:endParaRPr lang="es-MX" sz="2000" dirty="0"/>
+          </a:p>
+          <a:p>
+            <a:pPr marL="285750" indent="-285750">
+              <a:buFont typeface="Arial" panose="020B0604020202020204" pitchFamily="34" charset="0"/>
+              <a:buChar char="•"/>
+            </a:pPr>
+            <a:endParaRPr lang="es-MX" sz="2000" dirty="0"/>
+          </a:p>
+        </p:txBody>
+      </p:sp>
+    </p:spTree>
+    <p:extLst>
+      <p:ext uri="{BB962C8B-B14F-4D97-AF65-F5344CB8AC3E}">
+        <p14:creationId xmlns:p14="http://schemas.microsoft.com/office/powerpoint/2010/main" val="162563666"/>
+      </p:ext>
+    </p:extLst>
+  </p:cSld>
+  <p:clrMapOvr>
+    <a:masterClrMapping/>
+  </p:clrMapOvr>
+  <p:transition spd="slow">
+    <p:fade/>
+  </p:transition>
+</p:sld>
+</file>
+
+<file path=ppt/slides/slide27.xml><?xml version="1.0" encoding="utf-8"?>
+<p:sld xmlns:a="http://schemas.openxmlformats.org/drawingml/2006/main" xmlns:r="http://schemas.openxmlformats.org/officeDocument/2006/relationships" xmlns:p="http://schemas.openxmlformats.org/presentationml/2006/main">
+  <p:cSld>
+    <p:spTree>
+      <p:nvGrpSpPr>
+        <p:cNvPr id="1" name=""/>
+        <p:cNvGrpSpPr/>
+        <p:nvPr/>
+      </p:nvGrpSpPr>
+      <p:grpSpPr>
+        <a:xfrm>
+          <a:off x="0" y="0"/>
+          <a:ext cx="0" cy="0"/>
+          <a:chOff x="0" y="0"/>
+          <a:chExt cx="0" cy="0"/>
+        </a:xfrm>
+      </p:grpSpPr>
+      <p:sp>
+        <p:nvSpPr>
+          <p:cNvPr id="2" name="Marcador de número de diapositiva 1"/>
+          <p:cNvSpPr>
+            <a:spLocks noGrp="1"/>
+          </p:cNvSpPr>
+          <p:nvPr>
+            <p:ph type="sldNum" sz="quarter" idx="12"/>
+          </p:nvPr>
+        </p:nvSpPr>
+        <p:spPr/>
+        <p:txBody>
+          <a:bodyPr/>
+          <a:lstStyle/>
+          <a:p>
+            <a:fld id="{64BD7E74-CBD2-4D88-9109-2EA8081AE675}" type="slidenum">
+              <a:rPr lang="es-ES" smtClean="0"/>
+              <a:pPr/>
+              <a:t>27</a:t>
+            </a:fld>
+            <a:endParaRPr lang="es-ES"/>
+          </a:p>
+        </p:txBody>
+      </p:sp>
+      <p:sp>
+        <p:nvSpPr>
+          <p:cNvPr id="3" name="4 Título"/>
+          <p:cNvSpPr txBox="1">
+            <a:spLocks/>
+          </p:cNvSpPr>
+          <p:nvPr/>
+        </p:nvSpPr>
+        <p:spPr>
+          <a:xfrm>
+            <a:off x="611560" y="188640"/>
+            <a:ext cx="8784976" cy="457120"/>
+          </a:xfrm>
+          <a:prstGeom prst="rect">
+            <a:avLst/>
+          </a:prstGeom>
+        </p:spPr>
+        <p:txBody>
+          <a:bodyPr bIns="91440" anchor="b" anchorCtr="0">
+            <a:noAutofit/>
+          </a:bodyPr>
+          <a:lstStyle>
+            <a:lvl1pPr>
+              <a:spcBef>
+                <a:spcPct val="0"/>
+              </a:spcBef>
+              <a:buNone/>
+              <a:defRPr kumimoji="0" sz="2400">
+                <a:ln w="0"/>
+                <a:solidFill>
+                  <a:schemeClr val="tx2"/>
+                </a:solidFill>
+                <a:effectLst>
+                  <a:outerShdw blurRad="38100" dist="19050" dir="2700000" algn="tl" rotWithShape="0">
+                    <a:schemeClr val="dk1">
+                      <a:alpha val="40000"/>
+                    </a:schemeClr>
+                  </a:outerShdw>
+                </a:effectLst>
+                <a:latin typeface="+mj-lt"/>
+                <a:ea typeface="+mj-ea"/>
+                <a:cs typeface="+mj-cs"/>
+              </a:defRPr>
+            </a:lvl1pPr>
+          </a:lstStyle>
+          <a:p>
+            <a:r>
+              <a:rPr lang="es-PE" altLang="en-US" dirty="0"/>
+              <a:t>Tipos de problemas de optimización</a:t>
+            </a:r>
+          </a:p>
+        </p:txBody>
+      </p:sp>
+      <p:pic>
+        <p:nvPicPr>
+          <p:cNvPr id="4" name="Imagen 3"/>
+          <p:cNvPicPr>
+            <a:picLocks noChangeAspect="1"/>
+          </p:cNvPicPr>
+          <p:nvPr/>
+        </p:nvPicPr>
+        <p:blipFill>
+          <a:blip r:embed="rId2"/>
+          <a:stretch>
+            <a:fillRect/>
+          </a:stretch>
+        </p:blipFill>
+        <p:spPr>
+          <a:xfrm>
+            <a:off x="862012" y="1233487"/>
+            <a:ext cx="7419975" cy="4391025"/>
+          </a:xfrm>
+          <a:prstGeom prst="rect">
+            <a:avLst/>
+          </a:prstGeom>
+        </p:spPr>
+      </p:pic>
+    </p:spTree>
+    <p:extLst>
+      <p:ext uri="{BB962C8B-B14F-4D97-AF65-F5344CB8AC3E}">
+        <p14:creationId xmlns:p14="http://schemas.microsoft.com/office/powerpoint/2010/main" val="1471694031"/>
+      </p:ext>
+    </p:extLst>
+  </p:cSld>
+  <p:clrMapOvr>
+    <a:masterClrMapping/>
+  </p:clrMapOvr>
+  <p:transition spd="slow">
+    <p:fade/>
+  </p:transition>
+</p:sld>
+</file>
+
+<file path=ppt/slides/slide28.xml><?xml version="1.0" encoding="utf-8"?>
+<p:sld xmlns:a="http://schemas.openxmlformats.org/drawingml/2006/main" xmlns:r="http://schemas.openxmlformats.org/officeDocument/2006/relationships" xmlns:p="http://schemas.openxmlformats.org/presentationml/2006/main">
+  <p:cSld>
+    <p:spTree>
+      <p:nvGrpSpPr>
+        <p:cNvPr id="1" name=""/>
+        <p:cNvGrpSpPr/>
+        <p:nvPr/>
+      </p:nvGrpSpPr>
+      <p:grpSpPr>
+        <a:xfrm>
+          <a:off x="0" y="0"/>
+          <a:ext cx="0" cy="0"/>
+          <a:chOff x="0" y="0"/>
+          <a:chExt cx="0" cy="0"/>
+        </a:xfrm>
+      </p:grpSpPr>
+      <p:sp>
+        <p:nvSpPr>
+          <p:cNvPr id="2" name="Marcador de número de diapositiva 1"/>
+          <p:cNvSpPr>
+            <a:spLocks noGrp="1"/>
+          </p:cNvSpPr>
+          <p:nvPr>
+            <p:ph type="sldNum" sz="quarter" idx="12"/>
+          </p:nvPr>
+        </p:nvSpPr>
+        <p:spPr/>
+        <p:txBody>
+          <a:bodyPr/>
+          <a:lstStyle/>
+          <a:p>
+            <a:fld id="{64BD7E74-CBD2-4D88-9109-2EA8081AE675}" type="slidenum">
+              <a:rPr lang="es-ES" smtClean="0"/>
+              <a:pPr/>
+              <a:t>28</a:t>
+            </a:fld>
+            <a:endParaRPr lang="es-ES"/>
+          </a:p>
+        </p:txBody>
+      </p:sp>
+      <p:sp>
+        <p:nvSpPr>
+          <p:cNvPr id="3" name="4 Título"/>
+          <p:cNvSpPr txBox="1">
+            <a:spLocks/>
+          </p:cNvSpPr>
+          <p:nvPr/>
+        </p:nvSpPr>
+        <p:spPr>
+          <a:xfrm>
+            <a:off x="611560" y="188640"/>
+            <a:ext cx="8784976" cy="457120"/>
+          </a:xfrm>
+          <a:prstGeom prst="rect">
+            <a:avLst/>
+          </a:prstGeom>
+        </p:spPr>
+        <p:txBody>
+          <a:bodyPr bIns="91440" anchor="b" anchorCtr="0">
+            <a:noAutofit/>
+          </a:bodyPr>
+          <a:lstStyle>
+            <a:lvl1pPr>
+              <a:spcBef>
+                <a:spcPct val="0"/>
+              </a:spcBef>
+              <a:buNone/>
+              <a:defRPr kumimoji="0" sz="2400">
+                <a:ln w="0"/>
+                <a:solidFill>
+                  <a:schemeClr val="tx2"/>
+                </a:solidFill>
+                <a:effectLst>
+                  <a:outerShdw blurRad="38100" dist="19050" dir="2700000" algn="tl" rotWithShape="0">
+                    <a:schemeClr val="dk1">
+                      <a:alpha val="40000"/>
+                    </a:schemeClr>
+                  </a:outerShdw>
+                </a:effectLst>
+                <a:latin typeface="+mj-lt"/>
+                <a:ea typeface="+mj-ea"/>
+                <a:cs typeface="+mj-cs"/>
+              </a:defRPr>
+            </a:lvl1pPr>
+          </a:lstStyle>
+          <a:p>
+            <a:r>
+              <a:rPr lang="es-PE" altLang="en-US" dirty="0"/>
               <a:t>Óptimo local vs óptimo local</a:t>
             </a:r>
-            <a:endParaRPr lang="es-PE" altLang="en-US" dirty="0"/>
           </a:p>
         </p:txBody>
       </p:sp>
@@ -8407,14 +10955,14 @@
           </a:prstGeom>
         </p:spPr>
       </p:pic>
-      <mc:AlternateContent xmlns:mc="http://schemas.openxmlformats.org/markup-compatibility/2006">
-        <mc:Choice xmlns:a14="http://schemas.microsoft.com/office/drawing/2010/main" Requires="a14">
+      <mc:AlternateContent xmlns:mc="http://schemas.openxmlformats.org/markup-compatibility/2006" xmlns:a14="http://schemas.microsoft.com/office/drawing/2010/main">
+        <mc:Choice Requires="a14">
           <p:sp>
             <p:nvSpPr>
               <p:cNvPr id="6" name="CuadroTexto 4">
                 <a:extLst>
                   <a:ext uri="{FF2B5EF4-FFF2-40B4-BE49-F238E27FC236}">
-                    <a16:creationId xmlns:a16="http://schemas.microsoft.com/office/drawing/2014/main" xmlns="" id="{0EE2E59A-EFC5-4F7D-8B1B-CDE02E4D869C}"/>
+                    <a16:creationId xmlns:a16="http://schemas.microsoft.com/office/drawing/2014/main" id="{0EE2E59A-EFC5-4F7D-8B1B-CDE02E4D869C}"/>
                   </a:ext>
                 </a:extLst>
               </p:cNvPr>
@@ -8442,7 +10990,7 @@
                   <a:buChar char="•"/>
                 </a:pPr>
                 <a:r>
-                  <a:rPr lang="es-MX" sz="2000" dirty="0" smtClean="0"/>
+                  <a:rPr lang="es-MX" sz="2000" dirty="0"/>
                   <a:t>Las solución x será un máximo local si </a:t>
                 </a:r>
                 <a14:m>
@@ -8510,7 +11058,7 @@
                   </m:oMath>
                 </a14:m>
                 <a:r>
-                  <a:rPr lang="es-MX" sz="2000" dirty="0" smtClean="0"/>
+                  <a:rPr lang="es-MX" sz="2000" dirty="0"/>
                   <a:t>, para todo </a:t>
                 </a:r>
                 <a14:m>
@@ -8536,7 +11084,7 @@
                   </m:oMath>
                 </a14:m>
                 <a:r>
-                  <a:rPr lang="es-MX" sz="2000" dirty="0" smtClean="0"/>
+                  <a:rPr lang="es-MX" sz="2000" dirty="0"/>
                   <a:t> alrededor a </a:t>
                 </a:r>
                 <a14:m>
@@ -8550,7 +11098,7 @@
                   </m:oMath>
                 </a14:m>
                 <a:r>
-                  <a:rPr lang="es-MX" sz="2000" dirty="0" smtClean="0"/>
+                  <a:rPr lang="es-MX" sz="2000" dirty="0"/>
                   <a:t>.</a:t>
                 </a:r>
               </a:p>
@@ -8561,15 +11109,7 @@
                 </a:pPr>
                 <a:r>
                   <a:rPr lang="es-MX" sz="2000" dirty="0"/>
-                  <a:t>Las solución x será un </a:t>
-                </a:r>
-                <a:r>
-                  <a:rPr lang="es-MX" sz="2000" dirty="0" smtClean="0"/>
-                  <a:t>mínimo </a:t>
-                </a:r>
-                <a:r>
-                  <a:rPr lang="es-MX" sz="2000" dirty="0"/>
-                  <a:t>local si </a:t>
+                  <a:t>Las solución x será un mínimo local si </a:t>
                 </a:r>
                 <a14:m>
                   <m:oMath xmlns:m="http://schemas.openxmlformats.org/officeDocument/2006/math">
@@ -8676,7 +11216,7 @@
                   </m:oMath>
                 </a14:m>
                 <a:r>
-                  <a:rPr lang="es-MX" sz="2000" dirty="0" smtClean="0"/>
+                  <a:rPr lang="es-MX" sz="2000" dirty="0"/>
                   <a:t>.</a:t>
                 </a:r>
               </a:p>
@@ -8687,15 +11227,7 @@
                 </a:pPr>
                 <a:r>
                   <a:rPr lang="es-MX" sz="2000" dirty="0"/>
-                  <a:t>Las solución x será un máximo </a:t>
-                </a:r>
-                <a:r>
-                  <a:rPr lang="es-MX" sz="2000" dirty="0" smtClean="0"/>
-                  <a:t>global </a:t>
-                </a:r>
-                <a:r>
-                  <a:rPr lang="es-MX" sz="2000" dirty="0"/>
-                  <a:t>si </a:t>
+                  <a:t>Las solución x será un máximo global si </a:t>
                 </a:r>
                 <a14:m>
                   <m:oMath xmlns:m="http://schemas.openxmlformats.org/officeDocument/2006/math">
@@ -8789,11 +11321,7 @@
                 </a14:m>
                 <a:r>
                   <a:rPr lang="es-MX" sz="2000" dirty="0"/>
-                  <a:t> </a:t>
-                </a:r>
-                <a:r>
-                  <a:rPr lang="es-MX" sz="2000" dirty="0" smtClean="0"/>
-                  <a:t>de </a:t>
+                  <a:t> de </a:t>
                 </a:r>
                 <a14:m>
                   <m:oMath xmlns:m="http://schemas.openxmlformats.org/officeDocument/2006/math">
@@ -8806,7 +11334,7 @@
                   </m:oMath>
                 </a14:m>
                 <a:r>
-                  <a:rPr lang="es-MX" sz="2000" dirty="0" smtClean="0"/>
+                  <a:rPr lang="es-MX" sz="2000" dirty="0"/>
                   <a:t>.</a:t>
                 </a:r>
               </a:p>
@@ -8817,19 +11345,7 @@
                 </a:pPr>
                 <a:r>
                   <a:rPr lang="es-MX" sz="2000" dirty="0"/>
-                  <a:t>Las solución x será un </a:t>
-                </a:r>
-                <a:r>
-                  <a:rPr lang="es-MX" sz="2000" dirty="0" smtClean="0"/>
-                  <a:t>mínimo </a:t>
-                </a:r>
-                <a:r>
-                  <a:rPr lang="es-MX" sz="2000" dirty="0"/>
-                  <a:t>global </a:t>
-                </a:r>
-                <a:r>
-                  <a:rPr lang="es-MX" sz="2000" dirty="0"/>
-                  <a:t>si </a:t>
+                  <a:t>Las solución x será un mínimo global si </a:t>
                 </a:r>
                 <a14:m>
                   <m:oMath xmlns:m="http://schemas.openxmlformats.org/officeDocument/2006/math">
@@ -8923,11 +11439,7 @@
                 </a14:m>
                 <a:r>
                   <a:rPr lang="es-MX" sz="2000" dirty="0"/>
-                  <a:t> </a:t>
-                </a:r>
-                <a:r>
-                  <a:rPr lang="es-MX" sz="2000" dirty="0"/>
-                  <a:t>de </a:t>
+                  <a:t> de </a:t>
                 </a:r>
                 <a14:m>
                   <m:oMath xmlns:m="http://schemas.openxmlformats.org/officeDocument/2006/math">
@@ -8968,7 +11480,7 @@
             </p:txBody>
           </p:sp>
         </mc:Choice>
-        <mc:Fallback>
+        <mc:Fallback xmlns="">
           <p:sp>
             <p:nvSpPr>
               <p:cNvPr id="6" name="CuadroTexto 4">
@@ -9029,7 +11541,7 @@
 </p:sld>
 </file>
 
-<file path=ppt/slides/slide22.xml><?xml version="1.0" encoding="utf-8"?>
+<file path=ppt/slides/slide29.xml><?xml version="1.0" encoding="utf-8"?>
 <p:sld xmlns:a="http://schemas.openxmlformats.org/drawingml/2006/main" xmlns:r="http://schemas.openxmlformats.org/officeDocument/2006/relationships" xmlns:p="http://schemas.openxmlformats.org/presentationml/2006/main">
   <p:cSld>
     <p:spTree>
@@ -9064,7 +11576,7 @@
             <a:fld id="{64BD7E74-CBD2-4D88-9109-2EA8081AE675}" type="slidenum">
               <a:rPr lang="es-ES" smtClean="0"/>
               <a:pPr/>
-              <a:t>22</a:t>
+              <a:t>29</a:t>
             </a:fld>
             <a:endParaRPr lang="es-ES"/>
           </a:p>
@@ -9117,21 +11629,20 @@
           </a:lstStyle>
           <a:p>
             <a:r>
-              <a:rPr lang="es-PE" altLang="en-US" dirty="0" smtClean="0"/>
+              <a:rPr lang="es-PE" altLang="en-US" dirty="0"/>
               <a:t>Funciones convexas y cóncavas</a:t>
             </a:r>
-            <a:endParaRPr lang="es-PE" altLang="en-US" dirty="0"/>
-          </a:p>
-        </p:txBody>
-      </p:sp>
-      <mc:AlternateContent xmlns:mc="http://schemas.openxmlformats.org/markup-compatibility/2006">
-        <mc:Choice xmlns:a14="http://schemas.microsoft.com/office/drawing/2010/main" Requires="a14">
+          </a:p>
+        </p:txBody>
+      </p:sp>
+      <mc:AlternateContent xmlns:mc="http://schemas.openxmlformats.org/markup-compatibility/2006" xmlns:a14="http://schemas.microsoft.com/office/drawing/2010/main">
+        <mc:Choice Requires="a14">
           <p:sp>
             <p:nvSpPr>
               <p:cNvPr id="5" name="CuadroTexto 4">
                 <a:extLst>
                   <a:ext uri="{FF2B5EF4-FFF2-40B4-BE49-F238E27FC236}">
-                    <a16:creationId xmlns:a16="http://schemas.microsoft.com/office/drawing/2014/main" xmlns="" id="{0EE2E59A-EFC5-4F7D-8B1B-CDE02E4D869C}"/>
+                    <a16:creationId xmlns:a16="http://schemas.microsoft.com/office/drawing/2014/main" id="{0EE2E59A-EFC5-4F7D-8B1B-CDE02E4D869C}"/>
                   </a:ext>
                 </a:extLst>
               </p:cNvPr>
@@ -9159,7 +11670,7 @@
                   <a:buChar char="•"/>
                 </a:pPr>
                 <a:r>
-                  <a:rPr lang="es-PE" sz="2000" dirty="0" smtClean="0"/>
+                  <a:rPr lang="es-PE" sz="2000" dirty="0"/>
                   <a:t>Una función </a:t>
                 </a:r>
                 <a14:m>
@@ -9218,7 +11729,7 @@
                   </m:oMath>
                 </a14:m>
                 <a:r>
-                  <a:rPr lang="es-MX" sz="2000" dirty="0" smtClean="0"/>
+                  <a:rPr lang="es-MX" sz="2000" dirty="0"/>
                   <a:t> es convexa si el dominio de </a:t>
                 </a:r>
                 <a14:m>
@@ -9232,7 +11743,7 @@
                   </m:oMath>
                 </a14:m>
                 <a:r>
-                  <a:rPr lang="es-MX" sz="2000" dirty="0" smtClean="0"/>
+                  <a:rPr lang="es-MX" sz="2000" dirty="0"/>
                   <a:t> es un conjunto convexo y para todo </a:t>
                 </a:r>
                 <a14:m>
@@ -9285,7 +11796,7 @@
                   </m:oMath>
                 </a14:m>
                 <a:r>
-                  <a:rPr lang="es-MX" sz="2000" dirty="0" smtClean="0"/>
+                  <a:rPr lang="es-MX" sz="2000" dirty="0"/>
                   <a:t>, y </a:t>
                 </a:r>
                 <a14:m>
@@ -9300,7 +11811,7 @@
                   </m:oMath>
                 </a14:m>
                 <a:r>
-                  <a:rPr lang="es-MX" sz="2000" dirty="0" smtClean="0"/>
+                  <a:rPr lang="es-MX" sz="2000" dirty="0"/>
                   <a:t> con </a:t>
                 </a:r>
                 <a14:m>
@@ -9329,11 +11840,12 @@
                   </m:oMath>
                 </a14:m>
                 <a:r>
-                  <a:rPr lang="es-MX" sz="2000" dirty="0" smtClean="0"/>
+                  <a:rPr lang="es-MX" sz="2000" dirty="0"/>
                   <a:t> tendremos.</a:t>
                 </a:r>
               </a:p>
               <a:p>
+                <a:pPr/>
                 <a14:m>
                   <m:oMathPara xmlns:m="http://schemas.openxmlformats.org/officeDocument/2006/math">
                     <m:oMathParaPr>
@@ -9512,7 +12024,7 @@
                     </m:oMath>
                   </m:oMathPara>
                 </a14:m>
-                <a:endParaRPr lang="es-PE" sz="2000" b="0" dirty="0" smtClean="0">
+                <a:endParaRPr lang="es-PE" sz="2000" b="0" dirty="0">
                   <a:ea typeface="Cambria Math" panose="02040503050406030204" pitchFamily="18" charset="0"/>
                 </a:endParaRPr>
               </a:p>
@@ -9585,16 +12097,12 @@
                   <a:t> es </a:t>
                 </a:r>
                 <a:r>
-                  <a:rPr lang="es-MX" sz="2000" dirty="0" err="1" smtClean="0"/>
+                  <a:rPr lang="es-MX" sz="2000" dirty="0" err="1"/>
                   <a:t>concava</a:t>
                 </a:r>
                 <a:r>
-                  <a:rPr lang="es-MX" sz="2000" dirty="0" smtClean="0"/>
-                  <a:t> </a:t>
-                </a:r>
-                <a:r>
                   <a:rPr lang="es-MX" sz="2000" dirty="0"/>
-                  <a:t>si el dominio de </a:t>
+                  <a:t> si el dominio de </a:t>
                 </a:r>
                 <a14:m>
                   <m:oMath xmlns:m="http://schemas.openxmlformats.org/officeDocument/2006/math">
@@ -9889,7 +12397,7 @@
                     </m:oMath>
                   </m:oMathPara>
                 </a14:m>
-                <a:endParaRPr lang="es-PE" sz="2000" b="0" dirty="0" smtClean="0">
+                <a:endParaRPr lang="es-PE" sz="2000" b="0" dirty="0">
                   <a:ea typeface="Cambria Math" panose="02040503050406030204" pitchFamily="18" charset="0"/>
                 </a:endParaRPr>
               </a:p>
@@ -9920,7 +12428,7 @@
             </p:txBody>
           </p:sp>
         </mc:Choice>
-        <mc:Fallback>
+        <mc:Fallback xmlns="">
           <p:sp>
             <p:nvSpPr>
               <p:cNvPr id="5" name="CuadroTexto 4">
@@ -10005,7 +12513,7 @@
 </p:sld>
 </file>
 
-<file path=ppt/slides/slide23.xml><?xml version="1.0" encoding="utf-8"?>
+<file path=ppt/slides/slide3.xml><?xml version="1.0" encoding="utf-8"?>
 <p:sld xmlns:a="http://schemas.openxmlformats.org/drawingml/2006/main" xmlns:r="http://schemas.openxmlformats.org/officeDocument/2006/relationships" xmlns:p="http://schemas.openxmlformats.org/presentationml/2006/main">
   <p:cSld>
     <p:spTree>
@@ -10040,7 +12548,7 @@
             <a:fld id="{64BD7E74-CBD2-4D88-9109-2EA8081AE675}" type="slidenum">
               <a:rPr lang="es-ES" smtClean="0"/>
               <a:pPr/>
-              <a:t>23</a:t>
+              <a:t>3</a:t>
             </a:fld>
             <a:endParaRPr lang="es-ES"/>
           </a:p>
@@ -10093,29 +12601,22 @@
           </a:lstStyle>
           <a:p>
             <a:r>
-              <a:rPr lang="es-PE" altLang="en-US" dirty="0" smtClean="0"/>
-              <a:t>Región convexa</a:t>
-            </a:r>
-            <a:endParaRPr lang="es-PE" altLang="en-US" dirty="0"/>
-          </a:p>
-        </p:txBody>
-      </p:sp>
-      <p:sp>
-        <p:nvSpPr>
-          <p:cNvPr id="10" name="CuadroTexto 4">
-            <a:extLst>
-              <a:ext uri="{FF2B5EF4-FFF2-40B4-BE49-F238E27FC236}">
-                <a16:creationId xmlns:a16="http://schemas.microsoft.com/office/drawing/2014/main" xmlns="" id="{0EE2E59A-EFC5-4F7D-8B1B-CDE02E4D869C}"/>
-              </a:ext>
-            </a:extLst>
-          </p:cNvPr>
+              <a:rPr lang="es-PE" altLang="en-US" dirty="0"/>
+              <a:t>Ejemplo 2 : Modelo para fabricación</a:t>
+            </a:r>
+          </a:p>
+        </p:txBody>
+      </p:sp>
+      <p:sp>
+        <p:nvSpPr>
+          <p:cNvPr id="5" name="CuadroTexto 4"/>
           <p:cNvSpPr txBox="1"/>
           <p:nvPr/>
         </p:nvSpPr>
         <p:spPr>
           <a:xfrm>
             <a:off x="602191" y="836712"/>
-            <a:ext cx="8002257" cy="1631216"/>
+            <a:ext cx="8002257" cy="3170099"/>
           </a:xfrm>
           <a:prstGeom prst="rect">
             <a:avLst/>
@@ -10133,8 +12634,8 @@
               <a:buChar char="•"/>
             </a:pPr>
             <a:r>
-              <a:rPr lang="es-MX" sz="2000" dirty="0" smtClean="0"/>
-              <a:t>Una región es llamada región convexa si, y solamente si todo segmento de recta cuyas extremidades pertenecen a la región solo tienen puntos en la misma región.</a:t>
+              <a:rPr lang="es-MX" sz="2000" dirty="0"/>
+              <a:t>Se desean construir mesas y sillas. </a:t>
             </a:r>
           </a:p>
           <a:p>
@@ -10142,111 +12643,82 @@
               <a:buFont typeface="Arial" panose="020B0604020202020204" pitchFamily="34" charset="0"/>
               <a:buChar char="•"/>
             </a:pPr>
-            <a:endParaRPr lang="es-MX" sz="2000" dirty="0"/>
+            <a:r>
+              <a:rPr lang="es-MX" sz="2000" dirty="0"/>
+              <a:t>El recurso disponible es 30 m</a:t>
+            </a:r>
+            <a:r>
+              <a:rPr lang="es-MX" sz="2000" baseline="30000" dirty="0"/>
+              <a:t>2</a:t>
+            </a:r>
+            <a:r>
+              <a:rPr lang="es-MX" sz="2000" dirty="0"/>
+              <a:t> de madera por semana, 48 horas por semana.</a:t>
+            </a:r>
           </a:p>
           <a:p>
             <a:pPr marL="285750" indent="-285750">
               <a:buFont typeface="Arial" panose="020B0604020202020204" pitchFamily="34" charset="0"/>
               <a:buChar char="•"/>
             </a:pPr>
-            <a:endParaRPr lang="es-MX" sz="2000" dirty="0"/>
+            <a:r>
+              <a:rPr lang="es-MX" sz="2000" dirty="0"/>
+              <a:t>La demanda de las sillas es de 5 unidades y la de mesas de 10 unidades.</a:t>
+            </a:r>
           </a:p>
           <a:p>
             <a:pPr marL="285750" indent="-285750">
               <a:buFont typeface="Arial" panose="020B0604020202020204" pitchFamily="34" charset="0"/>
               <a:buChar char="•"/>
             </a:pPr>
-            <a:endParaRPr lang="es-MX" sz="2000" dirty="0"/>
-          </a:p>
-        </p:txBody>
-      </p:sp>
-      <p:pic>
-        <p:nvPicPr>
-          <p:cNvPr id="4" name="Imagen 3"/>
-          <p:cNvPicPr>
-            <a:picLocks noChangeAspect="1"/>
-          </p:cNvPicPr>
-          <p:nvPr/>
-        </p:nvPicPr>
-        <p:blipFill rotWithShape="1">
-          <a:blip r:embed="rId2"/>
-          <a:srcRect t="6576"/>
-          <a:stretch/>
-        </p:blipFill>
-        <p:spPr>
-          <a:xfrm>
-            <a:off x="755576" y="1556807"/>
-            <a:ext cx="7403731" cy="2623638"/>
-          </a:xfrm>
-          <a:prstGeom prst="rect">
-            <a:avLst/>
-          </a:prstGeom>
-        </p:spPr>
-      </p:pic>
-      <p:sp>
-        <p:nvSpPr>
-          <p:cNvPr id="5" name="CuadroTexto 4"/>
-          <p:cNvSpPr txBox="1"/>
-          <p:nvPr/>
-        </p:nvSpPr>
-        <p:spPr>
-          <a:xfrm>
-            <a:off x="1691680" y="4193794"/>
-            <a:ext cx="1502527" cy="369332"/>
-          </a:xfrm>
-          <a:prstGeom prst="rect">
-            <a:avLst/>
-          </a:prstGeom>
-          <a:noFill/>
-        </p:spPr>
-        <p:txBody>
-          <a:bodyPr wrap="none" rtlCol="0">
-            <a:spAutoFit/>
-          </a:bodyPr>
-          <a:lstStyle/>
-          <a:p>
-            <a:r>
-              <a:rPr lang="es-PE" dirty="0" smtClean="0"/>
-              <a:t>Región convexa</a:t>
-            </a:r>
-            <a:endParaRPr lang="es-PE" dirty="0"/>
-          </a:p>
-        </p:txBody>
-      </p:sp>
-      <p:sp>
-        <p:nvSpPr>
-          <p:cNvPr id="7" name="CuadroTexto 6"/>
-          <p:cNvSpPr txBox="1"/>
-          <p:nvPr/>
-        </p:nvSpPr>
-        <p:spPr>
-          <a:xfrm>
-            <a:off x="5764418" y="4180445"/>
-            <a:ext cx="1765420" cy="369332"/>
-          </a:xfrm>
-          <a:prstGeom prst="rect">
-            <a:avLst/>
-          </a:prstGeom>
-          <a:noFill/>
-        </p:spPr>
-        <p:txBody>
-          <a:bodyPr wrap="none" rtlCol="0">
-            <a:spAutoFit/>
-          </a:bodyPr>
-          <a:lstStyle/>
-          <a:p>
-            <a:r>
-              <a:rPr lang="es-PE" dirty="0" smtClean="0"/>
-              <a:t>Región no convexa</a:t>
-            </a:r>
-            <a:endParaRPr lang="es-PE" dirty="0"/>
+            <a:r>
+              <a:rPr lang="es-MX" sz="2000" dirty="0"/>
+              <a:t>La utilidad que se obtiene por las mesas es de $10 y por las sillas de $8, además para construir la mesa utiliza lo siguiente: 4.5 m</a:t>
+            </a:r>
+            <a:r>
+              <a:rPr lang="es-MX" sz="2000" baseline="30000" dirty="0"/>
+              <a:t>2</a:t>
+            </a:r>
+            <a:r>
+              <a:rPr lang="es-MX" sz="2000" dirty="0"/>
+              <a:t> de madera por unidad, 6 horas por unidad.</a:t>
+            </a:r>
+          </a:p>
+          <a:p>
+            <a:pPr marL="285750" indent="-285750">
+              <a:buFont typeface="Arial" panose="020B0604020202020204" pitchFamily="34" charset="0"/>
+              <a:buChar char="•"/>
+            </a:pPr>
+            <a:r>
+              <a:rPr lang="es-MX" sz="2000" dirty="0"/>
+              <a:t>Para la silla se ocupan: 1.5 m</a:t>
+            </a:r>
+            <a:r>
+              <a:rPr lang="es-MX" sz="2000" baseline="30000" dirty="0"/>
+              <a:t>2</a:t>
+            </a:r>
+            <a:r>
+              <a:rPr lang="es-MX" sz="2000" dirty="0"/>
+              <a:t> de madera por unidad y 3 horas por cada unidad fabricada.</a:t>
+            </a:r>
+          </a:p>
+          <a:p>
+            <a:pPr marL="285750" indent="-285750">
+              <a:buFont typeface="Arial" panose="020B0604020202020204" pitchFamily="34" charset="0"/>
+              <a:buChar char="•"/>
+            </a:pPr>
+            <a:r>
+              <a:rPr lang="es-MX" sz="2000" dirty="0"/>
+              <a:t>¿Cuántas sillas y mesas construyo con el fin de obtener la máxima utilidad por semana?  </a:t>
+            </a:r>
+            <a:endParaRPr lang="es-PE" sz="2000" dirty="0"/>
           </a:p>
         </p:txBody>
       </p:sp>
     </p:spTree>
     <p:extLst>
       <p:ext uri="{BB962C8B-B14F-4D97-AF65-F5344CB8AC3E}">
-        <p14:creationId xmlns:p14="http://schemas.microsoft.com/office/powerpoint/2010/main" val="1336679109"/>
+        <p14:creationId xmlns:p14="http://schemas.microsoft.com/office/powerpoint/2010/main" val="978993721"/>
       </p:ext>
     </p:extLst>
   </p:cSld>
@@ -10259,7 +12731,7 @@
 </p:sld>
 </file>
 
-<file path=ppt/slides/slide3.xml><?xml version="1.0" encoding="utf-8"?>
+<file path=ppt/slides/slide30.xml><?xml version="1.0" encoding="utf-8"?>
 <p:sld xmlns:a="http://schemas.openxmlformats.org/drawingml/2006/main" xmlns:r="http://schemas.openxmlformats.org/officeDocument/2006/relationships" xmlns:p="http://schemas.openxmlformats.org/presentationml/2006/main">
   <p:cSld>
     <p:spTree>
@@ -10294,7 +12766,7 @@
             <a:fld id="{64BD7E74-CBD2-4D88-9109-2EA8081AE675}" type="slidenum">
               <a:rPr lang="es-ES" smtClean="0"/>
               <a:pPr/>
-              <a:t>3</a:t>
+              <a:t>30</a:t>
             </a:fld>
             <a:endParaRPr lang="es-ES"/>
           </a:p>
@@ -10348,21 +12820,27 @@
           <a:p>
             <a:r>
               <a:rPr lang="es-PE" altLang="en-US" dirty="0"/>
-              <a:t>Ejemplo 2 : Modelo para fabricación</a:t>
-            </a:r>
-          </a:p>
-        </p:txBody>
-      </p:sp>
-      <p:sp>
-        <p:nvSpPr>
-          <p:cNvPr id="5" name="CuadroTexto 4"/>
+              <a:t>Región convexa</a:t>
+            </a:r>
+          </a:p>
+        </p:txBody>
+      </p:sp>
+      <p:sp>
+        <p:nvSpPr>
+          <p:cNvPr id="10" name="CuadroTexto 4">
+            <a:extLst>
+              <a:ext uri="{FF2B5EF4-FFF2-40B4-BE49-F238E27FC236}">
+                <a16:creationId xmlns:a16="http://schemas.microsoft.com/office/drawing/2014/main" id="{0EE2E59A-EFC5-4F7D-8B1B-CDE02E4D869C}"/>
+              </a:ext>
+            </a:extLst>
+          </p:cNvPr>
           <p:cNvSpPr txBox="1"/>
           <p:nvPr/>
         </p:nvSpPr>
         <p:spPr>
           <a:xfrm>
             <a:off x="602191" y="836712"/>
-            <a:ext cx="8002257" cy="3170099"/>
+            <a:ext cx="8002257" cy="1631216"/>
           </a:xfrm>
           <a:prstGeom prst="rect">
             <a:avLst/>
@@ -10381,7 +12859,7 @@
             </a:pPr>
             <a:r>
               <a:rPr lang="es-MX" sz="2000" dirty="0"/>
-              <a:t>Se desean construir mesas y sillas. </a:t>
+              <a:t>Una región es llamada región convexa si, y solamente si todo segmento de recta cuyas extremidades pertenecen a la región solo tienen puntos en la misma región.</a:t>
             </a:r>
           </a:p>
           <a:p>
@@ -10389,82 +12867,109 @@
               <a:buFont typeface="Arial" panose="020B0604020202020204" pitchFamily="34" charset="0"/>
               <a:buChar char="•"/>
             </a:pPr>
-            <a:r>
-              <a:rPr lang="es-MX" sz="2000" dirty="0"/>
-              <a:t>El recurso disponible es 30 m</a:t>
-            </a:r>
-            <a:r>
-              <a:rPr lang="es-MX" sz="2000" baseline="30000" dirty="0"/>
-              <a:t>2</a:t>
-            </a:r>
-            <a:r>
-              <a:rPr lang="es-MX" sz="2000" dirty="0"/>
-              <a:t> de madera por semana, 48 horas por semana.</a:t>
-            </a:r>
+            <a:endParaRPr lang="es-MX" sz="2000" dirty="0"/>
           </a:p>
           <a:p>
             <a:pPr marL="285750" indent="-285750">
               <a:buFont typeface="Arial" panose="020B0604020202020204" pitchFamily="34" charset="0"/>
               <a:buChar char="•"/>
             </a:pPr>
-            <a:r>
-              <a:rPr lang="es-MX" sz="2000" dirty="0"/>
-              <a:t>La demanda de las sillas es de 5 unidades y la de mesas de 10 unidades.</a:t>
-            </a:r>
+            <a:endParaRPr lang="es-MX" sz="2000" dirty="0"/>
           </a:p>
           <a:p>
             <a:pPr marL="285750" indent="-285750">
               <a:buFont typeface="Arial" panose="020B0604020202020204" pitchFamily="34" charset="0"/>
               <a:buChar char="•"/>
             </a:pPr>
-            <a:r>
-              <a:rPr lang="es-MX" sz="2000" dirty="0"/>
-              <a:t>La utilidad que se obtiene por las mesas es de $10 y por las sillas de $8, además para construir la mesa utiliza lo siguiente: 4.5 m</a:t>
-            </a:r>
-            <a:r>
-              <a:rPr lang="es-MX" sz="2000" baseline="30000" dirty="0"/>
-              <a:t>2</a:t>
-            </a:r>
-            <a:r>
-              <a:rPr lang="es-MX" sz="2000" dirty="0"/>
-              <a:t> de madera por unidad, 6 horas por unidad.</a:t>
-            </a:r>
-          </a:p>
-          <a:p>
-            <a:pPr marL="285750" indent="-285750">
-              <a:buFont typeface="Arial" panose="020B0604020202020204" pitchFamily="34" charset="0"/>
-              <a:buChar char="•"/>
-            </a:pPr>
-            <a:r>
-              <a:rPr lang="es-MX" sz="2000" dirty="0"/>
-              <a:t>Para la silla se ocupan: 1.5 m</a:t>
-            </a:r>
-            <a:r>
-              <a:rPr lang="es-MX" sz="2000" baseline="30000" dirty="0"/>
-              <a:t>2</a:t>
-            </a:r>
-            <a:r>
-              <a:rPr lang="es-MX" sz="2000" dirty="0"/>
-              <a:t> de madera por unidad y 3 horas por cada unidad fabricada.</a:t>
-            </a:r>
-          </a:p>
-          <a:p>
-            <a:pPr marL="285750" indent="-285750">
-              <a:buFont typeface="Arial" panose="020B0604020202020204" pitchFamily="34" charset="0"/>
-              <a:buChar char="•"/>
-            </a:pPr>
-            <a:r>
-              <a:rPr lang="es-MX" sz="2000" dirty="0"/>
-              <a:t>¿Cuántas sillas y mesas construyo con el fin de obtener la máxima utilidad por semana?  </a:t>
-            </a:r>
-            <a:endParaRPr lang="es-PE" sz="2000" dirty="0"/>
+            <a:endParaRPr lang="es-MX" sz="2000" dirty="0"/>
+          </a:p>
+        </p:txBody>
+      </p:sp>
+      <p:pic>
+        <p:nvPicPr>
+          <p:cNvPr id="4" name="Imagen 3"/>
+          <p:cNvPicPr>
+            <a:picLocks noChangeAspect="1"/>
+          </p:cNvPicPr>
+          <p:nvPr/>
+        </p:nvPicPr>
+        <p:blipFill rotWithShape="1">
+          <a:blip r:embed="rId2"/>
+          <a:srcRect t="6576"/>
+          <a:stretch/>
+        </p:blipFill>
+        <p:spPr>
+          <a:xfrm>
+            <a:off x="755576" y="1556807"/>
+            <a:ext cx="7403731" cy="2623638"/>
+          </a:xfrm>
+          <a:prstGeom prst="rect">
+            <a:avLst/>
+          </a:prstGeom>
+        </p:spPr>
+      </p:pic>
+      <p:sp>
+        <p:nvSpPr>
+          <p:cNvPr id="5" name="CuadroTexto 4"/>
+          <p:cNvSpPr txBox="1"/>
+          <p:nvPr/>
+        </p:nvSpPr>
+        <p:spPr>
+          <a:xfrm>
+            <a:off x="1691680" y="4193794"/>
+            <a:ext cx="1502527" cy="369332"/>
+          </a:xfrm>
+          <a:prstGeom prst="rect">
+            <a:avLst/>
+          </a:prstGeom>
+          <a:noFill/>
+        </p:spPr>
+        <p:txBody>
+          <a:bodyPr wrap="none" rtlCol="0">
+            <a:spAutoFit/>
+          </a:bodyPr>
+          <a:lstStyle/>
+          <a:p>
+            <a:r>
+              <a:rPr lang="es-PE" dirty="0"/>
+              <a:t>Región convexa</a:t>
+            </a:r>
+          </a:p>
+        </p:txBody>
+      </p:sp>
+      <p:sp>
+        <p:nvSpPr>
+          <p:cNvPr id="7" name="CuadroTexto 6"/>
+          <p:cNvSpPr txBox="1"/>
+          <p:nvPr/>
+        </p:nvSpPr>
+        <p:spPr>
+          <a:xfrm>
+            <a:off x="5764418" y="4180445"/>
+            <a:ext cx="1765420" cy="369332"/>
+          </a:xfrm>
+          <a:prstGeom prst="rect">
+            <a:avLst/>
+          </a:prstGeom>
+          <a:noFill/>
+        </p:spPr>
+        <p:txBody>
+          <a:bodyPr wrap="none" rtlCol="0">
+            <a:spAutoFit/>
+          </a:bodyPr>
+          <a:lstStyle/>
+          <a:p>
+            <a:r>
+              <a:rPr lang="es-PE" dirty="0"/>
+              <a:t>Región no convexa</a:t>
+            </a:r>
           </a:p>
         </p:txBody>
       </p:sp>
     </p:spTree>
     <p:extLst>
       <p:ext uri="{BB962C8B-B14F-4D97-AF65-F5344CB8AC3E}">
-        <p14:creationId xmlns:p14="http://schemas.microsoft.com/office/powerpoint/2010/main" val="978993721"/>
+        <p14:creationId xmlns:p14="http://schemas.microsoft.com/office/powerpoint/2010/main" val="1336679109"/>
       </p:ext>
     </p:extLst>
   </p:cSld>
@@ -10756,28 +13261,28 @@
                 <a:gridCol w="784434">
                   <a:extLst>
                     <a:ext uri="{9D8B030D-6E8A-4147-A177-3AD203B41FA5}">
-                      <a16:colId xmlns:a16="http://schemas.microsoft.com/office/drawing/2014/main" xmlns="" val="3601449784"/>
+                      <a16:colId xmlns:a16="http://schemas.microsoft.com/office/drawing/2014/main" val="3601449784"/>
                     </a:ext>
                   </a:extLst>
                 </a:gridCol>
                 <a:gridCol w="731520">
                   <a:extLst>
                     <a:ext uri="{9D8B030D-6E8A-4147-A177-3AD203B41FA5}">
-                      <a16:colId xmlns:a16="http://schemas.microsoft.com/office/drawing/2014/main" xmlns="" val="4258779209"/>
+                      <a16:colId xmlns:a16="http://schemas.microsoft.com/office/drawing/2014/main" val="4258779209"/>
                     </a:ext>
                   </a:extLst>
                 </a:gridCol>
                 <a:gridCol w="731520">
                   <a:extLst>
                     <a:ext uri="{9D8B030D-6E8A-4147-A177-3AD203B41FA5}">
-                      <a16:colId xmlns:a16="http://schemas.microsoft.com/office/drawing/2014/main" xmlns="" val="2704008432"/>
+                      <a16:colId xmlns:a16="http://schemas.microsoft.com/office/drawing/2014/main" val="2704008432"/>
                     </a:ext>
                   </a:extLst>
                 </a:gridCol>
                 <a:gridCol w="731520">
                   <a:extLst>
                     <a:ext uri="{9D8B030D-6E8A-4147-A177-3AD203B41FA5}">
-                      <a16:colId xmlns:a16="http://schemas.microsoft.com/office/drawing/2014/main" xmlns="" val="1588740185"/>
+                      <a16:colId xmlns:a16="http://schemas.microsoft.com/office/drawing/2014/main" val="1588740185"/>
                     </a:ext>
                   </a:extLst>
                 </a:gridCol>
@@ -11008,7 +13513,7 @@
                 </a:tc>
                 <a:extLst>
                   <a:ext uri="{0D108BD9-81ED-4DB2-BD59-A6C34878D82A}">
-                    <a16:rowId xmlns:a16="http://schemas.microsoft.com/office/drawing/2014/main" xmlns="" val="3553923322"/>
+                    <a16:rowId xmlns:a16="http://schemas.microsoft.com/office/drawing/2014/main" val="3553923322"/>
                   </a:ext>
                 </a:extLst>
               </a:tr>
@@ -11253,7 +13758,7 @@
                 </a:tc>
                 <a:extLst>
                   <a:ext uri="{0D108BD9-81ED-4DB2-BD59-A6C34878D82A}">
-                    <a16:rowId xmlns:a16="http://schemas.microsoft.com/office/drawing/2014/main" xmlns="" val="3661568281"/>
+                    <a16:rowId xmlns:a16="http://schemas.microsoft.com/office/drawing/2014/main" val="3661568281"/>
                   </a:ext>
                 </a:extLst>
               </a:tr>
@@ -11497,7 +14002,7 @@
                 </a:tc>
                 <a:extLst>
                   <a:ext uri="{0D108BD9-81ED-4DB2-BD59-A6C34878D82A}">
-                    <a16:rowId xmlns:a16="http://schemas.microsoft.com/office/drawing/2014/main" xmlns="" val="3100964172"/>
+                    <a16:rowId xmlns:a16="http://schemas.microsoft.com/office/drawing/2014/main" val="3100964172"/>
                   </a:ext>
                 </a:extLst>
               </a:tr>
@@ -11741,7 +14246,7 @@
                 </a:tc>
                 <a:extLst>
                   <a:ext uri="{0D108BD9-81ED-4DB2-BD59-A6C34878D82A}">
-                    <a16:rowId xmlns:a16="http://schemas.microsoft.com/office/drawing/2014/main" xmlns="" val="287528904"/>
+                    <a16:rowId xmlns:a16="http://schemas.microsoft.com/office/drawing/2014/main" val="287528904"/>
                   </a:ext>
                 </a:extLst>
               </a:tr>
@@ -12363,116 +14868,8 @@
           <a:p>
             <a:r>
               <a:rPr lang="es-PE" altLang="en-US" dirty="0"/>
-              <a:t>Modelo vs Realidad &amp; Clasificación</a:t>
-            </a:r>
-          </a:p>
-        </p:txBody>
-      </p:sp>
-      <p:sp>
-        <p:nvSpPr>
-          <p:cNvPr id="5" name="CuadroTexto 4"/>
-          <p:cNvSpPr txBox="1"/>
-          <p:nvPr/>
-        </p:nvSpPr>
-        <p:spPr>
-          <a:xfrm>
-            <a:off x="602191" y="836712"/>
-            <a:ext cx="8002257" cy="1938992"/>
-          </a:xfrm>
-          <a:prstGeom prst="rect">
-            <a:avLst/>
-          </a:prstGeom>
-          <a:noFill/>
-        </p:spPr>
-        <p:txBody>
-          <a:bodyPr wrap="square" rtlCol="0">
-            <a:spAutoFit/>
-          </a:bodyPr>
-          <a:lstStyle/>
-          <a:p>
-            <a:pPr marL="285750" indent="-285750">
-              <a:buFont typeface="Arial" panose="020B0604020202020204" pitchFamily="34" charset="0"/>
-              <a:buChar char="•"/>
-            </a:pPr>
-            <a:r>
-              <a:rPr lang="es-MX" sz="2000" dirty="0"/>
-              <a:t>Menos datos y más hipótesis para obtención rápida de resultados.</a:t>
-            </a:r>
-          </a:p>
-          <a:p>
-            <a:pPr marL="285750" indent="-285750">
-              <a:buFont typeface="Arial" panose="020B0604020202020204" pitchFamily="34" charset="0"/>
-              <a:buChar char="•"/>
-            </a:pPr>
-            <a:r>
-              <a:rPr lang="es-MX" sz="2000" dirty="0"/>
-              <a:t>Definición defectuosa del problema</a:t>
-            </a:r>
-          </a:p>
-          <a:p>
-            <a:pPr marL="285750" indent="-285750">
-              <a:buFont typeface="Arial" panose="020B0604020202020204" pitchFamily="34" charset="0"/>
-              <a:buChar char="•"/>
-            </a:pPr>
-            <a:r>
-              <a:rPr lang="es-PE" sz="2000" dirty="0"/>
-              <a:t>Falta de experiencia y capacitación del modelador</a:t>
-            </a:r>
-          </a:p>
-          <a:p>
-            <a:pPr marL="285750" indent="-285750">
-              <a:buFont typeface="Arial" panose="020B0604020202020204" pitchFamily="34" charset="0"/>
-              <a:buChar char="•"/>
-            </a:pPr>
-            <a:r>
-              <a:rPr lang="es-PE" sz="2000" dirty="0"/>
-              <a:t>El concepto de modelo adecuado varía con el tiempo, debido a que los modelos complejos de hoy pueden ser modelos adecuado en el futuro.</a:t>
-            </a:r>
-          </a:p>
-          <a:p>
-            <a:pPr marL="285750" indent="-285750">
-              <a:buFont typeface="Arial" panose="020B0604020202020204" pitchFamily="34" charset="0"/>
-              <a:buChar char="•"/>
-            </a:pPr>
-            <a:endParaRPr lang="es-MX" sz="2000" dirty="0"/>
-          </a:p>
-        </p:txBody>
-      </p:sp>
-      <p:sp>
-        <p:nvSpPr>
-          <p:cNvPr id="4" name="CuadroTexto 3"/>
-          <p:cNvSpPr txBox="1"/>
-          <p:nvPr/>
-        </p:nvSpPr>
-        <p:spPr>
-          <a:xfrm>
-            <a:off x="611560" y="2701369"/>
-            <a:ext cx="7992888" cy="1015663"/>
-          </a:xfrm>
-          <a:prstGeom prst="rect">
-            <a:avLst/>
-          </a:prstGeom>
-          <a:noFill/>
-        </p:spPr>
-        <p:txBody>
-          <a:bodyPr wrap="square" rtlCol="0">
-            <a:spAutoFit/>
-          </a:bodyPr>
-          <a:lstStyle/>
-          <a:p>
-            <a:pPr algn="ctr"/>
-            <a:r>
-              <a:rPr lang="es-MX" sz="2000" dirty="0">
-                <a:latin typeface="Lucida Calligraphy" panose="03010101010101010101" pitchFamily="66" charset="0"/>
-              </a:rPr>
-              <a:t>La relación entre el modelo y la método de solución es relativo y depende de la tecnología de la época.</a:t>
-            </a:r>
-          </a:p>
-          <a:p>
-            <a:pPr algn="ctr"/>
-            <a:endParaRPr lang="es-PE" sz="2000" dirty="0">
-              <a:latin typeface="Lucida Calligraphy" panose="03010101010101010101" pitchFamily="66" charset="0"/>
-            </a:endParaRPr>
+              <a:t>Modelamiento matemático: Clasificación &amp; Etapas</a:t>
+            </a:r>
           </a:p>
         </p:txBody>
       </p:sp>
@@ -12484,8 +14881,8 @@
         </p:nvSpPr>
         <p:spPr>
           <a:xfrm>
-            <a:off x="5508104" y="3789040"/>
-            <a:ext cx="2592288" cy="1997330"/>
+            <a:off x="4539209" y="656428"/>
+            <a:ext cx="2304288" cy="1514461"/>
           </a:xfrm>
           <a:prstGeom prst="roundRect">
             <a:avLst/>
@@ -12510,36 +14907,24 @@
           <a:lstStyle/>
           <a:p>
             <a:r>
-              <a:rPr lang="es-PE" sz="2000" dirty="0"/>
+              <a:rPr lang="es-PE" dirty="0"/>
               <a:t>Según la características del tiempo:</a:t>
             </a:r>
           </a:p>
           <a:p>
-            <a:pPr marL="342900" indent="-342900">
-              <a:buFont typeface="Arial" panose="020B0604020202020204" pitchFamily="34" charset="0"/>
-              <a:buChar char="•"/>
-            </a:pPr>
-            <a:r>
-              <a:rPr lang="es-PE" sz="2000" dirty="0"/>
+            <a:r>
+              <a:rPr lang="es-PE" dirty="0"/>
               <a:t>Estático</a:t>
             </a:r>
           </a:p>
           <a:p>
-            <a:pPr marL="342900" indent="-342900">
-              <a:buFont typeface="Arial" panose="020B0604020202020204" pitchFamily="34" charset="0"/>
-              <a:buChar char="•"/>
-            </a:pPr>
-            <a:r>
-              <a:rPr lang="es-PE" sz="2000" dirty="0"/>
+            <a:r>
+              <a:rPr lang="es-PE" dirty="0"/>
               <a:t>Dinámico</a:t>
             </a:r>
           </a:p>
           <a:p>
-            <a:pPr marL="342900" indent="-342900">
-              <a:buFont typeface="Arial" panose="020B0604020202020204" pitchFamily="34" charset="0"/>
-              <a:buChar char="•"/>
-            </a:pPr>
-            <a:endParaRPr lang="es-PE" sz="2000" dirty="0"/>
+            <a:endParaRPr lang="es-PE" dirty="0"/>
           </a:p>
         </p:txBody>
       </p:sp>
@@ -12551,8 +14936,8 @@
         </p:nvSpPr>
         <p:spPr>
           <a:xfrm>
-            <a:off x="1191951" y="3789040"/>
-            <a:ext cx="2659969" cy="1997330"/>
+            <a:off x="2179157" y="656428"/>
+            <a:ext cx="2299929" cy="1514461"/>
           </a:xfrm>
           <a:prstGeom prst="roundRect">
             <a:avLst/>
@@ -12577,7 +14962,7 @@
           <a:lstStyle/>
           <a:p>
             <a:r>
-              <a:rPr lang="es-PE" sz="2000" dirty="0"/>
+              <a:rPr lang="es-PE" dirty="0"/>
               <a:t>Según la disposición de información:</a:t>
             </a:r>
           </a:p>
@@ -12587,7 +14972,7 @@
               <a:buChar char="•"/>
             </a:pPr>
             <a:r>
-              <a:rPr lang="es-PE" sz="2000" dirty="0"/>
+              <a:rPr lang="es-PE" dirty="0"/>
               <a:t>Determinístico</a:t>
             </a:r>
           </a:p>
@@ -12597,7 +14982,7 @@
               <a:buChar char="•"/>
             </a:pPr>
             <a:r>
-              <a:rPr lang="es-PE" sz="2000" dirty="0"/>
+              <a:rPr lang="es-PE" dirty="0"/>
               <a:t>Estocástico</a:t>
             </a:r>
           </a:p>
@@ -12607,8 +14992,706 @@
               <a:buChar char="•"/>
             </a:pPr>
             <a:r>
-              <a:rPr lang="es-PE" sz="2000" dirty="0"/>
+              <a:rPr lang="es-PE" dirty="0"/>
               <a:t>Puramente incierto</a:t>
+            </a:r>
+          </a:p>
+        </p:txBody>
+      </p:sp>
+      <p:sp>
+        <p:nvSpPr>
+          <p:cNvPr id="10" name="Rectángulo redondeado 9"/>
+          <p:cNvSpPr/>
+          <p:nvPr/>
+        </p:nvSpPr>
+        <p:spPr>
+          <a:xfrm>
+            <a:off x="973143" y="2931295"/>
+            <a:ext cx="1645920" cy="822960"/>
+          </a:xfrm>
+          <a:prstGeom prst="roundRect">
+            <a:avLst/>
+          </a:prstGeom>
+          <a:ln>
+            <a:solidFill>
+              <a:schemeClr val="tx2"/>
+            </a:solidFill>
+          </a:ln>
+        </p:spPr>
+        <p:style>
+          <a:lnRef idx="2">
+            <a:schemeClr val="accent1">
+              <a:shade val="50000"/>
+            </a:schemeClr>
+          </a:lnRef>
+          <a:fillRef idx="1">
+            <a:schemeClr val="accent1"/>
+          </a:fillRef>
+          <a:effectRef idx="0">
+            <a:schemeClr val="accent1"/>
+          </a:effectRef>
+          <a:fontRef idx="minor">
+            <a:schemeClr val="lt1"/>
+          </a:fontRef>
+        </p:style>
+        <p:txBody>
+          <a:bodyPr rtlCol="0" anchor="ctr"/>
+          <a:lstStyle/>
+          <a:p>
+            <a:pPr algn="ctr"/>
+            <a:r>
+              <a:rPr lang="es-MX" dirty="0"/>
+              <a:t>Problema: Identificación &amp; Delimitación</a:t>
+            </a:r>
+            <a:endParaRPr lang="es-PE" dirty="0"/>
+          </a:p>
+        </p:txBody>
+      </p:sp>
+      <p:sp>
+        <p:nvSpPr>
+          <p:cNvPr id="11" name="Rectángulo redondeado 10"/>
+          <p:cNvSpPr/>
+          <p:nvPr/>
+        </p:nvSpPr>
+        <p:spPr>
+          <a:xfrm>
+            <a:off x="3687566" y="2931295"/>
+            <a:ext cx="1645920" cy="822960"/>
+          </a:xfrm>
+          <a:prstGeom prst="roundRect">
+            <a:avLst/>
+          </a:prstGeom>
+          <a:solidFill>
+            <a:schemeClr val="accent3"/>
+          </a:solidFill>
+          <a:ln>
+            <a:solidFill>
+              <a:schemeClr val="accent3">
+                <a:lumMod val="50000"/>
+              </a:schemeClr>
+            </a:solidFill>
+          </a:ln>
+        </p:spPr>
+        <p:style>
+          <a:lnRef idx="2">
+            <a:schemeClr val="accent3">
+              <a:shade val="50000"/>
+            </a:schemeClr>
+          </a:lnRef>
+          <a:fillRef idx="1">
+            <a:schemeClr val="accent3"/>
+          </a:fillRef>
+          <a:effectRef idx="0">
+            <a:schemeClr val="accent3"/>
+          </a:effectRef>
+          <a:fontRef idx="minor">
+            <a:schemeClr val="lt1"/>
+          </a:fontRef>
+        </p:style>
+        <p:txBody>
+          <a:bodyPr rtlCol="0" anchor="ctr"/>
+          <a:lstStyle/>
+          <a:p>
+            <a:pPr algn="ctr"/>
+            <a:r>
+              <a:rPr lang="es-MX" dirty="0"/>
+              <a:t>Solución</a:t>
+            </a:r>
+            <a:endParaRPr lang="es-PE" dirty="0"/>
+          </a:p>
+        </p:txBody>
+      </p:sp>
+      <p:sp>
+        <p:nvSpPr>
+          <p:cNvPr id="12" name="Rectángulo redondeado 11"/>
+          <p:cNvSpPr/>
+          <p:nvPr/>
+        </p:nvSpPr>
+        <p:spPr>
+          <a:xfrm>
+            <a:off x="6660232" y="2931295"/>
+            <a:ext cx="1645920" cy="822960"/>
+          </a:xfrm>
+          <a:prstGeom prst="roundRect">
+            <a:avLst/>
+          </a:prstGeom>
+          <a:solidFill>
+            <a:schemeClr val="accent2">
+              <a:lumMod val="75000"/>
+            </a:schemeClr>
+          </a:solidFill>
+          <a:ln>
+            <a:solidFill>
+              <a:schemeClr val="accent2">
+                <a:lumMod val="50000"/>
+              </a:schemeClr>
+            </a:solidFill>
+          </a:ln>
+        </p:spPr>
+        <p:style>
+          <a:lnRef idx="2">
+            <a:schemeClr val="accent3">
+              <a:shade val="50000"/>
+            </a:schemeClr>
+          </a:lnRef>
+          <a:fillRef idx="1">
+            <a:schemeClr val="accent3"/>
+          </a:fillRef>
+          <a:effectRef idx="0">
+            <a:schemeClr val="accent3"/>
+          </a:effectRef>
+          <a:fontRef idx="minor">
+            <a:schemeClr val="lt1"/>
+          </a:fontRef>
+        </p:style>
+        <p:txBody>
+          <a:bodyPr rtlCol="0" anchor="ctr"/>
+          <a:lstStyle/>
+          <a:p>
+            <a:pPr algn="ctr"/>
+            <a:r>
+              <a:rPr lang="es-MX" dirty="0"/>
+              <a:t>Validación</a:t>
+            </a:r>
+            <a:endParaRPr lang="es-PE" dirty="0"/>
+          </a:p>
+        </p:txBody>
+      </p:sp>
+      <p:sp>
+        <p:nvSpPr>
+          <p:cNvPr id="13" name="Rectángulo redondeado 12"/>
+          <p:cNvSpPr/>
+          <p:nvPr/>
+        </p:nvSpPr>
+        <p:spPr>
+          <a:xfrm>
+            <a:off x="966947" y="4509120"/>
+            <a:ext cx="1645920" cy="822960"/>
+          </a:xfrm>
+          <a:prstGeom prst="roundRect">
+            <a:avLst/>
+          </a:prstGeom>
+          <a:ln/>
+        </p:spPr>
+        <p:style>
+          <a:lnRef idx="2">
+            <a:schemeClr val="dk1"/>
+          </a:lnRef>
+          <a:fillRef idx="1">
+            <a:schemeClr val="lt1"/>
+          </a:fillRef>
+          <a:effectRef idx="0">
+            <a:schemeClr val="dk1"/>
+          </a:effectRef>
+          <a:fontRef idx="minor">
+            <a:schemeClr val="dk1"/>
+          </a:fontRef>
+        </p:style>
+        <p:txBody>
+          <a:bodyPr rtlCol="0" anchor="ctr"/>
+          <a:lstStyle/>
+          <a:p>
+            <a:pPr algn="ctr"/>
+            <a:r>
+              <a:rPr lang="es-PE" dirty="0"/>
+              <a:t>Definición del Modelo</a:t>
+            </a:r>
+          </a:p>
+        </p:txBody>
+      </p:sp>
+      <p:sp>
+        <p:nvSpPr>
+          <p:cNvPr id="14" name="Rectángulo redondeado 13"/>
+          <p:cNvSpPr/>
+          <p:nvPr/>
+        </p:nvSpPr>
+        <p:spPr>
+          <a:xfrm>
+            <a:off x="3687566" y="4509120"/>
+            <a:ext cx="1645920" cy="822960"/>
+          </a:xfrm>
+          <a:prstGeom prst="roundRect">
+            <a:avLst/>
+          </a:prstGeom>
+          <a:ln/>
+        </p:spPr>
+        <p:style>
+          <a:lnRef idx="2">
+            <a:schemeClr val="dk1"/>
+          </a:lnRef>
+          <a:fillRef idx="1">
+            <a:schemeClr val="lt1"/>
+          </a:fillRef>
+          <a:effectRef idx="0">
+            <a:schemeClr val="dk1"/>
+          </a:effectRef>
+          <a:fontRef idx="minor">
+            <a:schemeClr val="dk1"/>
+          </a:fontRef>
+        </p:style>
+        <p:txBody>
+          <a:bodyPr rtlCol="0" anchor="ctr"/>
+          <a:lstStyle/>
+          <a:p>
+            <a:pPr algn="ctr"/>
+            <a:r>
+              <a:rPr lang="es-MX" dirty="0"/>
+              <a:t>Implementación del Modelo</a:t>
+            </a:r>
+            <a:endParaRPr lang="es-PE" dirty="0"/>
+          </a:p>
+        </p:txBody>
+      </p:sp>
+      <p:sp>
+        <p:nvSpPr>
+          <p:cNvPr id="15" name="Rectángulo redondeado 14"/>
+          <p:cNvSpPr/>
+          <p:nvPr/>
+        </p:nvSpPr>
+        <p:spPr>
+          <a:xfrm>
+            <a:off x="6660232" y="4509120"/>
+            <a:ext cx="1645920" cy="822960"/>
+          </a:xfrm>
+          <a:prstGeom prst="roundRect">
+            <a:avLst/>
+          </a:prstGeom>
+          <a:solidFill>
+            <a:schemeClr val="tx1"/>
+          </a:solidFill>
+          <a:ln>
+            <a:solidFill>
+              <a:schemeClr val="tx1">
+                <a:lumMod val="95000"/>
+                <a:lumOff val="5000"/>
+              </a:schemeClr>
+            </a:solidFill>
+          </a:ln>
+        </p:spPr>
+        <p:style>
+          <a:lnRef idx="2">
+            <a:schemeClr val="accent3">
+              <a:shade val="50000"/>
+            </a:schemeClr>
+          </a:lnRef>
+          <a:fillRef idx="1">
+            <a:schemeClr val="accent3"/>
+          </a:fillRef>
+          <a:effectRef idx="0">
+            <a:schemeClr val="accent3"/>
+          </a:effectRef>
+          <a:fontRef idx="minor">
+            <a:schemeClr val="lt1"/>
+          </a:fontRef>
+        </p:style>
+        <p:txBody>
+          <a:bodyPr rtlCol="0" anchor="ctr"/>
+          <a:lstStyle/>
+          <a:p>
+            <a:pPr algn="ctr"/>
+            <a:r>
+              <a:rPr lang="es-MX" dirty="0"/>
+              <a:t>Standard</a:t>
+            </a:r>
+            <a:endParaRPr lang="es-PE" dirty="0"/>
+          </a:p>
+        </p:txBody>
+      </p:sp>
+      <p:cxnSp>
+        <p:nvCxnSpPr>
+          <p:cNvPr id="17" name="Conector recto de flecha 16"/>
+          <p:cNvCxnSpPr>
+            <a:stCxn id="11" idx="3"/>
+            <a:endCxn id="12" idx="1"/>
+          </p:cNvCxnSpPr>
+          <p:nvPr/>
+        </p:nvCxnSpPr>
+        <p:spPr>
+          <a:xfrm>
+            <a:off x="5333486" y="3342775"/>
+            <a:ext cx="1326746" cy="0"/>
+          </a:xfrm>
+          <a:prstGeom prst="straightConnector1">
+            <a:avLst/>
+          </a:prstGeom>
+          <a:ln w="28575">
+            <a:tailEnd type="triangle"/>
+          </a:ln>
+        </p:spPr>
+        <p:style>
+          <a:lnRef idx="1">
+            <a:schemeClr val="dk1"/>
+          </a:lnRef>
+          <a:fillRef idx="0">
+            <a:schemeClr val="dk1"/>
+          </a:fillRef>
+          <a:effectRef idx="0">
+            <a:schemeClr val="dk1"/>
+          </a:effectRef>
+          <a:fontRef idx="minor">
+            <a:schemeClr val="tx1"/>
+          </a:fontRef>
+        </p:style>
+      </p:cxnSp>
+      <p:cxnSp>
+        <p:nvCxnSpPr>
+          <p:cNvPr id="20" name="Conector recto de flecha 19"/>
+          <p:cNvCxnSpPr>
+            <a:stCxn id="12" idx="2"/>
+            <a:endCxn id="15" idx="0"/>
+          </p:cNvCxnSpPr>
+          <p:nvPr/>
+        </p:nvCxnSpPr>
+        <p:spPr>
+          <a:xfrm>
+            <a:off x="7483192" y="3754255"/>
+            <a:ext cx="0" cy="754865"/>
+          </a:xfrm>
+          <a:prstGeom prst="straightConnector1">
+            <a:avLst/>
+          </a:prstGeom>
+          <a:ln w="28575">
+            <a:tailEnd type="triangle"/>
+          </a:ln>
+        </p:spPr>
+        <p:style>
+          <a:lnRef idx="1">
+            <a:schemeClr val="dk1"/>
+          </a:lnRef>
+          <a:fillRef idx="0">
+            <a:schemeClr val="dk1"/>
+          </a:fillRef>
+          <a:effectRef idx="0">
+            <a:schemeClr val="dk1"/>
+          </a:effectRef>
+          <a:fontRef idx="minor">
+            <a:schemeClr val="tx1"/>
+          </a:fontRef>
+        </p:style>
+      </p:cxnSp>
+      <p:cxnSp>
+        <p:nvCxnSpPr>
+          <p:cNvPr id="24" name="Conector recto de flecha 23"/>
+          <p:cNvCxnSpPr>
+            <a:stCxn id="14" idx="0"/>
+            <a:endCxn id="11" idx="2"/>
+          </p:cNvCxnSpPr>
+          <p:nvPr/>
+        </p:nvCxnSpPr>
+        <p:spPr>
+          <a:xfrm flipV="1">
+            <a:off x="4510526" y="3754255"/>
+            <a:ext cx="0" cy="754865"/>
+          </a:xfrm>
+          <a:prstGeom prst="straightConnector1">
+            <a:avLst/>
+          </a:prstGeom>
+          <a:ln w="28575">
+            <a:tailEnd type="triangle"/>
+          </a:ln>
+        </p:spPr>
+        <p:style>
+          <a:lnRef idx="1">
+            <a:schemeClr val="dk1"/>
+          </a:lnRef>
+          <a:fillRef idx="0">
+            <a:schemeClr val="dk1"/>
+          </a:fillRef>
+          <a:effectRef idx="0">
+            <a:schemeClr val="dk1"/>
+          </a:effectRef>
+          <a:fontRef idx="minor">
+            <a:schemeClr val="tx1"/>
+          </a:fontRef>
+        </p:style>
+      </p:cxnSp>
+      <p:cxnSp>
+        <p:nvCxnSpPr>
+          <p:cNvPr id="32" name="Conector angular 31"/>
+          <p:cNvCxnSpPr>
+            <a:stCxn id="12" idx="0"/>
+            <a:endCxn id="11" idx="0"/>
+          </p:cNvCxnSpPr>
+          <p:nvPr/>
+        </p:nvCxnSpPr>
+        <p:spPr>
+          <a:xfrm rot="16200000" flipV="1">
+            <a:off x="5996859" y="1444962"/>
+            <a:ext cx="12700" cy="2972666"/>
+          </a:xfrm>
+          <a:prstGeom prst="bentConnector3">
+            <a:avLst>
+              <a:gd name="adj1" fmla="val 1800000"/>
+            </a:avLst>
+          </a:prstGeom>
+          <a:ln w="28575">
+            <a:prstDash val="sysDash"/>
+            <a:tailEnd type="triangle"/>
+          </a:ln>
+        </p:spPr>
+        <p:style>
+          <a:lnRef idx="1">
+            <a:schemeClr val="dk1"/>
+          </a:lnRef>
+          <a:fillRef idx="0">
+            <a:schemeClr val="dk1"/>
+          </a:fillRef>
+          <a:effectRef idx="0">
+            <a:schemeClr val="dk1"/>
+          </a:effectRef>
+          <a:fontRef idx="minor">
+            <a:schemeClr val="tx1"/>
+          </a:fontRef>
+        </p:style>
+      </p:cxnSp>
+      <p:cxnSp>
+        <p:nvCxnSpPr>
+          <p:cNvPr id="51" name="Conector angular 50"/>
+          <p:cNvCxnSpPr>
+            <a:stCxn id="11" idx="3"/>
+            <a:endCxn id="14" idx="3"/>
+          </p:cNvCxnSpPr>
+          <p:nvPr/>
+        </p:nvCxnSpPr>
+        <p:spPr>
+          <a:xfrm>
+            <a:off x="5333486" y="3342775"/>
+            <a:ext cx="12700" cy="1577825"/>
+          </a:xfrm>
+          <a:prstGeom prst="bentConnector3">
+            <a:avLst>
+              <a:gd name="adj1" fmla="val 1800000"/>
+            </a:avLst>
+          </a:prstGeom>
+          <a:ln w="28575">
+            <a:prstDash val="sysDash"/>
+            <a:tailEnd type="triangle"/>
+          </a:ln>
+        </p:spPr>
+        <p:style>
+          <a:lnRef idx="1">
+            <a:schemeClr val="dk1"/>
+          </a:lnRef>
+          <a:fillRef idx="0">
+            <a:schemeClr val="dk1"/>
+          </a:fillRef>
+          <a:effectRef idx="0">
+            <a:schemeClr val="dk1"/>
+          </a:effectRef>
+          <a:fontRef idx="minor">
+            <a:schemeClr val="tx1"/>
+          </a:fontRef>
+        </p:style>
+      </p:cxnSp>
+      <p:cxnSp>
+        <p:nvCxnSpPr>
+          <p:cNvPr id="53" name="Conector recto de flecha 52"/>
+          <p:cNvCxnSpPr>
+            <a:stCxn id="13" idx="3"/>
+            <a:endCxn id="14" idx="1"/>
+          </p:cNvCxnSpPr>
+          <p:nvPr/>
+        </p:nvCxnSpPr>
+        <p:spPr>
+          <a:xfrm>
+            <a:off x="2612867" y="4920600"/>
+            <a:ext cx="1074699" cy="0"/>
+          </a:xfrm>
+          <a:prstGeom prst="straightConnector1">
+            <a:avLst/>
+          </a:prstGeom>
+          <a:ln w="28575">
+            <a:tailEnd type="triangle"/>
+          </a:ln>
+        </p:spPr>
+        <p:style>
+          <a:lnRef idx="1">
+            <a:schemeClr val="dk1"/>
+          </a:lnRef>
+          <a:fillRef idx="0">
+            <a:schemeClr val="dk1"/>
+          </a:fillRef>
+          <a:effectRef idx="0">
+            <a:schemeClr val="dk1"/>
+          </a:effectRef>
+          <a:fontRef idx="minor">
+            <a:schemeClr val="tx1"/>
+          </a:fontRef>
+        </p:style>
+      </p:cxnSp>
+      <p:cxnSp>
+        <p:nvCxnSpPr>
+          <p:cNvPr id="55" name="Conector angular 54"/>
+          <p:cNvCxnSpPr>
+            <a:stCxn id="14" idx="2"/>
+            <a:endCxn id="13" idx="2"/>
+          </p:cNvCxnSpPr>
+          <p:nvPr/>
+        </p:nvCxnSpPr>
+        <p:spPr>
+          <a:xfrm rot="5400000">
+            <a:off x="3150217" y="3971771"/>
+            <a:ext cx="12700" cy="2720619"/>
+          </a:xfrm>
+          <a:prstGeom prst="bentConnector3">
+            <a:avLst>
+              <a:gd name="adj1" fmla="val 1800000"/>
+            </a:avLst>
+          </a:prstGeom>
+          <a:ln w="28575">
+            <a:prstDash val="sysDash"/>
+            <a:tailEnd type="triangle"/>
+          </a:ln>
+        </p:spPr>
+        <p:style>
+          <a:lnRef idx="1">
+            <a:schemeClr val="dk1"/>
+          </a:lnRef>
+          <a:fillRef idx="0">
+            <a:schemeClr val="dk1"/>
+          </a:fillRef>
+          <a:effectRef idx="0">
+            <a:schemeClr val="dk1"/>
+          </a:effectRef>
+          <a:fontRef idx="minor">
+            <a:schemeClr val="tx1"/>
+          </a:fontRef>
+        </p:style>
+      </p:cxnSp>
+      <p:cxnSp>
+        <p:nvCxnSpPr>
+          <p:cNvPr id="57" name="Conector recto de flecha 56"/>
+          <p:cNvCxnSpPr>
+            <a:stCxn id="10" idx="2"/>
+            <a:endCxn id="13" idx="0"/>
+          </p:cNvCxnSpPr>
+          <p:nvPr/>
+        </p:nvCxnSpPr>
+        <p:spPr>
+          <a:xfrm flipH="1">
+            <a:off x="1789907" y="3754255"/>
+            <a:ext cx="6196" cy="754865"/>
+          </a:xfrm>
+          <a:prstGeom prst="straightConnector1">
+            <a:avLst/>
+          </a:prstGeom>
+          <a:ln w="28575">
+            <a:tailEnd type="triangle"/>
+          </a:ln>
+        </p:spPr>
+        <p:style>
+          <a:lnRef idx="1">
+            <a:schemeClr val="dk1"/>
+          </a:lnRef>
+          <a:fillRef idx="0">
+            <a:schemeClr val="dk1"/>
+          </a:fillRef>
+          <a:effectRef idx="0">
+            <a:schemeClr val="dk1"/>
+          </a:effectRef>
+          <a:fontRef idx="minor">
+            <a:schemeClr val="tx1"/>
+          </a:fontRef>
+        </p:style>
+      </p:cxnSp>
+      <p:cxnSp>
+        <p:nvCxnSpPr>
+          <p:cNvPr id="59" name="Conector angular 58"/>
+          <p:cNvCxnSpPr>
+            <a:stCxn id="13" idx="1"/>
+            <a:endCxn id="10" idx="1"/>
+          </p:cNvCxnSpPr>
+          <p:nvPr/>
+        </p:nvCxnSpPr>
+        <p:spPr>
+          <a:xfrm rot="10800000" flipH="1">
+            <a:off x="966947" y="3342776"/>
+            <a:ext cx="6196" cy="1577825"/>
+          </a:xfrm>
+          <a:prstGeom prst="bentConnector3">
+            <a:avLst>
+              <a:gd name="adj1" fmla="val -3689477"/>
+            </a:avLst>
+          </a:prstGeom>
+          <a:ln w="28575">
+            <a:prstDash val="sysDash"/>
+            <a:tailEnd type="triangle"/>
+          </a:ln>
+        </p:spPr>
+        <p:style>
+          <a:lnRef idx="1">
+            <a:schemeClr val="dk1"/>
+          </a:lnRef>
+          <a:fillRef idx="0">
+            <a:schemeClr val="dk1"/>
+          </a:fillRef>
+          <a:effectRef idx="0">
+            <a:schemeClr val="dk1"/>
+          </a:effectRef>
+          <a:fontRef idx="minor">
+            <a:schemeClr val="tx1"/>
+          </a:fontRef>
+        </p:style>
+      </p:cxnSp>
+      <p:cxnSp>
+        <p:nvCxnSpPr>
+          <p:cNvPr id="63" name="Conector recto de flecha 62"/>
+          <p:cNvCxnSpPr/>
+          <p:nvPr/>
+        </p:nvCxnSpPr>
+        <p:spPr>
+          <a:xfrm>
+            <a:off x="6228184" y="5877272"/>
+            <a:ext cx="864096" cy="0"/>
+          </a:xfrm>
+          <a:prstGeom prst="straightConnector1">
+            <a:avLst/>
+          </a:prstGeom>
+          <a:ln w="38100">
+            <a:prstDash val="sysDash"/>
+            <a:tailEnd type="triangle"/>
+          </a:ln>
+        </p:spPr>
+        <p:style>
+          <a:lnRef idx="1">
+            <a:schemeClr val="dk1"/>
+          </a:lnRef>
+          <a:fillRef idx="0">
+            <a:schemeClr val="dk1"/>
+          </a:fillRef>
+          <a:effectRef idx="0">
+            <a:schemeClr val="dk1"/>
+          </a:effectRef>
+          <a:fontRef idx="minor">
+            <a:schemeClr val="tx1"/>
+          </a:fontRef>
+        </p:style>
+      </p:cxnSp>
+      <p:sp>
+        <p:nvSpPr>
+          <p:cNvPr id="65" name="CuadroTexto 64"/>
+          <p:cNvSpPr txBox="1"/>
+          <p:nvPr/>
+        </p:nvSpPr>
+        <p:spPr>
+          <a:xfrm>
+            <a:off x="5138093" y="5670458"/>
+            <a:ext cx="1106521" cy="369332"/>
+          </a:xfrm>
+          <a:prstGeom prst="rect">
+            <a:avLst/>
+          </a:prstGeom>
+          <a:noFill/>
+        </p:spPr>
+        <p:txBody>
+          <a:bodyPr wrap="none" rtlCol="0">
+            <a:spAutoFit/>
+          </a:bodyPr>
+          <a:lstStyle/>
+          <a:p>
+            <a:r>
+              <a:rPr lang="es-PE" dirty="0"/>
+              <a:t>Validación:</a:t>
             </a:r>
           </a:p>
         </p:txBody>
@@ -12616,7 +15699,7 @@
     </p:spTree>
     <p:extLst>
       <p:ext uri="{BB962C8B-B14F-4D97-AF65-F5344CB8AC3E}">
-        <p14:creationId xmlns:p14="http://schemas.microsoft.com/office/powerpoint/2010/main" val="147473549"/>
+        <p14:creationId xmlns:p14="http://schemas.microsoft.com/office/powerpoint/2010/main" val="3725385386"/>
       </p:ext>
     </p:extLst>
   </p:cSld>
@@ -12718,7 +15801,7 @@
           <a:p>
             <a:r>
               <a:rPr lang="es-PE" altLang="en-US" dirty="0"/>
-              <a:t>Modelamiento matemático</a:t>
+              <a:t>Modelo vs Realidad &amp; Clasificación</a:t>
             </a:r>
           </a:p>
         </p:txBody>
@@ -12732,7 +15815,7 @@
         <p:spPr>
           <a:xfrm>
             <a:off x="602191" y="836712"/>
-            <a:ext cx="8002257" cy="2246769"/>
+            <a:ext cx="8002257" cy="1938992"/>
           </a:xfrm>
           <a:prstGeom prst="rect">
             <a:avLst/>
@@ -12751,7 +15834,7 @@
             </a:pPr>
             <a:r>
               <a:rPr lang="es-MX" sz="2000" dirty="0"/>
-              <a:t>Definición: Proceso de abstracción de la realidad hacia formas matemáticas para representar partes de ella.</a:t>
+              <a:t>Menos datos y más hipótesis para obtención rápida de resultados.</a:t>
             </a:r>
           </a:p>
           <a:p>
@@ -12761,27 +15844,7 @@
             </a:pPr>
             <a:r>
               <a:rPr lang="es-MX" sz="2000" dirty="0"/>
-              <a:t>Entonces: </a:t>
-            </a:r>
-          </a:p>
-          <a:p>
-            <a:pPr marL="742950" lvl="1" indent="-285750">
-              <a:buFont typeface="Arial" panose="020B0604020202020204" pitchFamily="34" charset="0"/>
-              <a:buChar char="•"/>
-            </a:pPr>
-            <a:r>
-              <a:rPr lang="es-MX" sz="2000" dirty="0"/>
-              <a:t>Representación simplificada de una realidad</a:t>
-            </a:r>
-          </a:p>
-          <a:p>
-            <a:pPr marL="742950" lvl="1" indent="-285750">
-              <a:buFont typeface="Arial" panose="020B0604020202020204" pitchFamily="34" charset="0"/>
-              <a:buChar char="•"/>
-            </a:pPr>
-            <a:r>
-              <a:rPr lang="es-MX" sz="2000" dirty="0"/>
-              <a:t>Herramienta ayuda para la toma de decisiones</a:t>
+              <a:t>Definición defectuosa del problema</a:t>
             </a:r>
           </a:p>
           <a:p>
@@ -12790,8 +15853,8 @@
               <a:buChar char="•"/>
             </a:pPr>
             <a:r>
-              <a:rPr lang="es-MX" sz="2000" dirty="0"/>
-              <a:t>Modelador: desarrollo del modelo.</a:t>
+              <a:rPr lang="es-PE" sz="2000" dirty="0"/>
+              <a:t>Falta de experiencia y capacitación del modelador</a:t>
             </a:r>
           </a:p>
           <a:p>
@@ -12800,31 +15863,214 @@
               <a:buChar char="•"/>
             </a:pPr>
             <a:r>
-              <a:rPr lang="es-MX" sz="2000" dirty="0"/>
-              <a:t>Experto: conocimiento de la realidad del problema</a:t>
-            </a:r>
-          </a:p>
-        </p:txBody>
-      </p:sp>
-      <p:sp>
-        <p:nvSpPr>
-          <p:cNvPr id="7" name="Rectángulo redondeado 6"/>
+              <a:rPr lang="es-PE" sz="2000" dirty="0"/>
+              <a:t>El concepto de modelo adecuado varía con el tiempo, debido a que los modelos complejos de hoy pueden ser modelos adecuado en el futuro.</a:t>
+            </a:r>
+          </a:p>
+          <a:p>
+            <a:pPr marL="285750" indent="-285750">
+              <a:buFont typeface="Arial" panose="020B0604020202020204" pitchFamily="34" charset="0"/>
+              <a:buChar char="•"/>
+            </a:pPr>
+            <a:endParaRPr lang="es-MX" sz="2000" dirty="0"/>
+          </a:p>
+        </p:txBody>
+      </p:sp>
+      <p:sp>
+        <p:nvSpPr>
+          <p:cNvPr id="4" name="CuadroTexto 3"/>
+          <p:cNvSpPr txBox="1"/>
+          <p:nvPr/>
+        </p:nvSpPr>
+        <p:spPr>
+          <a:xfrm>
+            <a:off x="611560" y="2701369"/>
+            <a:ext cx="7992888" cy="1015663"/>
+          </a:xfrm>
+          <a:prstGeom prst="rect">
+            <a:avLst/>
+          </a:prstGeom>
+          <a:noFill/>
+        </p:spPr>
+        <p:txBody>
+          <a:bodyPr wrap="square" rtlCol="0">
+            <a:spAutoFit/>
+          </a:bodyPr>
+          <a:lstStyle/>
+          <a:p>
+            <a:pPr algn="ctr"/>
+            <a:r>
+              <a:rPr lang="es-MX" sz="2000" dirty="0">
+                <a:latin typeface="Lucida Calligraphy" panose="03010101010101010101" pitchFamily="66" charset="0"/>
+              </a:rPr>
+              <a:t>La relación entre el modelo y la método de solución es relativo y depende de la tecnología de la época.</a:t>
+            </a:r>
+          </a:p>
+          <a:p>
+            <a:pPr algn="ctr"/>
+            <a:endParaRPr lang="es-PE" sz="2000" dirty="0">
+              <a:latin typeface="Lucida Calligraphy" panose="03010101010101010101" pitchFamily="66" charset="0"/>
+            </a:endParaRPr>
+          </a:p>
+        </p:txBody>
+      </p:sp>
+      <p:sp>
+        <p:nvSpPr>
+          <p:cNvPr id="8" name="Rectángulo redondeado 7"/>
           <p:cNvSpPr/>
           <p:nvPr/>
         </p:nvSpPr>
         <p:spPr>
           <a:xfrm>
-            <a:off x="971600" y="3389095"/>
-            <a:ext cx="1440160" cy="720080"/>
+            <a:off x="5508104" y="3789040"/>
+            <a:ext cx="2592288" cy="1997330"/>
           </a:xfrm>
           <a:prstGeom prst="roundRect">
             <a:avLst/>
           </a:prstGeom>
-          <a:ln>
-            <a:solidFill>
-              <a:schemeClr val="tx2"/>
-            </a:solidFill>
-          </a:ln>
+        </p:spPr>
+        <p:style>
+          <a:lnRef idx="1">
+            <a:schemeClr val="dk1"/>
+          </a:lnRef>
+          <a:fillRef idx="2">
+            <a:schemeClr val="dk1"/>
+          </a:fillRef>
+          <a:effectRef idx="1">
+            <a:schemeClr val="dk1"/>
+          </a:effectRef>
+          <a:fontRef idx="minor">
+            <a:schemeClr val="dk1"/>
+          </a:fontRef>
+        </p:style>
+        <p:txBody>
+          <a:bodyPr rtlCol="0" anchor="ctr"/>
+          <a:lstStyle/>
+          <a:p>
+            <a:r>
+              <a:rPr lang="es-PE" sz="2000" dirty="0"/>
+              <a:t>Según la características del tiempo:</a:t>
+            </a:r>
+          </a:p>
+          <a:p>
+            <a:pPr marL="342900" indent="-342900">
+              <a:buFont typeface="Arial" panose="020B0604020202020204" pitchFamily="34" charset="0"/>
+              <a:buChar char="•"/>
+            </a:pPr>
+            <a:r>
+              <a:rPr lang="es-PE" sz="2000" dirty="0"/>
+              <a:t>Estático</a:t>
+            </a:r>
+          </a:p>
+          <a:p>
+            <a:pPr marL="342900" indent="-342900">
+              <a:buFont typeface="Arial" panose="020B0604020202020204" pitchFamily="34" charset="0"/>
+              <a:buChar char="•"/>
+            </a:pPr>
+            <a:r>
+              <a:rPr lang="es-PE" sz="2000" dirty="0"/>
+              <a:t>Dinámico</a:t>
+            </a:r>
+          </a:p>
+          <a:p>
+            <a:pPr marL="342900" indent="-342900">
+              <a:buFont typeface="Arial" panose="020B0604020202020204" pitchFamily="34" charset="0"/>
+              <a:buChar char="•"/>
+            </a:pPr>
+            <a:endParaRPr lang="es-PE" sz="2000" dirty="0"/>
+          </a:p>
+        </p:txBody>
+      </p:sp>
+      <p:sp>
+        <p:nvSpPr>
+          <p:cNvPr id="9" name="Rectángulo redondeado 8"/>
+          <p:cNvSpPr/>
+          <p:nvPr/>
+        </p:nvSpPr>
+        <p:spPr>
+          <a:xfrm>
+            <a:off x="1191951" y="3789040"/>
+            <a:ext cx="2659969" cy="1997330"/>
+          </a:xfrm>
+          <a:prstGeom prst="roundRect">
+            <a:avLst/>
+          </a:prstGeom>
+        </p:spPr>
+        <p:style>
+          <a:lnRef idx="1">
+            <a:schemeClr val="dk1"/>
+          </a:lnRef>
+          <a:fillRef idx="2">
+            <a:schemeClr val="dk1"/>
+          </a:fillRef>
+          <a:effectRef idx="1">
+            <a:schemeClr val="dk1"/>
+          </a:effectRef>
+          <a:fontRef idx="minor">
+            <a:schemeClr val="dk1"/>
+          </a:fontRef>
+        </p:style>
+        <p:txBody>
+          <a:bodyPr rtlCol="0" anchor="ctr"/>
+          <a:lstStyle/>
+          <a:p>
+            <a:r>
+              <a:rPr lang="es-PE" sz="2000" dirty="0"/>
+              <a:t>Según la disposición de información:</a:t>
+            </a:r>
+          </a:p>
+          <a:p>
+            <a:pPr marL="285750" indent="-285750">
+              <a:buFont typeface="Arial" panose="020B0604020202020204" pitchFamily="34" charset="0"/>
+              <a:buChar char="•"/>
+            </a:pPr>
+            <a:r>
+              <a:rPr lang="es-PE" sz="2000" dirty="0"/>
+              <a:t>Determinístico</a:t>
+            </a:r>
+          </a:p>
+          <a:p>
+            <a:pPr marL="285750" indent="-285750">
+              <a:buFont typeface="Arial" panose="020B0604020202020204" pitchFamily="34" charset="0"/>
+              <a:buChar char="•"/>
+            </a:pPr>
+            <a:r>
+              <a:rPr lang="es-PE" sz="2000" dirty="0"/>
+              <a:t>Estocástico</a:t>
+            </a:r>
+          </a:p>
+          <a:p>
+            <a:pPr marL="285750" indent="-285750">
+              <a:buFont typeface="Arial" panose="020B0604020202020204" pitchFamily="34" charset="0"/>
+              <a:buChar char="•"/>
+            </a:pPr>
+            <a:r>
+              <a:rPr lang="es-PE" sz="2000" dirty="0"/>
+              <a:t>Puramente incierto</a:t>
+            </a:r>
+          </a:p>
+        </p:txBody>
+      </p:sp>
+      <p:sp>
+        <p:nvSpPr>
+          <p:cNvPr id="10" name="Star: 5 Points 9">
+            <a:extLst>
+              <a:ext uri="{FF2B5EF4-FFF2-40B4-BE49-F238E27FC236}">
+                <a16:creationId xmlns:a16="http://schemas.microsoft.com/office/drawing/2014/main" id="{0C54F24F-DCE9-4570-8921-E6748A2C761F}"/>
+              </a:ext>
+            </a:extLst>
+          </p:cNvPr>
+          <p:cNvSpPr/>
+          <p:nvPr/>
+        </p:nvSpPr>
+        <p:spPr>
+          <a:xfrm>
+            <a:off x="8028384" y="1772816"/>
+            <a:ext cx="1080120" cy="648072"/>
+          </a:xfrm>
+          <a:prstGeom prst="star5">
+            <a:avLst/>
+          </a:prstGeom>
         </p:spPr>
         <p:style>
           <a:lnRef idx="2">
@@ -12847,746 +16093,14 @@
           <a:lstStyle/>
           <a:p>
             <a:pPr algn="ctr"/>
-            <a:r>
-              <a:rPr lang="es-MX" dirty="0"/>
-              <a:t>Realidad</a:t>
-            </a:r>
-            <a:endParaRPr lang="es-PE" dirty="0"/>
-          </a:p>
-        </p:txBody>
-      </p:sp>
-      <p:sp>
-        <p:nvSpPr>
-          <p:cNvPr id="6" name="Rectángulo redondeado 5"/>
-          <p:cNvSpPr/>
-          <p:nvPr/>
-        </p:nvSpPr>
-        <p:spPr>
-          <a:xfrm>
-            <a:off x="3851920" y="3425099"/>
-            <a:ext cx="1368152" cy="648072"/>
-          </a:xfrm>
-          <a:prstGeom prst="roundRect">
-            <a:avLst/>
-          </a:prstGeom>
-          <a:solidFill>
-            <a:schemeClr val="accent1"/>
-          </a:solidFill>
-          <a:ln>
-            <a:solidFill>
-              <a:schemeClr val="tx2"/>
-            </a:solidFill>
-          </a:ln>
-        </p:spPr>
-        <p:style>
-          <a:lnRef idx="2">
-            <a:schemeClr val="accent3">
-              <a:shade val="50000"/>
-            </a:schemeClr>
-          </a:lnRef>
-          <a:fillRef idx="1">
-            <a:schemeClr val="accent3"/>
-          </a:fillRef>
-          <a:effectRef idx="0">
-            <a:schemeClr val="accent3"/>
-          </a:effectRef>
-          <a:fontRef idx="minor">
-            <a:schemeClr val="lt1"/>
-          </a:fontRef>
-        </p:style>
-        <p:txBody>
-          <a:bodyPr rtlCol="0" anchor="ctr"/>
-          <a:lstStyle/>
-          <a:p>
-            <a:pPr algn="ctr"/>
-            <a:r>
-              <a:rPr lang="es-MX" dirty="0"/>
-              <a:t>Realidad asumida</a:t>
-            </a:r>
-            <a:endParaRPr lang="es-PE" dirty="0"/>
-          </a:p>
-        </p:txBody>
-      </p:sp>
-      <p:sp>
-        <p:nvSpPr>
-          <p:cNvPr id="8" name="Rectángulo redondeado 7"/>
-          <p:cNvSpPr/>
-          <p:nvPr/>
-        </p:nvSpPr>
-        <p:spPr>
-          <a:xfrm>
-            <a:off x="6660232" y="3425099"/>
-            <a:ext cx="1368152" cy="648072"/>
-          </a:xfrm>
-          <a:prstGeom prst="roundRect">
-            <a:avLst/>
-          </a:prstGeom>
-          <a:solidFill>
-            <a:schemeClr val="accent2">
-              <a:lumMod val="75000"/>
-            </a:schemeClr>
-          </a:solidFill>
-          <a:ln>
-            <a:solidFill>
-              <a:schemeClr val="accent2">
-                <a:lumMod val="50000"/>
-              </a:schemeClr>
-            </a:solidFill>
-          </a:ln>
-        </p:spPr>
-        <p:style>
-          <a:lnRef idx="2">
-            <a:schemeClr val="accent3">
-              <a:shade val="50000"/>
-            </a:schemeClr>
-          </a:lnRef>
-          <a:fillRef idx="1">
-            <a:schemeClr val="accent3"/>
-          </a:fillRef>
-          <a:effectRef idx="0">
-            <a:schemeClr val="accent3"/>
-          </a:effectRef>
-          <a:fontRef idx="minor">
-            <a:schemeClr val="lt1"/>
-          </a:fontRef>
-        </p:style>
-        <p:txBody>
-          <a:bodyPr rtlCol="0" anchor="ctr"/>
-          <a:lstStyle/>
-          <a:p>
-            <a:pPr algn="ctr"/>
-            <a:r>
-              <a:rPr lang="es-MX" dirty="0"/>
-              <a:t>Modelo</a:t>
-            </a:r>
-            <a:endParaRPr lang="es-PE" dirty="0"/>
-          </a:p>
-        </p:txBody>
-      </p:sp>
-      <p:sp>
-        <p:nvSpPr>
-          <p:cNvPr id="9" name="Rectángulo redondeado 8"/>
-          <p:cNvSpPr/>
-          <p:nvPr/>
-        </p:nvSpPr>
-        <p:spPr>
-          <a:xfrm>
-            <a:off x="971600" y="5085184"/>
-            <a:ext cx="1440160" cy="720080"/>
-          </a:xfrm>
-          <a:prstGeom prst="roundRect">
-            <a:avLst/>
-          </a:prstGeom>
-          <a:solidFill>
-            <a:schemeClr val="bg2">
-              <a:lumMod val="50000"/>
-            </a:schemeClr>
-          </a:solidFill>
-          <a:ln>
-            <a:solidFill>
-              <a:schemeClr val="bg2">
-                <a:lumMod val="10000"/>
-              </a:schemeClr>
-            </a:solidFill>
-          </a:ln>
-        </p:spPr>
-        <p:style>
-          <a:lnRef idx="2">
-            <a:schemeClr val="accent1">
-              <a:shade val="50000"/>
-            </a:schemeClr>
-          </a:lnRef>
-          <a:fillRef idx="1">
-            <a:schemeClr val="accent1"/>
-          </a:fillRef>
-          <a:effectRef idx="0">
-            <a:schemeClr val="accent1"/>
-          </a:effectRef>
-          <a:fontRef idx="minor">
-            <a:schemeClr val="lt1"/>
-          </a:fontRef>
-        </p:style>
-        <p:txBody>
-          <a:bodyPr rtlCol="0" anchor="ctr"/>
-          <a:lstStyle/>
-          <a:p>
-            <a:pPr algn="ctr"/>
-            <a:r>
-              <a:rPr lang="es-MX" dirty="0"/>
-              <a:t>Solución</a:t>
-            </a:r>
-            <a:r>
-              <a:rPr lang="es-PE" dirty="0"/>
-              <a:t> al problema</a:t>
-            </a:r>
-          </a:p>
-        </p:txBody>
-      </p:sp>
-      <p:sp>
-        <p:nvSpPr>
-          <p:cNvPr id="10" name="Rectángulo redondeado 9"/>
-          <p:cNvSpPr/>
-          <p:nvPr/>
-        </p:nvSpPr>
-        <p:spPr>
-          <a:xfrm>
-            <a:off x="3851920" y="5121188"/>
-            <a:ext cx="1368152" cy="648072"/>
-          </a:xfrm>
-          <a:prstGeom prst="roundRect">
-            <a:avLst/>
-          </a:prstGeom>
-          <a:solidFill>
-            <a:schemeClr val="accent1"/>
-          </a:solidFill>
-          <a:ln>
-            <a:solidFill>
-              <a:schemeClr val="tx2"/>
-            </a:solidFill>
-          </a:ln>
-        </p:spPr>
-        <p:style>
-          <a:lnRef idx="2">
-            <a:schemeClr val="accent3">
-              <a:shade val="50000"/>
-            </a:schemeClr>
-          </a:lnRef>
-          <a:fillRef idx="1">
-            <a:schemeClr val="accent3"/>
-          </a:fillRef>
-          <a:effectRef idx="0">
-            <a:schemeClr val="accent3"/>
-          </a:effectRef>
-          <a:fontRef idx="minor">
-            <a:schemeClr val="lt1"/>
-          </a:fontRef>
-        </p:style>
-        <p:txBody>
-          <a:bodyPr rtlCol="0" anchor="ctr"/>
-          <a:lstStyle/>
-          <a:p>
-            <a:pPr algn="ctr"/>
-            <a:r>
-              <a:rPr lang="es-MX" dirty="0"/>
-              <a:t>Juicios y experiencias</a:t>
-            </a:r>
-            <a:endParaRPr lang="es-PE" dirty="0"/>
-          </a:p>
-        </p:txBody>
-      </p:sp>
-      <p:sp>
-        <p:nvSpPr>
-          <p:cNvPr id="11" name="Rectángulo redondeado 10"/>
-          <p:cNvSpPr/>
-          <p:nvPr/>
-        </p:nvSpPr>
-        <p:spPr>
-          <a:xfrm>
-            <a:off x="6660232" y="5121188"/>
-            <a:ext cx="1368152" cy="648072"/>
-          </a:xfrm>
-          <a:prstGeom prst="roundRect">
-            <a:avLst/>
-          </a:prstGeom>
-          <a:solidFill>
-            <a:schemeClr val="bg2">
-              <a:lumMod val="50000"/>
-            </a:schemeClr>
-          </a:solidFill>
-          <a:ln>
-            <a:solidFill>
-              <a:schemeClr val="bg2">
-                <a:lumMod val="10000"/>
-              </a:schemeClr>
-            </a:solidFill>
-          </a:ln>
-        </p:spPr>
-        <p:style>
-          <a:lnRef idx="2">
-            <a:schemeClr val="accent3">
-              <a:shade val="50000"/>
-            </a:schemeClr>
-          </a:lnRef>
-          <a:fillRef idx="1">
-            <a:schemeClr val="accent3"/>
-          </a:fillRef>
-          <a:effectRef idx="0">
-            <a:schemeClr val="accent3"/>
-          </a:effectRef>
-          <a:fontRef idx="minor">
-            <a:schemeClr val="lt1"/>
-          </a:fontRef>
-        </p:style>
-        <p:txBody>
-          <a:bodyPr rtlCol="0" anchor="ctr"/>
-          <a:lstStyle/>
-          <a:p>
-            <a:pPr algn="ctr"/>
-            <a:r>
-              <a:rPr lang="es-MX" dirty="0"/>
-              <a:t>Solución al Modelo</a:t>
-            </a:r>
-            <a:endParaRPr lang="es-PE" dirty="0"/>
-          </a:p>
-        </p:txBody>
-      </p:sp>
-      <p:cxnSp>
-        <p:nvCxnSpPr>
-          <p:cNvPr id="12" name="Conector recto de flecha 11"/>
-          <p:cNvCxnSpPr>
-            <a:stCxn id="7" idx="3"/>
-            <a:endCxn id="6" idx="1"/>
-          </p:cNvCxnSpPr>
-          <p:nvPr/>
-        </p:nvCxnSpPr>
-        <p:spPr>
-          <a:xfrm>
-            <a:off x="2411760" y="3749135"/>
-            <a:ext cx="1440160" cy="0"/>
-          </a:xfrm>
-          <a:prstGeom prst="straightConnector1">
-            <a:avLst/>
-          </a:prstGeom>
-          <a:ln w="28575">
-            <a:tailEnd type="triangle"/>
-          </a:ln>
-        </p:spPr>
-        <p:style>
-          <a:lnRef idx="1">
-            <a:schemeClr val="dk1"/>
-          </a:lnRef>
-          <a:fillRef idx="0">
-            <a:schemeClr val="dk1"/>
-          </a:fillRef>
-          <a:effectRef idx="0">
-            <a:schemeClr val="dk1"/>
-          </a:effectRef>
-          <a:fontRef idx="minor">
-            <a:schemeClr val="tx1"/>
-          </a:fontRef>
-        </p:style>
-      </p:cxnSp>
-      <p:cxnSp>
-        <p:nvCxnSpPr>
-          <p:cNvPr id="14" name="Conector recto de flecha 13"/>
-          <p:cNvCxnSpPr>
-            <a:stCxn id="6" idx="3"/>
-            <a:endCxn id="8" idx="1"/>
-          </p:cNvCxnSpPr>
-          <p:nvPr/>
-        </p:nvCxnSpPr>
-        <p:spPr>
-          <a:xfrm>
-            <a:off x="5220072" y="3749135"/>
-            <a:ext cx="1440160" cy="0"/>
-          </a:xfrm>
-          <a:prstGeom prst="straightConnector1">
-            <a:avLst/>
-          </a:prstGeom>
-          <a:ln w="28575">
-            <a:tailEnd type="triangle"/>
-          </a:ln>
-        </p:spPr>
-        <p:style>
-          <a:lnRef idx="1">
-            <a:schemeClr val="dk1"/>
-          </a:lnRef>
-          <a:fillRef idx="0">
-            <a:schemeClr val="dk1"/>
-          </a:fillRef>
-          <a:effectRef idx="0">
-            <a:schemeClr val="dk1"/>
-          </a:effectRef>
-          <a:fontRef idx="minor">
-            <a:schemeClr val="tx1"/>
-          </a:fontRef>
-        </p:style>
-      </p:cxnSp>
-      <p:sp>
-        <p:nvSpPr>
-          <p:cNvPr id="15" name="CuadroTexto 14"/>
-          <p:cNvSpPr txBox="1"/>
-          <p:nvPr/>
-        </p:nvSpPr>
-        <p:spPr>
-          <a:xfrm>
-            <a:off x="2729742" y="3487525"/>
-            <a:ext cx="804195" cy="523220"/>
-          </a:xfrm>
-          <a:prstGeom prst="rect">
-            <a:avLst/>
-          </a:prstGeom>
-          <a:noFill/>
-        </p:spPr>
-        <p:txBody>
-          <a:bodyPr wrap="none" rtlCol="0">
-            <a:spAutoFit/>
-          </a:bodyPr>
-          <a:lstStyle/>
-          <a:p>
-            <a:pPr algn="ctr"/>
-            <a:r>
-              <a:rPr lang="es-PE" sz="1400" dirty="0"/>
-              <a:t>Variables </a:t>
-            </a:r>
-          </a:p>
-          <a:p>
-            <a:pPr algn="ctr"/>
-            <a:r>
-              <a:rPr lang="es-PE" sz="1400" dirty="0"/>
-              <a:t>relevante</a:t>
-            </a:r>
-          </a:p>
-        </p:txBody>
-      </p:sp>
-      <p:sp>
-        <p:nvSpPr>
-          <p:cNvPr id="16" name="CuadroTexto 15"/>
-          <p:cNvSpPr txBox="1"/>
-          <p:nvPr/>
-        </p:nvSpPr>
-        <p:spPr>
-          <a:xfrm>
-            <a:off x="5482334" y="3487525"/>
-            <a:ext cx="915635" cy="523220"/>
-          </a:xfrm>
-          <a:prstGeom prst="rect">
-            <a:avLst/>
-          </a:prstGeom>
-          <a:noFill/>
-        </p:spPr>
-        <p:txBody>
-          <a:bodyPr wrap="none" rtlCol="0">
-            <a:spAutoFit/>
-          </a:bodyPr>
-          <a:lstStyle/>
-          <a:p>
-            <a:pPr algn="ctr"/>
-            <a:r>
-              <a:rPr lang="es-PE" sz="1400" dirty="0"/>
-              <a:t>Relaciones </a:t>
-            </a:r>
-          </a:p>
-          <a:p>
-            <a:pPr algn="ctr"/>
-            <a:r>
-              <a:rPr lang="es-PE" sz="1400" dirty="0"/>
-              <a:t>relevante</a:t>
-            </a:r>
-          </a:p>
-        </p:txBody>
-      </p:sp>
-      <p:cxnSp>
-        <p:nvCxnSpPr>
-          <p:cNvPr id="18" name="Conector recto de flecha 17"/>
-          <p:cNvCxnSpPr>
-            <a:stCxn id="8" idx="2"/>
-            <a:endCxn id="11" idx="0"/>
-          </p:cNvCxnSpPr>
-          <p:nvPr/>
-        </p:nvCxnSpPr>
-        <p:spPr>
-          <a:xfrm>
-            <a:off x="7344308" y="4073171"/>
-            <a:ext cx="0" cy="1048017"/>
-          </a:xfrm>
-          <a:prstGeom prst="straightConnector1">
-            <a:avLst/>
-          </a:prstGeom>
-          <a:ln w="28575">
-            <a:tailEnd type="triangle"/>
-          </a:ln>
-        </p:spPr>
-        <p:style>
-          <a:lnRef idx="1">
-            <a:schemeClr val="dk1"/>
-          </a:lnRef>
-          <a:fillRef idx="0">
-            <a:schemeClr val="dk1"/>
-          </a:fillRef>
-          <a:effectRef idx="0">
-            <a:schemeClr val="dk1"/>
-          </a:effectRef>
-          <a:fontRef idx="minor">
-            <a:schemeClr val="tx1"/>
-          </a:fontRef>
-        </p:style>
-      </p:cxnSp>
-      <p:cxnSp>
-        <p:nvCxnSpPr>
-          <p:cNvPr id="20" name="Conector recto de flecha 19"/>
-          <p:cNvCxnSpPr>
-            <a:stCxn id="11" idx="1"/>
-            <a:endCxn id="10" idx="3"/>
-          </p:cNvCxnSpPr>
-          <p:nvPr/>
-        </p:nvCxnSpPr>
-        <p:spPr>
-          <a:xfrm flipH="1">
-            <a:off x="5220072" y="5445224"/>
-            <a:ext cx="1440160" cy="0"/>
-          </a:xfrm>
-          <a:prstGeom prst="straightConnector1">
-            <a:avLst/>
-          </a:prstGeom>
-          <a:ln w="28575">
-            <a:tailEnd type="triangle"/>
-          </a:ln>
-        </p:spPr>
-        <p:style>
-          <a:lnRef idx="1">
-            <a:schemeClr val="dk1"/>
-          </a:lnRef>
-          <a:fillRef idx="0">
-            <a:schemeClr val="dk1"/>
-          </a:fillRef>
-          <a:effectRef idx="0">
-            <a:schemeClr val="dk1"/>
-          </a:effectRef>
-          <a:fontRef idx="minor">
-            <a:schemeClr val="tx1"/>
-          </a:fontRef>
-        </p:style>
-      </p:cxnSp>
-      <p:cxnSp>
-        <p:nvCxnSpPr>
-          <p:cNvPr id="22" name="Conector recto de flecha 21"/>
-          <p:cNvCxnSpPr>
-            <a:stCxn id="10" idx="1"/>
-            <a:endCxn id="9" idx="3"/>
-          </p:cNvCxnSpPr>
-          <p:nvPr/>
-        </p:nvCxnSpPr>
-        <p:spPr>
-          <a:xfrm flipH="1">
-            <a:off x="2411760" y="5445224"/>
-            <a:ext cx="1440160" cy="0"/>
-          </a:xfrm>
-          <a:prstGeom prst="straightConnector1">
-            <a:avLst/>
-          </a:prstGeom>
-          <a:ln w="28575">
-            <a:tailEnd type="triangle"/>
-          </a:ln>
-        </p:spPr>
-        <p:style>
-          <a:lnRef idx="1">
-            <a:schemeClr val="dk1"/>
-          </a:lnRef>
-          <a:fillRef idx="0">
-            <a:schemeClr val="dk1"/>
-          </a:fillRef>
-          <a:effectRef idx="0">
-            <a:schemeClr val="dk1"/>
-          </a:effectRef>
-          <a:fontRef idx="minor">
-            <a:schemeClr val="tx1"/>
-          </a:fontRef>
-        </p:style>
-      </p:cxnSp>
-      <p:cxnSp>
-        <p:nvCxnSpPr>
-          <p:cNvPr id="24" name="Conector recto de flecha 23"/>
-          <p:cNvCxnSpPr>
-            <a:stCxn id="9" idx="0"/>
-            <a:endCxn id="7" idx="2"/>
-          </p:cNvCxnSpPr>
-          <p:nvPr/>
-        </p:nvCxnSpPr>
-        <p:spPr>
-          <a:xfrm flipV="1">
-            <a:off x="1691680" y="4109175"/>
-            <a:ext cx="0" cy="976009"/>
-          </a:xfrm>
-          <a:prstGeom prst="straightConnector1">
-            <a:avLst/>
-          </a:prstGeom>
-          <a:ln w="28575">
-            <a:tailEnd type="triangle"/>
-          </a:ln>
-        </p:spPr>
-        <p:style>
-          <a:lnRef idx="1">
-            <a:schemeClr val="dk1"/>
-          </a:lnRef>
-          <a:fillRef idx="0">
-            <a:schemeClr val="dk1"/>
-          </a:fillRef>
-          <a:effectRef idx="0">
-            <a:schemeClr val="dk1"/>
-          </a:effectRef>
-          <a:fontRef idx="minor">
-            <a:schemeClr val="tx1"/>
-          </a:fontRef>
-        </p:style>
-      </p:cxnSp>
-      <p:cxnSp>
-        <p:nvCxnSpPr>
-          <p:cNvPr id="26" name="Conector recto de flecha 25"/>
-          <p:cNvCxnSpPr>
-            <a:stCxn id="10" idx="0"/>
-            <a:endCxn id="6" idx="2"/>
-          </p:cNvCxnSpPr>
-          <p:nvPr/>
-        </p:nvCxnSpPr>
-        <p:spPr>
-          <a:xfrm flipV="1">
-            <a:off x="4535996" y="4073171"/>
-            <a:ext cx="0" cy="1048017"/>
-          </a:xfrm>
-          <a:prstGeom prst="straightConnector1">
-            <a:avLst/>
-          </a:prstGeom>
-          <a:ln w="28575">
-            <a:tailEnd type="triangle"/>
-          </a:ln>
-        </p:spPr>
-        <p:style>
-          <a:lnRef idx="1">
-            <a:schemeClr val="dk1"/>
-          </a:lnRef>
-          <a:fillRef idx="0">
-            <a:schemeClr val="dk1"/>
-          </a:fillRef>
-          <a:effectRef idx="0">
-            <a:schemeClr val="dk1"/>
-          </a:effectRef>
-          <a:fontRef idx="minor">
-            <a:schemeClr val="tx1"/>
-          </a:fontRef>
-        </p:style>
-      </p:cxnSp>
-      <p:sp>
-        <p:nvSpPr>
-          <p:cNvPr id="28" name="CuadroTexto 27"/>
-          <p:cNvSpPr txBox="1"/>
-          <p:nvPr/>
-        </p:nvSpPr>
-        <p:spPr>
-          <a:xfrm rot="5400000">
-            <a:off x="7153249" y="4366347"/>
-            <a:ext cx="814647" cy="461665"/>
-          </a:xfrm>
-          <a:prstGeom prst="rect">
-            <a:avLst/>
-          </a:prstGeom>
-          <a:noFill/>
-        </p:spPr>
-        <p:txBody>
-          <a:bodyPr wrap="none" rtlCol="0">
-            <a:spAutoFit/>
-          </a:bodyPr>
-          <a:lstStyle/>
-          <a:p>
-            <a:pPr algn="ctr"/>
-            <a:r>
-              <a:rPr lang="es-PE" sz="1200" dirty="0"/>
-              <a:t>Método</a:t>
-            </a:r>
-          </a:p>
-          <a:p>
-            <a:pPr algn="ctr"/>
-            <a:r>
-              <a:rPr lang="es-PE" sz="1200" dirty="0"/>
-              <a:t>de solución</a:t>
-            </a:r>
-          </a:p>
-        </p:txBody>
-      </p:sp>
-      <p:sp>
-        <p:nvSpPr>
-          <p:cNvPr id="29" name="CuadroTexto 28"/>
-          <p:cNvSpPr txBox="1"/>
-          <p:nvPr/>
-        </p:nvSpPr>
-        <p:spPr>
-          <a:xfrm>
-            <a:off x="5384426" y="5183614"/>
-            <a:ext cx="1111458" cy="307777"/>
-          </a:xfrm>
-          <a:prstGeom prst="rect">
-            <a:avLst/>
-          </a:prstGeom>
-          <a:noFill/>
-        </p:spPr>
-        <p:txBody>
-          <a:bodyPr wrap="none" rtlCol="0">
-            <a:spAutoFit/>
-          </a:bodyPr>
-          <a:lstStyle/>
-          <a:p>
-            <a:pPr algn="ctr"/>
-            <a:r>
-              <a:rPr lang="es-PE" sz="1400" dirty="0"/>
-              <a:t>Interpretación</a:t>
-            </a:r>
-          </a:p>
-        </p:txBody>
-      </p:sp>
-      <p:sp>
-        <p:nvSpPr>
-          <p:cNvPr id="30" name="CuadroTexto 29"/>
-          <p:cNvSpPr txBox="1"/>
-          <p:nvPr/>
-        </p:nvSpPr>
-        <p:spPr>
-          <a:xfrm>
-            <a:off x="2693257" y="5183614"/>
-            <a:ext cx="877164" cy="307777"/>
-          </a:xfrm>
-          <a:prstGeom prst="rect">
-            <a:avLst/>
-          </a:prstGeom>
-          <a:noFill/>
-        </p:spPr>
-        <p:txBody>
-          <a:bodyPr wrap="none" rtlCol="0">
-            <a:spAutoFit/>
-          </a:bodyPr>
-          <a:lstStyle/>
-          <a:p>
-            <a:pPr algn="ctr"/>
-            <a:r>
-              <a:rPr lang="es-PE" sz="1400" dirty="0"/>
-              <a:t>Decisiones</a:t>
-            </a:r>
-          </a:p>
-        </p:txBody>
-      </p:sp>
-      <p:sp>
-        <p:nvSpPr>
-          <p:cNvPr id="31" name="CuadroTexto 30"/>
-          <p:cNvSpPr txBox="1"/>
-          <p:nvPr/>
-        </p:nvSpPr>
-        <p:spPr>
-          <a:xfrm rot="5400000">
-            <a:off x="1287402" y="4458681"/>
-            <a:ext cx="1085554" cy="276999"/>
-          </a:xfrm>
-          <a:prstGeom prst="rect">
-            <a:avLst/>
-          </a:prstGeom>
-          <a:noFill/>
-        </p:spPr>
-        <p:txBody>
-          <a:bodyPr wrap="none" rtlCol="0">
-            <a:spAutoFit/>
-          </a:bodyPr>
-          <a:lstStyle/>
-          <a:p>
-            <a:pPr algn="ctr"/>
-            <a:r>
-              <a:rPr lang="es-PE" sz="1200" dirty="0"/>
-              <a:t>Implementación</a:t>
-            </a:r>
+            <a:endParaRPr lang="es-PE"/>
           </a:p>
         </p:txBody>
       </p:sp>
     </p:spTree>
     <p:extLst>
       <p:ext uri="{BB962C8B-B14F-4D97-AF65-F5344CB8AC3E}">
-        <p14:creationId xmlns:p14="http://schemas.microsoft.com/office/powerpoint/2010/main" val="1200918865"/>
+        <p14:creationId xmlns:p14="http://schemas.microsoft.com/office/powerpoint/2010/main" val="147473549"/>
       </p:ext>
     </p:extLst>
   </p:cSld>
@@ -13688,7 +16202,7 @@
           <a:p>
             <a:r>
               <a:rPr lang="es-PE" altLang="en-US" dirty="0"/>
-              <a:t>Optimización</a:t>
+              <a:t>Modelamiento matemático</a:t>
             </a:r>
           </a:p>
         </p:txBody>
@@ -13776,10 +16290,833 @@
           </a:p>
         </p:txBody>
       </p:sp>
+      <p:sp>
+        <p:nvSpPr>
+          <p:cNvPr id="7" name="Rectángulo redondeado 6"/>
+          <p:cNvSpPr/>
+          <p:nvPr/>
+        </p:nvSpPr>
+        <p:spPr>
+          <a:xfrm>
+            <a:off x="971600" y="3389095"/>
+            <a:ext cx="1440160" cy="720080"/>
+          </a:xfrm>
+          <a:prstGeom prst="roundRect">
+            <a:avLst/>
+          </a:prstGeom>
+          <a:ln>
+            <a:solidFill>
+              <a:schemeClr val="tx2"/>
+            </a:solidFill>
+          </a:ln>
+        </p:spPr>
+        <p:style>
+          <a:lnRef idx="2">
+            <a:schemeClr val="accent1">
+              <a:shade val="50000"/>
+            </a:schemeClr>
+          </a:lnRef>
+          <a:fillRef idx="1">
+            <a:schemeClr val="accent1"/>
+          </a:fillRef>
+          <a:effectRef idx="0">
+            <a:schemeClr val="accent1"/>
+          </a:effectRef>
+          <a:fontRef idx="minor">
+            <a:schemeClr val="lt1"/>
+          </a:fontRef>
+        </p:style>
+        <p:txBody>
+          <a:bodyPr rtlCol="0" anchor="ctr"/>
+          <a:lstStyle/>
+          <a:p>
+            <a:pPr algn="ctr"/>
+            <a:r>
+              <a:rPr lang="es-MX" dirty="0"/>
+              <a:t>Realidad</a:t>
+            </a:r>
+            <a:endParaRPr lang="es-PE" dirty="0"/>
+          </a:p>
+        </p:txBody>
+      </p:sp>
+      <p:sp>
+        <p:nvSpPr>
+          <p:cNvPr id="6" name="Rectángulo redondeado 5"/>
+          <p:cNvSpPr/>
+          <p:nvPr/>
+        </p:nvSpPr>
+        <p:spPr>
+          <a:xfrm>
+            <a:off x="3851920" y="3425099"/>
+            <a:ext cx="1368152" cy="648072"/>
+          </a:xfrm>
+          <a:prstGeom prst="roundRect">
+            <a:avLst/>
+          </a:prstGeom>
+          <a:solidFill>
+            <a:schemeClr val="accent1"/>
+          </a:solidFill>
+          <a:ln>
+            <a:solidFill>
+              <a:schemeClr val="tx2"/>
+            </a:solidFill>
+          </a:ln>
+        </p:spPr>
+        <p:style>
+          <a:lnRef idx="2">
+            <a:schemeClr val="accent3">
+              <a:shade val="50000"/>
+            </a:schemeClr>
+          </a:lnRef>
+          <a:fillRef idx="1">
+            <a:schemeClr val="accent3"/>
+          </a:fillRef>
+          <a:effectRef idx="0">
+            <a:schemeClr val="accent3"/>
+          </a:effectRef>
+          <a:fontRef idx="minor">
+            <a:schemeClr val="lt1"/>
+          </a:fontRef>
+        </p:style>
+        <p:txBody>
+          <a:bodyPr rtlCol="0" anchor="ctr"/>
+          <a:lstStyle/>
+          <a:p>
+            <a:pPr algn="ctr"/>
+            <a:r>
+              <a:rPr lang="es-MX" dirty="0"/>
+              <a:t>Realidad asumida</a:t>
+            </a:r>
+            <a:endParaRPr lang="es-PE" dirty="0"/>
+          </a:p>
+        </p:txBody>
+      </p:sp>
+      <p:sp>
+        <p:nvSpPr>
+          <p:cNvPr id="8" name="Rectángulo redondeado 7"/>
+          <p:cNvSpPr/>
+          <p:nvPr/>
+        </p:nvSpPr>
+        <p:spPr>
+          <a:xfrm>
+            <a:off x="6660232" y="3425099"/>
+            <a:ext cx="1368152" cy="648072"/>
+          </a:xfrm>
+          <a:prstGeom prst="roundRect">
+            <a:avLst/>
+          </a:prstGeom>
+          <a:solidFill>
+            <a:schemeClr val="accent2">
+              <a:lumMod val="75000"/>
+            </a:schemeClr>
+          </a:solidFill>
+          <a:ln>
+            <a:solidFill>
+              <a:schemeClr val="accent2">
+                <a:lumMod val="50000"/>
+              </a:schemeClr>
+            </a:solidFill>
+          </a:ln>
+        </p:spPr>
+        <p:style>
+          <a:lnRef idx="2">
+            <a:schemeClr val="accent3">
+              <a:shade val="50000"/>
+            </a:schemeClr>
+          </a:lnRef>
+          <a:fillRef idx="1">
+            <a:schemeClr val="accent3"/>
+          </a:fillRef>
+          <a:effectRef idx="0">
+            <a:schemeClr val="accent3"/>
+          </a:effectRef>
+          <a:fontRef idx="minor">
+            <a:schemeClr val="lt1"/>
+          </a:fontRef>
+        </p:style>
+        <p:txBody>
+          <a:bodyPr rtlCol="0" anchor="ctr"/>
+          <a:lstStyle/>
+          <a:p>
+            <a:pPr algn="ctr"/>
+            <a:r>
+              <a:rPr lang="es-MX" dirty="0"/>
+              <a:t>Modelo</a:t>
+            </a:r>
+            <a:endParaRPr lang="es-PE" dirty="0"/>
+          </a:p>
+        </p:txBody>
+      </p:sp>
+      <p:sp>
+        <p:nvSpPr>
+          <p:cNvPr id="9" name="Rectángulo redondeado 8"/>
+          <p:cNvSpPr/>
+          <p:nvPr/>
+        </p:nvSpPr>
+        <p:spPr>
+          <a:xfrm>
+            <a:off x="971600" y="5085184"/>
+            <a:ext cx="1440160" cy="720080"/>
+          </a:xfrm>
+          <a:prstGeom prst="roundRect">
+            <a:avLst/>
+          </a:prstGeom>
+          <a:solidFill>
+            <a:schemeClr val="bg2">
+              <a:lumMod val="50000"/>
+            </a:schemeClr>
+          </a:solidFill>
+          <a:ln>
+            <a:solidFill>
+              <a:schemeClr val="bg2">
+                <a:lumMod val="10000"/>
+              </a:schemeClr>
+            </a:solidFill>
+          </a:ln>
+        </p:spPr>
+        <p:style>
+          <a:lnRef idx="2">
+            <a:schemeClr val="accent1">
+              <a:shade val="50000"/>
+            </a:schemeClr>
+          </a:lnRef>
+          <a:fillRef idx="1">
+            <a:schemeClr val="accent1"/>
+          </a:fillRef>
+          <a:effectRef idx="0">
+            <a:schemeClr val="accent1"/>
+          </a:effectRef>
+          <a:fontRef idx="minor">
+            <a:schemeClr val="lt1"/>
+          </a:fontRef>
+        </p:style>
+        <p:txBody>
+          <a:bodyPr rtlCol="0" anchor="ctr"/>
+          <a:lstStyle/>
+          <a:p>
+            <a:pPr algn="ctr"/>
+            <a:r>
+              <a:rPr lang="es-MX" dirty="0"/>
+              <a:t>Solución</a:t>
+            </a:r>
+            <a:r>
+              <a:rPr lang="es-PE" dirty="0"/>
+              <a:t> al problema</a:t>
+            </a:r>
+          </a:p>
+        </p:txBody>
+      </p:sp>
+      <p:sp>
+        <p:nvSpPr>
+          <p:cNvPr id="10" name="Rectángulo redondeado 9"/>
+          <p:cNvSpPr/>
+          <p:nvPr/>
+        </p:nvSpPr>
+        <p:spPr>
+          <a:xfrm>
+            <a:off x="3851920" y="5121188"/>
+            <a:ext cx="1368152" cy="648072"/>
+          </a:xfrm>
+          <a:prstGeom prst="roundRect">
+            <a:avLst/>
+          </a:prstGeom>
+          <a:solidFill>
+            <a:schemeClr val="accent1"/>
+          </a:solidFill>
+          <a:ln>
+            <a:solidFill>
+              <a:schemeClr val="tx2"/>
+            </a:solidFill>
+          </a:ln>
+        </p:spPr>
+        <p:style>
+          <a:lnRef idx="2">
+            <a:schemeClr val="accent3">
+              <a:shade val="50000"/>
+            </a:schemeClr>
+          </a:lnRef>
+          <a:fillRef idx="1">
+            <a:schemeClr val="accent3"/>
+          </a:fillRef>
+          <a:effectRef idx="0">
+            <a:schemeClr val="accent3"/>
+          </a:effectRef>
+          <a:fontRef idx="minor">
+            <a:schemeClr val="lt1"/>
+          </a:fontRef>
+        </p:style>
+        <p:txBody>
+          <a:bodyPr rtlCol="0" anchor="ctr"/>
+          <a:lstStyle/>
+          <a:p>
+            <a:pPr algn="ctr"/>
+            <a:r>
+              <a:rPr lang="es-MX" dirty="0"/>
+              <a:t>Juicios y experiencias</a:t>
+            </a:r>
+            <a:endParaRPr lang="es-PE" dirty="0"/>
+          </a:p>
+        </p:txBody>
+      </p:sp>
+      <p:sp>
+        <p:nvSpPr>
+          <p:cNvPr id="11" name="Rectángulo redondeado 10"/>
+          <p:cNvSpPr/>
+          <p:nvPr/>
+        </p:nvSpPr>
+        <p:spPr>
+          <a:xfrm>
+            <a:off x="6660232" y="5121188"/>
+            <a:ext cx="1368152" cy="648072"/>
+          </a:xfrm>
+          <a:prstGeom prst="roundRect">
+            <a:avLst/>
+          </a:prstGeom>
+          <a:solidFill>
+            <a:schemeClr val="bg2">
+              <a:lumMod val="50000"/>
+            </a:schemeClr>
+          </a:solidFill>
+          <a:ln>
+            <a:solidFill>
+              <a:schemeClr val="bg2">
+                <a:lumMod val="10000"/>
+              </a:schemeClr>
+            </a:solidFill>
+          </a:ln>
+        </p:spPr>
+        <p:style>
+          <a:lnRef idx="2">
+            <a:schemeClr val="accent3">
+              <a:shade val="50000"/>
+            </a:schemeClr>
+          </a:lnRef>
+          <a:fillRef idx="1">
+            <a:schemeClr val="accent3"/>
+          </a:fillRef>
+          <a:effectRef idx="0">
+            <a:schemeClr val="accent3"/>
+          </a:effectRef>
+          <a:fontRef idx="minor">
+            <a:schemeClr val="lt1"/>
+          </a:fontRef>
+        </p:style>
+        <p:txBody>
+          <a:bodyPr rtlCol="0" anchor="ctr"/>
+          <a:lstStyle/>
+          <a:p>
+            <a:pPr algn="ctr"/>
+            <a:r>
+              <a:rPr lang="es-MX" dirty="0"/>
+              <a:t>Solución al Modelo</a:t>
+            </a:r>
+            <a:endParaRPr lang="es-PE" dirty="0"/>
+          </a:p>
+        </p:txBody>
+      </p:sp>
+      <p:cxnSp>
+        <p:nvCxnSpPr>
+          <p:cNvPr id="12" name="Conector recto de flecha 11"/>
+          <p:cNvCxnSpPr>
+            <a:stCxn id="7" idx="3"/>
+            <a:endCxn id="6" idx="1"/>
+          </p:cNvCxnSpPr>
+          <p:nvPr/>
+        </p:nvCxnSpPr>
+        <p:spPr>
+          <a:xfrm>
+            <a:off x="2411760" y="3749135"/>
+            <a:ext cx="1440160" cy="0"/>
+          </a:xfrm>
+          <a:prstGeom prst="straightConnector1">
+            <a:avLst/>
+          </a:prstGeom>
+          <a:ln w="28575">
+            <a:tailEnd type="triangle"/>
+          </a:ln>
+        </p:spPr>
+        <p:style>
+          <a:lnRef idx="1">
+            <a:schemeClr val="dk1"/>
+          </a:lnRef>
+          <a:fillRef idx="0">
+            <a:schemeClr val="dk1"/>
+          </a:fillRef>
+          <a:effectRef idx="0">
+            <a:schemeClr val="dk1"/>
+          </a:effectRef>
+          <a:fontRef idx="minor">
+            <a:schemeClr val="tx1"/>
+          </a:fontRef>
+        </p:style>
+      </p:cxnSp>
+      <p:cxnSp>
+        <p:nvCxnSpPr>
+          <p:cNvPr id="14" name="Conector recto de flecha 13"/>
+          <p:cNvCxnSpPr>
+            <a:stCxn id="6" idx="3"/>
+            <a:endCxn id="8" idx="1"/>
+          </p:cNvCxnSpPr>
+          <p:nvPr/>
+        </p:nvCxnSpPr>
+        <p:spPr>
+          <a:xfrm>
+            <a:off x="5220072" y="3749135"/>
+            <a:ext cx="1440160" cy="0"/>
+          </a:xfrm>
+          <a:prstGeom prst="straightConnector1">
+            <a:avLst/>
+          </a:prstGeom>
+          <a:ln w="28575">
+            <a:tailEnd type="triangle"/>
+          </a:ln>
+        </p:spPr>
+        <p:style>
+          <a:lnRef idx="1">
+            <a:schemeClr val="dk1"/>
+          </a:lnRef>
+          <a:fillRef idx="0">
+            <a:schemeClr val="dk1"/>
+          </a:fillRef>
+          <a:effectRef idx="0">
+            <a:schemeClr val="dk1"/>
+          </a:effectRef>
+          <a:fontRef idx="minor">
+            <a:schemeClr val="tx1"/>
+          </a:fontRef>
+        </p:style>
+      </p:cxnSp>
+      <p:sp>
+        <p:nvSpPr>
+          <p:cNvPr id="15" name="CuadroTexto 14"/>
+          <p:cNvSpPr txBox="1"/>
+          <p:nvPr/>
+        </p:nvSpPr>
+        <p:spPr>
+          <a:xfrm>
+            <a:off x="2729742" y="3487525"/>
+            <a:ext cx="804195" cy="523220"/>
+          </a:xfrm>
+          <a:prstGeom prst="rect">
+            <a:avLst/>
+          </a:prstGeom>
+          <a:noFill/>
+        </p:spPr>
+        <p:txBody>
+          <a:bodyPr wrap="none" rtlCol="0">
+            <a:spAutoFit/>
+          </a:bodyPr>
+          <a:lstStyle/>
+          <a:p>
+            <a:pPr algn="ctr"/>
+            <a:r>
+              <a:rPr lang="es-PE" sz="1400" dirty="0"/>
+              <a:t>Variables </a:t>
+            </a:r>
+          </a:p>
+          <a:p>
+            <a:pPr algn="ctr"/>
+            <a:r>
+              <a:rPr lang="es-PE" sz="1400" dirty="0"/>
+              <a:t>relevante</a:t>
+            </a:r>
+          </a:p>
+        </p:txBody>
+      </p:sp>
+      <p:sp>
+        <p:nvSpPr>
+          <p:cNvPr id="16" name="CuadroTexto 15"/>
+          <p:cNvSpPr txBox="1"/>
+          <p:nvPr/>
+        </p:nvSpPr>
+        <p:spPr>
+          <a:xfrm>
+            <a:off x="5482334" y="3487525"/>
+            <a:ext cx="915635" cy="523220"/>
+          </a:xfrm>
+          <a:prstGeom prst="rect">
+            <a:avLst/>
+          </a:prstGeom>
+          <a:noFill/>
+        </p:spPr>
+        <p:txBody>
+          <a:bodyPr wrap="none" rtlCol="0">
+            <a:spAutoFit/>
+          </a:bodyPr>
+          <a:lstStyle/>
+          <a:p>
+            <a:pPr algn="ctr"/>
+            <a:r>
+              <a:rPr lang="es-PE" sz="1400" dirty="0"/>
+              <a:t>Relaciones </a:t>
+            </a:r>
+          </a:p>
+          <a:p>
+            <a:pPr algn="ctr"/>
+            <a:r>
+              <a:rPr lang="es-PE" sz="1400" dirty="0"/>
+              <a:t>relevante</a:t>
+            </a:r>
+          </a:p>
+        </p:txBody>
+      </p:sp>
+      <p:cxnSp>
+        <p:nvCxnSpPr>
+          <p:cNvPr id="18" name="Conector recto de flecha 17"/>
+          <p:cNvCxnSpPr>
+            <a:stCxn id="8" idx="2"/>
+            <a:endCxn id="11" idx="0"/>
+          </p:cNvCxnSpPr>
+          <p:nvPr/>
+        </p:nvCxnSpPr>
+        <p:spPr>
+          <a:xfrm>
+            <a:off x="7344308" y="4073171"/>
+            <a:ext cx="0" cy="1048017"/>
+          </a:xfrm>
+          <a:prstGeom prst="straightConnector1">
+            <a:avLst/>
+          </a:prstGeom>
+          <a:ln w="28575">
+            <a:tailEnd type="triangle"/>
+          </a:ln>
+        </p:spPr>
+        <p:style>
+          <a:lnRef idx="1">
+            <a:schemeClr val="dk1"/>
+          </a:lnRef>
+          <a:fillRef idx="0">
+            <a:schemeClr val="dk1"/>
+          </a:fillRef>
+          <a:effectRef idx="0">
+            <a:schemeClr val="dk1"/>
+          </a:effectRef>
+          <a:fontRef idx="minor">
+            <a:schemeClr val="tx1"/>
+          </a:fontRef>
+        </p:style>
+      </p:cxnSp>
+      <p:cxnSp>
+        <p:nvCxnSpPr>
+          <p:cNvPr id="20" name="Conector recto de flecha 19"/>
+          <p:cNvCxnSpPr>
+            <a:stCxn id="11" idx="1"/>
+            <a:endCxn id="10" idx="3"/>
+          </p:cNvCxnSpPr>
+          <p:nvPr/>
+        </p:nvCxnSpPr>
+        <p:spPr>
+          <a:xfrm flipH="1">
+            <a:off x="5220072" y="5445224"/>
+            <a:ext cx="1440160" cy="0"/>
+          </a:xfrm>
+          <a:prstGeom prst="straightConnector1">
+            <a:avLst/>
+          </a:prstGeom>
+          <a:ln w="28575">
+            <a:tailEnd type="triangle"/>
+          </a:ln>
+        </p:spPr>
+        <p:style>
+          <a:lnRef idx="1">
+            <a:schemeClr val="dk1"/>
+          </a:lnRef>
+          <a:fillRef idx="0">
+            <a:schemeClr val="dk1"/>
+          </a:fillRef>
+          <a:effectRef idx="0">
+            <a:schemeClr val="dk1"/>
+          </a:effectRef>
+          <a:fontRef idx="minor">
+            <a:schemeClr val="tx1"/>
+          </a:fontRef>
+        </p:style>
+      </p:cxnSp>
+      <p:cxnSp>
+        <p:nvCxnSpPr>
+          <p:cNvPr id="22" name="Conector recto de flecha 21"/>
+          <p:cNvCxnSpPr>
+            <a:stCxn id="10" idx="1"/>
+            <a:endCxn id="9" idx="3"/>
+          </p:cNvCxnSpPr>
+          <p:nvPr/>
+        </p:nvCxnSpPr>
+        <p:spPr>
+          <a:xfrm flipH="1">
+            <a:off x="2411760" y="5445224"/>
+            <a:ext cx="1440160" cy="0"/>
+          </a:xfrm>
+          <a:prstGeom prst="straightConnector1">
+            <a:avLst/>
+          </a:prstGeom>
+          <a:ln w="28575">
+            <a:tailEnd type="triangle"/>
+          </a:ln>
+        </p:spPr>
+        <p:style>
+          <a:lnRef idx="1">
+            <a:schemeClr val="dk1"/>
+          </a:lnRef>
+          <a:fillRef idx="0">
+            <a:schemeClr val="dk1"/>
+          </a:fillRef>
+          <a:effectRef idx="0">
+            <a:schemeClr val="dk1"/>
+          </a:effectRef>
+          <a:fontRef idx="minor">
+            <a:schemeClr val="tx1"/>
+          </a:fontRef>
+        </p:style>
+      </p:cxnSp>
+      <p:cxnSp>
+        <p:nvCxnSpPr>
+          <p:cNvPr id="24" name="Conector recto de flecha 23"/>
+          <p:cNvCxnSpPr>
+            <a:stCxn id="9" idx="0"/>
+            <a:endCxn id="7" idx="2"/>
+          </p:cNvCxnSpPr>
+          <p:nvPr/>
+        </p:nvCxnSpPr>
+        <p:spPr>
+          <a:xfrm flipV="1">
+            <a:off x="1691680" y="4109175"/>
+            <a:ext cx="0" cy="976009"/>
+          </a:xfrm>
+          <a:prstGeom prst="straightConnector1">
+            <a:avLst/>
+          </a:prstGeom>
+          <a:ln w="28575">
+            <a:tailEnd type="triangle"/>
+          </a:ln>
+        </p:spPr>
+        <p:style>
+          <a:lnRef idx="1">
+            <a:schemeClr val="dk1"/>
+          </a:lnRef>
+          <a:fillRef idx="0">
+            <a:schemeClr val="dk1"/>
+          </a:fillRef>
+          <a:effectRef idx="0">
+            <a:schemeClr val="dk1"/>
+          </a:effectRef>
+          <a:fontRef idx="minor">
+            <a:schemeClr val="tx1"/>
+          </a:fontRef>
+        </p:style>
+      </p:cxnSp>
+      <p:cxnSp>
+        <p:nvCxnSpPr>
+          <p:cNvPr id="26" name="Conector recto de flecha 25"/>
+          <p:cNvCxnSpPr>
+            <a:stCxn id="10" idx="0"/>
+            <a:endCxn id="6" idx="2"/>
+          </p:cNvCxnSpPr>
+          <p:nvPr/>
+        </p:nvCxnSpPr>
+        <p:spPr>
+          <a:xfrm flipV="1">
+            <a:off x="4535996" y="4073171"/>
+            <a:ext cx="0" cy="1048017"/>
+          </a:xfrm>
+          <a:prstGeom prst="straightConnector1">
+            <a:avLst/>
+          </a:prstGeom>
+          <a:ln w="28575">
+            <a:tailEnd type="triangle"/>
+          </a:ln>
+        </p:spPr>
+        <p:style>
+          <a:lnRef idx="1">
+            <a:schemeClr val="dk1"/>
+          </a:lnRef>
+          <a:fillRef idx="0">
+            <a:schemeClr val="dk1"/>
+          </a:fillRef>
+          <a:effectRef idx="0">
+            <a:schemeClr val="dk1"/>
+          </a:effectRef>
+          <a:fontRef idx="minor">
+            <a:schemeClr val="tx1"/>
+          </a:fontRef>
+        </p:style>
+      </p:cxnSp>
+      <p:sp>
+        <p:nvSpPr>
+          <p:cNvPr id="28" name="CuadroTexto 27"/>
+          <p:cNvSpPr txBox="1"/>
+          <p:nvPr/>
+        </p:nvSpPr>
+        <p:spPr>
+          <a:xfrm rot="5400000">
+            <a:off x="7153249" y="4366347"/>
+            <a:ext cx="814647" cy="461665"/>
+          </a:xfrm>
+          <a:prstGeom prst="rect">
+            <a:avLst/>
+          </a:prstGeom>
+          <a:noFill/>
+        </p:spPr>
+        <p:txBody>
+          <a:bodyPr wrap="none" rtlCol="0">
+            <a:spAutoFit/>
+          </a:bodyPr>
+          <a:lstStyle/>
+          <a:p>
+            <a:pPr algn="ctr"/>
+            <a:r>
+              <a:rPr lang="es-PE" sz="1200" dirty="0"/>
+              <a:t>Método</a:t>
+            </a:r>
+          </a:p>
+          <a:p>
+            <a:pPr algn="ctr"/>
+            <a:r>
+              <a:rPr lang="es-PE" sz="1200" dirty="0"/>
+              <a:t>de solución</a:t>
+            </a:r>
+          </a:p>
+        </p:txBody>
+      </p:sp>
+      <p:sp>
+        <p:nvSpPr>
+          <p:cNvPr id="29" name="CuadroTexto 28"/>
+          <p:cNvSpPr txBox="1"/>
+          <p:nvPr/>
+        </p:nvSpPr>
+        <p:spPr>
+          <a:xfrm>
+            <a:off x="5384426" y="5183614"/>
+            <a:ext cx="1111458" cy="307777"/>
+          </a:xfrm>
+          <a:prstGeom prst="rect">
+            <a:avLst/>
+          </a:prstGeom>
+          <a:noFill/>
+        </p:spPr>
+        <p:txBody>
+          <a:bodyPr wrap="none" rtlCol="0">
+            <a:spAutoFit/>
+          </a:bodyPr>
+          <a:lstStyle/>
+          <a:p>
+            <a:pPr algn="ctr"/>
+            <a:r>
+              <a:rPr lang="es-PE" sz="1400" dirty="0"/>
+              <a:t>Interpretación</a:t>
+            </a:r>
+          </a:p>
+        </p:txBody>
+      </p:sp>
+      <p:sp>
+        <p:nvSpPr>
+          <p:cNvPr id="30" name="CuadroTexto 29"/>
+          <p:cNvSpPr txBox="1"/>
+          <p:nvPr/>
+        </p:nvSpPr>
+        <p:spPr>
+          <a:xfrm>
+            <a:off x="2693257" y="5183614"/>
+            <a:ext cx="877164" cy="307777"/>
+          </a:xfrm>
+          <a:prstGeom prst="rect">
+            <a:avLst/>
+          </a:prstGeom>
+          <a:noFill/>
+        </p:spPr>
+        <p:txBody>
+          <a:bodyPr wrap="none" rtlCol="0">
+            <a:spAutoFit/>
+          </a:bodyPr>
+          <a:lstStyle/>
+          <a:p>
+            <a:pPr algn="ctr"/>
+            <a:r>
+              <a:rPr lang="es-PE" sz="1400" dirty="0"/>
+              <a:t>Decisiones</a:t>
+            </a:r>
+          </a:p>
+        </p:txBody>
+      </p:sp>
+      <p:sp>
+        <p:nvSpPr>
+          <p:cNvPr id="31" name="CuadroTexto 30"/>
+          <p:cNvSpPr txBox="1"/>
+          <p:nvPr/>
+        </p:nvSpPr>
+        <p:spPr>
+          <a:xfrm rot="5400000">
+            <a:off x="1287402" y="4458681"/>
+            <a:ext cx="1085554" cy="276999"/>
+          </a:xfrm>
+          <a:prstGeom prst="rect">
+            <a:avLst/>
+          </a:prstGeom>
+          <a:noFill/>
+        </p:spPr>
+        <p:txBody>
+          <a:bodyPr wrap="none" rtlCol="0">
+            <a:spAutoFit/>
+          </a:bodyPr>
+          <a:lstStyle/>
+          <a:p>
+            <a:pPr algn="ctr"/>
+            <a:r>
+              <a:rPr lang="es-PE" sz="1200" dirty="0"/>
+              <a:t>Implementación</a:t>
+            </a:r>
+          </a:p>
+        </p:txBody>
+      </p:sp>
+      <p:sp>
+        <p:nvSpPr>
+          <p:cNvPr id="25" name="Star: 5 Points 24">
+            <a:extLst>
+              <a:ext uri="{FF2B5EF4-FFF2-40B4-BE49-F238E27FC236}">
+                <a16:creationId xmlns:a16="http://schemas.microsoft.com/office/drawing/2014/main" id="{6725970A-D2F0-4DDE-AF5F-7CA6A46D2713}"/>
+              </a:ext>
+            </a:extLst>
+          </p:cNvPr>
+          <p:cNvSpPr/>
+          <p:nvPr/>
+        </p:nvSpPr>
+        <p:spPr>
+          <a:xfrm>
+            <a:off x="8028384" y="1772816"/>
+            <a:ext cx="1080120" cy="648072"/>
+          </a:xfrm>
+          <a:prstGeom prst="star5">
+            <a:avLst/>
+          </a:prstGeom>
+        </p:spPr>
+        <p:style>
+          <a:lnRef idx="2">
+            <a:schemeClr val="accent1">
+              <a:shade val="50000"/>
+            </a:schemeClr>
+          </a:lnRef>
+          <a:fillRef idx="1">
+            <a:schemeClr val="accent1"/>
+          </a:fillRef>
+          <a:effectRef idx="0">
+            <a:schemeClr val="accent1"/>
+          </a:effectRef>
+          <a:fontRef idx="minor">
+            <a:schemeClr val="lt1"/>
+          </a:fontRef>
+        </p:style>
+        <p:txBody>
+          <a:bodyPr rtlCol="0" anchor="ctr"/>
+          <a:lstStyle/>
+          <a:p>
+            <a:pPr algn="ctr"/>
+            <a:endParaRPr lang="es-PE"/>
+          </a:p>
+        </p:txBody>
+      </p:sp>
     </p:spTree>
     <p:extLst>
       <p:ext uri="{BB962C8B-B14F-4D97-AF65-F5344CB8AC3E}">
-        <p14:creationId xmlns:p14="http://schemas.microsoft.com/office/powerpoint/2010/main" val="2555020935"/>
+        <p14:creationId xmlns:p14="http://schemas.microsoft.com/office/powerpoint/2010/main" val="1200918865"/>
       </p:ext>
     </p:extLst>
   </p:cSld>

--- a/1. Lectures/Introducción a la Optimización aplicada a Sistemas de Energía Eléctrica/Dia 1/2. Modelamiento & Optimizaciónv2.pptx
+++ b/1. Lectures/Introducción a la Optimización aplicada a Sistemas de Energía Eléctrica/Dia 1/2. Modelamiento & Optimizaciónv2.pptx
@@ -5,10 +5,10 @@
     <p:sldMasterId id="2147483732" r:id="rId1"/>
   </p:sldMasterIdLst>
   <p:notesMasterIdLst>
-    <p:notesMasterId r:id="rId32"/>
+    <p:notesMasterId r:id="rId37"/>
   </p:notesMasterIdLst>
   <p:handoutMasterIdLst>
-    <p:handoutMasterId r:id="rId33"/>
+    <p:handoutMasterId r:id="rId38"/>
   </p:handoutMasterIdLst>
   <p:sldIdLst>
     <p:sldId id="256" r:id="rId2"/>
@@ -41,6 +41,11 @@
     <p:sldId id="413" r:id="rId29"/>
     <p:sldId id="414" r:id="rId30"/>
     <p:sldId id="415" r:id="rId31"/>
+    <p:sldId id="422" r:id="rId32"/>
+    <p:sldId id="423" r:id="rId33"/>
+    <p:sldId id="424" r:id="rId34"/>
+    <p:sldId id="425" r:id="rId35"/>
+    <p:sldId id="426" r:id="rId36"/>
   </p:sldIdLst>
   <p:sldSz cx="9144000" cy="6858000" type="screen4x3"/>
   <p:notesSz cx="6858000" cy="9144000"/>
@@ -174,6 +179,11 @@
             <p14:sldId id="413"/>
             <p14:sldId id="414"/>
             <p14:sldId id="415"/>
+            <p14:sldId id="422"/>
+            <p14:sldId id="423"/>
+            <p14:sldId id="424"/>
+            <p14:sldId id="425"/>
+            <p14:sldId id="426"/>
           </p14:sldIdLst>
         </p14:section>
       </p14:sectionLst>
@@ -12966,10 +12976,2681 @@
           </a:p>
         </p:txBody>
       </p:sp>
+      <p:sp>
+        <p:nvSpPr>
+          <p:cNvPr id="8" name="CuadroTexto 4">
+            <a:extLst>
+              <a:ext uri="{FF2B5EF4-FFF2-40B4-BE49-F238E27FC236}">
+                <a16:creationId xmlns:a16="http://schemas.microsoft.com/office/drawing/2014/main" id="{67698FEC-C72B-4574-8E9A-352947CC8399}"/>
+              </a:ext>
+            </a:extLst>
+          </p:cNvPr>
+          <p:cNvSpPr txBox="1"/>
+          <p:nvPr/>
+        </p:nvSpPr>
+        <p:spPr>
+          <a:xfrm>
+            <a:off x="602191" y="4657893"/>
+            <a:ext cx="8002257" cy="1323439"/>
+          </a:xfrm>
+          <a:prstGeom prst="rect">
+            <a:avLst/>
+          </a:prstGeom>
+          <a:noFill/>
+        </p:spPr>
+        <p:txBody>
+          <a:bodyPr wrap="square" rtlCol="0">
+            <a:spAutoFit/>
+          </a:bodyPr>
+          <a:lstStyle/>
+          <a:p>
+            <a:pPr marL="285750" indent="-285750">
+              <a:buFont typeface="Arial" panose="020B0604020202020204" pitchFamily="34" charset="0"/>
+              <a:buChar char="•"/>
+            </a:pPr>
+            <a:r>
+              <a:rPr lang="es-MX" sz="2000" dirty="0"/>
+              <a:t>En un problema de minimización, si la función objetivo y la región factible son convexas, entonces cualquier mínimo local es un mínimo global del problema.</a:t>
+            </a:r>
+          </a:p>
+          <a:p>
+            <a:pPr marL="285750" indent="-285750">
+              <a:buFont typeface="Arial" panose="020B0604020202020204" pitchFamily="34" charset="0"/>
+              <a:buChar char="•"/>
+            </a:pPr>
+            <a:r>
+              <a:rPr lang="es-MX" sz="2000" dirty="0"/>
+              <a:t>En un problema de maximización, si la función objetivo es </a:t>
+            </a:r>
+            <a:r>
+              <a:rPr lang="es-MX" sz="2000" dirty="0" err="1"/>
+              <a:t>concava</a:t>
+            </a:r>
+            <a:r>
+              <a:rPr lang="es-MX" sz="2000" dirty="0"/>
+              <a:t> y la región factible es convexa, entonces cualquier máximo local es un máximo global.</a:t>
+            </a:r>
+          </a:p>
+        </p:txBody>
+      </p:sp>
     </p:spTree>
     <p:extLst>
       <p:ext uri="{BB962C8B-B14F-4D97-AF65-F5344CB8AC3E}">
         <p14:creationId xmlns:p14="http://schemas.microsoft.com/office/powerpoint/2010/main" val="1336679109"/>
+      </p:ext>
+    </p:extLst>
+  </p:cSld>
+  <p:clrMapOvr>
+    <a:masterClrMapping/>
+  </p:clrMapOvr>
+  <p:transition spd="slow">
+    <p:fade/>
+  </p:transition>
+</p:sld>
+</file>
+
+<file path=ppt/slides/slide31.xml><?xml version="1.0" encoding="utf-8"?>
+<p:sld xmlns:a="http://schemas.openxmlformats.org/drawingml/2006/main" xmlns:r="http://schemas.openxmlformats.org/officeDocument/2006/relationships" xmlns:p="http://schemas.openxmlformats.org/presentationml/2006/main">
+  <p:cSld>
+    <p:spTree>
+      <p:nvGrpSpPr>
+        <p:cNvPr id="1" name=""/>
+        <p:cNvGrpSpPr/>
+        <p:nvPr/>
+      </p:nvGrpSpPr>
+      <p:grpSpPr>
+        <a:xfrm>
+          <a:off x="0" y="0"/>
+          <a:ext cx="0" cy="0"/>
+          <a:chOff x="0" y="0"/>
+          <a:chExt cx="0" cy="0"/>
+        </a:xfrm>
+      </p:grpSpPr>
+      <p:sp>
+        <p:nvSpPr>
+          <p:cNvPr id="2" name="Marcador de número de diapositiva 1"/>
+          <p:cNvSpPr>
+            <a:spLocks noGrp="1"/>
+          </p:cNvSpPr>
+          <p:nvPr>
+            <p:ph type="sldNum" sz="quarter" idx="12"/>
+          </p:nvPr>
+        </p:nvSpPr>
+        <p:spPr/>
+        <p:txBody>
+          <a:bodyPr/>
+          <a:lstStyle/>
+          <a:p>
+            <a:fld id="{64BD7E74-CBD2-4D88-9109-2EA8081AE675}" type="slidenum">
+              <a:rPr lang="es-ES" smtClean="0"/>
+              <a:pPr/>
+              <a:t>31</a:t>
+            </a:fld>
+            <a:endParaRPr lang="es-ES"/>
+          </a:p>
+        </p:txBody>
+      </p:sp>
+      <p:sp>
+        <p:nvSpPr>
+          <p:cNvPr id="3" name="4 Título"/>
+          <p:cNvSpPr txBox="1">
+            <a:spLocks/>
+          </p:cNvSpPr>
+          <p:nvPr/>
+        </p:nvSpPr>
+        <p:spPr>
+          <a:xfrm>
+            <a:off x="611560" y="188640"/>
+            <a:ext cx="8784976" cy="457120"/>
+          </a:xfrm>
+          <a:prstGeom prst="rect">
+            <a:avLst/>
+          </a:prstGeom>
+        </p:spPr>
+        <p:txBody>
+          <a:bodyPr bIns="91440" anchor="b" anchorCtr="0">
+            <a:noAutofit/>
+          </a:bodyPr>
+          <a:lstStyle>
+            <a:lvl1pPr>
+              <a:spcBef>
+                <a:spcPct val="0"/>
+              </a:spcBef>
+              <a:buNone/>
+              <a:defRPr kumimoji="0" sz="2400">
+                <a:ln w="0"/>
+                <a:solidFill>
+                  <a:schemeClr val="tx2"/>
+                </a:solidFill>
+                <a:effectLst>
+                  <a:outerShdw blurRad="38100" dist="19050" dir="2700000" algn="tl" rotWithShape="0">
+                    <a:schemeClr val="dk1">
+                      <a:alpha val="40000"/>
+                    </a:schemeClr>
+                  </a:outerShdw>
+                </a:effectLst>
+                <a:latin typeface="+mj-lt"/>
+                <a:ea typeface="+mj-ea"/>
+                <a:cs typeface="+mj-cs"/>
+              </a:defRPr>
+            </a:lvl1pPr>
+          </a:lstStyle>
+          <a:p>
+            <a:r>
+              <a:rPr lang="es-PE" altLang="en-US" dirty="0"/>
+              <a:t>Programación lineal</a:t>
+            </a:r>
+          </a:p>
+        </p:txBody>
+      </p:sp>
+      <p:sp>
+        <p:nvSpPr>
+          <p:cNvPr id="10" name="CuadroTexto 4">
+            <a:extLst>
+              <a:ext uri="{FF2B5EF4-FFF2-40B4-BE49-F238E27FC236}">
+                <a16:creationId xmlns:a16="http://schemas.microsoft.com/office/drawing/2014/main" id="{0EE2E59A-EFC5-4F7D-8B1B-CDE02E4D869C}"/>
+              </a:ext>
+            </a:extLst>
+          </p:cNvPr>
+          <p:cNvSpPr txBox="1"/>
+          <p:nvPr/>
+        </p:nvSpPr>
+        <p:spPr>
+          <a:xfrm>
+            <a:off x="602191" y="2431916"/>
+            <a:ext cx="8362297" cy="4093428"/>
+          </a:xfrm>
+          <a:prstGeom prst="rect">
+            <a:avLst/>
+          </a:prstGeom>
+          <a:noFill/>
+        </p:spPr>
+        <p:txBody>
+          <a:bodyPr wrap="square" rtlCol="0">
+            <a:spAutoFit/>
+          </a:bodyPr>
+          <a:lstStyle/>
+          <a:p>
+            <a:pPr marL="285750" indent="-285750">
+              <a:buFont typeface="Arial" panose="020B0604020202020204" pitchFamily="34" charset="0"/>
+              <a:buChar char="•"/>
+            </a:pPr>
+            <a:r>
+              <a:rPr lang="es-MX" sz="2000" dirty="0"/>
+              <a:t>Método simplex primal y dual.</a:t>
+            </a:r>
+          </a:p>
+          <a:p>
+            <a:pPr marL="742950" lvl="1" indent="-285750">
+              <a:buFont typeface="Arial" panose="020B0604020202020204" pitchFamily="34" charset="0"/>
+              <a:buChar char="•"/>
+            </a:pPr>
+            <a:r>
+              <a:rPr lang="es-MX" sz="2000" dirty="0"/>
+              <a:t>Muchas iteraciones simples, moviéndose de un vértice para otro adyacente de la región factible con mejor función objetivo.</a:t>
+            </a:r>
+          </a:p>
+          <a:p>
+            <a:pPr marL="742950" lvl="1" indent="-285750">
+              <a:buFont typeface="Arial" panose="020B0604020202020204" pitchFamily="34" charset="0"/>
+              <a:buChar char="•"/>
+            </a:pPr>
+            <a:r>
+              <a:rPr lang="es-MX" sz="2000" dirty="0"/>
+              <a:t>Eficiente para problemas de tamaño medio.</a:t>
+            </a:r>
+          </a:p>
+          <a:p>
+            <a:pPr marL="742950" lvl="1" indent="-285750">
+              <a:buFont typeface="Arial" panose="020B0604020202020204" pitchFamily="34" charset="0"/>
+              <a:buChar char="•"/>
+            </a:pPr>
+            <a:r>
+              <a:rPr lang="es-MX" sz="2000" dirty="0"/>
+              <a:t>El tiempo computacional depende del número de restricciones al cubo.</a:t>
+            </a:r>
+          </a:p>
+          <a:p>
+            <a:pPr marL="285750" indent="-285750">
+              <a:buFont typeface="Arial" panose="020B0604020202020204" pitchFamily="34" charset="0"/>
+              <a:buChar char="•"/>
+            </a:pPr>
+            <a:r>
+              <a:rPr lang="es-MX" sz="2000" dirty="0"/>
+              <a:t>Método de punto interior (MPI) primal-dual y predictor-corrector</a:t>
+            </a:r>
+          </a:p>
+          <a:p>
+            <a:pPr marL="742950" lvl="1" indent="-285750">
+              <a:buFont typeface="Arial" panose="020B0604020202020204" pitchFamily="34" charset="0"/>
+              <a:buChar char="•"/>
+            </a:pPr>
+            <a:r>
+              <a:rPr lang="es-MX" sz="2000" dirty="0"/>
+              <a:t>Pocas iteraciones computacionalmente costosas por puntos interiores de la región factible</a:t>
+            </a:r>
+          </a:p>
+          <a:p>
+            <a:pPr marL="742950" lvl="1" indent="-285750">
+              <a:buFont typeface="Arial" panose="020B0604020202020204" pitchFamily="34" charset="0"/>
+              <a:buChar char="•"/>
+            </a:pPr>
+            <a:r>
+              <a:rPr lang="es-MX" sz="2000" dirty="0"/>
+              <a:t>Eficiente para problemas de grande tamaño.</a:t>
+            </a:r>
+          </a:p>
+          <a:p>
+            <a:pPr marL="742950" lvl="1" indent="-285750">
+              <a:buFont typeface="Arial" panose="020B0604020202020204" pitchFamily="34" charset="0"/>
+              <a:buChar char="•"/>
+            </a:pPr>
+            <a:r>
+              <a:rPr lang="es-MX" sz="2000" dirty="0"/>
+              <a:t>EL tiempo computacional depende casi linealmente del número de elementos no nulos de la matriz de restricciones.</a:t>
+            </a:r>
+          </a:p>
+          <a:p>
+            <a:pPr marL="285750" indent="-285750">
+              <a:buFont typeface="Arial" panose="020B0604020202020204" pitchFamily="34" charset="0"/>
+              <a:buChar char="•"/>
+            </a:pPr>
+            <a:r>
+              <a:rPr lang="es-MX" sz="2000" dirty="0"/>
+              <a:t>Problema convexo, ambos métodos encuentran una solución óptima o global, no tiene problemas de convergencia.</a:t>
+            </a:r>
+          </a:p>
+        </p:txBody>
+      </p:sp>
+      <mc:AlternateContent xmlns:mc="http://schemas.openxmlformats.org/markup-compatibility/2006">
+        <mc:Choice xmlns:a14="http://schemas.microsoft.com/office/drawing/2010/main" Requires="a14">
+          <p:sp>
+            <p:nvSpPr>
+              <p:cNvPr id="6" name="TextBox 5">
+                <a:extLst>
+                  <a:ext uri="{FF2B5EF4-FFF2-40B4-BE49-F238E27FC236}">
+                    <a16:creationId xmlns:a16="http://schemas.microsoft.com/office/drawing/2014/main" id="{CF798055-6B72-4532-B2E2-3738A47C9519}"/>
+                  </a:ext>
+                </a:extLst>
+              </p:cNvPr>
+              <p:cNvSpPr txBox="1"/>
+              <p:nvPr/>
+            </p:nvSpPr>
+            <p:spPr>
+              <a:xfrm>
+                <a:off x="2915816" y="404664"/>
+                <a:ext cx="2952328" cy="2066463"/>
+              </a:xfrm>
+              <a:prstGeom prst="rect">
+                <a:avLst/>
+              </a:prstGeom>
+              <a:noFill/>
+            </p:spPr>
+            <p:txBody>
+              <a:bodyPr wrap="square" lIns="0" tIns="0" rIns="0" bIns="0" rtlCol="0">
+                <a:spAutoFit/>
+              </a:bodyPr>
+              <a:lstStyle/>
+              <a:p>
+                <a14:m>
+                  <m:oMathPara xmlns:m="http://schemas.openxmlformats.org/officeDocument/2006/math">
+                    <m:oMathParaPr>
+                      <m:jc m:val="centerGroup"/>
+                    </m:oMathParaPr>
+                    <m:oMath xmlns:m="http://schemas.openxmlformats.org/officeDocument/2006/math">
+                      <m:r>
+                        <a:rPr lang="es-PE" b="0" i="1" smtClean="0">
+                          <a:latin typeface="Cambria Math" panose="02040503050406030204" pitchFamily="18" charset="0"/>
+                        </a:rPr>
+                        <m:t>𝑀𝑖𝑛</m:t>
+                      </m:r>
+                      <m:nary>
+                        <m:naryPr>
+                          <m:chr m:val="∑"/>
+                          <m:ctrlPr>
+                            <a:rPr lang="es-PE" b="0" i="1" smtClean="0">
+                              <a:latin typeface="Cambria Math" panose="02040503050406030204" pitchFamily="18" charset="0"/>
+                            </a:rPr>
+                          </m:ctrlPr>
+                        </m:naryPr>
+                        <m:sub>
+                          <m:r>
+                            <m:rPr>
+                              <m:brk m:alnAt="23"/>
+                            </m:rPr>
+                            <a:rPr lang="es-PE" b="0" i="1" smtClean="0">
+                              <a:latin typeface="Cambria Math" panose="02040503050406030204" pitchFamily="18" charset="0"/>
+                            </a:rPr>
+                            <m:t>𝑖</m:t>
+                          </m:r>
+                          <m:r>
+                            <a:rPr lang="es-PE" b="0" i="1" smtClean="0">
+                              <a:latin typeface="Cambria Math" panose="02040503050406030204" pitchFamily="18" charset="0"/>
+                            </a:rPr>
+                            <m:t>=1</m:t>
+                          </m:r>
+                        </m:sub>
+                        <m:sup>
+                          <m:r>
+                            <a:rPr lang="es-PE" b="0" i="1" smtClean="0">
+                              <a:latin typeface="Cambria Math" panose="02040503050406030204" pitchFamily="18" charset="0"/>
+                            </a:rPr>
+                            <m:t>𝑛</m:t>
+                          </m:r>
+                        </m:sup>
+                        <m:e>
+                          <m:sSub>
+                            <m:sSubPr>
+                              <m:ctrlPr>
+                                <a:rPr lang="es-PE" b="0" i="1" smtClean="0">
+                                  <a:latin typeface="Cambria Math" panose="02040503050406030204" pitchFamily="18" charset="0"/>
+                                </a:rPr>
+                              </m:ctrlPr>
+                            </m:sSubPr>
+                            <m:e>
+                              <m:r>
+                                <a:rPr lang="es-PE" b="0" i="1" smtClean="0">
+                                  <a:latin typeface="Cambria Math" panose="02040503050406030204" pitchFamily="18" charset="0"/>
+                                </a:rPr>
+                                <m:t>𝑐</m:t>
+                              </m:r>
+                            </m:e>
+                            <m:sub>
+                              <m:r>
+                                <a:rPr lang="es-PE" b="0" i="1" smtClean="0">
+                                  <a:latin typeface="Cambria Math" panose="02040503050406030204" pitchFamily="18" charset="0"/>
+                                </a:rPr>
+                                <m:t>𝑖</m:t>
+                              </m:r>
+                            </m:sub>
+                          </m:sSub>
+                          <m:sSub>
+                            <m:sSubPr>
+                              <m:ctrlPr>
+                                <a:rPr lang="es-PE" b="0" i="1" smtClean="0">
+                                  <a:latin typeface="Cambria Math" panose="02040503050406030204" pitchFamily="18" charset="0"/>
+                                </a:rPr>
+                              </m:ctrlPr>
+                            </m:sSubPr>
+                            <m:e>
+                              <m:r>
+                                <a:rPr lang="es-PE" b="0" i="1" smtClean="0">
+                                  <a:latin typeface="Cambria Math" panose="02040503050406030204" pitchFamily="18" charset="0"/>
+                                </a:rPr>
+                                <m:t>𝑥</m:t>
+                              </m:r>
+                            </m:e>
+                            <m:sub>
+                              <m:r>
+                                <a:rPr lang="es-PE" b="0" i="1" smtClean="0">
+                                  <a:latin typeface="Cambria Math" panose="02040503050406030204" pitchFamily="18" charset="0"/>
+                                </a:rPr>
+                                <m:t>𝑖</m:t>
+                              </m:r>
+                            </m:sub>
+                          </m:sSub>
+                        </m:e>
+                      </m:nary>
+                    </m:oMath>
+                  </m:oMathPara>
+                </a14:m>
+                <a:endParaRPr lang="es-PE" b="0" dirty="0"/>
+              </a:p>
+              <a:p>
+                <a:pPr/>
+                <a14:m>
+                  <m:oMathPara xmlns:m="http://schemas.openxmlformats.org/officeDocument/2006/math">
+                    <m:oMathParaPr>
+                      <m:jc m:val="left"/>
+                    </m:oMathParaPr>
+                    <m:oMath xmlns:m="http://schemas.openxmlformats.org/officeDocument/2006/math">
+                      <m:r>
+                        <a:rPr lang="es-PE" b="0" i="1" smtClean="0">
+                          <a:latin typeface="Cambria Math" panose="02040503050406030204" pitchFamily="18" charset="0"/>
+                        </a:rPr>
+                        <m:t>𝑆𝑢𝑗𝑒𝑡𝑜</m:t>
+                      </m:r>
+                      <m:r>
+                        <a:rPr lang="es-PE" b="0" i="1" smtClean="0">
+                          <a:latin typeface="Cambria Math" panose="02040503050406030204" pitchFamily="18" charset="0"/>
+                        </a:rPr>
+                        <m:t> </m:t>
+                      </m:r>
+                      <m:r>
+                        <a:rPr lang="es-PE" b="0" i="1" smtClean="0">
+                          <a:latin typeface="Cambria Math" panose="02040503050406030204" pitchFamily="18" charset="0"/>
+                        </a:rPr>
+                        <m:t>𝑎</m:t>
+                      </m:r>
+                    </m:oMath>
+                  </m:oMathPara>
+                </a14:m>
+                <a:endParaRPr lang="es-PE" dirty="0"/>
+              </a:p>
+              <a:p>
+                <a:pPr/>
+                <a14:m>
+                  <m:oMathPara xmlns:m="http://schemas.openxmlformats.org/officeDocument/2006/math">
+                    <m:oMathParaPr>
+                      <m:jc m:val="left"/>
+                    </m:oMathParaPr>
+                    <m:oMath xmlns:m="http://schemas.openxmlformats.org/officeDocument/2006/math">
+                      <m:nary>
+                        <m:naryPr>
+                          <m:chr m:val="∑"/>
+                          <m:ctrlPr>
+                            <a:rPr lang="es-PE" i="1" smtClean="0">
+                              <a:latin typeface="Cambria Math" panose="02040503050406030204" pitchFamily="18" charset="0"/>
+                            </a:rPr>
+                          </m:ctrlPr>
+                        </m:naryPr>
+                        <m:sub>
+                          <m:r>
+                            <m:rPr>
+                              <m:brk m:alnAt="23"/>
+                            </m:rPr>
+                            <a:rPr lang="es-PE" b="0" i="1" smtClean="0">
+                              <a:latin typeface="Cambria Math" panose="02040503050406030204" pitchFamily="18" charset="0"/>
+                            </a:rPr>
+                            <m:t>𝑖</m:t>
+                          </m:r>
+                          <m:r>
+                            <a:rPr lang="es-PE" b="0" i="1" smtClean="0">
+                              <a:latin typeface="Cambria Math" panose="02040503050406030204" pitchFamily="18" charset="0"/>
+                            </a:rPr>
+                            <m:t>=1</m:t>
+                          </m:r>
+                        </m:sub>
+                        <m:sup>
+                          <m:r>
+                            <a:rPr lang="es-PE" b="0" i="1" smtClean="0">
+                              <a:latin typeface="Cambria Math" panose="02040503050406030204" pitchFamily="18" charset="0"/>
+                            </a:rPr>
+                            <m:t>𝑛</m:t>
+                          </m:r>
+                        </m:sup>
+                        <m:e>
+                          <m:sSub>
+                            <m:sSubPr>
+                              <m:ctrlPr>
+                                <a:rPr lang="es-PE" i="1" smtClean="0">
+                                  <a:latin typeface="Cambria Math" panose="02040503050406030204" pitchFamily="18" charset="0"/>
+                                </a:rPr>
+                              </m:ctrlPr>
+                            </m:sSubPr>
+                            <m:e>
+                              <m:r>
+                                <a:rPr lang="es-PE" b="0" i="1" smtClean="0">
+                                  <a:latin typeface="Cambria Math" panose="02040503050406030204" pitchFamily="18" charset="0"/>
+                                </a:rPr>
+                                <m:t>𝑎</m:t>
+                              </m:r>
+                            </m:e>
+                            <m:sub>
+                              <m:r>
+                                <a:rPr lang="es-PE" b="0" i="1" smtClean="0">
+                                  <a:latin typeface="Cambria Math" panose="02040503050406030204" pitchFamily="18" charset="0"/>
+                                </a:rPr>
+                                <m:t>𝑗𝑖</m:t>
+                              </m:r>
+                            </m:sub>
+                          </m:sSub>
+                          <m:sSub>
+                            <m:sSubPr>
+                              <m:ctrlPr>
+                                <a:rPr lang="es-PE" i="1" smtClean="0">
+                                  <a:latin typeface="Cambria Math" panose="02040503050406030204" pitchFamily="18" charset="0"/>
+                                </a:rPr>
+                              </m:ctrlPr>
+                            </m:sSubPr>
+                            <m:e>
+                              <m:r>
+                                <a:rPr lang="es-PE" b="0" i="1" smtClean="0">
+                                  <a:latin typeface="Cambria Math" panose="02040503050406030204" pitchFamily="18" charset="0"/>
+                                </a:rPr>
+                                <m:t>𝑥</m:t>
+                              </m:r>
+                            </m:e>
+                            <m:sub>
+                              <m:r>
+                                <a:rPr lang="es-PE" b="0" i="1" smtClean="0">
+                                  <a:latin typeface="Cambria Math" panose="02040503050406030204" pitchFamily="18" charset="0"/>
+                                </a:rPr>
+                                <m:t>𝑖</m:t>
+                              </m:r>
+                            </m:sub>
+                          </m:sSub>
+                          <m:r>
+                            <a:rPr lang="es-PE" b="0" i="1" smtClean="0">
+                              <a:latin typeface="Cambria Math" panose="02040503050406030204" pitchFamily="18" charset="0"/>
+                            </a:rPr>
+                            <m:t>=</m:t>
+                          </m:r>
+                          <m:sSub>
+                            <m:sSubPr>
+                              <m:ctrlPr>
+                                <a:rPr lang="es-PE" b="0" i="1" smtClean="0">
+                                  <a:latin typeface="Cambria Math" panose="02040503050406030204" pitchFamily="18" charset="0"/>
+                                </a:rPr>
+                              </m:ctrlPr>
+                            </m:sSubPr>
+                            <m:e>
+                              <m:r>
+                                <a:rPr lang="es-PE" b="0" i="1" smtClean="0">
+                                  <a:latin typeface="Cambria Math" panose="02040503050406030204" pitchFamily="18" charset="0"/>
+                                </a:rPr>
+                                <m:t>𝑏</m:t>
+                              </m:r>
+                            </m:e>
+                            <m:sub>
+                              <m:r>
+                                <a:rPr lang="es-PE" b="0" i="1" smtClean="0">
+                                  <a:latin typeface="Cambria Math" panose="02040503050406030204" pitchFamily="18" charset="0"/>
+                                </a:rPr>
+                                <m:t>𝑗</m:t>
+                              </m:r>
+                            </m:sub>
+                          </m:sSub>
+                          <m:r>
+                            <a:rPr lang="es-PE" b="0" i="1" smtClean="0">
+                              <a:latin typeface="Cambria Math" panose="02040503050406030204" pitchFamily="18" charset="0"/>
+                            </a:rPr>
+                            <m:t>,</m:t>
+                          </m:r>
+                          <m:r>
+                            <m:rPr>
+                              <m:nor/>
+                            </m:rPr>
+                            <a:rPr lang="es-PE"/>
+                            <m:t>∀</m:t>
+                          </m:r>
+                          <m:r>
+                            <a:rPr lang="es-PE" b="0" i="1" smtClean="0">
+                              <a:latin typeface="Cambria Math" panose="02040503050406030204" pitchFamily="18" charset="0"/>
+                            </a:rPr>
+                            <m:t>𝑗</m:t>
+                          </m:r>
+                          <m:r>
+                            <a:rPr lang="es-PE" b="0" i="1" smtClean="0">
+                              <a:latin typeface="Cambria Math" panose="02040503050406030204" pitchFamily="18" charset="0"/>
+                            </a:rPr>
+                            <m:t>=1,…,</m:t>
+                          </m:r>
+                          <m:r>
+                            <a:rPr lang="es-PE" b="0" i="1" smtClean="0">
+                              <a:latin typeface="Cambria Math" panose="02040503050406030204" pitchFamily="18" charset="0"/>
+                            </a:rPr>
+                            <m:t>𝑚</m:t>
+                          </m:r>
+                        </m:e>
+                      </m:nary>
+                    </m:oMath>
+                  </m:oMathPara>
+                </a14:m>
+                <a:endParaRPr lang="es-PE" dirty="0"/>
+              </a:p>
+              <a:p>
+                <a:pPr/>
+                <a14:m>
+                  <m:oMathPara xmlns:m="http://schemas.openxmlformats.org/officeDocument/2006/math">
+                    <m:oMathParaPr>
+                      <m:jc m:val="left"/>
+                    </m:oMathParaPr>
+                    <m:oMath xmlns:m="http://schemas.openxmlformats.org/officeDocument/2006/math">
+                      <m:sSub>
+                        <m:sSubPr>
+                          <m:ctrlPr>
+                            <a:rPr lang="es-PE" i="1" smtClean="0">
+                              <a:latin typeface="Cambria Math" panose="02040503050406030204" pitchFamily="18" charset="0"/>
+                            </a:rPr>
+                          </m:ctrlPr>
+                        </m:sSubPr>
+                        <m:e>
+                          <m:r>
+                            <a:rPr lang="es-PE" b="0" i="1" smtClean="0">
+                              <a:latin typeface="Cambria Math" panose="02040503050406030204" pitchFamily="18" charset="0"/>
+                            </a:rPr>
+                            <m:t>𝑥</m:t>
+                          </m:r>
+                        </m:e>
+                        <m:sub>
+                          <m:r>
+                            <a:rPr lang="es-PE" b="0" i="1" smtClean="0">
+                              <a:latin typeface="Cambria Math" panose="02040503050406030204" pitchFamily="18" charset="0"/>
+                            </a:rPr>
+                            <m:t>𝑖</m:t>
+                          </m:r>
+                        </m:sub>
+                      </m:sSub>
+                      <m:r>
+                        <a:rPr lang="es-PE" b="0" i="1" smtClean="0">
+                          <a:latin typeface="Cambria Math" panose="02040503050406030204" pitchFamily="18" charset="0"/>
+                        </a:rPr>
+                        <m:t>≥0,</m:t>
+                      </m:r>
+                      <m:r>
+                        <m:rPr>
+                          <m:nor/>
+                        </m:rPr>
+                        <a:rPr lang="es-PE" b="0" i="0" smtClean="0">
+                          <a:latin typeface="Cambria Math" panose="02040503050406030204" pitchFamily="18" charset="0"/>
+                        </a:rPr>
+                        <m:t>     </m:t>
+                      </m:r>
+                      <m:r>
+                        <m:rPr>
+                          <m:nor/>
+                        </m:rPr>
+                        <a:rPr lang="es-PE"/>
+                        <m:t>∀</m:t>
+                      </m:r>
+                      <m:r>
+                        <a:rPr lang="es-PE" b="0" i="1" smtClean="0">
+                          <a:latin typeface="Cambria Math" panose="02040503050406030204" pitchFamily="18" charset="0"/>
+                        </a:rPr>
+                        <m:t>𝑖</m:t>
+                      </m:r>
+                      <m:r>
+                        <a:rPr lang="es-PE" i="1">
+                          <a:latin typeface="Cambria Math" panose="02040503050406030204" pitchFamily="18" charset="0"/>
+                        </a:rPr>
+                        <m:t>=1,…,</m:t>
+                      </m:r>
+                      <m:r>
+                        <a:rPr lang="es-PE" b="0" i="1" smtClean="0">
+                          <a:latin typeface="Cambria Math" panose="02040503050406030204" pitchFamily="18" charset="0"/>
+                        </a:rPr>
+                        <m:t>𝑛</m:t>
+                      </m:r>
+                    </m:oMath>
+                  </m:oMathPara>
+                </a14:m>
+                <a:endParaRPr lang="es-PE" dirty="0"/>
+              </a:p>
+            </p:txBody>
+          </p:sp>
+        </mc:Choice>
+        <mc:Fallback>
+          <p:sp>
+            <p:nvSpPr>
+              <p:cNvPr id="6" name="TextBox 5">
+                <a:extLst>
+                  <a:ext uri="{FF2B5EF4-FFF2-40B4-BE49-F238E27FC236}">
+                    <a16:creationId xmlns:a16="http://schemas.microsoft.com/office/drawing/2014/main" id="{CF798055-6B72-4532-B2E2-3738A47C9519}"/>
+                  </a:ext>
+                </a:extLst>
+              </p:cNvPr>
+              <p:cNvSpPr txBox="1">
+                <a:spLocks noRot="1" noChangeAspect="1" noMove="1" noResize="1" noEditPoints="1" noAdjustHandles="1" noChangeArrowheads="1" noChangeShapeType="1" noTextEdit="1"/>
+              </p:cNvSpPr>
+              <p:nvPr/>
+            </p:nvSpPr>
+            <p:spPr>
+              <a:xfrm>
+                <a:off x="2915816" y="404664"/>
+                <a:ext cx="2952328" cy="2066463"/>
+              </a:xfrm>
+              <a:prstGeom prst="rect">
+                <a:avLst/>
+              </a:prstGeom>
+              <a:blipFill>
+                <a:blip r:embed="rId2"/>
+                <a:stretch>
+                  <a:fillRect l="-3711" b="-1180"/>
+                </a:stretch>
+              </a:blipFill>
+            </p:spPr>
+            <p:txBody>
+              <a:bodyPr/>
+              <a:lstStyle/>
+              <a:p>
+                <a:r>
+                  <a:rPr lang="es-PE">
+                    <a:noFill/>
+                  </a:rPr>
+                  <a:t> </a:t>
+                </a:r>
+              </a:p>
+            </p:txBody>
+          </p:sp>
+        </mc:Fallback>
+      </mc:AlternateContent>
+    </p:spTree>
+    <p:extLst>
+      <p:ext uri="{BB962C8B-B14F-4D97-AF65-F5344CB8AC3E}">
+        <p14:creationId xmlns:p14="http://schemas.microsoft.com/office/powerpoint/2010/main" val="578522951"/>
+      </p:ext>
+    </p:extLst>
+  </p:cSld>
+  <p:clrMapOvr>
+    <a:masterClrMapping/>
+  </p:clrMapOvr>
+  <p:transition spd="slow">
+    <p:fade/>
+  </p:transition>
+</p:sld>
+</file>
+
+<file path=ppt/slides/slide32.xml><?xml version="1.0" encoding="utf-8"?>
+<p:sld xmlns:a="http://schemas.openxmlformats.org/drawingml/2006/main" xmlns:r="http://schemas.openxmlformats.org/officeDocument/2006/relationships" xmlns:p="http://schemas.openxmlformats.org/presentationml/2006/main">
+  <p:cSld>
+    <p:spTree>
+      <p:nvGrpSpPr>
+        <p:cNvPr id="1" name=""/>
+        <p:cNvGrpSpPr/>
+        <p:nvPr/>
+      </p:nvGrpSpPr>
+      <p:grpSpPr>
+        <a:xfrm>
+          <a:off x="0" y="0"/>
+          <a:ext cx="0" cy="0"/>
+          <a:chOff x="0" y="0"/>
+          <a:chExt cx="0" cy="0"/>
+        </a:xfrm>
+      </p:grpSpPr>
+      <p:sp>
+        <p:nvSpPr>
+          <p:cNvPr id="2" name="Marcador de número de diapositiva 1"/>
+          <p:cNvSpPr>
+            <a:spLocks noGrp="1"/>
+          </p:cNvSpPr>
+          <p:nvPr>
+            <p:ph type="sldNum" sz="quarter" idx="12"/>
+          </p:nvPr>
+        </p:nvSpPr>
+        <p:spPr/>
+        <p:txBody>
+          <a:bodyPr/>
+          <a:lstStyle/>
+          <a:p>
+            <a:fld id="{64BD7E74-CBD2-4D88-9109-2EA8081AE675}" type="slidenum">
+              <a:rPr lang="es-ES" smtClean="0"/>
+              <a:pPr/>
+              <a:t>32</a:t>
+            </a:fld>
+            <a:endParaRPr lang="es-ES"/>
+          </a:p>
+        </p:txBody>
+      </p:sp>
+      <p:sp>
+        <p:nvSpPr>
+          <p:cNvPr id="3" name="4 Título"/>
+          <p:cNvSpPr txBox="1">
+            <a:spLocks/>
+          </p:cNvSpPr>
+          <p:nvPr/>
+        </p:nvSpPr>
+        <p:spPr>
+          <a:xfrm>
+            <a:off x="611560" y="188640"/>
+            <a:ext cx="8784976" cy="457120"/>
+          </a:xfrm>
+          <a:prstGeom prst="rect">
+            <a:avLst/>
+          </a:prstGeom>
+        </p:spPr>
+        <p:txBody>
+          <a:bodyPr bIns="91440" anchor="b" anchorCtr="0">
+            <a:noAutofit/>
+          </a:bodyPr>
+          <a:lstStyle>
+            <a:lvl1pPr>
+              <a:spcBef>
+                <a:spcPct val="0"/>
+              </a:spcBef>
+              <a:buNone/>
+              <a:defRPr kumimoji="0" sz="2400">
+                <a:ln w="0"/>
+                <a:solidFill>
+                  <a:schemeClr val="tx2"/>
+                </a:solidFill>
+                <a:effectLst>
+                  <a:outerShdw blurRad="38100" dist="19050" dir="2700000" algn="tl" rotWithShape="0">
+                    <a:schemeClr val="dk1">
+                      <a:alpha val="40000"/>
+                    </a:schemeClr>
+                  </a:outerShdw>
+                </a:effectLst>
+                <a:latin typeface="+mj-lt"/>
+                <a:ea typeface="+mj-ea"/>
+                <a:cs typeface="+mj-cs"/>
+              </a:defRPr>
+            </a:lvl1pPr>
+          </a:lstStyle>
+          <a:p>
+            <a:r>
+              <a:rPr lang="es-PE" altLang="en-US" dirty="0"/>
+              <a:t>Programación lineal</a:t>
+            </a:r>
+          </a:p>
+        </p:txBody>
+      </p:sp>
+      <p:sp>
+        <p:nvSpPr>
+          <p:cNvPr id="10" name="CuadroTexto 4">
+            <a:extLst>
+              <a:ext uri="{FF2B5EF4-FFF2-40B4-BE49-F238E27FC236}">
+                <a16:creationId xmlns:a16="http://schemas.microsoft.com/office/drawing/2014/main" id="{0EE2E59A-EFC5-4F7D-8B1B-CDE02E4D869C}"/>
+              </a:ext>
+            </a:extLst>
+          </p:cNvPr>
+          <p:cNvSpPr txBox="1"/>
+          <p:nvPr/>
+        </p:nvSpPr>
+        <p:spPr>
+          <a:xfrm>
+            <a:off x="602191" y="836712"/>
+            <a:ext cx="8002257" cy="400110"/>
+          </a:xfrm>
+          <a:prstGeom prst="rect">
+            <a:avLst/>
+          </a:prstGeom>
+          <a:noFill/>
+        </p:spPr>
+        <p:txBody>
+          <a:bodyPr wrap="square" rtlCol="0">
+            <a:spAutoFit/>
+          </a:bodyPr>
+          <a:lstStyle/>
+          <a:p>
+            <a:pPr marL="285750" indent="-285750">
+              <a:buFont typeface="Arial" panose="020B0604020202020204" pitchFamily="34" charset="0"/>
+              <a:buChar char="•"/>
+            </a:pPr>
+            <a:r>
+              <a:rPr lang="es-MX" sz="2000" dirty="0"/>
+              <a:t>.</a:t>
+            </a:r>
+          </a:p>
+        </p:txBody>
+      </p:sp>
+      <p:pic>
+        <p:nvPicPr>
+          <p:cNvPr id="4" name="Picture 3">
+            <a:extLst>
+              <a:ext uri="{FF2B5EF4-FFF2-40B4-BE49-F238E27FC236}">
+                <a16:creationId xmlns:a16="http://schemas.microsoft.com/office/drawing/2014/main" id="{56B4E531-A199-47E4-9358-EF7951DA678E}"/>
+              </a:ext>
+            </a:extLst>
+          </p:cNvPr>
+          <p:cNvPicPr>
+            <a:picLocks noChangeAspect="1"/>
+          </p:cNvPicPr>
+          <p:nvPr/>
+        </p:nvPicPr>
+        <p:blipFill>
+          <a:blip r:embed="rId2"/>
+          <a:stretch>
+            <a:fillRect/>
+          </a:stretch>
+        </p:blipFill>
+        <p:spPr>
+          <a:xfrm>
+            <a:off x="411195" y="1449478"/>
+            <a:ext cx="8321609" cy="4136087"/>
+          </a:xfrm>
+          <a:prstGeom prst="rect">
+            <a:avLst/>
+          </a:prstGeom>
+        </p:spPr>
+      </p:pic>
+    </p:spTree>
+    <p:extLst>
+      <p:ext uri="{BB962C8B-B14F-4D97-AF65-F5344CB8AC3E}">
+        <p14:creationId xmlns:p14="http://schemas.microsoft.com/office/powerpoint/2010/main" val="314545884"/>
+      </p:ext>
+    </p:extLst>
+  </p:cSld>
+  <p:clrMapOvr>
+    <a:masterClrMapping/>
+  </p:clrMapOvr>
+  <p:transition spd="slow">
+    <p:fade/>
+  </p:transition>
+</p:sld>
+</file>
+
+<file path=ppt/slides/slide33.xml><?xml version="1.0" encoding="utf-8"?>
+<p:sld xmlns:a="http://schemas.openxmlformats.org/drawingml/2006/main" xmlns:r="http://schemas.openxmlformats.org/officeDocument/2006/relationships" xmlns:p="http://schemas.openxmlformats.org/presentationml/2006/main">
+  <p:cSld>
+    <p:spTree>
+      <p:nvGrpSpPr>
+        <p:cNvPr id="1" name=""/>
+        <p:cNvGrpSpPr/>
+        <p:nvPr/>
+      </p:nvGrpSpPr>
+      <p:grpSpPr>
+        <a:xfrm>
+          <a:off x="0" y="0"/>
+          <a:ext cx="0" cy="0"/>
+          <a:chOff x="0" y="0"/>
+          <a:chExt cx="0" cy="0"/>
+        </a:xfrm>
+      </p:grpSpPr>
+      <p:sp>
+        <p:nvSpPr>
+          <p:cNvPr id="2" name="Marcador de número de diapositiva 1"/>
+          <p:cNvSpPr>
+            <a:spLocks noGrp="1"/>
+          </p:cNvSpPr>
+          <p:nvPr>
+            <p:ph type="sldNum" sz="quarter" idx="12"/>
+          </p:nvPr>
+        </p:nvSpPr>
+        <p:spPr/>
+        <p:txBody>
+          <a:bodyPr/>
+          <a:lstStyle/>
+          <a:p>
+            <a:fld id="{64BD7E74-CBD2-4D88-9109-2EA8081AE675}" type="slidenum">
+              <a:rPr lang="es-ES" smtClean="0"/>
+              <a:pPr/>
+              <a:t>33</a:t>
+            </a:fld>
+            <a:endParaRPr lang="es-ES"/>
+          </a:p>
+        </p:txBody>
+      </p:sp>
+      <p:sp>
+        <p:nvSpPr>
+          <p:cNvPr id="3" name="4 Título"/>
+          <p:cNvSpPr txBox="1">
+            <a:spLocks/>
+          </p:cNvSpPr>
+          <p:nvPr/>
+        </p:nvSpPr>
+        <p:spPr>
+          <a:xfrm>
+            <a:off x="611560" y="188640"/>
+            <a:ext cx="8784976" cy="457120"/>
+          </a:xfrm>
+          <a:prstGeom prst="rect">
+            <a:avLst/>
+          </a:prstGeom>
+        </p:spPr>
+        <p:txBody>
+          <a:bodyPr bIns="91440" anchor="b" anchorCtr="0">
+            <a:noAutofit/>
+          </a:bodyPr>
+          <a:lstStyle>
+            <a:lvl1pPr>
+              <a:spcBef>
+                <a:spcPct val="0"/>
+              </a:spcBef>
+              <a:buNone/>
+              <a:defRPr kumimoji="0" sz="2400">
+                <a:ln w="0"/>
+                <a:solidFill>
+                  <a:schemeClr val="tx2"/>
+                </a:solidFill>
+                <a:effectLst>
+                  <a:outerShdw blurRad="38100" dist="19050" dir="2700000" algn="tl" rotWithShape="0">
+                    <a:schemeClr val="dk1">
+                      <a:alpha val="40000"/>
+                    </a:schemeClr>
+                  </a:outerShdw>
+                </a:effectLst>
+                <a:latin typeface="+mj-lt"/>
+                <a:ea typeface="+mj-ea"/>
+                <a:cs typeface="+mj-cs"/>
+              </a:defRPr>
+            </a:lvl1pPr>
+          </a:lstStyle>
+          <a:p>
+            <a:r>
+              <a:rPr lang="es-PE" altLang="en-US" dirty="0"/>
+              <a:t>Programación lineal</a:t>
+            </a:r>
+          </a:p>
+        </p:txBody>
+      </p:sp>
+      <p:sp>
+        <p:nvSpPr>
+          <p:cNvPr id="10" name="CuadroTexto 4">
+            <a:extLst>
+              <a:ext uri="{FF2B5EF4-FFF2-40B4-BE49-F238E27FC236}">
+                <a16:creationId xmlns:a16="http://schemas.microsoft.com/office/drawing/2014/main" id="{0EE2E59A-EFC5-4F7D-8B1B-CDE02E4D869C}"/>
+              </a:ext>
+            </a:extLst>
+          </p:cNvPr>
+          <p:cNvSpPr txBox="1"/>
+          <p:nvPr/>
+        </p:nvSpPr>
+        <p:spPr>
+          <a:xfrm>
+            <a:off x="602191" y="836712"/>
+            <a:ext cx="8002257" cy="400110"/>
+          </a:xfrm>
+          <a:prstGeom prst="rect">
+            <a:avLst/>
+          </a:prstGeom>
+          <a:noFill/>
+        </p:spPr>
+        <p:txBody>
+          <a:bodyPr wrap="square" rtlCol="0">
+            <a:spAutoFit/>
+          </a:bodyPr>
+          <a:lstStyle/>
+          <a:p>
+            <a:pPr marL="285750" indent="-285750">
+              <a:buFont typeface="Arial" panose="020B0604020202020204" pitchFamily="34" charset="0"/>
+              <a:buChar char="•"/>
+            </a:pPr>
+            <a:r>
+              <a:rPr lang="es-MX" sz="2000" dirty="0"/>
+              <a:t>.</a:t>
+            </a:r>
+          </a:p>
+        </p:txBody>
+      </p:sp>
+      <p:pic>
+        <p:nvPicPr>
+          <p:cNvPr id="5" name="Picture 4">
+            <a:extLst>
+              <a:ext uri="{FF2B5EF4-FFF2-40B4-BE49-F238E27FC236}">
+                <a16:creationId xmlns:a16="http://schemas.microsoft.com/office/drawing/2014/main" id="{9BE4435C-BEFB-4C24-BCA0-F086869B87AA}"/>
+              </a:ext>
+            </a:extLst>
+          </p:cNvPr>
+          <p:cNvPicPr>
+            <a:picLocks noChangeAspect="1"/>
+          </p:cNvPicPr>
+          <p:nvPr/>
+        </p:nvPicPr>
+        <p:blipFill>
+          <a:blip r:embed="rId2"/>
+          <a:stretch>
+            <a:fillRect/>
+          </a:stretch>
+        </p:blipFill>
+        <p:spPr>
+          <a:xfrm>
+            <a:off x="431032" y="1427774"/>
+            <a:ext cx="8461448" cy="4117961"/>
+          </a:xfrm>
+          <a:prstGeom prst="rect">
+            <a:avLst/>
+          </a:prstGeom>
+        </p:spPr>
+      </p:pic>
+    </p:spTree>
+    <p:extLst>
+      <p:ext uri="{BB962C8B-B14F-4D97-AF65-F5344CB8AC3E}">
+        <p14:creationId xmlns:p14="http://schemas.microsoft.com/office/powerpoint/2010/main" val="4271202624"/>
+      </p:ext>
+    </p:extLst>
+  </p:cSld>
+  <p:clrMapOvr>
+    <a:masterClrMapping/>
+  </p:clrMapOvr>
+  <p:transition spd="slow">
+    <p:fade/>
+  </p:transition>
+</p:sld>
+</file>
+
+<file path=ppt/slides/slide34.xml><?xml version="1.0" encoding="utf-8"?>
+<p:sld xmlns:a="http://schemas.openxmlformats.org/drawingml/2006/main" xmlns:r="http://schemas.openxmlformats.org/officeDocument/2006/relationships" xmlns:p="http://schemas.openxmlformats.org/presentationml/2006/main">
+  <p:cSld>
+    <p:spTree>
+      <p:nvGrpSpPr>
+        <p:cNvPr id="1" name=""/>
+        <p:cNvGrpSpPr/>
+        <p:nvPr/>
+      </p:nvGrpSpPr>
+      <p:grpSpPr>
+        <a:xfrm>
+          <a:off x="0" y="0"/>
+          <a:ext cx="0" cy="0"/>
+          <a:chOff x="0" y="0"/>
+          <a:chExt cx="0" cy="0"/>
+        </a:xfrm>
+      </p:grpSpPr>
+      <p:sp>
+        <p:nvSpPr>
+          <p:cNvPr id="2" name="Marcador de número de diapositiva 1"/>
+          <p:cNvSpPr>
+            <a:spLocks noGrp="1"/>
+          </p:cNvSpPr>
+          <p:nvPr>
+            <p:ph type="sldNum" sz="quarter" idx="12"/>
+          </p:nvPr>
+        </p:nvSpPr>
+        <p:spPr/>
+        <p:txBody>
+          <a:bodyPr/>
+          <a:lstStyle/>
+          <a:p>
+            <a:fld id="{64BD7E74-CBD2-4D88-9109-2EA8081AE675}" type="slidenum">
+              <a:rPr lang="es-ES" smtClean="0"/>
+              <a:pPr/>
+              <a:t>34</a:t>
+            </a:fld>
+            <a:endParaRPr lang="es-ES"/>
+          </a:p>
+        </p:txBody>
+      </p:sp>
+      <p:sp>
+        <p:nvSpPr>
+          <p:cNvPr id="3" name="4 Título"/>
+          <p:cNvSpPr txBox="1">
+            <a:spLocks/>
+          </p:cNvSpPr>
+          <p:nvPr/>
+        </p:nvSpPr>
+        <p:spPr>
+          <a:xfrm>
+            <a:off x="611560" y="188640"/>
+            <a:ext cx="8784976" cy="457120"/>
+          </a:xfrm>
+          <a:prstGeom prst="rect">
+            <a:avLst/>
+          </a:prstGeom>
+        </p:spPr>
+        <p:txBody>
+          <a:bodyPr bIns="91440" anchor="b" anchorCtr="0">
+            <a:noAutofit/>
+          </a:bodyPr>
+          <a:lstStyle>
+            <a:lvl1pPr>
+              <a:spcBef>
+                <a:spcPct val="0"/>
+              </a:spcBef>
+              <a:buNone/>
+              <a:defRPr kumimoji="0" sz="2400">
+                <a:ln w="0"/>
+                <a:solidFill>
+                  <a:schemeClr val="tx2"/>
+                </a:solidFill>
+                <a:effectLst>
+                  <a:outerShdw blurRad="38100" dist="19050" dir="2700000" algn="tl" rotWithShape="0">
+                    <a:schemeClr val="dk1">
+                      <a:alpha val="40000"/>
+                    </a:schemeClr>
+                  </a:outerShdw>
+                </a:effectLst>
+                <a:latin typeface="+mj-lt"/>
+                <a:ea typeface="+mj-ea"/>
+                <a:cs typeface="+mj-cs"/>
+              </a:defRPr>
+            </a:lvl1pPr>
+          </a:lstStyle>
+          <a:p>
+            <a:r>
+              <a:rPr lang="es-PE" altLang="en-US" dirty="0"/>
+              <a:t>Programación lineal</a:t>
+            </a:r>
+          </a:p>
+        </p:txBody>
+      </p:sp>
+      <p:sp>
+        <p:nvSpPr>
+          <p:cNvPr id="10" name="CuadroTexto 4">
+            <a:extLst>
+              <a:ext uri="{FF2B5EF4-FFF2-40B4-BE49-F238E27FC236}">
+                <a16:creationId xmlns:a16="http://schemas.microsoft.com/office/drawing/2014/main" id="{0EE2E59A-EFC5-4F7D-8B1B-CDE02E4D869C}"/>
+              </a:ext>
+            </a:extLst>
+          </p:cNvPr>
+          <p:cNvSpPr txBox="1"/>
+          <p:nvPr/>
+        </p:nvSpPr>
+        <p:spPr>
+          <a:xfrm>
+            <a:off x="602191" y="836712"/>
+            <a:ext cx="8002257" cy="400110"/>
+          </a:xfrm>
+          <a:prstGeom prst="rect">
+            <a:avLst/>
+          </a:prstGeom>
+          <a:noFill/>
+        </p:spPr>
+        <p:txBody>
+          <a:bodyPr wrap="square" rtlCol="0">
+            <a:spAutoFit/>
+          </a:bodyPr>
+          <a:lstStyle/>
+          <a:p>
+            <a:pPr marL="285750" indent="-285750">
+              <a:buFont typeface="Arial" panose="020B0604020202020204" pitchFamily="34" charset="0"/>
+              <a:buChar char="•"/>
+            </a:pPr>
+            <a:r>
+              <a:rPr lang="es-MX" sz="2000" dirty="0"/>
+              <a:t>Cualquier PL puede ser colocado en una forma estándar</a:t>
+            </a:r>
+          </a:p>
+        </p:txBody>
+      </p:sp>
+      <p:pic>
+        <p:nvPicPr>
+          <p:cNvPr id="4" name="Picture 3">
+            <a:extLst>
+              <a:ext uri="{FF2B5EF4-FFF2-40B4-BE49-F238E27FC236}">
+                <a16:creationId xmlns:a16="http://schemas.microsoft.com/office/drawing/2014/main" id="{641CC9DB-45FA-4FCD-8114-BE417D42F78A}"/>
+              </a:ext>
+            </a:extLst>
+          </p:cNvPr>
+          <p:cNvPicPr>
+            <a:picLocks noChangeAspect="1"/>
+          </p:cNvPicPr>
+          <p:nvPr/>
+        </p:nvPicPr>
+        <p:blipFill>
+          <a:blip r:embed="rId2"/>
+          <a:stretch>
+            <a:fillRect/>
+          </a:stretch>
+        </p:blipFill>
+        <p:spPr>
+          <a:xfrm>
+            <a:off x="1331205" y="1228066"/>
+            <a:ext cx="6544228" cy="2451052"/>
+          </a:xfrm>
+          <a:prstGeom prst="rect">
+            <a:avLst/>
+          </a:prstGeom>
+        </p:spPr>
+      </p:pic>
+      <mc:AlternateContent xmlns:mc="http://schemas.openxmlformats.org/markup-compatibility/2006">
+        <mc:Choice xmlns:a14="http://schemas.microsoft.com/office/drawing/2010/main" Requires="a14">
+          <p:sp>
+            <p:nvSpPr>
+              <p:cNvPr id="8" name="CuadroTexto 4">
+                <a:extLst>
+                  <a:ext uri="{FF2B5EF4-FFF2-40B4-BE49-F238E27FC236}">
+                    <a16:creationId xmlns:a16="http://schemas.microsoft.com/office/drawing/2014/main" id="{F31C097F-38DA-47AA-BEDF-8AA58B8B2848}"/>
+                  </a:ext>
+                </a:extLst>
+              </p:cNvPr>
+              <p:cNvSpPr txBox="1"/>
+              <p:nvPr/>
+            </p:nvSpPr>
+            <p:spPr>
+              <a:xfrm>
+                <a:off x="602191" y="3870417"/>
+                <a:ext cx="8002257" cy="1040349"/>
+              </a:xfrm>
+              <a:prstGeom prst="rect">
+                <a:avLst/>
+              </a:prstGeom>
+              <a:noFill/>
+            </p:spPr>
+            <p:txBody>
+              <a:bodyPr wrap="square" rtlCol="0">
+                <a:spAutoFit/>
+              </a:bodyPr>
+              <a:lstStyle/>
+              <a:p>
+                <a:pPr marL="285750" indent="-285750">
+                  <a:buFont typeface="Arial" panose="020B0604020202020204" pitchFamily="34" charset="0"/>
+                  <a:buChar char="•"/>
+                </a:pPr>
+                <a:r>
+                  <a:rPr lang="es-MX" sz="2000" dirty="0"/>
+                  <a:t>Las constantes </a:t>
+                </a:r>
+                <a14:m>
+                  <m:oMath xmlns:m="http://schemas.openxmlformats.org/officeDocument/2006/math">
+                    <m:sSub>
+                      <m:sSubPr>
+                        <m:ctrlPr>
+                          <a:rPr lang="es-MX" sz="2000" i="1" smtClean="0">
+                            <a:latin typeface="Cambria Math" panose="02040503050406030204" pitchFamily="18" charset="0"/>
+                          </a:rPr>
+                        </m:ctrlPr>
+                      </m:sSubPr>
+                      <m:e>
+                        <m:r>
+                          <a:rPr lang="es-PE" sz="2000" b="0" i="1" smtClean="0">
+                            <a:latin typeface="Cambria Math" panose="02040503050406030204" pitchFamily="18" charset="0"/>
+                          </a:rPr>
+                          <m:t>𝑐</m:t>
+                        </m:r>
+                      </m:e>
+                      <m:sub>
+                        <m:r>
+                          <a:rPr lang="es-PE" sz="2000" b="0" i="1" smtClean="0">
+                            <a:latin typeface="Cambria Math" panose="02040503050406030204" pitchFamily="18" charset="0"/>
+                          </a:rPr>
+                          <m:t>𝑗</m:t>
+                        </m:r>
+                      </m:sub>
+                    </m:sSub>
+                    <m:r>
+                      <a:rPr lang="es-PE" sz="2000" b="0" i="1" smtClean="0">
+                        <a:latin typeface="Cambria Math" panose="02040503050406030204" pitchFamily="18" charset="0"/>
+                      </a:rPr>
+                      <m:t>,</m:t>
+                    </m:r>
+                    <m:sSub>
+                      <m:sSubPr>
+                        <m:ctrlPr>
+                          <a:rPr lang="es-MX" sz="2000" i="1">
+                            <a:latin typeface="Cambria Math" panose="02040503050406030204" pitchFamily="18" charset="0"/>
+                          </a:rPr>
+                        </m:ctrlPr>
+                      </m:sSubPr>
+                      <m:e>
+                        <m:r>
+                          <a:rPr lang="es-PE" sz="2000" b="0" i="1" smtClean="0">
+                            <a:latin typeface="Cambria Math" panose="02040503050406030204" pitchFamily="18" charset="0"/>
+                          </a:rPr>
+                          <m:t>𝑏</m:t>
+                        </m:r>
+                      </m:e>
+                      <m:sub>
+                        <m:r>
+                          <a:rPr lang="es-PE" sz="2000" b="0" i="1" smtClean="0">
+                            <a:latin typeface="Cambria Math" panose="02040503050406030204" pitchFamily="18" charset="0"/>
+                          </a:rPr>
+                          <m:t>𝑖</m:t>
+                        </m:r>
+                      </m:sub>
+                    </m:sSub>
+                  </m:oMath>
+                </a14:m>
+                <a:r>
+                  <a:rPr lang="es-MX" sz="2000" dirty="0"/>
+                  <a:t> y </a:t>
+                </a:r>
+                <a14:m>
+                  <m:oMath xmlns:m="http://schemas.openxmlformats.org/officeDocument/2006/math">
+                    <m:sSub>
+                      <m:sSubPr>
+                        <m:ctrlPr>
+                          <a:rPr lang="es-MX" sz="2000" i="1" smtClean="0">
+                            <a:latin typeface="Cambria Math" panose="02040503050406030204" pitchFamily="18" charset="0"/>
+                          </a:rPr>
+                        </m:ctrlPr>
+                      </m:sSubPr>
+                      <m:e>
+                        <m:r>
+                          <a:rPr lang="es-PE" sz="2000" b="0" i="1" smtClean="0">
+                            <a:latin typeface="Cambria Math" panose="02040503050406030204" pitchFamily="18" charset="0"/>
+                          </a:rPr>
+                          <m:t>𝑎</m:t>
+                        </m:r>
+                      </m:e>
+                      <m:sub>
+                        <m:r>
+                          <a:rPr lang="es-PE" sz="2000" b="0" i="1" smtClean="0">
+                            <a:latin typeface="Cambria Math" panose="02040503050406030204" pitchFamily="18" charset="0"/>
+                          </a:rPr>
+                          <m:t>𝑖</m:t>
+                        </m:r>
+                        <m:r>
+                          <a:rPr lang="es-PE" sz="2000" i="1">
+                            <a:latin typeface="Cambria Math" panose="02040503050406030204" pitchFamily="18" charset="0"/>
+                          </a:rPr>
+                          <m:t>𝑗</m:t>
+                        </m:r>
+                      </m:sub>
+                    </m:sSub>
+                  </m:oMath>
+                </a14:m>
+                <a:r>
+                  <a:rPr lang="es-MX" sz="2000" dirty="0"/>
+                  <a:t>, </a:t>
+                </a:r>
+                <a14:m>
+                  <m:oMath xmlns:m="http://schemas.openxmlformats.org/officeDocument/2006/math">
+                    <m:r>
+                      <a:rPr lang="es-PE" sz="2000" i="1">
+                        <a:latin typeface="Cambria Math" panose="02040503050406030204" pitchFamily="18" charset="0"/>
+                      </a:rPr>
+                      <m:t>𝑖</m:t>
+                    </m:r>
+                    <m:r>
+                      <a:rPr lang="es-PE" sz="2000" i="1">
+                        <a:latin typeface="Cambria Math" panose="02040503050406030204" pitchFamily="18" charset="0"/>
+                      </a:rPr>
+                      <m:t>=1,</m:t>
+                    </m:r>
+                    <m:r>
+                      <a:rPr lang="es-PE" sz="2000" b="0" i="1" smtClean="0">
+                        <a:latin typeface="Cambria Math" panose="02040503050406030204" pitchFamily="18" charset="0"/>
+                      </a:rPr>
+                      <m:t>2,</m:t>
+                    </m:r>
+                    <m:r>
+                      <a:rPr lang="es-PE" sz="2000" i="1">
+                        <a:latin typeface="Cambria Math" panose="02040503050406030204" pitchFamily="18" charset="0"/>
+                      </a:rPr>
+                      <m:t>…,</m:t>
+                    </m:r>
+                    <m:r>
+                      <a:rPr lang="es-PE" sz="2000" b="0" i="1" smtClean="0">
+                        <a:latin typeface="Cambria Math" panose="02040503050406030204" pitchFamily="18" charset="0"/>
+                      </a:rPr>
+                      <m:t>𝑚</m:t>
+                    </m:r>
+                  </m:oMath>
+                </a14:m>
+                <a:r>
+                  <a:rPr lang="es-MX" sz="2000" dirty="0"/>
+                  <a:t> </a:t>
+                </a:r>
+                <a14:m>
+                  <m:oMath xmlns:m="http://schemas.openxmlformats.org/officeDocument/2006/math">
+                    <m:r>
+                      <a:rPr lang="es-PE" sz="2000" b="0" i="0" smtClean="0">
+                        <a:latin typeface="Cambria Math" panose="02040503050406030204" pitchFamily="18" charset="0"/>
+                      </a:rPr>
+                      <m:t>    </m:t>
+                    </m:r>
+                    <m:r>
+                      <a:rPr lang="es-PE" sz="2000" b="0" i="1" smtClean="0">
+                        <a:latin typeface="Cambria Math" panose="02040503050406030204" pitchFamily="18" charset="0"/>
+                      </a:rPr>
+                      <m:t>𝑗</m:t>
+                    </m:r>
+                    <m:r>
+                      <a:rPr lang="es-PE" sz="2000" i="1">
+                        <a:latin typeface="Cambria Math" panose="02040503050406030204" pitchFamily="18" charset="0"/>
+                      </a:rPr>
+                      <m:t>=1,</m:t>
+                    </m:r>
+                    <m:r>
+                      <a:rPr lang="es-PE" sz="2000" b="0" i="1" smtClean="0">
+                        <a:latin typeface="Cambria Math" panose="02040503050406030204" pitchFamily="18" charset="0"/>
+                      </a:rPr>
+                      <m:t>2,</m:t>
+                    </m:r>
+                    <m:r>
+                      <a:rPr lang="es-PE" sz="2000" i="1">
+                        <a:latin typeface="Cambria Math" panose="02040503050406030204" pitchFamily="18" charset="0"/>
+                      </a:rPr>
+                      <m:t>…,</m:t>
+                    </m:r>
+                    <m:r>
+                      <a:rPr lang="es-PE" sz="2000" i="1">
+                        <a:latin typeface="Cambria Math" panose="02040503050406030204" pitchFamily="18" charset="0"/>
+                      </a:rPr>
+                      <m:t>𝑛</m:t>
+                    </m:r>
+                  </m:oMath>
+                </a14:m>
+                <a:r>
+                  <a:rPr lang="es-MX" sz="2000" dirty="0"/>
+                  <a:t> describen un PL particular</a:t>
+                </a:r>
+              </a:p>
+              <a:p>
+                <a:pPr marL="285750" indent="-285750">
+                  <a:buFont typeface="Arial" panose="020B0604020202020204" pitchFamily="34" charset="0"/>
+                  <a:buChar char="•"/>
+                </a:pPr>
+                <a:r>
+                  <a:rPr lang="es-MX" sz="2000" dirty="0"/>
+                  <a:t>La forma estándar, </a:t>
+                </a:r>
+                <a14:m>
+                  <m:oMath xmlns:m="http://schemas.openxmlformats.org/officeDocument/2006/math">
+                    <m:sSub>
+                      <m:sSubPr>
+                        <m:ctrlPr>
+                          <a:rPr lang="es-MX" sz="2000" i="1">
+                            <a:latin typeface="Cambria Math" panose="02040503050406030204" pitchFamily="18" charset="0"/>
+                          </a:rPr>
+                        </m:ctrlPr>
+                      </m:sSubPr>
+                      <m:e>
+                        <m:r>
+                          <a:rPr lang="es-PE" sz="2000" i="1">
+                            <a:latin typeface="Cambria Math" panose="02040503050406030204" pitchFamily="18" charset="0"/>
+                          </a:rPr>
+                          <m:t>𝑏</m:t>
+                        </m:r>
+                      </m:e>
+                      <m:sub>
+                        <m:r>
+                          <a:rPr lang="es-PE" sz="2000" i="1">
+                            <a:latin typeface="Cambria Math" panose="02040503050406030204" pitchFamily="18" charset="0"/>
+                          </a:rPr>
+                          <m:t>𝑖</m:t>
+                        </m:r>
+                      </m:sub>
+                    </m:sSub>
+                    <m:r>
+                      <a:rPr lang="es-PE" sz="2000" b="0" i="0" smtClean="0">
+                        <a:latin typeface="Cambria Math" panose="02040503050406030204" pitchFamily="18" charset="0"/>
+                      </a:rPr>
+                      <m:t>≥0</m:t>
+                    </m:r>
+                  </m:oMath>
+                </a14:m>
+                <a:r>
+                  <a:rPr lang="es-MX" sz="2000" dirty="0"/>
+                  <a:t> para </a:t>
+                </a:r>
+                <a14:m>
+                  <m:oMath xmlns:m="http://schemas.openxmlformats.org/officeDocument/2006/math">
+                    <m:r>
+                      <a:rPr lang="es-PE" sz="2000" i="1">
+                        <a:latin typeface="Cambria Math" panose="02040503050406030204" pitchFamily="18" charset="0"/>
+                      </a:rPr>
+                      <m:t>𝑖</m:t>
+                    </m:r>
+                    <m:r>
+                      <a:rPr lang="es-PE" sz="2000" i="1">
+                        <a:latin typeface="Cambria Math" panose="02040503050406030204" pitchFamily="18" charset="0"/>
+                      </a:rPr>
+                      <m:t>=1,2,…,</m:t>
+                    </m:r>
+                    <m:r>
+                      <a:rPr lang="es-PE" sz="2000" i="1">
+                        <a:latin typeface="Cambria Math" panose="02040503050406030204" pitchFamily="18" charset="0"/>
+                      </a:rPr>
+                      <m:t>𝑚</m:t>
+                    </m:r>
+                  </m:oMath>
+                </a14:m>
+                <a:r>
+                  <a:rPr lang="es-MX" sz="2000" dirty="0"/>
+                  <a:t> </a:t>
+                </a:r>
+              </a:p>
+            </p:txBody>
+          </p:sp>
+        </mc:Choice>
+        <mc:Fallback>
+          <p:sp>
+            <p:nvSpPr>
+              <p:cNvPr id="8" name="CuadroTexto 4">
+                <a:extLst>
+                  <a:ext uri="{FF2B5EF4-FFF2-40B4-BE49-F238E27FC236}">
+                    <a16:creationId xmlns:a16="http://schemas.microsoft.com/office/drawing/2014/main" id="{F31C097F-38DA-47AA-BEDF-8AA58B8B2848}"/>
+                  </a:ext>
+                </a:extLst>
+              </p:cNvPr>
+              <p:cNvSpPr txBox="1">
+                <a:spLocks noRot="1" noChangeAspect="1" noMove="1" noResize="1" noEditPoints="1" noAdjustHandles="1" noChangeArrowheads="1" noChangeShapeType="1" noTextEdit="1"/>
+              </p:cNvSpPr>
+              <p:nvPr/>
+            </p:nvSpPr>
+            <p:spPr>
+              <a:xfrm>
+                <a:off x="602191" y="3870417"/>
+                <a:ext cx="8002257" cy="1040349"/>
+              </a:xfrm>
+              <a:prstGeom prst="rect">
+                <a:avLst/>
+              </a:prstGeom>
+              <a:blipFill>
+                <a:blip r:embed="rId3"/>
+                <a:stretch>
+                  <a:fillRect l="-686" t="-1754" b="-10526"/>
+                </a:stretch>
+              </a:blipFill>
+            </p:spPr>
+            <p:txBody>
+              <a:bodyPr/>
+              <a:lstStyle/>
+              <a:p>
+                <a:r>
+                  <a:rPr lang="es-PE">
+                    <a:noFill/>
+                  </a:rPr>
+                  <a:t> </a:t>
+                </a:r>
+              </a:p>
+            </p:txBody>
+          </p:sp>
+        </mc:Fallback>
+      </mc:AlternateContent>
+    </p:spTree>
+    <p:extLst>
+      <p:ext uri="{BB962C8B-B14F-4D97-AF65-F5344CB8AC3E}">
+        <p14:creationId xmlns:p14="http://schemas.microsoft.com/office/powerpoint/2010/main" val="3329245721"/>
+      </p:ext>
+    </p:extLst>
+  </p:cSld>
+  <p:clrMapOvr>
+    <a:masterClrMapping/>
+  </p:clrMapOvr>
+  <p:transition spd="slow">
+    <p:fade/>
+  </p:transition>
+</p:sld>
+</file>
+
+<file path=ppt/slides/slide35.xml><?xml version="1.0" encoding="utf-8"?>
+<p:sld xmlns:a="http://schemas.openxmlformats.org/drawingml/2006/main" xmlns:r="http://schemas.openxmlformats.org/officeDocument/2006/relationships" xmlns:p="http://schemas.openxmlformats.org/presentationml/2006/main">
+  <p:cSld>
+    <p:spTree>
+      <p:nvGrpSpPr>
+        <p:cNvPr id="1" name=""/>
+        <p:cNvGrpSpPr/>
+        <p:nvPr/>
+      </p:nvGrpSpPr>
+      <p:grpSpPr>
+        <a:xfrm>
+          <a:off x="0" y="0"/>
+          <a:ext cx="0" cy="0"/>
+          <a:chOff x="0" y="0"/>
+          <a:chExt cx="0" cy="0"/>
+        </a:xfrm>
+      </p:grpSpPr>
+      <p:sp>
+        <p:nvSpPr>
+          <p:cNvPr id="2" name="Marcador de número de diapositiva 1"/>
+          <p:cNvSpPr>
+            <a:spLocks noGrp="1"/>
+          </p:cNvSpPr>
+          <p:nvPr>
+            <p:ph type="sldNum" sz="quarter" idx="12"/>
+          </p:nvPr>
+        </p:nvSpPr>
+        <p:spPr/>
+        <p:txBody>
+          <a:bodyPr/>
+          <a:lstStyle/>
+          <a:p>
+            <a:fld id="{64BD7E74-CBD2-4D88-9109-2EA8081AE675}" type="slidenum">
+              <a:rPr lang="es-ES" smtClean="0"/>
+              <a:pPr/>
+              <a:t>35</a:t>
+            </a:fld>
+            <a:endParaRPr lang="es-ES"/>
+          </a:p>
+        </p:txBody>
+      </p:sp>
+      <p:sp>
+        <p:nvSpPr>
+          <p:cNvPr id="3" name="4 Título"/>
+          <p:cNvSpPr txBox="1">
+            <a:spLocks/>
+          </p:cNvSpPr>
+          <p:nvPr/>
+        </p:nvSpPr>
+        <p:spPr>
+          <a:xfrm>
+            <a:off x="611560" y="188640"/>
+            <a:ext cx="8784976" cy="457120"/>
+          </a:xfrm>
+          <a:prstGeom prst="rect">
+            <a:avLst/>
+          </a:prstGeom>
+        </p:spPr>
+        <p:txBody>
+          <a:bodyPr bIns="91440" anchor="b" anchorCtr="0">
+            <a:noAutofit/>
+          </a:bodyPr>
+          <a:lstStyle>
+            <a:lvl1pPr>
+              <a:spcBef>
+                <a:spcPct val="0"/>
+              </a:spcBef>
+              <a:buNone/>
+              <a:defRPr kumimoji="0" sz="2400">
+                <a:ln w="0"/>
+                <a:solidFill>
+                  <a:schemeClr val="tx2"/>
+                </a:solidFill>
+                <a:effectLst>
+                  <a:outerShdw blurRad="38100" dist="19050" dir="2700000" algn="tl" rotWithShape="0">
+                    <a:schemeClr val="dk1">
+                      <a:alpha val="40000"/>
+                    </a:schemeClr>
+                  </a:outerShdw>
+                </a:effectLst>
+                <a:latin typeface="+mj-lt"/>
+                <a:ea typeface="+mj-ea"/>
+                <a:cs typeface="+mj-cs"/>
+              </a:defRPr>
+            </a:lvl1pPr>
+          </a:lstStyle>
+          <a:p>
+            <a:r>
+              <a:rPr lang="es-PE" altLang="en-US" dirty="0"/>
+              <a:t>Programación entera mixta</a:t>
+            </a:r>
+          </a:p>
+        </p:txBody>
+      </p:sp>
+      <p:sp>
+        <p:nvSpPr>
+          <p:cNvPr id="10" name="CuadroTexto 4">
+            <a:extLst>
+              <a:ext uri="{FF2B5EF4-FFF2-40B4-BE49-F238E27FC236}">
+                <a16:creationId xmlns:a16="http://schemas.microsoft.com/office/drawing/2014/main" id="{0EE2E59A-EFC5-4F7D-8B1B-CDE02E4D869C}"/>
+              </a:ext>
+            </a:extLst>
+          </p:cNvPr>
+          <p:cNvSpPr txBox="1"/>
+          <p:nvPr/>
+        </p:nvSpPr>
+        <p:spPr>
+          <a:xfrm>
+            <a:off x="602191" y="3140968"/>
+            <a:ext cx="8362297" cy="2862322"/>
+          </a:xfrm>
+          <a:prstGeom prst="rect">
+            <a:avLst/>
+          </a:prstGeom>
+          <a:noFill/>
+        </p:spPr>
+        <p:txBody>
+          <a:bodyPr wrap="square" rtlCol="0">
+            <a:spAutoFit/>
+          </a:bodyPr>
+          <a:lstStyle/>
+          <a:p>
+            <a:pPr marL="285750" indent="-285750">
+              <a:buFont typeface="Arial" panose="020B0604020202020204" pitchFamily="34" charset="0"/>
+              <a:buChar char="•"/>
+            </a:pPr>
+            <a:r>
+              <a:rPr lang="es-MX" sz="2000" dirty="0"/>
+              <a:t>Método de ramificación y limitación (Branch &amp; </a:t>
+            </a:r>
+            <a:r>
+              <a:rPr lang="es-MX" sz="2000" dirty="0" err="1"/>
+              <a:t>Bound</a:t>
+            </a:r>
+            <a:r>
+              <a:rPr lang="es-MX" sz="2000" dirty="0"/>
+              <a:t>).</a:t>
+            </a:r>
+          </a:p>
+          <a:p>
+            <a:pPr marL="285750" indent="-285750">
+              <a:buFont typeface="Arial" panose="020B0604020202020204" pitchFamily="34" charset="0"/>
+              <a:buChar char="•"/>
+            </a:pPr>
+            <a:r>
+              <a:rPr lang="es-MX" sz="2000" dirty="0"/>
+              <a:t>Método de ramificación y corte (Branch &amp; </a:t>
+            </a:r>
+            <a:r>
+              <a:rPr lang="es-MX" sz="2000"/>
+              <a:t>Cut</a:t>
+            </a:r>
+            <a:r>
+              <a:rPr lang="es-MX" sz="2000" dirty="0"/>
+              <a:t>)</a:t>
+            </a:r>
+          </a:p>
+          <a:p>
+            <a:pPr marL="285750" indent="-285750">
+              <a:buFont typeface="Arial" panose="020B0604020202020204" pitchFamily="34" charset="0"/>
+              <a:buChar char="•"/>
+            </a:pPr>
+            <a:r>
+              <a:rPr lang="es-MX" sz="2000" dirty="0"/>
+              <a:t>Método de planos de cortes</a:t>
+            </a:r>
+          </a:p>
+          <a:p>
+            <a:pPr marL="285750" indent="-285750">
+              <a:buFont typeface="Arial" panose="020B0604020202020204" pitchFamily="34" charset="0"/>
+              <a:buChar char="•"/>
+            </a:pPr>
+            <a:r>
+              <a:rPr lang="es-MX" sz="2000" dirty="0"/>
+              <a:t>Métodos de descomposición</a:t>
+            </a:r>
+          </a:p>
+          <a:p>
+            <a:pPr marL="285750" indent="-285750">
+              <a:buFont typeface="Arial" panose="020B0604020202020204" pitchFamily="34" charset="0"/>
+              <a:buChar char="•"/>
+            </a:pPr>
+            <a:r>
+              <a:rPr lang="es-MX" sz="2000" dirty="0"/>
+              <a:t>Método de enumeración implícita</a:t>
+            </a:r>
+          </a:p>
+          <a:p>
+            <a:pPr marL="285750" indent="-285750">
+              <a:buFont typeface="Arial" panose="020B0604020202020204" pitchFamily="34" charset="0"/>
+              <a:buChar char="•"/>
+            </a:pPr>
+            <a:r>
+              <a:rPr lang="es-MX" sz="2000" dirty="0"/>
+              <a:t>Problema no convexo, pueden ser transformados en problemas convexos a través de métodos de relajación</a:t>
+            </a:r>
+          </a:p>
+          <a:p>
+            <a:pPr marL="285750" indent="-285750">
+              <a:buFont typeface="Arial" panose="020B0604020202020204" pitchFamily="34" charset="0"/>
+              <a:buChar char="•"/>
+            </a:pPr>
+            <a:r>
+              <a:rPr lang="es-MX" sz="2000" dirty="0"/>
+              <a:t>Todos los métodos encuentran una solución óptima o global</a:t>
+            </a:r>
+          </a:p>
+          <a:p>
+            <a:pPr marL="285750" indent="-285750">
+              <a:buFont typeface="Arial" panose="020B0604020202020204" pitchFamily="34" charset="0"/>
+              <a:buChar char="•"/>
+            </a:pPr>
+            <a:r>
+              <a:rPr lang="es-MX" sz="2000" dirty="0"/>
+              <a:t>No tiene problemas de convergencia, tiempo de procesamiento elevados</a:t>
+            </a:r>
+          </a:p>
+        </p:txBody>
+      </p:sp>
+      <mc:AlternateContent xmlns:mc="http://schemas.openxmlformats.org/markup-compatibility/2006">
+        <mc:Choice xmlns:a14="http://schemas.microsoft.com/office/drawing/2010/main" Requires="a14">
+          <p:sp>
+            <p:nvSpPr>
+              <p:cNvPr id="6" name="TextBox 5">
+                <a:extLst>
+                  <a:ext uri="{FF2B5EF4-FFF2-40B4-BE49-F238E27FC236}">
+                    <a16:creationId xmlns:a16="http://schemas.microsoft.com/office/drawing/2014/main" id="{CF798055-6B72-4532-B2E2-3738A47C9519}"/>
+                  </a:ext>
+                </a:extLst>
+              </p:cNvPr>
+              <p:cNvSpPr txBox="1"/>
+              <p:nvPr/>
+            </p:nvSpPr>
+            <p:spPr>
+              <a:xfrm>
+                <a:off x="2875127" y="491436"/>
+                <a:ext cx="3816424" cy="2925801"/>
+              </a:xfrm>
+              <a:prstGeom prst="rect">
+                <a:avLst/>
+              </a:prstGeom>
+              <a:noFill/>
+            </p:spPr>
+            <p:txBody>
+              <a:bodyPr wrap="square" lIns="0" tIns="0" rIns="0" bIns="0" rtlCol="0">
+                <a:spAutoFit/>
+              </a:bodyPr>
+              <a:lstStyle/>
+              <a:p>
+                <a14:m>
+                  <m:oMathPara xmlns:m="http://schemas.openxmlformats.org/officeDocument/2006/math">
+                    <m:oMathParaPr>
+                      <m:jc m:val="centerGroup"/>
+                    </m:oMathParaPr>
+                    <m:oMath xmlns:m="http://schemas.openxmlformats.org/officeDocument/2006/math">
+                      <m:r>
+                        <a:rPr lang="es-PE" b="0" i="1" smtClean="0">
+                          <a:latin typeface="Cambria Math" panose="02040503050406030204" pitchFamily="18" charset="0"/>
+                        </a:rPr>
+                        <m:t>𝑀𝑖𝑛</m:t>
+                      </m:r>
+                      <m:nary>
+                        <m:naryPr>
+                          <m:chr m:val="∑"/>
+                          <m:ctrlPr>
+                            <a:rPr lang="es-PE" b="0" i="1" smtClean="0">
+                              <a:latin typeface="Cambria Math" panose="02040503050406030204" pitchFamily="18" charset="0"/>
+                            </a:rPr>
+                          </m:ctrlPr>
+                        </m:naryPr>
+                        <m:sub>
+                          <m:r>
+                            <m:rPr>
+                              <m:brk m:alnAt="23"/>
+                            </m:rPr>
+                            <a:rPr lang="es-PE" b="0" i="1" smtClean="0">
+                              <a:latin typeface="Cambria Math" panose="02040503050406030204" pitchFamily="18" charset="0"/>
+                            </a:rPr>
+                            <m:t>𝑖</m:t>
+                          </m:r>
+                          <m:r>
+                            <a:rPr lang="es-PE" b="0" i="1" smtClean="0">
+                              <a:latin typeface="Cambria Math" panose="02040503050406030204" pitchFamily="18" charset="0"/>
+                            </a:rPr>
+                            <m:t>=1</m:t>
+                          </m:r>
+                        </m:sub>
+                        <m:sup>
+                          <m:r>
+                            <a:rPr lang="es-PE" b="0" i="1" smtClean="0">
+                              <a:latin typeface="Cambria Math" panose="02040503050406030204" pitchFamily="18" charset="0"/>
+                            </a:rPr>
+                            <m:t>𝑛</m:t>
+                          </m:r>
+                        </m:sup>
+                        <m:e>
+                          <m:sSub>
+                            <m:sSubPr>
+                              <m:ctrlPr>
+                                <a:rPr lang="es-PE" b="0" i="1" smtClean="0">
+                                  <a:latin typeface="Cambria Math" panose="02040503050406030204" pitchFamily="18" charset="0"/>
+                                </a:rPr>
+                              </m:ctrlPr>
+                            </m:sSubPr>
+                            <m:e>
+                              <m:r>
+                                <a:rPr lang="es-PE" b="0" i="1" smtClean="0">
+                                  <a:latin typeface="Cambria Math" panose="02040503050406030204" pitchFamily="18" charset="0"/>
+                                </a:rPr>
+                                <m:t>𝑐</m:t>
+                              </m:r>
+                            </m:e>
+                            <m:sub>
+                              <m:r>
+                                <a:rPr lang="es-PE" b="0" i="1" smtClean="0">
+                                  <a:latin typeface="Cambria Math" panose="02040503050406030204" pitchFamily="18" charset="0"/>
+                                </a:rPr>
+                                <m:t>𝑖</m:t>
+                              </m:r>
+                            </m:sub>
+                          </m:sSub>
+                          <m:sSub>
+                            <m:sSubPr>
+                              <m:ctrlPr>
+                                <a:rPr lang="es-PE" b="0" i="1" smtClean="0">
+                                  <a:latin typeface="Cambria Math" panose="02040503050406030204" pitchFamily="18" charset="0"/>
+                                </a:rPr>
+                              </m:ctrlPr>
+                            </m:sSubPr>
+                            <m:e>
+                              <m:r>
+                                <a:rPr lang="es-PE" b="0" i="1" smtClean="0">
+                                  <a:latin typeface="Cambria Math" panose="02040503050406030204" pitchFamily="18" charset="0"/>
+                                </a:rPr>
+                                <m:t>𝑥</m:t>
+                              </m:r>
+                            </m:e>
+                            <m:sub>
+                              <m:r>
+                                <a:rPr lang="es-PE" b="0" i="1" smtClean="0">
+                                  <a:latin typeface="Cambria Math" panose="02040503050406030204" pitchFamily="18" charset="0"/>
+                                </a:rPr>
+                                <m:t>𝑖</m:t>
+                              </m:r>
+                            </m:sub>
+                          </m:sSub>
+                        </m:e>
+                      </m:nary>
+                      <m:r>
+                        <a:rPr lang="es-PE" b="0" i="1" smtClean="0">
+                          <a:latin typeface="Cambria Math" panose="02040503050406030204" pitchFamily="18" charset="0"/>
+                        </a:rPr>
+                        <m:t>+</m:t>
+                      </m:r>
+                      <m:nary>
+                        <m:naryPr>
+                          <m:chr m:val="∑"/>
+                          <m:ctrlPr>
+                            <a:rPr lang="es-PE" i="1">
+                              <a:latin typeface="Cambria Math" panose="02040503050406030204" pitchFamily="18" charset="0"/>
+                            </a:rPr>
+                          </m:ctrlPr>
+                        </m:naryPr>
+                        <m:sub>
+                          <m:r>
+                            <m:rPr>
+                              <m:brk m:alnAt="23"/>
+                            </m:rPr>
+                            <a:rPr lang="es-PE" i="1">
+                              <a:latin typeface="Cambria Math" panose="02040503050406030204" pitchFamily="18" charset="0"/>
+                            </a:rPr>
+                            <m:t>𝑖</m:t>
+                          </m:r>
+                          <m:r>
+                            <a:rPr lang="es-PE" i="1">
+                              <a:latin typeface="Cambria Math" panose="02040503050406030204" pitchFamily="18" charset="0"/>
+                            </a:rPr>
+                            <m:t>=1</m:t>
+                          </m:r>
+                        </m:sub>
+                        <m:sup>
+                          <m:r>
+                            <a:rPr lang="es-PE" i="1">
+                              <a:latin typeface="Cambria Math" panose="02040503050406030204" pitchFamily="18" charset="0"/>
+                            </a:rPr>
+                            <m:t>𝑛</m:t>
+                          </m:r>
+                        </m:sup>
+                        <m:e>
+                          <m:sSub>
+                            <m:sSubPr>
+                              <m:ctrlPr>
+                                <a:rPr lang="es-PE" i="1">
+                                  <a:latin typeface="Cambria Math" panose="02040503050406030204" pitchFamily="18" charset="0"/>
+                                </a:rPr>
+                              </m:ctrlPr>
+                            </m:sSubPr>
+                            <m:e>
+                              <m:r>
+                                <a:rPr lang="es-PE" b="0" i="1" smtClean="0">
+                                  <a:latin typeface="Cambria Math" panose="02040503050406030204" pitchFamily="18" charset="0"/>
+                                </a:rPr>
+                                <m:t>𝑑</m:t>
+                              </m:r>
+                            </m:e>
+                            <m:sub>
+                              <m:r>
+                                <a:rPr lang="es-PE" i="1">
+                                  <a:latin typeface="Cambria Math" panose="02040503050406030204" pitchFamily="18" charset="0"/>
+                                </a:rPr>
+                                <m:t>𝑖</m:t>
+                              </m:r>
+                            </m:sub>
+                          </m:sSub>
+                          <m:sSub>
+                            <m:sSubPr>
+                              <m:ctrlPr>
+                                <a:rPr lang="es-PE" i="1" smtClean="0">
+                                  <a:latin typeface="Cambria Math" panose="02040503050406030204" pitchFamily="18" charset="0"/>
+                                </a:rPr>
+                              </m:ctrlPr>
+                            </m:sSubPr>
+                            <m:e>
+                              <m:r>
+                                <a:rPr lang="es-PE" b="0" i="1" smtClean="0">
+                                  <a:latin typeface="Cambria Math" panose="02040503050406030204" pitchFamily="18" charset="0"/>
+                                </a:rPr>
+                                <m:t>𝑦</m:t>
+                              </m:r>
+                            </m:e>
+                            <m:sub>
+                              <m:r>
+                                <a:rPr lang="es-PE" i="1">
+                                  <a:latin typeface="Cambria Math" panose="02040503050406030204" pitchFamily="18" charset="0"/>
+                                </a:rPr>
+                                <m:t>𝑖</m:t>
+                              </m:r>
+                            </m:sub>
+                          </m:sSub>
+                        </m:e>
+                      </m:nary>
+                    </m:oMath>
+                  </m:oMathPara>
+                </a14:m>
+                <a:endParaRPr lang="es-PE" b="0" dirty="0"/>
+              </a:p>
+              <a:p>
+                <a:pPr/>
+                <a14:m>
+                  <m:oMathPara xmlns:m="http://schemas.openxmlformats.org/officeDocument/2006/math">
+                    <m:oMathParaPr>
+                      <m:jc m:val="left"/>
+                    </m:oMathParaPr>
+                    <m:oMath xmlns:m="http://schemas.openxmlformats.org/officeDocument/2006/math">
+                      <m:r>
+                        <a:rPr lang="es-PE" b="0" i="1" smtClean="0">
+                          <a:latin typeface="Cambria Math" panose="02040503050406030204" pitchFamily="18" charset="0"/>
+                        </a:rPr>
+                        <m:t>𝑆𝑢𝑗𝑒𝑡𝑜</m:t>
+                      </m:r>
+                      <m:r>
+                        <a:rPr lang="es-PE" b="0" i="1" smtClean="0">
+                          <a:latin typeface="Cambria Math" panose="02040503050406030204" pitchFamily="18" charset="0"/>
+                        </a:rPr>
+                        <m:t> </m:t>
+                      </m:r>
+                      <m:r>
+                        <a:rPr lang="es-PE" b="0" i="1" smtClean="0">
+                          <a:latin typeface="Cambria Math" panose="02040503050406030204" pitchFamily="18" charset="0"/>
+                        </a:rPr>
+                        <m:t>𝑎</m:t>
+                      </m:r>
+                    </m:oMath>
+                  </m:oMathPara>
+                </a14:m>
+                <a:endParaRPr lang="es-PE" dirty="0"/>
+              </a:p>
+              <a:p>
+                <a:pPr/>
+                <a14:m>
+                  <m:oMathPara xmlns:m="http://schemas.openxmlformats.org/officeDocument/2006/math">
+                    <m:oMathParaPr>
+                      <m:jc m:val="left"/>
+                    </m:oMathParaPr>
+                    <m:oMath xmlns:m="http://schemas.openxmlformats.org/officeDocument/2006/math">
+                      <m:nary>
+                        <m:naryPr>
+                          <m:chr m:val="∑"/>
+                          <m:ctrlPr>
+                            <a:rPr lang="es-PE" i="1" smtClean="0">
+                              <a:latin typeface="Cambria Math" panose="02040503050406030204" pitchFamily="18" charset="0"/>
+                            </a:rPr>
+                          </m:ctrlPr>
+                        </m:naryPr>
+                        <m:sub>
+                          <m:r>
+                            <m:rPr>
+                              <m:brk m:alnAt="23"/>
+                            </m:rPr>
+                            <a:rPr lang="es-PE" b="0" i="1" smtClean="0">
+                              <a:latin typeface="Cambria Math" panose="02040503050406030204" pitchFamily="18" charset="0"/>
+                            </a:rPr>
+                            <m:t>𝑖</m:t>
+                          </m:r>
+                          <m:r>
+                            <a:rPr lang="es-PE" b="0" i="1" smtClean="0">
+                              <a:latin typeface="Cambria Math" panose="02040503050406030204" pitchFamily="18" charset="0"/>
+                            </a:rPr>
+                            <m:t>=1</m:t>
+                          </m:r>
+                        </m:sub>
+                        <m:sup>
+                          <m:r>
+                            <a:rPr lang="es-PE" b="0" i="1" smtClean="0">
+                              <a:latin typeface="Cambria Math" panose="02040503050406030204" pitchFamily="18" charset="0"/>
+                            </a:rPr>
+                            <m:t>𝑛</m:t>
+                          </m:r>
+                        </m:sup>
+                        <m:e>
+                          <m:sSub>
+                            <m:sSubPr>
+                              <m:ctrlPr>
+                                <a:rPr lang="es-PE" i="1" smtClean="0">
+                                  <a:latin typeface="Cambria Math" panose="02040503050406030204" pitchFamily="18" charset="0"/>
+                                </a:rPr>
+                              </m:ctrlPr>
+                            </m:sSubPr>
+                            <m:e>
+                              <m:r>
+                                <a:rPr lang="es-PE" b="0" i="1" smtClean="0">
+                                  <a:latin typeface="Cambria Math" panose="02040503050406030204" pitchFamily="18" charset="0"/>
+                                </a:rPr>
+                                <m:t>𝑎</m:t>
+                              </m:r>
+                            </m:e>
+                            <m:sub>
+                              <m:r>
+                                <a:rPr lang="es-PE" b="0" i="1" smtClean="0">
+                                  <a:latin typeface="Cambria Math" panose="02040503050406030204" pitchFamily="18" charset="0"/>
+                                </a:rPr>
+                                <m:t>𝑗𝑖</m:t>
+                              </m:r>
+                            </m:sub>
+                          </m:sSub>
+                          <m:sSub>
+                            <m:sSubPr>
+                              <m:ctrlPr>
+                                <a:rPr lang="es-PE" i="1" smtClean="0">
+                                  <a:latin typeface="Cambria Math" panose="02040503050406030204" pitchFamily="18" charset="0"/>
+                                </a:rPr>
+                              </m:ctrlPr>
+                            </m:sSubPr>
+                            <m:e>
+                              <m:r>
+                                <a:rPr lang="es-PE" b="0" i="1" smtClean="0">
+                                  <a:latin typeface="Cambria Math" panose="02040503050406030204" pitchFamily="18" charset="0"/>
+                                </a:rPr>
+                                <m:t>𝑥</m:t>
+                              </m:r>
+                            </m:e>
+                            <m:sub>
+                              <m:r>
+                                <a:rPr lang="es-PE" b="0" i="1" smtClean="0">
+                                  <a:latin typeface="Cambria Math" panose="02040503050406030204" pitchFamily="18" charset="0"/>
+                                </a:rPr>
+                                <m:t>𝑖</m:t>
+                              </m:r>
+                            </m:sub>
+                          </m:sSub>
+                        </m:e>
+                      </m:nary>
+                      <m:r>
+                        <a:rPr lang="es-PE" b="0" i="1" smtClean="0">
+                          <a:latin typeface="Cambria Math" panose="02040503050406030204" pitchFamily="18" charset="0"/>
+                        </a:rPr>
+                        <m:t>+</m:t>
+                      </m:r>
+                      <m:nary>
+                        <m:naryPr>
+                          <m:chr m:val="∑"/>
+                          <m:ctrlPr>
+                            <a:rPr lang="es-PE" i="1">
+                              <a:latin typeface="Cambria Math" panose="02040503050406030204" pitchFamily="18" charset="0"/>
+                            </a:rPr>
+                          </m:ctrlPr>
+                        </m:naryPr>
+                        <m:sub>
+                          <m:r>
+                            <m:rPr>
+                              <m:brk m:alnAt="23"/>
+                            </m:rPr>
+                            <a:rPr lang="es-PE" i="1">
+                              <a:latin typeface="Cambria Math" panose="02040503050406030204" pitchFamily="18" charset="0"/>
+                            </a:rPr>
+                            <m:t>𝑖</m:t>
+                          </m:r>
+                          <m:r>
+                            <a:rPr lang="es-PE" i="1">
+                              <a:latin typeface="Cambria Math" panose="02040503050406030204" pitchFamily="18" charset="0"/>
+                            </a:rPr>
+                            <m:t>=1</m:t>
+                          </m:r>
+                        </m:sub>
+                        <m:sup>
+                          <m:r>
+                            <a:rPr lang="es-PE" b="0" i="1" smtClean="0">
+                              <a:latin typeface="Cambria Math" panose="02040503050406030204" pitchFamily="18" charset="0"/>
+                            </a:rPr>
+                            <m:t>𝑙</m:t>
+                          </m:r>
+                        </m:sup>
+                        <m:e>
+                          <m:sSub>
+                            <m:sSubPr>
+                              <m:ctrlPr>
+                                <a:rPr lang="es-PE" i="1">
+                                  <a:latin typeface="Cambria Math" panose="02040503050406030204" pitchFamily="18" charset="0"/>
+                                </a:rPr>
+                              </m:ctrlPr>
+                            </m:sSubPr>
+                            <m:e>
+                              <m:r>
+                                <a:rPr lang="es-PE" b="0" i="1" smtClean="0">
+                                  <a:latin typeface="Cambria Math" panose="02040503050406030204" pitchFamily="18" charset="0"/>
+                                </a:rPr>
+                                <m:t>𝑒</m:t>
+                              </m:r>
+                            </m:e>
+                            <m:sub>
+                              <m:r>
+                                <a:rPr lang="es-PE" i="1">
+                                  <a:latin typeface="Cambria Math" panose="02040503050406030204" pitchFamily="18" charset="0"/>
+                                </a:rPr>
+                                <m:t>𝑗𝑖</m:t>
+                              </m:r>
+                            </m:sub>
+                          </m:sSub>
+                          <m:sSub>
+                            <m:sSubPr>
+                              <m:ctrlPr>
+                                <a:rPr lang="es-PE" i="1">
+                                  <a:latin typeface="Cambria Math" panose="02040503050406030204" pitchFamily="18" charset="0"/>
+                                </a:rPr>
+                              </m:ctrlPr>
+                            </m:sSubPr>
+                            <m:e>
+                              <m:r>
+                                <a:rPr lang="es-PE" b="0" i="1" smtClean="0">
+                                  <a:latin typeface="Cambria Math" panose="02040503050406030204" pitchFamily="18" charset="0"/>
+                                </a:rPr>
+                                <m:t>𝑦</m:t>
+                              </m:r>
+                            </m:e>
+                            <m:sub>
+                              <m:r>
+                                <a:rPr lang="es-PE" i="1">
+                                  <a:latin typeface="Cambria Math" panose="02040503050406030204" pitchFamily="18" charset="0"/>
+                                </a:rPr>
+                                <m:t>𝑖</m:t>
+                              </m:r>
+                            </m:sub>
+                          </m:sSub>
+                        </m:e>
+                      </m:nary>
+                      <m:r>
+                        <a:rPr lang="es-PE" b="0" i="1" smtClean="0">
+                          <a:latin typeface="Cambria Math" panose="02040503050406030204" pitchFamily="18" charset="0"/>
+                        </a:rPr>
+                        <m:t>=</m:t>
+                      </m:r>
+                      <m:sSub>
+                        <m:sSubPr>
+                          <m:ctrlPr>
+                            <a:rPr lang="es-PE" i="1">
+                              <a:latin typeface="Cambria Math" panose="02040503050406030204" pitchFamily="18" charset="0"/>
+                            </a:rPr>
+                          </m:ctrlPr>
+                        </m:sSubPr>
+                        <m:e>
+                          <m:r>
+                            <a:rPr lang="es-PE" i="1">
+                              <a:latin typeface="Cambria Math" panose="02040503050406030204" pitchFamily="18" charset="0"/>
+                            </a:rPr>
+                            <m:t>𝑏</m:t>
+                          </m:r>
+                        </m:e>
+                        <m:sub>
+                          <m:r>
+                            <a:rPr lang="es-PE" i="1">
+                              <a:latin typeface="Cambria Math" panose="02040503050406030204" pitchFamily="18" charset="0"/>
+                            </a:rPr>
+                            <m:t>𝑗</m:t>
+                          </m:r>
+                        </m:sub>
+                      </m:sSub>
+                      <m:r>
+                        <a:rPr lang="es-PE" i="1">
+                          <a:latin typeface="Cambria Math" panose="02040503050406030204" pitchFamily="18" charset="0"/>
+                        </a:rPr>
+                        <m:t>,</m:t>
+                      </m:r>
+                      <m:r>
+                        <m:rPr>
+                          <m:nor/>
+                        </m:rPr>
+                        <a:rPr lang="es-PE"/>
+                        <m:t>∀</m:t>
+                      </m:r>
+                      <m:r>
+                        <a:rPr lang="es-PE" i="1">
+                          <a:latin typeface="Cambria Math" panose="02040503050406030204" pitchFamily="18" charset="0"/>
+                        </a:rPr>
+                        <m:t>𝑗</m:t>
+                      </m:r>
+                      <m:r>
+                        <a:rPr lang="es-PE" i="1">
+                          <a:latin typeface="Cambria Math" panose="02040503050406030204" pitchFamily="18" charset="0"/>
+                        </a:rPr>
+                        <m:t>=1,…,</m:t>
+                      </m:r>
+                      <m:r>
+                        <a:rPr lang="es-PE" b="0" i="1" smtClean="0">
+                          <a:latin typeface="Cambria Math" panose="02040503050406030204" pitchFamily="18" charset="0"/>
+                        </a:rPr>
+                        <m:t>𝑚</m:t>
+                      </m:r>
+                    </m:oMath>
+                  </m:oMathPara>
+                </a14:m>
+                <a:endParaRPr lang="es-PE" dirty="0"/>
+              </a:p>
+              <a:p>
+                <a:pPr/>
+                <a14:m>
+                  <m:oMathPara xmlns:m="http://schemas.openxmlformats.org/officeDocument/2006/math">
+                    <m:oMathParaPr>
+                      <m:jc m:val="left"/>
+                    </m:oMathParaPr>
+                    <m:oMath xmlns:m="http://schemas.openxmlformats.org/officeDocument/2006/math">
+                      <m:sSub>
+                        <m:sSubPr>
+                          <m:ctrlPr>
+                            <a:rPr lang="es-PE" i="1" smtClean="0">
+                              <a:latin typeface="Cambria Math" panose="02040503050406030204" pitchFamily="18" charset="0"/>
+                            </a:rPr>
+                          </m:ctrlPr>
+                        </m:sSubPr>
+                        <m:e>
+                          <m:r>
+                            <a:rPr lang="es-PE" b="0" i="1" smtClean="0">
+                              <a:latin typeface="Cambria Math" panose="02040503050406030204" pitchFamily="18" charset="0"/>
+                            </a:rPr>
+                            <m:t>𝑥</m:t>
+                          </m:r>
+                        </m:e>
+                        <m:sub>
+                          <m:r>
+                            <a:rPr lang="es-PE" b="0" i="1" smtClean="0">
+                              <a:latin typeface="Cambria Math" panose="02040503050406030204" pitchFamily="18" charset="0"/>
+                            </a:rPr>
+                            <m:t>𝑖</m:t>
+                          </m:r>
+                        </m:sub>
+                      </m:sSub>
+                      <m:r>
+                        <a:rPr lang="es-PE" b="0" i="1" smtClean="0">
+                          <a:latin typeface="Cambria Math" panose="02040503050406030204" pitchFamily="18" charset="0"/>
+                        </a:rPr>
+                        <m:t>≥0,</m:t>
+                      </m:r>
+                      <m:r>
+                        <m:rPr>
+                          <m:nor/>
+                        </m:rPr>
+                        <a:rPr lang="es-PE" b="0" i="0" smtClean="0">
+                          <a:latin typeface="Cambria Math" panose="02040503050406030204" pitchFamily="18" charset="0"/>
+                        </a:rPr>
+                        <m:t>     </m:t>
+                      </m:r>
+                      <m:r>
+                        <m:rPr>
+                          <m:nor/>
+                        </m:rPr>
+                        <a:rPr lang="es-PE"/>
+                        <m:t>∀</m:t>
+                      </m:r>
+                      <m:r>
+                        <a:rPr lang="es-PE" b="0" i="1" smtClean="0">
+                          <a:latin typeface="Cambria Math" panose="02040503050406030204" pitchFamily="18" charset="0"/>
+                        </a:rPr>
+                        <m:t>𝑖</m:t>
+                      </m:r>
+                      <m:r>
+                        <a:rPr lang="es-PE" i="1">
+                          <a:latin typeface="Cambria Math" panose="02040503050406030204" pitchFamily="18" charset="0"/>
+                        </a:rPr>
+                        <m:t>=1,…,</m:t>
+                      </m:r>
+                      <m:r>
+                        <a:rPr lang="es-PE" b="0" i="1" smtClean="0">
+                          <a:latin typeface="Cambria Math" panose="02040503050406030204" pitchFamily="18" charset="0"/>
+                        </a:rPr>
+                        <m:t>𝑛</m:t>
+                      </m:r>
+                    </m:oMath>
+                  </m:oMathPara>
+                </a14:m>
+                <a:endParaRPr lang="es-PE" dirty="0"/>
+              </a:p>
+              <a:p>
+                <a:pPr/>
+                <a14:m>
+                  <m:oMathPara xmlns:m="http://schemas.openxmlformats.org/officeDocument/2006/math">
+                    <m:oMathParaPr>
+                      <m:jc m:val="left"/>
+                    </m:oMathParaPr>
+                    <m:oMath xmlns:m="http://schemas.openxmlformats.org/officeDocument/2006/math">
+                      <m:sSub>
+                        <m:sSubPr>
+                          <m:ctrlPr>
+                            <a:rPr lang="es-PE" i="1">
+                              <a:latin typeface="Cambria Math" panose="02040503050406030204" pitchFamily="18" charset="0"/>
+                            </a:rPr>
+                          </m:ctrlPr>
+                        </m:sSubPr>
+                        <m:e>
+                          <m:r>
+                            <a:rPr lang="es-PE" b="0" i="1" smtClean="0">
+                              <a:latin typeface="Cambria Math" panose="02040503050406030204" pitchFamily="18" charset="0"/>
+                            </a:rPr>
+                            <m:t>𝑦</m:t>
+                          </m:r>
+                        </m:e>
+                        <m:sub>
+                          <m:r>
+                            <a:rPr lang="es-PE" i="1">
+                              <a:latin typeface="Cambria Math" panose="02040503050406030204" pitchFamily="18" charset="0"/>
+                            </a:rPr>
+                            <m:t>𝑖</m:t>
+                          </m:r>
+                        </m:sub>
+                      </m:sSub>
+                      <m:r>
+                        <a:rPr lang="es-PE" i="1">
+                          <a:latin typeface="Cambria Math" panose="02040503050406030204" pitchFamily="18" charset="0"/>
+                        </a:rPr>
+                        <m:t>≥0,</m:t>
+                      </m:r>
+                      <m:r>
+                        <m:rPr>
+                          <m:nor/>
+                        </m:rPr>
+                        <a:rPr lang="es-PE">
+                          <a:latin typeface="Cambria Math" panose="02040503050406030204" pitchFamily="18" charset="0"/>
+                        </a:rPr>
+                        <m:t>     </m:t>
+                      </m:r>
+                      <m:r>
+                        <m:rPr>
+                          <m:nor/>
+                        </m:rPr>
+                        <a:rPr lang="es-PE"/>
+                        <m:t>∀</m:t>
+                      </m:r>
+                      <m:r>
+                        <a:rPr lang="es-PE" i="1">
+                          <a:latin typeface="Cambria Math" panose="02040503050406030204" pitchFamily="18" charset="0"/>
+                        </a:rPr>
+                        <m:t>𝑖</m:t>
+                      </m:r>
+                      <m:r>
+                        <a:rPr lang="es-PE" i="1">
+                          <a:latin typeface="Cambria Math" panose="02040503050406030204" pitchFamily="18" charset="0"/>
+                        </a:rPr>
+                        <m:t>=1,…,</m:t>
+                      </m:r>
+                      <m:r>
+                        <a:rPr lang="es-PE" b="0" i="1" smtClean="0">
+                          <a:latin typeface="Cambria Math" panose="02040503050406030204" pitchFamily="18" charset="0"/>
+                        </a:rPr>
+                        <m:t>𝑙</m:t>
+                      </m:r>
+                    </m:oMath>
+                  </m:oMathPara>
+                </a14:m>
+                <a:endParaRPr lang="es-PE" dirty="0"/>
+              </a:p>
+              <a:p>
+                <a:pPr/>
+                <a14:m>
+                  <m:oMathPara xmlns:m="http://schemas.openxmlformats.org/officeDocument/2006/math">
+                    <m:oMathParaPr>
+                      <m:jc m:val="left"/>
+                    </m:oMathParaPr>
+                    <m:oMath xmlns:m="http://schemas.openxmlformats.org/officeDocument/2006/math">
+                      <m:sSub>
+                        <m:sSubPr>
+                          <m:ctrlPr>
+                            <a:rPr lang="es-PE" i="1">
+                              <a:latin typeface="Cambria Math" panose="02040503050406030204" pitchFamily="18" charset="0"/>
+                            </a:rPr>
+                          </m:ctrlPr>
+                        </m:sSubPr>
+                        <m:e>
+                          <m:r>
+                            <a:rPr lang="es-PE" b="0" i="1" smtClean="0">
+                              <a:latin typeface="Cambria Math" panose="02040503050406030204" pitchFamily="18" charset="0"/>
+                            </a:rPr>
+                            <m:t>𝑥</m:t>
+                          </m:r>
+                        </m:e>
+                        <m:sub>
+                          <m:r>
+                            <a:rPr lang="es-PE" i="1">
+                              <a:latin typeface="Cambria Math" panose="02040503050406030204" pitchFamily="18" charset="0"/>
+                            </a:rPr>
+                            <m:t>𝑖</m:t>
+                          </m:r>
+                        </m:sub>
+                      </m:sSub>
+                      <m:r>
+                        <a:rPr lang="es-PE" i="1" smtClean="0">
+                          <a:latin typeface="Cambria Math" panose="02040503050406030204" pitchFamily="18" charset="0"/>
+                          <a:ea typeface="Cambria Math" panose="02040503050406030204" pitchFamily="18" charset="0"/>
+                        </a:rPr>
+                        <m:t>∈</m:t>
+                      </m:r>
+                      <m:r>
+                        <a:rPr lang="el-GR" i="1" smtClean="0">
+                          <a:latin typeface="Cambria Math" panose="02040503050406030204" pitchFamily="18" charset="0"/>
+                          <a:ea typeface="Cambria Math" panose="02040503050406030204" pitchFamily="18" charset="0"/>
+                        </a:rPr>
+                        <m:t>ℤ</m:t>
+                      </m:r>
+                      <m:r>
+                        <a:rPr lang="es-PE" i="1">
+                          <a:latin typeface="Cambria Math" panose="02040503050406030204" pitchFamily="18" charset="0"/>
+                        </a:rPr>
+                        <m:t>,</m:t>
+                      </m:r>
+                      <m:r>
+                        <m:rPr>
+                          <m:nor/>
+                        </m:rPr>
+                        <a:rPr lang="es-PE">
+                          <a:latin typeface="Cambria Math" panose="02040503050406030204" pitchFamily="18" charset="0"/>
+                        </a:rPr>
+                        <m:t>     </m:t>
+                      </m:r>
+                      <m:r>
+                        <m:rPr>
+                          <m:nor/>
+                        </m:rPr>
+                        <a:rPr lang="es-PE"/>
+                        <m:t>∀</m:t>
+                      </m:r>
+                      <m:r>
+                        <a:rPr lang="es-PE" i="1">
+                          <a:latin typeface="Cambria Math" panose="02040503050406030204" pitchFamily="18" charset="0"/>
+                        </a:rPr>
+                        <m:t>𝑖</m:t>
+                      </m:r>
+                      <m:r>
+                        <a:rPr lang="es-PE" i="1">
+                          <a:latin typeface="Cambria Math" panose="02040503050406030204" pitchFamily="18" charset="0"/>
+                        </a:rPr>
+                        <m:t>=1,…,</m:t>
+                      </m:r>
+                      <m:r>
+                        <a:rPr lang="es-PE" b="0" i="1" smtClean="0">
+                          <a:latin typeface="Cambria Math" panose="02040503050406030204" pitchFamily="18" charset="0"/>
+                        </a:rPr>
+                        <m:t>𝑛</m:t>
+                      </m:r>
+                    </m:oMath>
+                  </m:oMathPara>
+                </a14:m>
+                <a:endParaRPr lang="es-PE" dirty="0"/>
+              </a:p>
+              <a:p>
+                <a:pPr/>
+                <a:endParaRPr lang="es-PE" dirty="0"/>
+              </a:p>
+            </p:txBody>
+          </p:sp>
+        </mc:Choice>
+        <mc:Fallback>
+          <p:sp>
+            <p:nvSpPr>
+              <p:cNvPr id="6" name="TextBox 5">
+                <a:extLst>
+                  <a:ext uri="{FF2B5EF4-FFF2-40B4-BE49-F238E27FC236}">
+                    <a16:creationId xmlns:a16="http://schemas.microsoft.com/office/drawing/2014/main" id="{CF798055-6B72-4532-B2E2-3738A47C9519}"/>
+                  </a:ext>
+                </a:extLst>
+              </p:cNvPr>
+              <p:cNvSpPr txBox="1">
+                <a:spLocks noRot="1" noChangeAspect="1" noMove="1" noResize="1" noEditPoints="1" noAdjustHandles="1" noChangeArrowheads="1" noChangeShapeType="1" noTextEdit="1"/>
+              </p:cNvSpPr>
+              <p:nvPr/>
+            </p:nvSpPr>
+            <p:spPr>
+              <a:xfrm>
+                <a:off x="2875127" y="491436"/>
+                <a:ext cx="3816424" cy="2925801"/>
+              </a:xfrm>
+              <a:prstGeom prst="rect">
+                <a:avLst/>
+              </a:prstGeom>
+              <a:blipFill>
+                <a:blip r:embed="rId2"/>
+                <a:stretch>
+                  <a:fillRect l="-2875"/>
+                </a:stretch>
+              </a:blipFill>
+            </p:spPr>
+            <p:txBody>
+              <a:bodyPr/>
+              <a:lstStyle/>
+              <a:p>
+                <a:r>
+                  <a:rPr lang="es-PE">
+                    <a:noFill/>
+                  </a:rPr>
+                  <a:t> </a:t>
+                </a:r>
+              </a:p>
+            </p:txBody>
+          </p:sp>
+        </mc:Fallback>
+      </mc:AlternateContent>
+    </p:spTree>
+    <p:extLst>
+      <p:ext uri="{BB962C8B-B14F-4D97-AF65-F5344CB8AC3E}">
+        <p14:creationId xmlns:p14="http://schemas.microsoft.com/office/powerpoint/2010/main" val="3006276229"/>
       </p:ext>
     </p:extLst>
   </p:cSld>

--- a/1. Lectures/Introducción a la Optimización aplicada a Sistemas de Energía Eléctrica/Dia 1/2. Modelamiento & Optimizaciónv2.pptx
+++ b/1. Lectures/Introducción a la Optimización aplicada a Sistemas de Energía Eléctrica/Dia 1/2. Modelamiento & Optimizaciónv2.pptx
@@ -5,10 +5,10 @@
     <p:sldMasterId id="2147483732" r:id="rId1"/>
   </p:sldMasterIdLst>
   <p:notesMasterIdLst>
-    <p:notesMasterId r:id="rId37"/>
+    <p:notesMasterId r:id="rId32"/>
   </p:notesMasterIdLst>
   <p:handoutMasterIdLst>
-    <p:handoutMasterId r:id="rId38"/>
+    <p:handoutMasterId r:id="rId33"/>
   </p:handoutMasterIdLst>
   <p:sldIdLst>
     <p:sldId id="256" r:id="rId2"/>
@@ -41,11 +41,6 @@
     <p:sldId id="413" r:id="rId29"/>
     <p:sldId id="414" r:id="rId30"/>
     <p:sldId id="415" r:id="rId31"/>
-    <p:sldId id="422" r:id="rId32"/>
-    <p:sldId id="423" r:id="rId33"/>
-    <p:sldId id="424" r:id="rId34"/>
-    <p:sldId id="425" r:id="rId35"/>
-    <p:sldId id="426" r:id="rId36"/>
   </p:sldIdLst>
   <p:sldSz cx="9144000" cy="6858000" type="screen4x3"/>
   <p:notesSz cx="6858000" cy="9144000"/>
@@ -179,11 +174,6 @@
             <p14:sldId id="413"/>
             <p14:sldId id="414"/>
             <p14:sldId id="415"/>
-            <p14:sldId id="422"/>
-            <p14:sldId id="423"/>
-            <p14:sldId id="424"/>
-            <p14:sldId id="425"/>
-            <p14:sldId id="426"/>
           </p14:sldIdLst>
         </p14:section>
       </p14:sectionLst>
@@ -13037,2620 +13027,6 @@
     <p:extLst>
       <p:ext uri="{BB962C8B-B14F-4D97-AF65-F5344CB8AC3E}">
         <p14:creationId xmlns:p14="http://schemas.microsoft.com/office/powerpoint/2010/main" val="1336679109"/>
-      </p:ext>
-    </p:extLst>
-  </p:cSld>
-  <p:clrMapOvr>
-    <a:masterClrMapping/>
-  </p:clrMapOvr>
-  <p:transition spd="slow">
-    <p:fade/>
-  </p:transition>
-</p:sld>
-</file>
-
-<file path=ppt/slides/slide31.xml><?xml version="1.0" encoding="utf-8"?>
-<p:sld xmlns:a="http://schemas.openxmlformats.org/drawingml/2006/main" xmlns:r="http://schemas.openxmlformats.org/officeDocument/2006/relationships" xmlns:p="http://schemas.openxmlformats.org/presentationml/2006/main">
-  <p:cSld>
-    <p:spTree>
-      <p:nvGrpSpPr>
-        <p:cNvPr id="1" name=""/>
-        <p:cNvGrpSpPr/>
-        <p:nvPr/>
-      </p:nvGrpSpPr>
-      <p:grpSpPr>
-        <a:xfrm>
-          <a:off x="0" y="0"/>
-          <a:ext cx="0" cy="0"/>
-          <a:chOff x="0" y="0"/>
-          <a:chExt cx="0" cy="0"/>
-        </a:xfrm>
-      </p:grpSpPr>
-      <p:sp>
-        <p:nvSpPr>
-          <p:cNvPr id="2" name="Marcador de número de diapositiva 1"/>
-          <p:cNvSpPr>
-            <a:spLocks noGrp="1"/>
-          </p:cNvSpPr>
-          <p:nvPr>
-            <p:ph type="sldNum" sz="quarter" idx="12"/>
-          </p:nvPr>
-        </p:nvSpPr>
-        <p:spPr/>
-        <p:txBody>
-          <a:bodyPr/>
-          <a:lstStyle/>
-          <a:p>
-            <a:fld id="{64BD7E74-CBD2-4D88-9109-2EA8081AE675}" type="slidenum">
-              <a:rPr lang="es-ES" smtClean="0"/>
-              <a:pPr/>
-              <a:t>31</a:t>
-            </a:fld>
-            <a:endParaRPr lang="es-ES"/>
-          </a:p>
-        </p:txBody>
-      </p:sp>
-      <p:sp>
-        <p:nvSpPr>
-          <p:cNvPr id="3" name="4 Título"/>
-          <p:cNvSpPr txBox="1">
-            <a:spLocks/>
-          </p:cNvSpPr>
-          <p:nvPr/>
-        </p:nvSpPr>
-        <p:spPr>
-          <a:xfrm>
-            <a:off x="611560" y="188640"/>
-            <a:ext cx="8784976" cy="457120"/>
-          </a:xfrm>
-          <a:prstGeom prst="rect">
-            <a:avLst/>
-          </a:prstGeom>
-        </p:spPr>
-        <p:txBody>
-          <a:bodyPr bIns="91440" anchor="b" anchorCtr="0">
-            <a:noAutofit/>
-          </a:bodyPr>
-          <a:lstStyle>
-            <a:lvl1pPr>
-              <a:spcBef>
-                <a:spcPct val="0"/>
-              </a:spcBef>
-              <a:buNone/>
-              <a:defRPr kumimoji="0" sz="2400">
-                <a:ln w="0"/>
-                <a:solidFill>
-                  <a:schemeClr val="tx2"/>
-                </a:solidFill>
-                <a:effectLst>
-                  <a:outerShdw blurRad="38100" dist="19050" dir="2700000" algn="tl" rotWithShape="0">
-                    <a:schemeClr val="dk1">
-                      <a:alpha val="40000"/>
-                    </a:schemeClr>
-                  </a:outerShdw>
-                </a:effectLst>
-                <a:latin typeface="+mj-lt"/>
-                <a:ea typeface="+mj-ea"/>
-                <a:cs typeface="+mj-cs"/>
-              </a:defRPr>
-            </a:lvl1pPr>
-          </a:lstStyle>
-          <a:p>
-            <a:r>
-              <a:rPr lang="es-PE" altLang="en-US" dirty="0"/>
-              <a:t>Programación lineal</a:t>
-            </a:r>
-          </a:p>
-        </p:txBody>
-      </p:sp>
-      <p:sp>
-        <p:nvSpPr>
-          <p:cNvPr id="10" name="CuadroTexto 4">
-            <a:extLst>
-              <a:ext uri="{FF2B5EF4-FFF2-40B4-BE49-F238E27FC236}">
-                <a16:creationId xmlns:a16="http://schemas.microsoft.com/office/drawing/2014/main" id="{0EE2E59A-EFC5-4F7D-8B1B-CDE02E4D869C}"/>
-              </a:ext>
-            </a:extLst>
-          </p:cNvPr>
-          <p:cNvSpPr txBox="1"/>
-          <p:nvPr/>
-        </p:nvSpPr>
-        <p:spPr>
-          <a:xfrm>
-            <a:off x="602191" y="2431916"/>
-            <a:ext cx="8362297" cy="4093428"/>
-          </a:xfrm>
-          <a:prstGeom prst="rect">
-            <a:avLst/>
-          </a:prstGeom>
-          <a:noFill/>
-        </p:spPr>
-        <p:txBody>
-          <a:bodyPr wrap="square" rtlCol="0">
-            <a:spAutoFit/>
-          </a:bodyPr>
-          <a:lstStyle/>
-          <a:p>
-            <a:pPr marL="285750" indent="-285750">
-              <a:buFont typeface="Arial" panose="020B0604020202020204" pitchFamily="34" charset="0"/>
-              <a:buChar char="•"/>
-            </a:pPr>
-            <a:r>
-              <a:rPr lang="es-MX" sz="2000" dirty="0"/>
-              <a:t>Método simplex primal y dual.</a:t>
-            </a:r>
-          </a:p>
-          <a:p>
-            <a:pPr marL="742950" lvl="1" indent="-285750">
-              <a:buFont typeface="Arial" panose="020B0604020202020204" pitchFamily="34" charset="0"/>
-              <a:buChar char="•"/>
-            </a:pPr>
-            <a:r>
-              <a:rPr lang="es-MX" sz="2000" dirty="0"/>
-              <a:t>Muchas iteraciones simples, moviéndose de un vértice para otro adyacente de la región factible con mejor función objetivo.</a:t>
-            </a:r>
-          </a:p>
-          <a:p>
-            <a:pPr marL="742950" lvl="1" indent="-285750">
-              <a:buFont typeface="Arial" panose="020B0604020202020204" pitchFamily="34" charset="0"/>
-              <a:buChar char="•"/>
-            </a:pPr>
-            <a:r>
-              <a:rPr lang="es-MX" sz="2000" dirty="0"/>
-              <a:t>Eficiente para problemas de tamaño medio.</a:t>
-            </a:r>
-          </a:p>
-          <a:p>
-            <a:pPr marL="742950" lvl="1" indent="-285750">
-              <a:buFont typeface="Arial" panose="020B0604020202020204" pitchFamily="34" charset="0"/>
-              <a:buChar char="•"/>
-            </a:pPr>
-            <a:r>
-              <a:rPr lang="es-MX" sz="2000" dirty="0"/>
-              <a:t>El tiempo computacional depende del número de restricciones al cubo.</a:t>
-            </a:r>
-          </a:p>
-          <a:p>
-            <a:pPr marL="285750" indent="-285750">
-              <a:buFont typeface="Arial" panose="020B0604020202020204" pitchFamily="34" charset="0"/>
-              <a:buChar char="•"/>
-            </a:pPr>
-            <a:r>
-              <a:rPr lang="es-MX" sz="2000" dirty="0"/>
-              <a:t>Método de punto interior (MPI) primal-dual y predictor-corrector</a:t>
-            </a:r>
-          </a:p>
-          <a:p>
-            <a:pPr marL="742950" lvl="1" indent="-285750">
-              <a:buFont typeface="Arial" panose="020B0604020202020204" pitchFamily="34" charset="0"/>
-              <a:buChar char="•"/>
-            </a:pPr>
-            <a:r>
-              <a:rPr lang="es-MX" sz="2000" dirty="0"/>
-              <a:t>Pocas iteraciones computacionalmente costosas por puntos interiores de la región factible</a:t>
-            </a:r>
-          </a:p>
-          <a:p>
-            <a:pPr marL="742950" lvl="1" indent="-285750">
-              <a:buFont typeface="Arial" panose="020B0604020202020204" pitchFamily="34" charset="0"/>
-              <a:buChar char="•"/>
-            </a:pPr>
-            <a:r>
-              <a:rPr lang="es-MX" sz="2000" dirty="0"/>
-              <a:t>Eficiente para problemas de grande tamaño.</a:t>
-            </a:r>
-          </a:p>
-          <a:p>
-            <a:pPr marL="742950" lvl="1" indent="-285750">
-              <a:buFont typeface="Arial" panose="020B0604020202020204" pitchFamily="34" charset="0"/>
-              <a:buChar char="•"/>
-            </a:pPr>
-            <a:r>
-              <a:rPr lang="es-MX" sz="2000" dirty="0"/>
-              <a:t>EL tiempo computacional depende casi linealmente del número de elementos no nulos de la matriz de restricciones.</a:t>
-            </a:r>
-          </a:p>
-          <a:p>
-            <a:pPr marL="285750" indent="-285750">
-              <a:buFont typeface="Arial" panose="020B0604020202020204" pitchFamily="34" charset="0"/>
-              <a:buChar char="•"/>
-            </a:pPr>
-            <a:r>
-              <a:rPr lang="es-MX" sz="2000" dirty="0"/>
-              <a:t>Problema convexo, ambos métodos encuentran una solución óptima o global, no tiene problemas de convergencia.</a:t>
-            </a:r>
-          </a:p>
-        </p:txBody>
-      </p:sp>
-      <mc:AlternateContent xmlns:mc="http://schemas.openxmlformats.org/markup-compatibility/2006">
-        <mc:Choice xmlns:a14="http://schemas.microsoft.com/office/drawing/2010/main" Requires="a14">
-          <p:sp>
-            <p:nvSpPr>
-              <p:cNvPr id="6" name="TextBox 5">
-                <a:extLst>
-                  <a:ext uri="{FF2B5EF4-FFF2-40B4-BE49-F238E27FC236}">
-                    <a16:creationId xmlns:a16="http://schemas.microsoft.com/office/drawing/2014/main" id="{CF798055-6B72-4532-B2E2-3738A47C9519}"/>
-                  </a:ext>
-                </a:extLst>
-              </p:cNvPr>
-              <p:cNvSpPr txBox="1"/>
-              <p:nvPr/>
-            </p:nvSpPr>
-            <p:spPr>
-              <a:xfrm>
-                <a:off x="2915816" y="404664"/>
-                <a:ext cx="2952328" cy="2066463"/>
-              </a:xfrm>
-              <a:prstGeom prst="rect">
-                <a:avLst/>
-              </a:prstGeom>
-              <a:noFill/>
-            </p:spPr>
-            <p:txBody>
-              <a:bodyPr wrap="square" lIns="0" tIns="0" rIns="0" bIns="0" rtlCol="0">
-                <a:spAutoFit/>
-              </a:bodyPr>
-              <a:lstStyle/>
-              <a:p>
-                <a14:m>
-                  <m:oMathPara xmlns:m="http://schemas.openxmlformats.org/officeDocument/2006/math">
-                    <m:oMathParaPr>
-                      <m:jc m:val="centerGroup"/>
-                    </m:oMathParaPr>
-                    <m:oMath xmlns:m="http://schemas.openxmlformats.org/officeDocument/2006/math">
-                      <m:r>
-                        <a:rPr lang="es-PE" b="0" i="1" smtClean="0">
-                          <a:latin typeface="Cambria Math" panose="02040503050406030204" pitchFamily="18" charset="0"/>
-                        </a:rPr>
-                        <m:t>𝑀𝑖𝑛</m:t>
-                      </m:r>
-                      <m:nary>
-                        <m:naryPr>
-                          <m:chr m:val="∑"/>
-                          <m:ctrlPr>
-                            <a:rPr lang="es-PE" b="0" i="1" smtClean="0">
-                              <a:latin typeface="Cambria Math" panose="02040503050406030204" pitchFamily="18" charset="0"/>
-                            </a:rPr>
-                          </m:ctrlPr>
-                        </m:naryPr>
-                        <m:sub>
-                          <m:r>
-                            <m:rPr>
-                              <m:brk m:alnAt="23"/>
-                            </m:rPr>
-                            <a:rPr lang="es-PE" b="0" i="1" smtClean="0">
-                              <a:latin typeface="Cambria Math" panose="02040503050406030204" pitchFamily="18" charset="0"/>
-                            </a:rPr>
-                            <m:t>𝑖</m:t>
-                          </m:r>
-                          <m:r>
-                            <a:rPr lang="es-PE" b="0" i="1" smtClean="0">
-                              <a:latin typeface="Cambria Math" panose="02040503050406030204" pitchFamily="18" charset="0"/>
-                            </a:rPr>
-                            <m:t>=1</m:t>
-                          </m:r>
-                        </m:sub>
-                        <m:sup>
-                          <m:r>
-                            <a:rPr lang="es-PE" b="0" i="1" smtClean="0">
-                              <a:latin typeface="Cambria Math" panose="02040503050406030204" pitchFamily="18" charset="0"/>
-                            </a:rPr>
-                            <m:t>𝑛</m:t>
-                          </m:r>
-                        </m:sup>
-                        <m:e>
-                          <m:sSub>
-                            <m:sSubPr>
-                              <m:ctrlPr>
-                                <a:rPr lang="es-PE" b="0" i="1" smtClean="0">
-                                  <a:latin typeface="Cambria Math" panose="02040503050406030204" pitchFamily="18" charset="0"/>
-                                </a:rPr>
-                              </m:ctrlPr>
-                            </m:sSubPr>
-                            <m:e>
-                              <m:r>
-                                <a:rPr lang="es-PE" b="0" i="1" smtClean="0">
-                                  <a:latin typeface="Cambria Math" panose="02040503050406030204" pitchFamily="18" charset="0"/>
-                                </a:rPr>
-                                <m:t>𝑐</m:t>
-                              </m:r>
-                            </m:e>
-                            <m:sub>
-                              <m:r>
-                                <a:rPr lang="es-PE" b="0" i="1" smtClean="0">
-                                  <a:latin typeface="Cambria Math" panose="02040503050406030204" pitchFamily="18" charset="0"/>
-                                </a:rPr>
-                                <m:t>𝑖</m:t>
-                              </m:r>
-                            </m:sub>
-                          </m:sSub>
-                          <m:sSub>
-                            <m:sSubPr>
-                              <m:ctrlPr>
-                                <a:rPr lang="es-PE" b="0" i="1" smtClean="0">
-                                  <a:latin typeface="Cambria Math" panose="02040503050406030204" pitchFamily="18" charset="0"/>
-                                </a:rPr>
-                              </m:ctrlPr>
-                            </m:sSubPr>
-                            <m:e>
-                              <m:r>
-                                <a:rPr lang="es-PE" b="0" i="1" smtClean="0">
-                                  <a:latin typeface="Cambria Math" panose="02040503050406030204" pitchFamily="18" charset="0"/>
-                                </a:rPr>
-                                <m:t>𝑥</m:t>
-                              </m:r>
-                            </m:e>
-                            <m:sub>
-                              <m:r>
-                                <a:rPr lang="es-PE" b="0" i="1" smtClean="0">
-                                  <a:latin typeface="Cambria Math" panose="02040503050406030204" pitchFamily="18" charset="0"/>
-                                </a:rPr>
-                                <m:t>𝑖</m:t>
-                              </m:r>
-                            </m:sub>
-                          </m:sSub>
-                        </m:e>
-                      </m:nary>
-                    </m:oMath>
-                  </m:oMathPara>
-                </a14:m>
-                <a:endParaRPr lang="es-PE" b="0" dirty="0"/>
-              </a:p>
-              <a:p>
-                <a:pPr/>
-                <a14:m>
-                  <m:oMathPara xmlns:m="http://schemas.openxmlformats.org/officeDocument/2006/math">
-                    <m:oMathParaPr>
-                      <m:jc m:val="left"/>
-                    </m:oMathParaPr>
-                    <m:oMath xmlns:m="http://schemas.openxmlformats.org/officeDocument/2006/math">
-                      <m:r>
-                        <a:rPr lang="es-PE" b="0" i="1" smtClean="0">
-                          <a:latin typeface="Cambria Math" panose="02040503050406030204" pitchFamily="18" charset="0"/>
-                        </a:rPr>
-                        <m:t>𝑆𝑢𝑗𝑒𝑡𝑜</m:t>
-                      </m:r>
-                      <m:r>
-                        <a:rPr lang="es-PE" b="0" i="1" smtClean="0">
-                          <a:latin typeface="Cambria Math" panose="02040503050406030204" pitchFamily="18" charset="0"/>
-                        </a:rPr>
-                        <m:t> </m:t>
-                      </m:r>
-                      <m:r>
-                        <a:rPr lang="es-PE" b="0" i="1" smtClean="0">
-                          <a:latin typeface="Cambria Math" panose="02040503050406030204" pitchFamily="18" charset="0"/>
-                        </a:rPr>
-                        <m:t>𝑎</m:t>
-                      </m:r>
-                    </m:oMath>
-                  </m:oMathPara>
-                </a14:m>
-                <a:endParaRPr lang="es-PE" dirty="0"/>
-              </a:p>
-              <a:p>
-                <a:pPr/>
-                <a14:m>
-                  <m:oMathPara xmlns:m="http://schemas.openxmlformats.org/officeDocument/2006/math">
-                    <m:oMathParaPr>
-                      <m:jc m:val="left"/>
-                    </m:oMathParaPr>
-                    <m:oMath xmlns:m="http://schemas.openxmlformats.org/officeDocument/2006/math">
-                      <m:nary>
-                        <m:naryPr>
-                          <m:chr m:val="∑"/>
-                          <m:ctrlPr>
-                            <a:rPr lang="es-PE" i="1" smtClean="0">
-                              <a:latin typeface="Cambria Math" panose="02040503050406030204" pitchFamily="18" charset="0"/>
-                            </a:rPr>
-                          </m:ctrlPr>
-                        </m:naryPr>
-                        <m:sub>
-                          <m:r>
-                            <m:rPr>
-                              <m:brk m:alnAt="23"/>
-                            </m:rPr>
-                            <a:rPr lang="es-PE" b="0" i="1" smtClean="0">
-                              <a:latin typeface="Cambria Math" panose="02040503050406030204" pitchFamily="18" charset="0"/>
-                            </a:rPr>
-                            <m:t>𝑖</m:t>
-                          </m:r>
-                          <m:r>
-                            <a:rPr lang="es-PE" b="0" i="1" smtClean="0">
-                              <a:latin typeface="Cambria Math" panose="02040503050406030204" pitchFamily="18" charset="0"/>
-                            </a:rPr>
-                            <m:t>=1</m:t>
-                          </m:r>
-                        </m:sub>
-                        <m:sup>
-                          <m:r>
-                            <a:rPr lang="es-PE" b="0" i="1" smtClean="0">
-                              <a:latin typeface="Cambria Math" panose="02040503050406030204" pitchFamily="18" charset="0"/>
-                            </a:rPr>
-                            <m:t>𝑛</m:t>
-                          </m:r>
-                        </m:sup>
-                        <m:e>
-                          <m:sSub>
-                            <m:sSubPr>
-                              <m:ctrlPr>
-                                <a:rPr lang="es-PE" i="1" smtClean="0">
-                                  <a:latin typeface="Cambria Math" panose="02040503050406030204" pitchFamily="18" charset="0"/>
-                                </a:rPr>
-                              </m:ctrlPr>
-                            </m:sSubPr>
-                            <m:e>
-                              <m:r>
-                                <a:rPr lang="es-PE" b="0" i="1" smtClean="0">
-                                  <a:latin typeface="Cambria Math" panose="02040503050406030204" pitchFamily="18" charset="0"/>
-                                </a:rPr>
-                                <m:t>𝑎</m:t>
-                              </m:r>
-                            </m:e>
-                            <m:sub>
-                              <m:r>
-                                <a:rPr lang="es-PE" b="0" i="1" smtClean="0">
-                                  <a:latin typeface="Cambria Math" panose="02040503050406030204" pitchFamily="18" charset="0"/>
-                                </a:rPr>
-                                <m:t>𝑗𝑖</m:t>
-                              </m:r>
-                            </m:sub>
-                          </m:sSub>
-                          <m:sSub>
-                            <m:sSubPr>
-                              <m:ctrlPr>
-                                <a:rPr lang="es-PE" i="1" smtClean="0">
-                                  <a:latin typeface="Cambria Math" panose="02040503050406030204" pitchFamily="18" charset="0"/>
-                                </a:rPr>
-                              </m:ctrlPr>
-                            </m:sSubPr>
-                            <m:e>
-                              <m:r>
-                                <a:rPr lang="es-PE" b="0" i="1" smtClean="0">
-                                  <a:latin typeface="Cambria Math" panose="02040503050406030204" pitchFamily="18" charset="0"/>
-                                </a:rPr>
-                                <m:t>𝑥</m:t>
-                              </m:r>
-                            </m:e>
-                            <m:sub>
-                              <m:r>
-                                <a:rPr lang="es-PE" b="0" i="1" smtClean="0">
-                                  <a:latin typeface="Cambria Math" panose="02040503050406030204" pitchFamily="18" charset="0"/>
-                                </a:rPr>
-                                <m:t>𝑖</m:t>
-                              </m:r>
-                            </m:sub>
-                          </m:sSub>
-                          <m:r>
-                            <a:rPr lang="es-PE" b="0" i="1" smtClean="0">
-                              <a:latin typeface="Cambria Math" panose="02040503050406030204" pitchFamily="18" charset="0"/>
-                            </a:rPr>
-                            <m:t>=</m:t>
-                          </m:r>
-                          <m:sSub>
-                            <m:sSubPr>
-                              <m:ctrlPr>
-                                <a:rPr lang="es-PE" b="0" i="1" smtClean="0">
-                                  <a:latin typeface="Cambria Math" panose="02040503050406030204" pitchFamily="18" charset="0"/>
-                                </a:rPr>
-                              </m:ctrlPr>
-                            </m:sSubPr>
-                            <m:e>
-                              <m:r>
-                                <a:rPr lang="es-PE" b="0" i="1" smtClean="0">
-                                  <a:latin typeface="Cambria Math" panose="02040503050406030204" pitchFamily="18" charset="0"/>
-                                </a:rPr>
-                                <m:t>𝑏</m:t>
-                              </m:r>
-                            </m:e>
-                            <m:sub>
-                              <m:r>
-                                <a:rPr lang="es-PE" b="0" i="1" smtClean="0">
-                                  <a:latin typeface="Cambria Math" panose="02040503050406030204" pitchFamily="18" charset="0"/>
-                                </a:rPr>
-                                <m:t>𝑗</m:t>
-                              </m:r>
-                            </m:sub>
-                          </m:sSub>
-                          <m:r>
-                            <a:rPr lang="es-PE" b="0" i="1" smtClean="0">
-                              <a:latin typeface="Cambria Math" panose="02040503050406030204" pitchFamily="18" charset="0"/>
-                            </a:rPr>
-                            <m:t>,</m:t>
-                          </m:r>
-                          <m:r>
-                            <m:rPr>
-                              <m:nor/>
-                            </m:rPr>
-                            <a:rPr lang="es-PE"/>
-                            <m:t>∀</m:t>
-                          </m:r>
-                          <m:r>
-                            <a:rPr lang="es-PE" b="0" i="1" smtClean="0">
-                              <a:latin typeface="Cambria Math" panose="02040503050406030204" pitchFamily="18" charset="0"/>
-                            </a:rPr>
-                            <m:t>𝑗</m:t>
-                          </m:r>
-                          <m:r>
-                            <a:rPr lang="es-PE" b="0" i="1" smtClean="0">
-                              <a:latin typeface="Cambria Math" panose="02040503050406030204" pitchFamily="18" charset="0"/>
-                            </a:rPr>
-                            <m:t>=1,…,</m:t>
-                          </m:r>
-                          <m:r>
-                            <a:rPr lang="es-PE" b="0" i="1" smtClean="0">
-                              <a:latin typeface="Cambria Math" panose="02040503050406030204" pitchFamily="18" charset="0"/>
-                            </a:rPr>
-                            <m:t>𝑚</m:t>
-                          </m:r>
-                        </m:e>
-                      </m:nary>
-                    </m:oMath>
-                  </m:oMathPara>
-                </a14:m>
-                <a:endParaRPr lang="es-PE" dirty="0"/>
-              </a:p>
-              <a:p>
-                <a:pPr/>
-                <a14:m>
-                  <m:oMathPara xmlns:m="http://schemas.openxmlformats.org/officeDocument/2006/math">
-                    <m:oMathParaPr>
-                      <m:jc m:val="left"/>
-                    </m:oMathParaPr>
-                    <m:oMath xmlns:m="http://schemas.openxmlformats.org/officeDocument/2006/math">
-                      <m:sSub>
-                        <m:sSubPr>
-                          <m:ctrlPr>
-                            <a:rPr lang="es-PE" i="1" smtClean="0">
-                              <a:latin typeface="Cambria Math" panose="02040503050406030204" pitchFamily="18" charset="0"/>
-                            </a:rPr>
-                          </m:ctrlPr>
-                        </m:sSubPr>
-                        <m:e>
-                          <m:r>
-                            <a:rPr lang="es-PE" b="0" i="1" smtClean="0">
-                              <a:latin typeface="Cambria Math" panose="02040503050406030204" pitchFamily="18" charset="0"/>
-                            </a:rPr>
-                            <m:t>𝑥</m:t>
-                          </m:r>
-                        </m:e>
-                        <m:sub>
-                          <m:r>
-                            <a:rPr lang="es-PE" b="0" i="1" smtClean="0">
-                              <a:latin typeface="Cambria Math" panose="02040503050406030204" pitchFamily="18" charset="0"/>
-                            </a:rPr>
-                            <m:t>𝑖</m:t>
-                          </m:r>
-                        </m:sub>
-                      </m:sSub>
-                      <m:r>
-                        <a:rPr lang="es-PE" b="0" i="1" smtClean="0">
-                          <a:latin typeface="Cambria Math" panose="02040503050406030204" pitchFamily="18" charset="0"/>
-                        </a:rPr>
-                        <m:t>≥0,</m:t>
-                      </m:r>
-                      <m:r>
-                        <m:rPr>
-                          <m:nor/>
-                        </m:rPr>
-                        <a:rPr lang="es-PE" b="0" i="0" smtClean="0">
-                          <a:latin typeface="Cambria Math" panose="02040503050406030204" pitchFamily="18" charset="0"/>
-                        </a:rPr>
-                        <m:t>     </m:t>
-                      </m:r>
-                      <m:r>
-                        <m:rPr>
-                          <m:nor/>
-                        </m:rPr>
-                        <a:rPr lang="es-PE"/>
-                        <m:t>∀</m:t>
-                      </m:r>
-                      <m:r>
-                        <a:rPr lang="es-PE" b="0" i="1" smtClean="0">
-                          <a:latin typeface="Cambria Math" panose="02040503050406030204" pitchFamily="18" charset="0"/>
-                        </a:rPr>
-                        <m:t>𝑖</m:t>
-                      </m:r>
-                      <m:r>
-                        <a:rPr lang="es-PE" i="1">
-                          <a:latin typeface="Cambria Math" panose="02040503050406030204" pitchFamily="18" charset="0"/>
-                        </a:rPr>
-                        <m:t>=1,…,</m:t>
-                      </m:r>
-                      <m:r>
-                        <a:rPr lang="es-PE" b="0" i="1" smtClean="0">
-                          <a:latin typeface="Cambria Math" panose="02040503050406030204" pitchFamily="18" charset="0"/>
-                        </a:rPr>
-                        <m:t>𝑛</m:t>
-                      </m:r>
-                    </m:oMath>
-                  </m:oMathPara>
-                </a14:m>
-                <a:endParaRPr lang="es-PE" dirty="0"/>
-              </a:p>
-            </p:txBody>
-          </p:sp>
-        </mc:Choice>
-        <mc:Fallback>
-          <p:sp>
-            <p:nvSpPr>
-              <p:cNvPr id="6" name="TextBox 5">
-                <a:extLst>
-                  <a:ext uri="{FF2B5EF4-FFF2-40B4-BE49-F238E27FC236}">
-                    <a16:creationId xmlns:a16="http://schemas.microsoft.com/office/drawing/2014/main" id="{CF798055-6B72-4532-B2E2-3738A47C9519}"/>
-                  </a:ext>
-                </a:extLst>
-              </p:cNvPr>
-              <p:cNvSpPr txBox="1">
-                <a:spLocks noRot="1" noChangeAspect="1" noMove="1" noResize="1" noEditPoints="1" noAdjustHandles="1" noChangeArrowheads="1" noChangeShapeType="1" noTextEdit="1"/>
-              </p:cNvSpPr>
-              <p:nvPr/>
-            </p:nvSpPr>
-            <p:spPr>
-              <a:xfrm>
-                <a:off x="2915816" y="404664"/>
-                <a:ext cx="2952328" cy="2066463"/>
-              </a:xfrm>
-              <a:prstGeom prst="rect">
-                <a:avLst/>
-              </a:prstGeom>
-              <a:blipFill>
-                <a:blip r:embed="rId2"/>
-                <a:stretch>
-                  <a:fillRect l="-3711" b="-1180"/>
-                </a:stretch>
-              </a:blipFill>
-            </p:spPr>
-            <p:txBody>
-              <a:bodyPr/>
-              <a:lstStyle/>
-              <a:p>
-                <a:r>
-                  <a:rPr lang="es-PE">
-                    <a:noFill/>
-                  </a:rPr>
-                  <a:t> </a:t>
-                </a:r>
-              </a:p>
-            </p:txBody>
-          </p:sp>
-        </mc:Fallback>
-      </mc:AlternateContent>
-    </p:spTree>
-    <p:extLst>
-      <p:ext uri="{BB962C8B-B14F-4D97-AF65-F5344CB8AC3E}">
-        <p14:creationId xmlns:p14="http://schemas.microsoft.com/office/powerpoint/2010/main" val="578522951"/>
-      </p:ext>
-    </p:extLst>
-  </p:cSld>
-  <p:clrMapOvr>
-    <a:masterClrMapping/>
-  </p:clrMapOvr>
-  <p:transition spd="slow">
-    <p:fade/>
-  </p:transition>
-</p:sld>
-</file>
-
-<file path=ppt/slides/slide32.xml><?xml version="1.0" encoding="utf-8"?>
-<p:sld xmlns:a="http://schemas.openxmlformats.org/drawingml/2006/main" xmlns:r="http://schemas.openxmlformats.org/officeDocument/2006/relationships" xmlns:p="http://schemas.openxmlformats.org/presentationml/2006/main">
-  <p:cSld>
-    <p:spTree>
-      <p:nvGrpSpPr>
-        <p:cNvPr id="1" name=""/>
-        <p:cNvGrpSpPr/>
-        <p:nvPr/>
-      </p:nvGrpSpPr>
-      <p:grpSpPr>
-        <a:xfrm>
-          <a:off x="0" y="0"/>
-          <a:ext cx="0" cy="0"/>
-          <a:chOff x="0" y="0"/>
-          <a:chExt cx="0" cy="0"/>
-        </a:xfrm>
-      </p:grpSpPr>
-      <p:sp>
-        <p:nvSpPr>
-          <p:cNvPr id="2" name="Marcador de número de diapositiva 1"/>
-          <p:cNvSpPr>
-            <a:spLocks noGrp="1"/>
-          </p:cNvSpPr>
-          <p:nvPr>
-            <p:ph type="sldNum" sz="quarter" idx="12"/>
-          </p:nvPr>
-        </p:nvSpPr>
-        <p:spPr/>
-        <p:txBody>
-          <a:bodyPr/>
-          <a:lstStyle/>
-          <a:p>
-            <a:fld id="{64BD7E74-CBD2-4D88-9109-2EA8081AE675}" type="slidenum">
-              <a:rPr lang="es-ES" smtClean="0"/>
-              <a:pPr/>
-              <a:t>32</a:t>
-            </a:fld>
-            <a:endParaRPr lang="es-ES"/>
-          </a:p>
-        </p:txBody>
-      </p:sp>
-      <p:sp>
-        <p:nvSpPr>
-          <p:cNvPr id="3" name="4 Título"/>
-          <p:cNvSpPr txBox="1">
-            <a:spLocks/>
-          </p:cNvSpPr>
-          <p:nvPr/>
-        </p:nvSpPr>
-        <p:spPr>
-          <a:xfrm>
-            <a:off x="611560" y="188640"/>
-            <a:ext cx="8784976" cy="457120"/>
-          </a:xfrm>
-          <a:prstGeom prst="rect">
-            <a:avLst/>
-          </a:prstGeom>
-        </p:spPr>
-        <p:txBody>
-          <a:bodyPr bIns="91440" anchor="b" anchorCtr="0">
-            <a:noAutofit/>
-          </a:bodyPr>
-          <a:lstStyle>
-            <a:lvl1pPr>
-              <a:spcBef>
-                <a:spcPct val="0"/>
-              </a:spcBef>
-              <a:buNone/>
-              <a:defRPr kumimoji="0" sz="2400">
-                <a:ln w="0"/>
-                <a:solidFill>
-                  <a:schemeClr val="tx2"/>
-                </a:solidFill>
-                <a:effectLst>
-                  <a:outerShdw blurRad="38100" dist="19050" dir="2700000" algn="tl" rotWithShape="0">
-                    <a:schemeClr val="dk1">
-                      <a:alpha val="40000"/>
-                    </a:schemeClr>
-                  </a:outerShdw>
-                </a:effectLst>
-                <a:latin typeface="+mj-lt"/>
-                <a:ea typeface="+mj-ea"/>
-                <a:cs typeface="+mj-cs"/>
-              </a:defRPr>
-            </a:lvl1pPr>
-          </a:lstStyle>
-          <a:p>
-            <a:r>
-              <a:rPr lang="es-PE" altLang="en-US" dirty="0"/>
-              <a:t>Programación lineal</a:t>
-            </a:r>
-          </a:p>
-        </p:txBody>
-      </p:sp>
-      <p:sp>
-        <p:nvSpPr>
-          <p:cNvPr id="10" name="CuadroTexto 4">
-            <a:extLst>
-              <a:ext uri="{FF2B5EF4-FFF2-40B4-BE49-F238E27FC236}">
-                <a16:creationId xmlns:a16="http://schemas.microsoft.com/office/drawing/2014/main" id="{0EE2E59A-EFC5-4F7D-8B1B-CDE02E4D869C}"/>
-              </a:ext>
-            </a:extLst>
-          </p:cNvPr>
-          <p:cNvSpPr txBox="1"/>
-          <p:nvPr/>
-        </p:nvSpPr>
-        <p:spPr>
-          <a:xfrm>
-            <a:off x="602191" y="836712"/>
-            <a:ext cx="8002257" cy="400110"/>
-          </a:xfrm>
-          <a:prstGeom prst="rect">
-            <a:avLst/>
-          </a:prstGeom>
-          <a:noFill/>
-        </p:spPr>
-        <p:txBody>
-          <a:bodyPr wrap="square" rtlCol="0">
-            <a:spAutoFit/>
-          </a:bodyPr>
-          <a:lstStyle/>
-          <a:p>
-            <a:pPr marL="285750" indent="-285750">
-              <a:buFont typeface="Arial" panose="020B0604020202020204" pitchFamily="34" charset="0"/>
-              <a:buChar char="•"/>
-            </a:pPr>
-            <a:r>
-              <a:rPr lang="es-MX" sz="2000" dirty="0"/>
-              <a:t>.</a:t>
-            </a:r>
-          </a:p>
-        </p:txBody>
-      </p:sp>
-      <p:pic>
-        <p:nvPicPr>
-          <p:cNvPr id="4" name="Picture 3">
-            <a:extLst>
-              <a:ext uri="{FF2B5EF4-FFF2-40B4-BE49-F238E27FC236}">
-                <a16:creationId xmlns:a16="http://schemas.microsoft.com/office/drawing/2014/main" id="{56B4E531-A199-47E4-9358-EF7951DA678E}"/>
-              </a:ext>
-            </a:extLst>
-          </p:cNvPr>
-          <p:cNvPicPr>
-            <a:picLocks noChangeAspect="1"/>
-          </p:cNvPicPr>
-          <p:nvPr/>
-        </p:nvPicPr>
-        <p:blipFill>
-          <a:blip r:embed="rId2"/>
-          <a:stretch>
-            <a:fillRect/>
-          </a:stretch>
-        </p:blipFill>
-        <p:spPr>
-          <a:xfrm>
-            <a:off x="411195" y="1449478"/>
-            <a:ext cx="8321609" cy="4136087"/>
-          </a:xfrm>
-          <a:prstGeom prst="rect">
-            <a:avLst/>
-          </a:prstGeom>
-        </p:spPr>
-      </p:pic>
-    </p:spTree>
-    <p:extLst>
-      <p:ext uri="{BB962C8B-B14F-4D97-AF65-F5344CB8AC3E}">
-        <p14:creationId xmlns:p14="http://schemas.microsoft.com/office/powerpoint/2010/main" val="314545884"/>
-      </p:ext>
-    </p:extLst>
-  </p:cSld>
-  <p:clrMapOvr>
-    <a:masterClrMapping/>
-  </p:clrMapOvr>
-  <p:transition spd="slow">
-    <p:fade/>
-  </p:transition>
-</p:sld>
-</file>
-
-<file path=ppt/slides/slide33.xml><?xml version="1.0" encoding="utf-8"?>
-<p:sld xmlns:a="http://schemas.openxmlformats.org/drawingml/2006/main" xmlns:r="http://schemas.openxmlformats.org/officeDocument/2006/relationships" xmlns:p="http://schemas.openxmlformats.org/presentationml/2006/main">
-  <p:cSld>
-    <p:spTree>
-      <p:nvGrpSpPr>
-        <p:cNvPr id="1" name=""/>
-        <p:cNvGrpSpPr/>
-        <p:nvPr/>
-      </p:nvGrpSpPr>
-      <p:grpSpPr>
-        <a:xfrm>
-          <a:off x="0" y="0"/>
-          <a:ext cx="0" cy="0"/>
-          <a:chOff x="0" y="0"/>
-          <a:chExt cx="0" cy="0"/>
-        </a:xfrm>
-      </p:grpSpPr>
-      <p:sp>
-        <p:nvSpPr>
-          <p:cNvPr id="2" name="Marcador de número de diapositiva 1"/>
-          <p:cNvSpPr>
-            <a:spLocks noGrp="1"/>
-          </p:cNvSpPr>
-          <p:nvPr>
-            <p:ph type="sldNum" sz="quarter" idx="12"/>
-          </p:nvPr>
-        </p:nvSpPr>
-        <p:spPr/>
-        <p:txBody>
-          <a:bodyPr/>
-          <a:lstStyle/>
-          <a:p>
-            <a:fld id="{64BD7E74-CBD2-4D88-9109-2EA8081AE675}" type="slidenum">
-              <a:rPr lang="es-ES" smtClean="0"/>
-              <a:pPr/>
-              <a:t>33</a:t>
-            </a:fld>
-            <a:endParaRPr lang="es-ES"/>
-          </a:p>
-        </p:txBody>
-      </p:sp>
-      <p:sp>
-        <p:nvSpPr>
-          <p:cNvPr id="3" name="4 Título"/>
-          <p:cNvSpPr txBox="1">
-            <a:spLocks/>
-          </p:cNvSpPr>
-          <p:nvPr/>
-        </p:nvSpPr>
-        <p:spPr>
-          <a:xfrm>
-            <a:off x="611560" y="188640"/>
-            <a:ext cx="8784976" cy="457120"/>
-          </a:xfrm>
-          <a:prstGeom prst="rect">
-            <a:avLst/>
-          </a:prstGeom>
-        </p:spPr>
-        <p:txBody>
-          <a:bodyPr bIns="91440" anchor="b" anchorCtr="0">
-            <a:noAutofit/>
-          </a:bodyPr>
-          <a:lstStyle>
-            <a:lvl1pPr>
-              <a:spcBef>
-                <a:spcPct val="0"/>
-              </a:spcBef>
-              <a:buNone/>
-              <a:defRPr kumimoji="0" sz="2400">
-                <a:ln w="0"/>
-                <a:solidFill>
-                  <a:schemeClr val="tx2"/>
-                </a:solidFill>
-                <a:effectLst>
-                  <a:outerShdw blurRad="38100" dist="19050" dir="2700000" algn="tl" rotWithShape="0">
-                    <a:schemeClr val="dk1">
-                      <a:alpha val="40000"/>
-                    </a:schemeClr>
-                  </a:outerShdw>
-                </a:effectLst>
-                <a:latin typeface="+mj-lt"/>
-                <a:ea typeface="+mj-ea"/>
-                <a:cs typeface="+mj-cs"/>
-              </a:defRPr>
-            </a:lvl1pPr>
-          </a:lstStyle>
-          <a:p>
-            <a:r>
-              <a:rPr lang="es-PE" altLang="en-US" dirty="0"/>
-              <a:t>Programación lineal</a:t>
-            </a:r>
-          </a:p>
-        </p:txBody>
-      </p:sp>
-      <p:sp>
-        <p:nvSpPr>
-          <p:cNvPr id="10" name="CuadroTexto 4">
-            <a:extLst>
-              <a:ext uri="{FF2B5EF4-FFF2-40B4-BE49-F238E27FC236}">
-                <a16:creationId xmlns:a16="http://schemas.microsoft.com/office/drawing/2014/main" id="{0EE2E59A-EFC5-4F7D-8B1B-CDE02E4D869C}"/>
-              </a:ext>
-            </a:extLst>
-          </p:cNvPr>
-          <p:cNvSpPr txBox="1"/>
-          <p:nvPr/>
-        </p:nvSpPr>
-        <p:spPr>
-          <a:xfrm>
-            <a:off x="602191" y="836712"/>
-            <a:ext cx="8002257" cy="400110"/>
-          </a:xfrm>
-          <a:prstGeom prst="rect">
-            <a:avLst/>
-          </a:prstGeom>
-          <a:noFill/>
-        </p:spPr>
-        <p:txBody>
-          <a:bodyPr wrap="square" rtlCol="0">
-            <a:spAutoFit/>
-          </a:bodyPr>
-          <a:lstStyle/>
-          <a:p>
-            <a:pPr marL="285750" indent="-285750">
-              <a:buFont typeface="Arial" panose="020B0604020202020204" pitchFamily="34" charset="0"/>
-              <a:buChar char="•"/>
-            </a:pPr>
-            <a:r>
-              <a:rPr lang="es-MX" sz="2000" dirty="0"/>
-              <a:t>.</a:t>
-            </a:r>
-          </a:p>
-        </p:txBody>
-      </p:sp>
-      <p:pic>
-        <p:nvPicPr>
-          <p:cNvPr id="5" name="Picture 4">
-            <a:extLst>
-              <a:ext uri="{FF2B5EF4-FFF2-40B4-BE49-F238E27FC236}">
-                <a16:creationId xmlns:a16="http://schemas.microsoft.com/office/drawing/2014/main" id="{9BE4435C-BEFB-4C24-BCA0-F086869B87AA}"/>
-              </a:ext>
-            </a:extLst>
-          </p:cNvPr>
-          <p:cNvPicPr>
-            <a:picLocks noChangeAspect="1"/>
-          </p:cNvPicPr>
-          <p:nvPr/>
-        </p:nvPicPr>
-        <p:blipFill>
-          <a:blip r:embed="rId2"/>
-          <a:stretch>
-            <a:fillRect/>
-          </a:stretch>
-        </p:blipFill>
-        <p:spPr>
-          <a:xfrm>
-            <a:off x="431032" y="1427774"/>
-            <a:ext cx="8461448" cy="4117961"/>
-          </a:xfrm>
-          <a:prstGeom prst="rect">
-            <a:avLst/>
-          </a:prstGeom>
-        </p:spPr>
-      </p:pic>
-    </p:spTree>
-    <p:extLst>
-      <p:ext uri="{BB962C8B-B14F-4D97-AF65-F5344CB8AC3E}">
-        <p14:creationId xmlns:p14="http://schemas.microsoft.com/office/powerpoint/2010/main" val="4271202624"/>
-      </p:ext>
-    </p:extLst>
-  </p:cSld>
-  <p:clrMapOvr>
-    <a:masterClrMapping/>
-  </p:clrMapOvr>
-  <p:transition spd="slow">
-    <p:fade/>
-  </p:transition>
-</p:sld>
-</file>
-
-<file path=ppt/slides/slide34.xml><?xml version="1.0" encoding="utf-8"?>
-<p:sld xmlns:a="http://schemas.openxmlformats.org/drawingml/2006/main" xmlns:r="http://schemas.openxmlformats.org/officeDocument/2006/relationships" xmlns:p="http://schemas.openxmlformats.org/presentationml/2006/main">
-  <p:cSld>
-    <p:spTree>
-      <p:nvGrpSpPr>
-        <p:cNvPr id="1" name=""/>
-        <p:cNvGrpSpPr/>
-        <p:nvPr/>
-      </p:nvGrpSpPr>
-      <p:grpSpPr>
-        <a:xfrm>
-          <a:off x="0" y="0"/>
-          <a:ext cx="0" cy="0"/>
-          <a:chOff x="0" y="0"/>
-          <a:chExt cx="0" cy="0"/>
-        </a:xfrm>
-      </p:grpSpPr>
-      <p:sp>
-        <p:nvSpPr>
-          <p:cNvPr id="2" name="Marcador de número de diapositiva 1"/>
-          <p:cNvSpPr>
-            <a:spLocks noGrp="1"/>
-          </p:cNvSpPr>
-          <p:nvPr>
-            <p:ph type="sldNum" sz="quarter" idx="12"/>
-          </p:nvPr>
-        </p:nvSpPr>
-        <p:spPr/>
-        <p:txBody>
-          <a:bodyPr/>
-          <a:lstStyle/>
-          <a:p>
-            <a:fld id="{64BD7E74-CBD2-4D88-9109-2EA8081AE675}" type="slidenum">
-              <a:rPr lang="es-ES" smtClean="0"/>
-              <a:pPr/>
-              <a:t>34</a:t>
-            </a:fld>
-            <a:endParaRPr lang="es-ES"/>
-          </a:p>
-        </p:txBody>
-      </p:sp>
-      <p:sp>
-        <p:nvSpPr>
-          <p:cNvPr id="3" name="4 Título"/>
-          <p:cNvSpPr txBox="1">
-            <a:spLocks/>
-          </p:cNvSpPr>
-          <p:nvPr/>
-        </p:nvSpPr>
-        <p:spPr>
-          <a:xfrm>
-            <a:off x="611560" y="188640"/>
-            <a:ext cx="8784976" cy="457120"/>
-          </a:xfrm>
-          <a:prstGeom prst="rect">
-            <a:avLst/>
-          </a:prstGeom>
-        </p:spPr>
-        <p:txBody>
-          <a:bodyPr bIns="91440" anchor="b" anchorCtr="0">
-            <a:noAutofit/>
-          </a:bodyPr>
-          <a:lstStyle>
-            <a:lvl1pPr>
-              <a:spcBef>
-                <a:spcPct val="0"/>
-              </a:spcBef>
-              <a:buNone/>
-              <a:defRPr kumimoji="0" sz="2400">
-                <a:ln w="0"/>
-                <a:solidFill>
-                  <a:schemeClr val="tx2"/>
-                </a:solidFill>
-                <a:effectLst>
-                  <a:outerShdw blurRad="38100" dist="19050" dir="2700000" algn="tl" rotWithShape="0">
-                    <a:schemeClr val="dk1">
-                      <a:alpha val="40000"/>
-                    </a:schemeClr>
-                  </a:outerShdw>
-                </a:effectLst>
-                <a:latin typeface="+mj-lt"/>
-                <a:ea typeface="+mj-ea"/>
-                <a:cs typeface="+mj-cs"/>
-              </a:defRPr>
-            </a:lvl1pPr>
-          </a:lstStyle>
-          <a:p>
-            <a:r>
-              <a:rPr lang="es-PE" altLang="en-US" dirty="0"/>
-              <a:t>Programación lineal</a:t>
-            </a:r>
-          </a:p>
-        </p:txBody>
-      </p:sp>
-      <p:sp>
-        <p:nvSpPr>
-          <p:cNvPr id="10" name="CuadroTexto 4">
-            <a:extLst>
-              <a:ext uri="{FF2B5EF4-FFF2-40B4-BE49-F238E27FC236}">
-                <a16:creationId xmlns:a16="http://schemas.microsoft.com/office/drawing/2014/main" id="{0EE2E59A-EFC5-4F7D-8B1B-CDE02E4D869C}"/>
-              </a:ext>
-            </a:extLst>
-          </p:cNvPr>
-          <p:cNvSpPr txBox="1"/>
-          <p:nvPr/>
-        </p:nvSpPr>
-        <p:spPr>
-          <a:xfrm>
-            <a:off x="602191" y="836712"/>
-            <a:ext cx="8002257" cy="400110"/>
-          </a:xfrm>
-          <a:prstGeom prst="rect">
-            <a:avLst/>
-          </a:prstGeom>
-          <a:noFill/>
-        </p:spPr>
-        <p:txBody>
-          <a:bodyPr wrap="square" rtlCol="0">
-            <a:spAutoFit/>
-          </a:bodyPr>
-          <a:lstStyle/>
-          <a:p>
-            <a:pPr marL="285750" indent="-285750">
-              <a:buFont typeface="Arial" panose="020B0604020202020204" pitchFamily="34" charset="0"/>
-              <a:buChar char="•"/>
-            </a:pPr>
-            <a:r>
-              <a:rPr lang="es-MX" sz="2000" dirty="0"/>
-              <a:t>Cualquier PL puede ser colocado en una forma estándar</a:t>
-            </a:r>
-          </a:p>
-        </p:txBody>
-      </p:sp>
-      <p:pic>
-        <p:nvPicPr>
-          <p:cNvPr id="4" name="Picture 3">
-            <a:extLst>
-              <a:ext uri="{FF2B5EF4-FFF2-40B4-BE49-F238E27FC236}">
-                <a16:creationId xmlns:a16="http://schemas.microsoft.com/office/drawing/2014/main" id="{641CC9DB-45FA-4FCD-8114-BE417D42F78A}"/>
-              </a:ext>
-            </a:extLst>
-          </p:cNvPr>
-          <p:cNvPicPr>
-            <a:picLocks noChangeAspect="1"/>
-          </p:cNvPicPr>
-          <p:nvPr/>
-        </p:nvPicPr>
-        <p:blipFill>
-          <a:blip r:embed="rId2"/>
-          <a:stretch>
-            <a:fillRect/>
-          </a:stretch>
-        </p:blipFill>
-        <p:spPr>
-          <a:xfrm>
-            <a:off x="1331205" y="1228066"/>
-            <a:ext cx="6544228" cy="2451052"/>
-          </a:xfrm>
-          <a:prstGeom prst="rect">
-            <a:avLst/>
-          </a:prstGeom>
-        </p:spPr>
-      </p:pic>
-      <mc:AlternateContent xmlns:mc="http://schemas.openxmlformats.org/markup-compatibility/2006">
-        <mc:Choice xmlns:a14="http://schemas.microsoft.com/office/drawing/2010/main" Requires="a14">
-          <p:sp>
-            <p:nvSpPr>
-              <p:cNvPr id="8" name="CuadroTexto 4">
-                <a:extLst>
-                  <a:ext uri="{FF2B5EF4-FFF2-40B4-BE49-F238E27FC236}">
-                    <a16:creationId xmlns:a16="http://schemas.microsoft.com/office/drawing/2014/main" id="{F31C097F-38DA-47AA-BEDF-8AA58B8B2848}"/>
-                  </a:ext>
-                </a:extLst>
-              </p:cNvPr>
-              <p:cNvSpPr txBox="1"/>
-              <p:nvPr/>
-            </p:nvSpPr>
-            <p:spPr>
-              <a:xfrm>
-                <a:off x="602191" y="3870417"/>
-                <a:ext cx="8002257" cy="1040349"/>
-              </a:xfrm>
-              <a:prstGeom prst="rect">
-                <a:avLst/>
-              </a:prstGeom>
-              <a:noFill/>
-            </p:spPr>
-            <p:txBody>
-              <a:bodyPr wrap="square" rtlCol="0">
-                <a:spAutoFit/>
-              </a:bodyPr>
-              <a:lstStyle/>
-              <a:p>
-                <a:pPr marL="285750" indent="-285750">
-                  <a:buFont typeface="Arial" panose="020B0604020202020204" pitchFamily="34" charset="0"/>
-                  <a:buChar char="•"/>
-                </a:pPr>
-                <a:r>
-                  <a:rPr lang="es-MX" sz="2000" dirty="0"/>
-                  <a:t>Las constantes </a:t>
-                </a:r>
-                <a14:m>
-                  <m:oMath xmlns:m="http://schemas.openxmlformats.org/officeDocument/2006/math">
-                    <m:sSub>
-                      <m:sSubPr>
-                        <m:ctrlPr>
-                          <a:rPr lang="es-MX" sz="2000" i="1" smtClean="0">
-                            <a:latin typeface="Cambria Math" panose="02040503050406030204" pitchFamily="18" charset="0"/>
-                          </a:rPr>
-                        </m:ctrlPr>
-                      </m:sSubPr>
-                      <m:e>
-                        <m:r>
-                          <a:rPr lang="es-PE" sz="2000" b="0" i="1" smtClean="0">
-                            <a:latin typeface="Cambria Math" panose="02040503050406030204" pitchFamily="18" charset="0"/>
-                          </a:rPr>
-                          <m:t>𝑐</m:t>
-                        </m:r>
-                      </m:e>
-                      <m:sub>
-                        <m:r>
-                          <a:rPr lang="es-PE" sz="2000" b="0" i="1" smtClean="0">
-                            <a:latin typeface="Cambria Math" panose="02040503050406030204" pitchFamily="18" charset="0"/>
-                          </a:rPr>
-                          <m:t>𝑗</m:t>
-                        </m:r>
-                      </m:sub>
-                    </m:sSub>
-                    <m:r>
-                      <a:rPr lang="es-PE" sz="2000" b="0" i="1" smtClean="0">
-                        <a:latin typeface="Cambria Math" panose="02040503050406030204" pitchFamily="18" charset="0"/>
-                      </a:rPr>
-                      <m:t>,</m:t>
-                    </m:r>
-                    <m:sSub>
-                      <m:sSubPr>
-                        <m:ctrlPr>
-                          <a:rPr lang="es-MX" sz="2000" i="1">
-                            <a:latin typeface="Cambria Math" panose="02040503050406030204" pitchFamily="18" charset="0"/>
-                          </a:rPr>
-                        </m:ctrlPr>
-                      </m:sSubPr>
-                      <m:e>
-                        <m:r>
-                          <a:rPr lang="es-PE" sz="2000" b="0" i="1" smtClean="0">
-                            <a:latin typeface="Cambria Math" panose="02040503050406030204" pitchFamily="18" charset="0"/>
-                          </a:rPr>
-                          <m:t>𝑏</m:t>
-                        </m:r>
-                      </m:e>
-                      <m:sub>
-                        <m:r>
-                          <a:rPr lang="es-PE" sz="2000" b="0" i="1" smtClean="0">
-                            <a:latin typeface="Cambria Math" panose="02040503050406030204" pitchFamily="18" charset="0"/>
-                          </a:rPr>
-                          <m:t>𝑖</m:t>
-                        </m:r>
-                      </m:sub>
-                    </m:sSub>
-                  </m:oMath>
-                </a14:m>
-                <a:r>
-                  <a:rPr lang="es-MX" sz="2000" dirty="0"/>
-                  <a:t> y </a:t>
-                </a:r>
-                <a14:m>
-                  <m:oMath xmlns:m="http://schemas.openxmlformats.org/officeDocument/2006/math">
-                    <m:sSub>
-                      <m:sSubPr>
-                        <m:ctrlPr>
-                          <a:rPr lang="es-MX" sz="2000" i="1" smtClean="0">
-                            <a:latin typeface="Cambria Math" panose="02040503050406030204" pitchFamily="18" charset="0"/>
-                          </a:rPr>
-                        </m:ctrlPr>
-                      </m:sSubPr>
-                      <m:e>
-                        <m:r>
-                          <a:rPr lang="es-PE" sz="2000" b="0" i="1" smtClean="0">
-                            <a:latin typeface="Cambria Math" panose="02040503050406030204" pitchFamily="18" charset="0"/>
-                          </a:rPr>
-                          <m:t>𝑎</m:t>
-                        </m:r>
-                      </m:e>
-                      <m:sub>
-                        <m:r>
-                          <a:rPr lang="es-PE" sz="2000" b="0" i="1" smtClean="0">
-                            <a:latin typeface="Cambria Math" panose="02040503050406030204" pitchFamily="18" charset="0"/>
-                          </a:rPr>
-                          <m:t>𝑖</m:t>
-                        </m:r>
-                        <m:r>
-                          <a:rPr lang="es-PE" sz="2000" i="1">
-                            <a:latin typeface="Cambria Math" panose="02040503050406030204" pitchFamily="18" charset="0"/>
-                          </a:rPr>
-                          <m:t>𝑗</m:t>
-                        </m:r>
-                      </m:sub>
-                    </m:sSub>
-                  </m:oMath>
-                </a14:m>
-                <a:r>
-                  <a:rPr lang="es-MX" sz="2000" dirty="0"/>
-                  <a:t>, </a:t>
-                </a:r>
-                <a14:m>
-                  <m:oMath xmlns:m="http://schemas.openxmlformats.org/officeDocument/2006/math">
-                    <m:r>
-                      <a:rPr lang="es-PE" sz="2000" i="1">
-                        <a:latin typeface="Cambria Math" panose="02040503050406030204" pitchFamily="18" charset="0"/>
-                      </a:rPr>
-                      <m:t>𝑖</m:t>
-                    </m:r>
-                    <m:r>
-                      <a:rPr lang="es-PE" sz="2000" i="1">
-                        <a:latin typeface="Cambria Math" panose="02040503050406030204" pitchFamily="18" charset="0"/>
-                      </a:rPr>
-                      <m:t>=1,</m:t>
-                    </m:r>
-                    <m:r>
-                      <a:rPr lang="es-PE" sz="2000" b="0" i="1" smtClean="0">
-                        <a:latin typeface="Cambria Math" panose="02040503050406030204" pitchFamily="18" charset="0"/>
-                      </a:rPr>
-                      <m:t>2,</m:t>
-                    </m:r>
-                    <m:r>
-                      <a:rPr lang="es-PE" sz="2000" i="1">
-                        <a:latin typeface="Cambria Math" panose="02040503050406030204" pitchFamily="18" charset="0"/>
-                      </a:rPr>
-                      <m:t>…,</m:t>
-                    </m:r>
-                    <m:r>
-                      <a:rPr lang="es-PE" sz="2000" b="0" i="1" smtClean="0">
-                        <a:latin typeface="Cambria Math" panose="02040503050406030204" pitchFamily="18" charset="0"/>
-                      </a:rPr>
-                      <m:t>𝑚</m:t>
-                    </m:r>
-                  </m:oMath>
-                </a14:m>
-                <a:r>
-                  <a:rPr lang="es-MX" sz="2000" dirty="0"/>
-                  <a:t> </a:t>
-                </a:r>
-                <a14:m>
-                  <m:oMath xmlns:m="http://schemas.openxmlformats.org/officeDocument/2006/math">
-                    <m:r>
-                      <a:rPr lang="es-PE" sz="2000" b="0" i="0" smtClean="0">
-                        <a:latin typeface="Cambria Math" panose="02040503050406030204" pitchFamily="18" charset="0"/>
-                      </a:rPr>
-                      <m:t>    </m:t>
-                    </m:r>
-                    <m:r>
-                      <a:rPr lang="es-PE" sz="2000" b="0" i="1" smtClean="0">
-                        <a:latin typeface="Cambria Math" panose="02040503050406030204" pitchFamily="18" charset="0"/>
-                      </a:rPr>
-                      <m:t>𝑗</m:t>
-                    </m:r>
-                    <m:r>
-                      <a:rPr lang="es-PE" sz="2000" i="1">
-                        <a:latin typeface="Cambria Math" panose="02040503050406030204" pitchFamily="18" charset="0"/>
-                      </a:rPr>
-                      <m:t>=1,</m:t>
-                    </m:r>
-                    <m:r>
-                      <a:rPr lang="es-PE" sz="2000" b="0" i="1" smtClean="0">
-                        <a:latin typeface="Cambria Math" panose="02040503050406030204" pitchFamily="18" charset="0"/>
-                      </a:rPr>
-                      <m:t>2,</m:t>
-                    </m:r>
-                    <m:r>
-                      <a:rPr lang="es-PE" sz="2000" i="1">
-                        <a:latin typeface="Cambria Math" panose="02040503050406030204" pitchFamily="18" charset="0"/>
-                      </a:rPr>
-                      <m:t>…,</m:t>
-                    </m:r>
-                    <m:r>
-                      <a:rPr lang="es-PE" sz="2000" i="1">
-                        <a:latin typeface="Cambria Math" panose="02040503050406030204" pitchFamily="18" charset="0"/>
-                      </a:rPr>
-                      <m:t>𝑛</m:t>
-                    </m:r>
-                  </m:oMath>
-                </a14:m>
-                <a:r>
-                  <a:rPr lang="es-MX" sz="2000" dirty="0"/>
-                  <a:t> describen un PL particular</a:t>
-                </a:r>
-              </a:p>
-              <a:p>
-                <a:pPr marL="285750" indent="-285750">
-                  <a:buFont typeface="Arial" panose="020B0604020202020204" pitchFamily="34" charset="0"/>
-                  <a:buChar char="•"/>
-                </a:pPr>
-                <a:r>
-                  <a:rPr lang="es-MX" sz="2000" dirty="0"/>
-                  <a:t>La forma estándar, </a:t>
-                </a:r>
-                <a14:m>
-                  <m:oMath xmlns:m="http://schemas.openxmlformats.org/officeDocument/2006/math">
-                    <m:sSub>
-                      <m:sSubPr>
-                        <m:ctrlPr>
-                          <a:rPr lang="es-MX" sz="2000" i="1">
-                            <a:latin typeface="Cambria Math" panose="02040503050406030204" pitchFamily="18" charset="0"/>
-                          </a:rPr>
-                        </m:ctrlPr>
-                      </m:sSubPr>
-                      <m:e>
-                        <m:r>
-                          <a:rPr lang="es-PE" sz="2000" i="1">
-                            <a:latin typeface="Cambria Math" panose="02040503050406030204" pitchFamily="18" charset="0"/>
-                          </a:rPr>
-                          <m:t>𝑏</m:t>
-                        </m:r>
-                      </m:e>
-                      <m:sub>
-                        <m:r>
-                          <a:rPr lang="es-PE" sz="2000" i="1">
-                            <a:latin typeface="Cambria Math" panose="02040503050406030204" pitchFamily="18" charset="0"/>
-                          </a:rPr>
-                          <m:t>𝑖</m:t>
-                        </m:r>
-                      </m:sub>
-                    </m:sSub>
-                    <m:r>
-                      <a:rPr lang="es-PE" sz="2000" b="0" i="0" smtClean="0">
-                        <a:latin typeface="Cambria Math" panose="02040503050406030204" pitchFamily="18" charset="0"/>
-                      </a:rPr>
-                      <m:t>≥0</m:t>
-                    </m:r>
-                  </m:oMath>
-                </a14:m>
-                <a:r>
-                  <a:rPr lang="es-MX" sz="2000" dirty="0"/>
-                  <a:t> para </a:t>
-                </a:r>
-                <a14:m>
-                  <m:oMath xmlns:m="http://schemas.openxmlformats.org/officeDocument/2006/math">
-                    <m:r>
-                      <a:rPr lang="es-PE" sz="2000" i="1">
-                        <a:latin typeface="Cambria Math" panose="02040503050406030204" pitchFamily="18" charset="0"/>
-                      </a:rPr>
-                      <m:t>𝑖</m:t>
-                    </m:r>
-                    <m:r>
-                      <a:rPr lang="es-PE" sz="2000" i="1">
-                        <a:latin typeface="Cambria Math" panose="02040503050406030204" pitchFamily="18" charset="0"/>
-                      </a:rPr>
-                      <m:t>=1,2,…,</m:t>
-                    </m:r>
-                    <m:r>
-                      <a:rPr lang="es-PE" sz="2000" i="1">
-                        <a:latin typeface="Cambria Math" panose="02040503050406030204" pitchFamily="18" charset="0"/>
-                      </a:rPr>
-                      <m:t>𝑚</m:t>
-                    </m:r>
-                  </m:oMath>
-                </a14:m>
-                <a:r>
-                  <a:rPr lang="es-MX" sz="2000" dirty="0"/>
-                  <a:t> </a:t>
-                </a:r>
-              </a:p>
-            </p:txBody>
-          </p:sp>
-        </mc:Choice>
-        <mc:Fallback>
-          <p:sp>
-            <p:nvSpPr>
-              <p:cNvPr id="8" name="CuadroTexto 4">
-                <a:extLst>
-                  <a:ext uri="{FF2B5EF4-FFF2-40B4-BE49-F238E27FC236}">
-                    <a16:creationId xmlns:a16="http://schemas.microsoft.com/office/drawing/2014/main" id="{F31C097F-38DA-47AA-BEDF-8AA58B8B2848}"/>
-                  </a:ext>
-                </a:extLst>
-              </p:cNvPr>
-              <p:cNvSpPr txBox="1">
-                <a:spLocks noRot="1" noChangeAspect="1" noMove="1" noResize="1" noEditPoints="1" noAdjustHandles="1" noChangeArrowheads="1" noChangeShapeType="1" noTextEdit="1"/>
-              </p:cNvSpPr>
-              <p:nvPr/>
-            </p:nvSpPr>
-            <p:spPr>
-              <a:xfrm>
-                <a:off x="602191" y="3870417"/>
-                <a:ext cx="8002257" cy="1040349"/>
-              </a:xfrm>
-              <a:prstGeom prst="rect">
-                <a:avLst/>
-              </a:prstGeom>
-              <a:blipFill>
-                <a:blip r:embed="rId3"/>
-                <a:stretch>
-                  <a:fillRect l="-686" t="-1754" b="-10526"/>
-                </a:stretch>
-              </a:blipFill>
-            </p:spPr>
-            <p:txBody>
-              <a:bodyPr/>
-              <a:lstStyle/>
-              <a:p>
-                <a:r>
-                  <a:rPr lang="es-PE">
-                    <a:noFill/>
-                  </a:rPr>
-                  <a:t> </a:t>
-                </a:r>
-              </a:p>
-            </p:txBody>
-          </p:sp>
-        </mc:Fallback>
-      </mc:AlternateContent>
-    </p:spTree>
-    <p:extLst>
-      <p:ext uri="{BB962C8B-B14F-4D97-AF65-F5344CB8AC3E}">
-        <p14:creationId xmlns:p14="http://schemas.microsoft.com/office/powerpoint/2010/main" val="3329245721"/>
-      </p:ext>
-    </p:extLst>
-  </p:cSld>
-  <p:clrMapOvr>
-    <a:masterClrMapping/>
-  </p:clrMapOvr>
-  <p:transition spd="slow">
-    <p:fade/>
-  </p:transition>
-</p:sld>
-</file>
-
-<file path=ppt/slides/slide35.xml><?xml version="1.0" encoding="utf-8"?>
-<p:sld xmlns:a="http://schemas.openxmlformats.org/drawingml/2006/main" xmlns:r="http://schemas.openxmlformats.org/officeDocument/2006/relationships" xmlns:p="http://schemas.openxmlformats.org/presentationml/2006/main">
-  <p:cSld>
-    <p:spTree>
-      <p:nvGrpSpPr>
-        <p:cNvPr id="1" name=""/>
-        <p:cNvGrpSpPr/>
-        <p:nvPr/>
-      </p:nvGrpSpPr>
-      <p:grpSpPr>
-        <a:xfrm>
-          <a:off x="0" y="0"/>
-          <a:ext cx="0" cy="0"/>
-          <a:chOff x="0" y="0"/>
-          <a:chExt cx="0" cy="0"/>
-        </a:xfrm>
-      </p:grpSpPr>
-      <p:sp>
-        <p:nvSpPr>
-          <p:cNvPr id="2" name="Marcador de número de diapositiva 1"/>
-          <p:cNvSpPr>
-            <a:spLocks noGrp="1"/>
-          </p:cNvSpPr>
-          <p:nvPr>
-            <p:ph type="sldNum" sz="quarter" idx="12"/>
-          </p:nvPr>
-        </p:nvSpPr>
-        <p:spPr/>
-        <p:txBody>
-          <a:bodyPr/>
-          <a:lstStyle/>
-          <a:p>
-            <a:fld id="{64BD7E74-CBD2-4D88-9109-2EA8081AE675}" type="slidenum">
-              <a:rPr lang="es-ES" smtClean="0"/>
-              <a:pPr/>
-              <a:t>35</a:t>
-            </a:fld>
-            <a:endParaRPr lang="es-ES"/>
-          </a:p>
-        </p:txBody>
-      </p:sp>
-      <p:sp>
-        <p:nvSpPr>
-          <p:cNvPr id="3" name="4 Título"/>
-          <p:cNvSpPr txBox="1">
-            <a:spLocks/>
-          </p:cNvSpPr>
-          <p:nvPr/>
-        </p:nvSpPr>
-        <p:spPr>
-          <a:xfrm>
-            <a:off x="611560" y="188640"/>
-            <a:ext cx="8784976" cy="457120"/>
-          </a:xfrm>
-          <a:prstGeom prst="rect">
-            <a:avLst/>
-          </a:prstGeom>
-        </p:spPr>
-        <p:txBody>
-          <a:bodyPr bIns="91440" anchor="b" anchorCtr="0">
-            <a:noAutofit/>
-          </a:bodyPr>
-          <a:lstStyle>
-            <a:lvl1pPr>
-              <a:spcBef>
-                <a:spcPct val="0"/>
-              </a:spcBef>
-              <a:buNone/>
-              <a:defRPr kumimoji="0" sz="2400">
-                <a:ln w="0"/>
-                <a:solidFill>
-                  <a:schemeClr val="tx2"/>
-                </a:solidFill>
-                <a:effectLst>
-                  <a:outerShdw blurRad="38100" dist="19050" dir="2700000" algn="tl" rotWithShape="0">
-                    <a:schemeClr val="dk1">
-                      <a:alpha val="40000"/>
-                    </a:schemeClr>
-                  </a:outerShdw>
-                </a:effectLst>
-                <a:latin typeface="+mj-lt"/>
-                <a:ea typeface="+mj-ea"/>
-                <a:cs typeface="+mj-cs"/>
-              </a:defRPr>
-            </a:lvl1pPr>
-          </a:lstStyle>
-          <a:p>
-            <a:r>
-              <a:rPr lang="es-PE" altLang="en-US" dirty="0"/>
-              <a:t>Programación entera mixta</a:t>
-            </a:r>
-          </a:p>
-        </p:txBody>
-      </p:sp>
-      <p:sp>
-        <p:nvSpPr>
-          <p:cNvPr id="10" name="CuadroTexto 4">
-            <a:extLst>
-              <a:ext uri="{FF2B5EF4-FFF2-40B4-BE49-F238E27FC236}">
-                <a16:creationId xmlns:a16="http://schemas.microsoft.com/office/drawing/2014/main" id="{0EE2E59A-EFC5-4F7D-8B1B-CDE02E4D869C}"/>
-              </a:ext>
-            </a:extLst>
-          </p:cNvPr>
-          <p:cNvSpPr txBox="1"/>
-          <p:nvPr/>
-        </p:nvSpPr>
-        <p:spPr>
-          <a:xfrm>
-            <a:off x="602191" y="3140968"/>
-            <a:ext cx="8362297" cy="2862322"/>
-          </a:xfrm>
-          <a:prstGeom prst="rect">
-            <a:avLst/>
-          </a:prstGeom>
-          <a:noFill/>
-        </p:spPr>
-        <p:txBody>
-          <a:bodyPr wrap="square" rtlCol="0">
-            <a:spAutoFit/>
-          </a:bodyPr>
-          <a:lstStyle/>
-          <a:p>
-            <a:pPr marL="285750" indent="-285750">
-              <a:buFont typeface="Arial" panose="020B0604020202020204" pitchFamily="34" charset="0"/>
-              <a:buChar char="•"/>
-            </a:pPr>
-            <a:r>
-              <a:rPr lang="es-MX" sz="2000" dirty="0"/>
-              <a:t>Método de ramificación y limitación (Branch &amp; </a:t>
-            </a:r>
-            <a:r>
-              <a:rPr lang="es-MX" sz="2000" dirty="0" err="1"/>
-              <a:t>Bound</a:t>
-            </a:r>
-            <a:r>
-              <a:rPr lang="es-MX" sz="2000" dirty="0"/>
-              <a:t>).</a:t>
-            </a:r>
-          </a:p>
-          <a:p>
-            <a:pPr marL="285750" indent="-285750">
-              <a:buFont typeface="Arial" panose="020B0604020202020204" pitchFamily="34" charset="0"/>
-              <a:buChar char="•"/>
-            </a:pPr>
-            <a:r>
-              <a:rPr lang="es-MX" sz="2000" dirty="0"/>
-              <a:t>Método de ramificación y corte (Branch &amp; </a:t>
-            </a:r>
-            <a:r>
-              <a:rPr lang="es-MX" sz="2000"/>
-              <a:t>Cut</a:t>
-            </a:r>
-            <a:r>
-              <a:rPr lang="es-MX" sz="2000" dirty="0"/>
-              <a:t>)</a:t>
-            </a:r>
-          </a:p>
-          <a:p>
-            <a:pPr marL="285750" indent="-285750">
-              <a:buFont typeface="Arial" panose="020B0604020202020204" pitchFamily="34" charset="0"/>
-              <a:buChar char="•"/>
-            </a:pPr>
-            <a:r>
-              <a:rPr lang="es-MX" sz="2000" dirty="0"/>
-              <a:t>Método de planos de cortes</a:t>
-            </a:r>
-          </a:p>
-          <a:p>
-            <a:pPr marL="285750" indent="-285750">
-              <a:buFont typeface="Arial" panose="020B0604020202020204" pitchFamily="34" charset="0"/>
-              <a:buChar char="•"/>
-            </a:pPr>
-            <a:r>
-              <a:rPr lang="es-MX" sz="2000" dirty="0"/>
-              <a:t>Métodos de descomposición</a:t>
-            </a:r>
-          </a:p>
-          <a:p>
-            <a:pPr marL="285750" indent="-285750">
-              <a:buFont typeface="Arial" panose="020B0604020202020204" pitchFamily="34" charset="0"/>
-              <a:buChar char="•"/>
-            </a:pPr>
-            <a:r>
-              <a:rPr lang="es-MX" sz="2000" dirty="0"/>
-              <a:t>Método de enumeración implícita</a:t>
-            </a:r>
-          </a:p>
-          <a:p>
-            <a:pPr marL="285750" indent="-285750">
-              <a:buFont typeface="Arial" panose="020B0604020202020204" pitchFamily="34" charset="0"/>
-              <a:buChar char="•"/>
-            </a:pPr>
-            <a:r>
-              <a:rPr lang="es-MX" sz="2000" dirty="0"/>
-              <a:t>Problema no convexo, pueden ser transformados en problemas convexos a través de métodos de relajación</a:t>
-            </a:r>
-          </a:p>
-          <a:p>
-            <a:pPr marL="285750" indent="-285750">
-              <a:buFont typeface="Arial" panose="020B0604020202020204" pitchFamily="34" charset="0"/>
-              <a:buChar char="•"/>
-            </a:pPr>
-            <a:r>
-              <a:rPr lang="es-MX" sz="2000" dirty="0"/>
-              <a:t>Todos los métodos encuentran una solución óptima o global</a:t>
-            </a:r>
-          </a:p>
-          <a:p>
-            <a:pPr marL="285750" indent="-285750">
-              <a:buFont typeface="Arial" panose="020B0604020202020204" pitchFamily="34" charset="0"/>
-              <a:buChar char="•"/>
-            </a:pPr>
-            <a:r>
-              <a:rPr lang="es-MX" sz="2000" dirty="0"/>
-              <a:t>No tiene problemas de convergencia, tiempo de procesamiento elevados</a:t>
-            </a:r>
-          </a:p>
-        </p:txBody>
-      </p:sp>
-      <mc:AlternateContent xmlns:mc="http://schemas.openxmlformats.org/markup-compatibility/2006">
-        <mc:Choice xmlns:a14="http://schemas.microsoft.com/office/drawing/2010/main" Requires="a14">
-          <p:sp>
-            <p:nvSpPr>
-              <p:cNvPr id="6" name="TextBox 5">
-                <a:extLst>
-                  <a:ext uri="{FF2B5EF4-FFF2-40B4-BE49-F238E27FC236}">
-                    <a16:creationId xmlns:a16="http://schemas.microsoft.com/office/drawing/2014/main" id="{CF798055-6B72-4532-B2E2-3738A47C9519}"/>
-                  </a:ext>
-                </a:extLst>
-              </p:cNvPr>
-              <p:cNvSpPr txBox="1"/>
-              <p:nvPr/>
-            </p:nvSpPr>
-            <p:spPr>
-              <a:xfrm>
-                <a:off x="2875127" y="491436"/>
-                <a:ext cx="3816424" cy="2925801"/>
-              </a:xfrm>
-              <a:prstGeom prst="rect">
-                <a:avLst/>
-              </a:prstGeom>
-              <a:noFill/>
-            </p:spPr>
-            <p:txBody>
-              <a:bodyPr wrap="square" lIns="0" tIns="0" rIns="0" bIns="0" rtlCol="0">
-                <a:spAutoFit/>
-              </a:bodyPr>
-              <a:lstStyle/>
-              <a:p>
-                <a14:m>
-                  <m:oMathPara xmlns:m="http://schemas.openxmlformats.org/officeDocument/2006/math">
-                    <m:oMathParaPr>
-                      <m:jc m:val="centerGroup"/>
-                    </m:oMathParaPr>
-                    <m:oMath xmlns:m="http://schemas.openxmlformats.org/officeDocument/2006/math">
-                      <m:r>
-                        <a:rPr lang="es-PE" b="0" i="1" smtClean="0">
-                          <a:latin typeface="Cambria Math" panose="02040503050406030204" pitchFamily="18" charset="0"/>
-                        </a:rPr>
-                        <m:t>𝑀𝑖𝑛</m:t>
-                      </m:r>
-                      <m:nary>
-                        <m:naryPr>
-                          <m:chr m:val="∑"/>
-                          <m:ctrlPr>
-                            <a:rPr lang="es-PE" b="0" i="1" smtClean="0">
-                              <a:latin typeface="Cambria Math" panose="02040503050406030204" pitchFamily="18" charset="0"/>
-                            </a:rPr>
-                          </m:ctrlPr>
-                        </m:naryPr>
-                        <m:sub>
-                          <m:r>
-                            <m:rPr>
-                              <m:brk m:alnAt="23"/>
-                            </m:rPr>
-                            <a:rPr lang="es-PE" b="0" i="1" smtClean="0">
-                              <a:latin typeface="Cambria Math" panose="02040503050406030204" pitchFamily="18" charset="0"/>
-                            </a:rPr>
-                            <m:t>𝑖</m:t>
-                          </m:r>
-                          <m:r>
-                            <a:rPr lang="es-PE" b="0" i="1" smtClean="0">
-                              <a:latin typeface="Cambria Math" panose="02040503050406030204" pitchFamily="18" charset="0"/>
-                            </a:rPr>
-                            <m:t>=1</m:t>
-                          </m:r>
-                        </m:sub>
-                        <m:sup>
-                          <m:r>
-                            <a:rPr lang="es-PE" b="0" i="1" smtClean="0">
-                              <a:latin typeface="Cambria Math" panose="02040503050406030204" pitchFamily="18" charset="0"/>
-                            </a:rPr>
-                            <m:t>𝑛</m:t>
-                          </m:r>
-                        </m:sup>
-                        <m:e>
-                          <m:sSub>
-                            <m:sSubPr>
-                              <m:ctrlPr>
-                                <a:rPr lang="es-PE" b="0" i="1" smtClean="0">
-                                  <a:latin typeface="Cambria Math" panose="02040503050406030204" pitchFamily="18" charset="0"/>
-                                </a:rPr>
-                              </m:ctrlPr>
-                            </m:sSubPr>
-                            <m:e>
-                              <m:r>
-                                <a:rPr lang="es-PE" b="0" i="1" smtClean="0">
-                                  <a:latin typeface="Cambria Math" panose="02040503050406030204" pitchFamily="18" charset="0"/>
-                                </a:rPr>
-                                <m:t>𝑐</m:t>
-                              </m:r>
-                            </m:e>
-                            <m:sub>
-                              <m:r>
-                                <a:rPr lang="es-PE" b="0" i="1" smtClean="0">
-                                  <a:latin typeface="Cambria Math" panose="02040503050406030204" pitchFamily="18" charset="0"/>
-                                </a:rPr>
-                                <m:t>𝑖</m:t>
-                              </m:r>
-                            </m:sub>
-                          </m:sSub>
-                          <m:sSub>
-                            <m:sSubPr>
-                              <m:ctrlPr>
-                                <a:rPr lang="es-PE" b="0" i="1" smtClean="0">
-                                  <a:latin typeface="Cambria Math" panose="02040503050406030204" pitchFamily="18" charset="0"/>
-                                </a:rPr>
-                              </m:ctrlPr>
-                            </m:sSubPr>
-                            <m:e>
-                              <m:r>
-                                <a:rPr lang="es-PE" b="0" i="1" smtClean="0">
-                                  <a:latin typeface="Cambria Math" panose="02040503050406030204" pitchFamily="18" charset="0"/>
-                                </a:rPr>
-                                <m:t>𝑥</m:t>
-                              </m:r>
-                            </m:e>
-                            <m:sub>
-                              <m:r>
-                                <a:rPr lang="es-PE" b="0" i="1" smtClean="0">
-                                  <a:latin typeface="Cambria Math" panose="02040503050406030204" pitchFamily="18" charset="0"/>
-                                </a:rPr>
-                                <m:t>𝑖</m:t>
-                              </m:r>
-                            </m:sub>
-                          </m:sSub>
-                        </m:e>
-                      </m:nary>
-                      <m:r>
-                        <a:rPr lang="es-PE" b="0" i="1" smtClean="0">
-                          <a:latin typeface="Cambria Math" panose="02040503050406030204" pitchFamily="18" charset="0"/>
-                        </a:rPr>
-                        <m:t>+</m:t>
-                      </m:r>
-                      <m:nary>
-                        <m:naryPr>
-                          <m:chr m:val="∑"/>
-                          <m:ctrlPr>
-                            <a:rPr lang="es-PE" i="1">
-                              <a:latin typeface="Cambria Math" panose="02040503050406030204" pitchFamily="18" charset="0"/>
-                            </a:rPr>
-                          </m:ctrlPr>
-                        </m:naryPr>
-                        <m:sub>
-                          <m:r>
-                            <m:rPr>
-                              <m:brk m:alnAt="23"/>
-                            </m:rPr>
-                            <a:rPr lang="es-PE" i="1">
-                              <a:latin typeface="Cambria Math" panose="02040503050406030204" pitchFamily="18" charset="0"/>
-                            </a:rPr>
-                            <m:t>𝑖</m:t>
-                          </m:r>
-                          <m:r>
-                            <a:rPr lang="es-PE" i="1">
-                              <a:latin typeface="Cambria Math" panose="02040503050406030204" pitchFamily="18" charset="0"/>
-                            </a:rPr>
-                            <m:t>=1</m:t>
-                          </m:r>
-                        </m:sub>
-                        <m:sup>
-                          <m:r>
-                            <a:rPr lang="es-PE" i="1">
-                              <a:latin typeface="Cambria Math" panose="02040503050406030204" pitchFamily="18" charset="0"/>
-                            </a:rPr>
-                            <m:t>𝑛</m:t>
-                          </m:r>
-                        </m:sup>
-                        <m:e>
-                          <m:sSub>
-                            <m:sSubPr>
-                              <m:ctrlPr>
-                                <a:rPr lang="es-PE" i="1">
-                                  <a:latin typeface="Cambria Math" panose="02040503050406030204" pitchFamily="18" charset="0"/>
-                                </a:rPr>
-                              </m:ctrlPr>
-                            </m:sSubPr>
-                            <m:e>
-                              <m:r>
-                                <a:rPr lang="es-PE" b="0" i="1" smtClean="0">
-                                  <a:latin typeface="Cambria Math" panose="02040503050406030204" pitchFamily="18" charset="0"/>
-                                </a:rPr>
-                                <m:t>𝑑</m:t>
-                              </m:r>
-                            </m:e>
-                            <m:sub>
-                              <m:r>
-                                <a:rPr lang="es-PE" i="1">
-                                  <a:latin typeface="Cambria Math" panose="02040503050406030204" pitchFamily="18" charset="0"/>
-                                </a:rPr>
-                                <m:t>𝑖</m:t>
-                              </m:r>
-                            </m:sub>
-                          </m:sSub>
-                          <m:sSub>
-                            <m:sSubPr>
-                              <m:ctrlPr>
-                                <a:rPr lang="es-PE" i="1" smtClean="0">
-                                  <a:latin typeface="Cambria Math" panose="02040503050406030204" pitchFamily="18" charset="0"/>
-                                </a:rPr>
-                              </m:ctrlPr>
-                            </m:sSubPr>
-                            <m:e>
-                              <m:r>
-                                <a:rPr lang="es-PE" b="0" i="1" smtClean="0">
-                                  <a:latin typeface="Cambria Math" panose="02040503050406030204" pitchFamily="18" charset="0"/>
-                                </a:rPr>
-                                <m:t>𝑦</m:t>
-                              </m:r>
-                            </m:e>
-                            <m:sub>
-                              <m:r>
-                                <a:rPr lang="es-PE" i="1">
-                                  <a:latin typeface="Cambria Math" panose="02040503050406030204" pitchFamily="18" charset="0"/>
-                                </a:rPr>
-                                <m:t>𝑖</m:t>
-                              </m:r>
-                            </m:sub>
-                          </m:sSub>
-                        </m:e>
-                      </m:nary>
-                    </m:oMath>
-                  </m:oMathPara>
-                </a14:m>
-                <a:endParaRPr lang="es-PE" b="0" dirty="0"/>
-              </a:p>
-              <a:p>
-                <a:pPr/>
-                <a14:m>
-                  <m:oMathPara xmlns:m="http://schemas.openxmlformats.org/officeDocument/2006/math">
-                    <m:oMathParaPr>
-                      <m:jc m:val="left"/>
-                    </m:oMathParaPr>
-                    <m:oMath xmlns:m="http://schemas.openxmlformats.org/officeDocument/2006/math">
-                      <m:r>
-                        <a:rPr lang="es-PE" b="0" i="1" smtClean="0">
-                          <a:latin typeface="Cambria Math" panose="02040503050406030204" pitchFamily="18" charset="0"/>
-                        </a:rPr>
-                        <m:t>𝑆𝑢𝑗𝑒𝑡𝑜</m:t>
-                      </m:r>
-                      <m:r>
-                        <a:rPr lang="es-PE" b="0" i="1" smtClean="0">
-                          <a:latin typeface="Cambria Math" panose="02040503050406030204" pitchFamily="18" charset="0"/>
-                        </a:rPr>
-                        <m:t> </m:t>
-                      </m:r>
-                      <m:r>
-                        <a:rPr lang="es-PE" b="0" i="1" smtClean="0">
-                          <a:latin typeface="Cambria Math" panose="02040503050406030204" pitchFamily="18" charset="0"/>
-                        </a:rPr>
-                        <m:t>𝑎</m:t>
-                      </m:r>
-                    </m:oMath>
-                  </m:oMathPara>
-                </a14:m>
-                <a:endParaRPr lang="es-PE" dirty="0"/>
-              </a:p>
-              <a:p>
-                <a:pPr/>
-                <a14:m>
-                  <m:oMathPara xmlns:m="http://schemas.openxmlformats.org/officeDocument/2006/math">
-                    <m:oMathParaPr>
-                      <m:jc m:val="left"/>
-                    </m:oMathParaPr>
-                    <m:oMath xmlns:m="http://schemas.openxmlformats.org/officeDocument/2006/math">
-                      <m:nary>
-                        <m:naryPr>
-                          <m:chr m:val="∑"/>
-                          <m:ctrlPr>
-                            <a:rPr lang="es-PE" i="1" smtClean="0">
-                              <a:latin typeface="Cambria Math" panose="02040503050406030204" pitchFamily="18" charset="0"/>
-                            </a:rPr>
-                          </m:ctrlPr>
-                        </m:naryPr>
-                        <m:sub>
-                          <m:r>
-                            <m:rPr>
-                              <m:brk m:alnAt="23"/>
-                            </m:rPr>
-                            <a:rPr lang="es-PE" b="0" i="1" smtClean="0">
-                              <a:latin typeface="Cambria Math" panose="02040503050406030204" pitchFamily="18" charset="0"/>
-                            </a:rPr>
-                            <m:t>𝑖</m:t>
-                          </m:r>
-                          <m:r>
-                            <a:rPr lang="es-PE" b="0" i="1" smtClean="0">
-                              <a:latin typeface="Cambria Math" panose="02040503050406030204" pitchFamily="18" charset="0"/>
-                            </a:rPr>
-                            <m:t>=1</m:t>
-                          </m:r>
-                        </m:sub>
-                        <m:sup>
-                          <m:r>
-                            <a:rPr lang="es-PE" b="0" i="1" smtClean="0">
-                              <a:latin typeface="Cambria Math" panose="02040503050406030204" pitchFamily="18" charset="0"/>
-                            </a:rPr>
-                            <m:t>𝑛</m:t>
-                          </m:r>
-                        </m:sup>
-                        <m:e>
-                          <m:sSub>
-                            <m:sSubPr>
-                              <m:ctrlPr>
-                                <a:rPr lang="es-PE" i="1" smtClean="0">
-                                  <a:latin typeface="Cambria Math" panose="02040503050406030204" pitchFamily="18" charset="0"/>
-                                </a:rPr>
-                              </m:ctrlPr>
-                            </m:sSubPr>
-                            <m:e>
-                              <m:r>
-                                <a:rPr lang="es-PE" b="0" i="1" smtClean="0">
-                                  <a:latin typeface="Cambria Math" panose="02040503050406030204" pitchFamily="18" charset="0"/>
-                                </a:rPr>
-                                <m:t>𝑎</m:t>
-                              </m:r>
-                            </m:e>
-                            <m:sub>
-                              <m:r>
-                                <a:rPr lang="es-PE" b="0" i="1" smtClean="0">
-                                  <a:latin typeface="Cambria Math" panose="02040503050406030204" pitchFamily="18" charset="0"/>
-                                </a:rPr>
-                                <m:t>𝑗𝑖</m:t>
-                              </m:r>
-                            </m:sub>
-                          </m:sSub>
-                          <m:sSub>
-                            <m:sSubPr>
-                              <m:ctrlPr>
-                                <a:rPr lang="es-PE" i="1" smtClean="0">
-                                  <a:latin typeface="Cambria Math" panose="02040503050406030204" pitchFamily="18" charset="0"/>
-                                </a:rPr>
-                              </m:ctrlPr>
-                            </m:sSubPr>
-                            <m:e>
-                              <m:r>
-                                <a:rPr lang="es-PE" b="0" i="1" smtClean="0">
-                                  <a:latin typeface="Cambria Math" panose="02040503050406030204" pitchFamily="18" charset="0"/>
-                                </a:rPr>
-                                <m:t>𝑥</m:t>
-                              </m:r>
-                            </m:e>
-                            <m:sub>
-                              <m:r>
-                                <a:rPr lang="es-PE" b="0" i="1" smtClean="0">
-                                  <a:latin typeface="Cambria Math" panose="02040503050406030204" pitchFamily="18" charset="0"/>
-                                </a:rPr>
-                                <m:t>𝑖</m:t>
-                              </m:r>
-                            </m:sub>
-                          </m:sSub>
-                        </m:e>
-                      </m:nary>
-                      <m:r>
-                        <a:rPr lang="es-PE" b="0" i="1" smtClean="0">
-                          <a:latin typeface="Cambria Math" panose="02040503050406030204" pitchFamily="18" charset="0"/>
-                        </a:rPr>
-                        <m:t>+</m:t>
-                      </m:r>
-                      <m:nary>
-                        <m:naryPr>
-                          <m:chr m:val="∑"/>
-                          <m:ctrlPr>
-                            <a:rPr lang="es-PE" i="1">
-                              <a:latin typeface="Cambria Math" panose="02040503050406030204" pitchFamily="18" charset="0"/>
-                            </a:rPr>
-                          </m:ctrlPr>
-                        </m:naryPr>
-                        <m:sub>
-                          <m:r>
-                            <m:rPr>
-                              <m:brk m:alnAt="23"/>
-                            </m:rPr>
-                            <a:rPr lang="es-PE" i="1">
-                              <a:latin typeface="Cambria Math" panose="02040503050406030204" pitchFamily="18" charset="0"/>
-                            </a:rPr>
-                            <m:t>𝑖</m:t>
-                          </m:r>
-                          <m:r>
-                            <a:rPr lang="es-PE" i="1">
-                              <a:latin typeface="Cambria Math" panose="02040503050406030204" pitchFamily="18" charset="0"/>
-                            </a:rPr>
-                            <m:t>=1</m:t>
-                          </m:r>
-                        </m:sub>
-                        <m:sup>
-                          <m:r>
-                            <a:rPr lang="es-PE" b="0" i="1" smtClean="0">
-                              <a:latin typeface="Cambria Math" panose="02040503050406030204" pitchFamily="18" charset="0"/>
-                            </a:rPr>
-                            <m:t>𝑙</m:t>
-                          </m:r>
-                        </m:sup>
-                        <m:e>
-                          <m:sSub>
-                            <m:sSubPr>
-                              <m:ctrlPr>
-                                <a:rPr lang="es-PE" i="1">
-                                  <a:latin typeface="Cambria Math" panose="02040503050406030204" pitchFamily="18" charset="0"/>
-                                </a:rPr>
-                              </m:ctrlPr>
-                            </m:sSubPr>
-                            <m:e>
-                              <m:r>
-                                <a:rPr lang="es-PE" b="0" i="1" smtClean="0">
-                                  <a:latin typeface="Cambria Math" panose="02040503050406030204" pitchFamily="18" charset="0"/>
-                                </a:rPr>
-                                <m:t>𝑒</m:t>
-                              </m:r>
-                            </m:e>
-                            <m:sub>
-                              <m:r>
-                                <a:rPr lang="es-PE" i="1">
-                                  <a:latin typeface="Cambria Math" panose="02040503050406030204" pitchFamily="18" charset="0"/>
-                                </a:rPr>
-                                <m:t>𝑗𝑖</m:t>
-                              </m:r>
-                            </m:sub>
-                          </m:sSub>
-                          <m:sSub>
-                            <m:sSubPr>
-                              <m:ctrlPr>
-                                <a:rPr lang="es-PE" i="1">
-                                  <a:latin typeface="Cambria Math" panose="02040503050406030204" pitchFamily="18" charset="0"/>
-                                </a:rPr>
-                              </m:ctrlPr>
-                            </m:sSubPr>
-                            <m:e>
-                              <m:r>
-                                <a:rPr lang="es-PE" b="0" i="1" smtClean="0">
-                                  <a:latin typeface="Cambria Math" panose="02040503050406030204" pitchFamily="18" charset="0"/>
-                                </a:rPr>
-                                <m:t>𝑦</m:t>
-                              </m:r>
-                            </m:e>
-                            <m:sub>
-                              <m:r>
-                                <a:rPr lang="es-PE" i="1">
-                                  <a:latin typeface="Cambria Math" panose="02040503050406030204" pitchFamily="18" charset="0"/>
-                                </a:rPr>
-                                <m:t>𝑖</m:t>
-                              </m:r>
-                            </m:sub>
-                          </m:sSub>
-                        </m:e>
-                      </m:nary>
-                      <m:r>
-                        <a:rPr lang="es-PE" b="0" i="1" smtClean="0">
-                          <a:latin typeface="Cambria Math" panose="02040503050406030204" pitchFamily="18" charset="0"/>
-                        </a:rPr>
-                        <m:t>=</m:t>
-                      </m:r>
-                      <m:sSub>
-                        <m:sSubPr>
-                          <m:ctrlPr>
-                            <a:rPr lang="es-PE" i="1">
-                              <a:latin typeface="Cambria Math" panose="02040503050406030204" pitchFamily="18" charset="0"/>
-                            </a:rPr>
-                          </m:ctrlPr>
-                        </m:sSubPr>
-                        <m:e>
-                          <m:r>
-                            <a:rPr lang="es-PE" i="1">
-                              <a:latin typeface="Cambria Math" panose="02040503050406030204" pitchFamily="18" charset="0"/>
-                            </a:rPr>
-                            <m:t>𝑏</m:t>
-                          </m:r>
-                        </m:e>
-                        <m:sub>
-                          <m:r>
-                            <a:rPr lang="es-PE" i="1">
-                              <a:latin typeface="Cambria Math" panose="02040503050406030204" pitchFamily="18" charset="0"/>
-                            </a:rPr>
-                            <m:t>𝑗</m:t>
-                          </m:r>
-                        </m:sub>
-                      </m:sSub>
-                      <m:r>
-                        <a:rPr lang="es-PE" i="1">
-                          <a:latin typeface="Cambria Math" panose="02040503050406030204" pitchFamily="18" charset="0"/>
-                        </a:rPr>
-                        <m:t>,</m:t>
-                      </m:r>
-                      <m:r>
-                        <m:rPr>
-                          <m:nor/>
-                        </m:rPr>
-                        <a:rPr lang="es-PE"/>
-                        <m:t>∀</m:t>
-                      </m:r>
-                      <m:r>
-                        <a:rPr lang="es-PE" i="1">
-                          <a:latin typeface="Cambria Math" panose="02040503050406030204" pitchFamily="18" charset="0"/>
-                        </a:rPr>
-                        <m:t>𝑗</m:t>
-                      </m:r>
-                      <m:r>
-                        <a:rPr lang="es-PE" i="1">
-                          <a:latin typeface="Cambria Math" panose="02040503050406030204" pitchFamily="18" charset="0"/>
-                        </a:rPr>
-                        <m:t>=1,…,</m:t>
-                      </m:r>
-                      <m:r>
-                        <a:rPr lang="es-PE" b="0" i="1" smtClean="0">
-                          <a:latin typeface="Cambria Math" panose="02040503050406030204" pitchFamily="18" charset="0"/>
-                        </a:rPr>
-                        <m:t>𝑚</m:t>
-                      </m:r>
-                    </m:oMath>
-                  </m:oMathPara>
-                </a14:m>
-                <a:endParaRPr lang="es-PE" dirty="0"/>
-              </a:p>
-              <a:p>
-                <a:pPr/>
-                <a14:m>
-                  <m:oMathPara xmlns:m="http://schemas.openxmlformats.org/officeDocument/2006/math">
-                    <m:oMathParaPr>
-                      <m:jc m:val="left"/>
-                    </m:oMathParaPr>
-                    <m:oMath xmlns:m="http://schemas.openxmlformats.org/officeDocument/2006/math">
-                      <m:sSub>
-                        <m:sSubPr>
-                          <m:ctrlPr>
-                            <a:rPr lang="es-PE" i="1" smtClean="0">
-                              <a:latin typeface="Cambria Math" panose="02040503050406030204" pitchFamily="18" charset="0"/>
-                            </a:rPr>
-                          </m:ctrlPr>
-                        </m:sSubPr>
-                        <m:e>
-                          <m:r>
-                            <a:rPr lang="es-PE" b="0" i="1" smtClean="0">
-                              <a:latin typeface="Cambria Math" panose="02040503050406030204" pitchFamily="18" charset="0"/>
-                            </a:rPr>
-                            <m:t>𝑥</m:t>
-                          </m:r>
-                        </m:e>
-                        <m:sub>
-                          <m:r>
-                            <a:rPr lang="es-PE" b="0" i="1" smtClean="0">
-                              <a:latin typeface="Cambria Math" panose="02040503050406030204" pitchFamily="18" charset="0"/>
-                            </a:rPr>
-                            <m:t>𝑖</m:t>
-                          </m:r>
-                        </m:sub>
-                      </m:sSub>
-                      <m:r>
-                        <a:rPr lang="es-PE" b="0" i="1" smtClean="0">
-                          <a:latin typeface="Cambria Math" panose="02040503050406030204" pitchFamily="18" charset="0"/>
-                        </a:rPr>
-                        <m:t>≥0,</m:t>
-                      </m:r>
-                      <m:r>
-                        <m:rPr>
-                          <m:nor/>
-                        </m:rPr>
-                        <a:rPr lang="es-PE" b="0" i="0" smtClean="0">
-                          <a:latin typeface="Cambria Math" panose="02040503050406030204" pitchFamily="18" charset="0"/>
-                        </a:rPr>
-                        <m:t>     </m:t>
-                      </m:r>
-                      <m:r>
-                        <m:rPr>
-                          <m:nor/>
-                        </m:rPr>
-                        <a:rPr lang="es-PE"/>
-                        <m:t>∀</m:t>
-                      </m:r>
-                      <m:r>
-                        <a:rPr lang="es-PE" b="0" i="1" smtClean="0">
-                          <a:latin typeface="Cambria Math" panose="02040503050406030204" pitchFamily="18" charset="0"/>
-                        </a:rPr>
-                        <m:t>𝑖</m:t>
-                      </m:r>
-                      <m:r>
-                        <a:rPr lang="es-PE" i="1">
-                          <a:latin typeface="Cambria Math" panose="02040503050406030204" pitchFamily="18" charset="0"/>
-                        </a:rPr>
-                        <m:t>=1,…,</m:t>
-                      </m:r>
-                      <m:r>
-                        <a:rPr lang="es-PE" b="0" i="1" smtClean="0">
-                          <a:latin typeface="Cambria Math" panose="02040503050406030204" pitchFamily="18" charset="0"/>
-                        </a:rPr>
-                        <m:t>𝑛</m:t>
-                      </m:r>
-                    </m:oMath>
-                  </m:oMathPara>
-                </a14:m>
-                <a:endParaRPr lang="es-PE" dirty="0"/>
-              </a:p>
-              <a:p>
-                <a:pPr/>
-                <a14:m>
-                  <m:oMathPara xmlns:m="http://schemas.openxmlformats.org/officeDocument/2006/math">
-                    <m:oMathParaPr>
-                      <m:jc m:val="left"/>
-                    </m:oMathParaPr>
-                    <m:oMath xmlns:m="http://schemas.openxmlformats.org/officeDocument/2006/math">
-                      <m:sSub>
-                        <m:sSubPr>
-                          <m:ctrlPr>
-                            <a:rPr lang="es-PE" i="1">
-                              <a:latin typeface="Cambria Math" panose="02040503050406030204" pitchFamily="18" charset="0"/>
-                            </a:rPr>
-                          </m:ctrlPr>
-                        </m:sSubPr>
-                        <m:e>
-                          <m:r>
-                            <a:rPr lang="es-PE" b="0" i="1" smtClean="0">
-                              <a:latin typeface="Cambria Math" panose="02040503050406030204" pitchFamily="18" charset="0"/>
-                            </a:rPr>
-                            <m:t>𝑦</m:t>
-                          </m:r>
-                        </m:e>
-                        <m:sub>
-                          <m:r>
-                            <a:rPr lang="es-PE" i="1">
-                              <a:latin typeface="Cambria Math" panose="02040503050406030204" pitchFamily="18" charset="0"/>
-                            </a:rPr>
-                            <m:t>𝑖</m:t>
-                          </m:r>
-                        </m:sub>
-                      </m:sSub>
-                      <m:r>
-                        <a:rPr lang="es-PE" i="1">
-                          <a:latin typeface="Cambria Math" panose="02040503050406030204" pitchFamily="18" charset="0"/>
-                        </a:rPr>
-                        <m:t>≥0,</m:t>
-                      </m:r>
-                      <m:r>
-                        <m:rPr>
-                          <m:nor/>
-                        </m:rPr>
-                        <a:rPr lang="es-PE">
-                          <a:latin typeface="Cambria Math" panose="02040503050406030204" pitchFamily="18" charset="0"/>
-                        </a:rPr>
-                        <m:t>     </m:t>
-                      </m:r>
-                      <m:r>
-                        <m:rPr>
-                          <m:nor/>
-                        </m:rPr>
-                        <a:rPr lang="es-PE"/>
-                        <m:t>∀</m:t>
-                      </m:r>
-                      <m:r>
-                        <a:rPr lang="es-PE" i="1">
-                          <a:latin typeface="Cambria Math" panose="02040503050406030204" pitchFamily="18" charset="0"/>
-                        </a:rPr>
-                        <m:t>𝑖</m:t>
-                      </m:r>
-                      <m:r>
-                        <a:rPr lang="es-PE" i="1">
-                          <a:latin typeface="Cambria Math" panose="02040503050406030204" pitchFamily="18" charset="0"/>
-                        </a:rPr>
-                        <m:t>=1,…,</m:t>
-                      </m:r>
-                      <m:r>
-                        <a:rPr lang="es-PE" b="0" i="1" smtClean="0">
-                          <a:latin typeface="Cambria Math" panose="02040503050406030204" pitchFamily="18" charset="0"/>
-                        </a:rPr>
-                        <m:t>𝑙</m:t>
-                      </m:r>
-                    </m:oMath>
-                  </m:oMathPara>
-                </a14:m>
-                <a:endParaRPr lang="es-PE" dirty="0"/>
-              </a:p>
-              <a:p>
-                <a:pPr/>
-                <a14:m>
-                  <m:oMathPara xmlns:m="http://schemas.openxmlformats.org/officeDocument/2006/math">
-                    <m:oMathParaPr>
-                      <m:jc m:val="left"/>
-                    </m:oMathParaPr>
-                    <m:oMath xmlns:m="http://schemas.openxmlformats.org/officeDocument/2006/math">
-                      <m:sSub>
-                        <m:sSubPr>
-                          <m:ctrlPr>
-                            <a:rPr lang="es-PE" i="1">
-                              <a:latin typeface="Cambria Math" panose="02040503050406030204" pitchFamily="18" charset="0"/>
-                            </a:rPr>
-                          </m:ctrlPr>
-                        </m:sSubPr>
-                        <m:e>
-                          <m:r>
-                            <a:rPr lang="es-PE" b="0" i="1" smtClean="0">
-                              <a:latin typeface="Cambria Math" panose="02040503050406030204" pitchFamily="18" charset="0"/>
-                            </a:rPr>
-                            <m:t>𝑥</m:t>
-                          </m:r>
-                        </m:e>
-                        <m:sub>
-                          <m:r>
-                            <a:rPr lang="es-PE" i="1">
-                              <a:latin typeface="Cambria Math" panose="02040503050406030204" pitchFamily="18" charset="0"/>
-                            </a:rPr>
-                            <m:t>𝑖</m:t>
-                          </m:r>
-                        </m:sub>
-                      </m:sSub>
-                      <m:r>
-                        <a:rPr lang="es-PE" i="1" smtClean="0">
-                          <a:latin typeface="Cambria Math" panose="02040503050406030204" pitchFamily="18" charset="0"/>
-                          <a:ea typeface="Cambria Math" panose="02040503050406030204" pitchFamily="18" charset="0"/>
-                        </a:rPr>
-                        <m:t>∈</m:t>
-                      </m:r>
-                      <m:r>
-                        <a:rPr lang="el-GR" i="1" smtClean="0">
-                          <a:latin typeface="Cambria Math" panose="02040503050406030204" pitchFamily="18" charset="0"/>
-                          <a:ea typeface="Cambria Math" panose="02040503050406030204" pitchFamily="18" charset="0"/>
-                        </a:rPr>
-                        <m:t>ℤ</m:t>
-                      </m:r>
-                      <m:r>
-                        <a:rPr lang="es-PE" i="1">
-                          <a:latin typeface="Cambria Math" panose="02040503050406030204" pitchFamily="18" charset="0"/>
-                        </a:rPr>
-                        <m:t>,</m:t>
-                      </m:r>
-                      <m:r>
-                        <m:rPr>
-                          <m:nor/>
-                        </m:rPr>
-                        <a:rPr lang="es-PE">
-                          <a:latin typeface="Cambria Math" panose="02040503050406030204" pitchFamily="18" charset="0"/>
-                        </a:rPr>
-                        <m:t>     </m:t>
-                      </m:r>
-                      <m:r>
-                        <m:rPr>
-                          <m:nor/>
-                        </m:rPr>
-                        <a:rPr lang="es-PE"/>
-                        <m:t>∀</m:t>
-                      </m:r>
-                      <m:r>
-                        <a:rPr lang="es-PE" i="1">
-                          <a:latin typeface="Cambria Math" panose="02040503050406030204" pitchFamily="18" charset="0"/>
-                        </a:rPr>
-                        <m:t>𝑖</m:t>
-                      </m:r>
-                      <m:r>
-                        <a:rPr lang="es-PE" i="1">
-                          <a:latin typeface="Cambria Math" panose="02040503050406030204" pitchFamily="18" charset="0"/>
-                        </a:rPr>
-                        <m:t>=1,…,</m:t>
-                      </m:r>
-                      <m:r>
-                        <a:rPr lang="es-PE" b="0" i="1" smtClean="0">
-                          <a:latin typeface="Cambria Math" panose="02040503050406030204" pitchFamily="18" charset="0"/>
-                        </a:rPr>
-                        <m:t>𝑛</m:t>
-                      </m:r>
-                    </m:oMath>
-                  </m:oMathPara>
-                </a14:m>
-                <a:endParaRPr lang="es-PE" dirty="0"/>
-              </a:p>
-              <a:p>
-                <a:pPr/>
-                <a:endParaRPr lang="es-PE" dirty="0"/>
-              </a:p>
-            </p:txBody>
-          </p:sp>
-        </mc:Choice>
-        <mc:Fallback>
-          <p:sp>
-            <p:nvSpPr>
-              <p:cNvPr id="6" name="TextBox 5">
-                <a:extLst>
-                  <a:ext uri="{FF2B5EF4-FFF2-40B4-BE49-F238E27FC236}">
-                    <a16:creationId xmlns:a16="http://schemas.microsoft.com/office/drawing/2014/main" id="{CF798055-6B72-4532-B2E2-3738A47C9519}"/>
-                  </a:ext>
-                </a:extLst>
-              </p:cNvPr>
-              <p:cNvSpPr txBox="1">
-                <a:spLocks noRot="1" noChangeAspect="1" noMove="1" noResize="1" noEditPoints="1" noAdjustHandles="1" noChangeArrowheads="1" noChangeShapeType="1" noTextEdit="1"/>
-              </p:cNvSpPr>
-              <p:nvPr/>
-            </p:nvSpPr>
-            <p:spPr>
-              <a:xfrm>
-                <a:off x="2875127" y="491436"/>
-                <a:ext cx="3816424" cy="2925801"/>
-              </a:xfrm>
-              <a:prstGeom prst="rect">
-                <a:avLst/>
-              </a:prstGeom>
-              <a:blipFill>
-                <a:blip r:embed="rId2"/>
-                <a:stretch>
-                  <a:fillRect l="-2875"/>
-                </a:stretch>
-              </a:blipFill>
-            </p:spPr>
-            <p:txBody>
-              <a:bodyPr/>
-              <a:lstStyle/>
-              <a:p>
-                <a:r>
-                  <a:rPr lang="es-PE">
-                    <a:noFill/>
-                  </a:rPr>
-                  <a:t> </a:t>
-                </a:r>
-              </a:p>
-            </p:txBody>
-          </p:sp>
-        </mc:Fallback>
-      </mc:AlternateContent>
-    </p:spTree>
-    <p:extLst>
-      <p:ext uri="{BB962C8B-B14F-4D97-AF65-F5344CB8AC3E}">
-        <p14:creationId xmlns:p14="http://schemas.microsoft.com/office/powerpoint/2010/main" val="3006276229"/>
       </p:ext>
     </p:extLst>
   </p:cSld>
